--- a/Sales Forecasting.pptx
+++ b/Sales Forecasting.pptx
@@ -6,10 +6,10 @@
   </p:sldMasterIdLst>
   <p:sldIdLst>
     <p:sldId id="256" r:id="rId2"/>
-    <p:sldId id="257" r:id="rId3"/>
-    <p:sldId id="258" r:id="rId4"/>
-    <p:sldId id="260" r:id="rId5"/>
-    <p:sldId id="261" r:id="rId6"/>
+    <p:sldId id="267" r:id="rId3"/>
+    <p:sldId id="268" r:id="rId4"/>
+    <p:sldId id="257" r:id="rId5"/>
+    <p:sldId id="258" r:id="rId6"/>
     <p:sldId id="263" r:id="rId7"/>
     <p:sldId id="266" r:id="rId8"/>
     <p:sldId id="264" r:id="rId9"/>
@@ -7099,6 +7099,1923 @@
 <file path=ppt/slides/slide2.xml><?xml version="1.0" encoding="utf-8"?>
 <p:sld xmlns:a="http://schemas.openxmlformats.org/drawingml/2006/main" xmlns:r="http://schemas.openxmlformats.org/officeDocument/2006/relationships" xmlns:p="http://schemas.openxmlformats.org/presentationml/2006/main">
   <p:cSld>
+    <p:spTree>
+      <p:nvGrpSpPr>
+        <p:cNvPr id="1" name=""/>
+        <p:cNvGrpSpPr/>
+        <p:nvPr/>
+      </p:nvGrpSpPr>
+      <p:grpSpPr>
+        <a:xfrm>
+          <a:off x="0" y="0"/>
+          <a:ext cx="0" cy="0"/>
+          <a:chOff x="0" y="0"/>
+          <a:chExt cx="0" cy="0"/>
+        </a:xfrm>
+      </p:grpSpPr>
+      <p:sp>
+        <p:nvSpPr>
+          <p:cNvPr id="6" name="TextBox 5">
+            <a:extLst>
+              <a:ext uri="{FF2B5EF4-FFF2-40B4-BE49-F238E27FC236}">
+                <a16:creationId xmlns:a16="http://schemas.microsoft.com/office/drawing/2014/main" id="{63BFD3F4-511A-4210-BCB3-24F9259CA297}"/>
+              </a:ext>
+            </a:extLst>
+          </p:cNvPr>
+          <p:cNvSpPr txBox="1"/>
+          <p:nvPr/>
+        </p:nvSpPr>
+        <p:spPr>
+          <a:xfrm>
+            <a:off x="504967" y="1214651"/>
+            <a:ext cx="10972799" cy="2062103"/>
+          </a:xfrm>
+          <a:prstGeom prst="rect">
+            <a:avLst/>
+          </a:prstGeom>
+          <a:noFill/>
+        </p:spPr>
+        <p:txBody>
+          <a:bodyPr wrap="square" rtlCol="0">
+            <a:spAutoFit/>
+          </a:bodyPr>
+          <a:lstStyle/>
+          <a:p>
+            <a:r>
+              <a:rPr lang="en-US" sz="2400" b="1" u="sng" dirty="0"/>
+              <a:t>Introduction:</a:t>
+            </a:r>
+          </a:p>
+          <a:p>
+            <a:endParaRPr lang="en-US" sz="2400" b="1" u="sng" dirty="0"/>
+          </a:p>
+          <a:p>
+            <a:pPr marL="285750" indent="-285750">
+              <a:buFont typeface="Arial" panose="020B0604020202020204" pitchFamily="34" charset="0"/>
+              <a:buChar char="•"/>
+            </a:pPr>
+            <a:r>
+              <a:rPr lang="en-US" sz="2000" dirty="0"/>
+              <a:t>This data is extracted from Kaggle website for 1C Company. 1C specializes in development, distribution, publishing and support of mass-market software in Russia. </a:t>
+            </a:r>
+          </a:p>
+          <a:p>
+            <a:pPr marL="285750" indent="-285750">
+              <a:buFont typeface="Arial" panose="020B0604020202020204" pitchFamily="34" charset="0"/>
+              <a:buChar char="•"/>
+            </a:pPr>
+            <a:r>
+              <a:rPr lang="en-US" sz="2000" dirty="0"/>
+              <a:t>1C is widely acknowledged as a game developer.  </a:t>
+            </a:r>
+          </a:p>
+          <a:p>
+            <a:pPr marL="285750" indent="-285750">
+              <a:buFont typeface="Arial" panose="020B0604020202020204" pitchFamily="34" charset="0"/>
+              <a:buChar char="•"/>
+            </a:pPr>
+            <a:r>
+              <a:rPr lang="en-US" sz="2000" dirty="0"/>
+              <a:t>The data  contains 1C sales for January 2013 to October 2015. </a:t>
+            </a:r>
+          </a:p>
+        </p:txBody>
+      </p:sp>
+      <p:sp>
+        <p:nvSpPr>
+          <p:cNvPr id="7" name="TextBox 6">
+            <a:extLst>
+              <a:ext uri="{FF2B5EF4-FFF2-40B4-BE49-F238E27FC236}">
+                <a16:creationId xmlns:a16="http://schemas.microsoft.com/office/drawing/2014/main" id="{691AB08C-CCC7-4A09-9A2A-5F92E00B16CE}"/>
+              </a:ext>
+            </a:extLst>
+          </p:cNvPr>
+          <p:cNvSpPr txBox="1"/>
+          <p:nvPr/>
+        </p:nvSpPr>
+        <p:spPr>
+          <a:xfrm>
+            <a:off x="504967" y="4395787"/>
+            <a:ext cx="10815849" cy="2462213"/>
+          </a:xfrm>
+          <a:prstGeom prst="rect">
+            <a:avLst/>
+          </a:prstGeom>
+          <a:noFill/>
+        </p:spPr>
+        <p:txBody>
+          <a:bodyPr wrap="square" rtlCol="0">
+            <a:spAutoFit/>
+          </a:bodyPr>
+          <a:lstStyle/>
+          <a:p>
+            <a:r>
+              <a:rPr lang="en-US" sz="2400" b="1" u="sng" dirty="0"/>
+              <a:t>Objective:</a:t>
+            </a:r>
+          </a:p>
+          <a:p>
+            <a:pPr marL="285750" indent="-285750">
+              <a:buFont typeface="Arial" panose="020B0604020202020204" pitchFamily="34" charset="0"/>
+              <a:buChar char="•"/>
+            </a:pPr>
+            <a:endParaRPr lang="en-US" dirty="0"/>
+          </a:p>
+          <a:p>
+            <a:pPr marL="285750" indent="-285750">
+              <a:buFont typeface="Arial" panose="020B0604020202020204" pitchFamily="34" charset="0"/>
+              <a:buChar char="•"/>
+            </a:pPr>
+            <a:r>
+              <a:rPr lang="en-US" sz="2000" dirty="0"/>
+              <a:t>Explore the data and explain the overall trend in it.</a:t>
+            </a:r>
+          </a:p>
+          <a:p>
+            <a:pPr marL="285750" indent="-285750">
+              <a:buFont typeface="Arial" panose="020B0604020202020204" pitchFamily="34" charset="0"/>
+              <a:buChar char="•"/>
+            </a:pPr>
+            <a:r>
+              <a:rPr lang="en-US" sz="2000" dirty="0"/>
+              <a:t>Forecast next few months sales amount based of the available historical data</a:t>
+            </a:r>
+            <a:r>
+              <a:rPr lang="en-US" dirty="0"/>
+              <a:t>.</a:t>
+            </a:r>
+          </a:p>
+          <a:p>
+            <a:pPr marL="285750" indent="-285750">
+              <a:buFont typeface="Arial" panose="020B0604020202020204" pitchFamily="34" charset="0"/>
+              <a:buChar char="•"/>
+            </a:pPr>
+            <a:endParaRPr lang="en-US" dirty="0"/>
+          </a:p>
+          <a:p>
+            <a:pPr marL="285750" indent="-285750">
+              <a:buFont typeface="Arial" panose="020B0604020202020204" pitchFamily="34" charset="0"/>
+              <a:buChar char="•"/>
+            </a:pPr>
+            <a:endParaRPr lang="en-US" dirty="0"/>
+          </a:p>
+          <a:p>
+            <a:pPr marL="285750" indent="-285750">
+              <a:buFont typeface="Arial" panose="020B0604020202020204" pitchFamily="34" charset="0"/>
+              <a:buChar char="•"/>
+            </a:pPr>
+            <a:endParaRPr lang="en-US" dirty="0"/>
+          </a:p>
+          <a:p>
+            <a:pPr marL="285750" indent="-285750">
+              <a:buFont typeface="Arial" panose="020B0604020202020204" pitchFamily="34" charset="0"/>
+              <a:buChar char="•"/>
+            </a:pPr>
+            <a:endParaRPr lang="en-US" dirty="0"/>
+          </a:p>
+        </p:txBody>
+      </p:sp>
+    </p:spTree>
+    <p:extLst>
+      <p:ext uri="{BB962C8B-B14F-4D97-AF65-F5344CB8AC3E}">
+        <p14:creationId xmlns:p14="http://schemas.microsoft.com/office/powerpoint/2010/main" val="1941085560"/>
+      </p:ext>
+    </p:extLst>
+  </p:cSld>
+  <p:clrMapOvr>
+    <a:masterClrMapping/>
+  </p:clrMapOvr>
+  <p:timing>
+    <p:tnLst>
+      <p:par>
+        <p:cTn id="1" dur="indefinite" restart="never" nodeType="tmRoot">
+          <p:childTnLst>
+            <p:seq concurrent="1" nextAc="seek">
+              <p:cTn id="2" dur="indefinite" nodeType="mainSeq">
+                <p:childTnLst>
+                  <p:par>
+                    <p:cTn id="3" fill="hold">
+                      <p:stCondLst>
+                        <p:cond delay="indefinite"/>
+                      </p:stCondLst>
+                      <p:childTnLst>
+                        <p:par>
+                          <p:cTn id="4" fill="hold">
+                            <p:stCondLst>
+                              <p:cond delay="0"/>
+                            </p:stCondLst>
+                            <p:childTnLst>
+                              <p:par>
+                                <p:cTn id="5" presetID="2" presetClass="entr" presetSubtype="4" fill="hold" grpId="0" nodeType="clickEffect">
+                                  <p:stCondLst>
+                                    <p:cond delay="0"/>
+                                  </p:stCondLst>
+                                  <p:childTnLst>
+                                    <p:set>
+                                      <p:cBhvr>
+                                        <p:cTn id="6" dur="1" fill="hold">
+                                          <p:stCondLst>
+                                            <p:cond delay="0"/>
+                                          </p:stCondLst>
+                                        </p:cTn>
+                                        <p:tgtEl>
+                                          <p:spTgt spid="7"/>
+                                        </p:tgtEl>
+                                        <p:attrNameLst>
+                                          <p:attrName>style.visibility</p:attrName>
+                                        </p:attrNameLst>
+                                      </p:cBhvr>
+                                      <p:to>
+                                        <p:strVal val="visible"/>
+                                      </p:to>
+                                    </p:set>
+                                    <p:anim calcmode="lin" valueType="num">
+                                      <p:cBhvr additive="base">
+                                        <p:cTn id="7" dur="500" fill="hold"/>
+                                        <p:tgtEl>
+                                          <p:spTgt spid="7"/>
+                                        </p:tgtEl>
+                                        <p:attrNameLst>
+                                          <p:attrName>ppt_x</p:attrName>
+                                        </p:attrNameLst>
+                                      </p:cBhvr>
+                                      <p:tavLst>
+                                        <p:tav tm="0">
+                                          <p:val>
+                                            <p:strVal val="#ppt_x"/>
+                                          </p:val>
+                                        </p:tav>
+                                        <p:tav tm="100000">
+                                          <p:val>
+                                            <p:strVal val="#ppt_x"/>
+                                          </p:val>
+                                        </p:tav>
+                                      </p:tavLst>
+                                    </p:anim>
+                                    <p:anim calcmode="lin" valueType="num">
+                                      <p:cBhvr additive="base">
+                                        <p:cTn id="8" dur="500" fill="hold"/>
+                                        <p:tgtEl>
+                                          <p:spTgt spid="7"/>
+                                        </p:tgtEl>
+                                        <p:attrNameLst>
+                                          <p:attrName>ppt_y</p:attrName>
+                                        </p:attrNameLst>
+                                      </p:cBhvr>
+                                      <p:tavLst>
+                                        <p:tav tm="0">
+                                          <p:val>
+                                            <p:strVal val="1+#ppt_h/2"/>
+                                          </p:val>
+                                        </p:tav>
+                                        <p:tav tm="100000">
+                                          <p:val>
+                                            <p:strVal val="#ppt_y"/>
+                                          </p:val>
+                                        </p:tav>
+                                      </p:tavLst>
+                                    </p:anim>
+                                  </p:childTnLst>
+                                </p:cTn>
+                              </p:par>
+                            </p:childTnLst>
+                          </p:cTn>
+                        </p:par>
+                      </p:childTnLst>
+                    </p:cTn>
+                  </p:par>
+                </p:childTnLst>
+              </p:cTn>
+              <p:prevCondLst>
+                <p:cond evt="onPrev" delay="0">
+                  <p:tgtEl>
+                    <p:sldTgt/>
+                  </p:tgtEl>
+                </p:cond>
+              </p:prevCondLst>
+              <p:nextCondLst>
+                <p:cond evt="onNext" delay="0">
+                  <p:tgtEl>
+                    <p:sldTgt/>
+                  </p:tgtEl>
+                </p:cond>
+              </p:nextCondLst>
+            </p:seq>
+          </p:childTnLst>
+        </p:cTn>
+      </p:par>
+    </p:tnLst>
+    <p:bldLst>
+      <p:bldP spid="7" grpId="0"/>
+    </p:bldLst>
+  </p:timing>
+</p:sld>
+</file>
+
+<file path=ppt/slides/slide3.xml><?xml version="1.0" encoding="utf-8"?>
+<p:sld xmlns:a="http://schemas.openxmlformats.org/drawingml/2006/main" xmlns:r="http://schemas.openxmlformats.org/officeDocument/2006/relationships" xmlns:p="http://schemas.openxmlformats.org/presentationml/2006/main">
+  <p:cSld>
+    <p:bg>
+      <p:bgPr>
+        <a:blipFill rotWithShape="1">
+          <a:blip r:embed="rId2">
+            <a:duotone>
+              <a:schemeClr val="bg2">
+                <a:shade val="69000"/>
+                <a:hueMod val="108000"/>
+                <a:satMod val="164000"/>
+                <a:lumMod val="74000"/>
+              </a:schemeClr>
+              <a:schemeClr val="bg2">
+                <a:tint val="96000"/>
+                <a:hueMod val="88000"/>
+                <a:satMod val="140000"/>
+                <a:lumMod val="132000"/>
+              </a:schemeClr>
+            </a:duotone>
+          </a:blip>
+          <a:stretch/>
+        </a:blipFill>
+        <a:effectLst/>
+      </p:bgPr>
+    </p:bg>
+    <p:spTree>
+      <p:nvGrpSpPr>
+        <p:cNvPr id="1" name=""/>
+        <p:cNvGrpSpPr/>
+        <p:nvPr/>
+      </p:nvGrpSpPr>
+      <p:grpSpPr>
+        <a:xfrm>
+          <a:off x="0" y="0"/>
+          <a:ext cx="0" cy="0"/>
+          <a:chOff x="0" y="0"/>
+          <a:chExt cx="0" cy="0"/>
+        </a:xfrm>
+      </p:grpSpPr>
+      <p:pic>
+        <p:nvPicPr>
+          <p:cNvPr id="51" name="Picture 32">
+            <a:extLst>
+              <a:ext uri="{FF2B5EF4-FFF2-40B4-BE49-F238E27FC236}">
+                <a16:creationId xmlns:a16="http://schemas.microsoft.com/office/drawing/2014/main" id="{412E3267-7ABE-412B-8580-47EC0D1F61FE}"/>
+              </a:ext>
+              <a:ext uri="{C183D7F6-B498-43B3-948B-1728B52AA6E4}">
+                <adec:decorative xmlns:adec="http://schemas.microsoft.com/office/drawing/2017/decorative" val="1"/>
+              </a:ext>
+            </a:extLst>
+          </p:cNvPr>
+          <p:cNvPicPr>
+            <a:picLocks noGrp="1" noRot="1" noChangeAspect="1" noMove="1" noResize="1" noEditPoints="1" noAdjustHandles="1" noChangeArrowheads="1" noChangeShapeType="1" noCrop="1"/>
+          </p:cNvPicPr>
+          <p:nvPr>
+            <p:extLst>
+              <p:ext uri="{386F3935-93C4-4BCD-93E2-E3B085C9AB24}">
+                <p16:designElem xmlns:p16="http://schemas.microsoft.com/office/powerpoint/2015/main" val="1"/>
+              </p:ext>
+            </p:extLst>
+          </p:nvPr>
+        </p:nvPicPr>
+        <p:blipFill rotWithShape="1">
+          <a:blip r:embed="rId3">
+            <a:extLst>
+              <a:ext uri="{28A0092B-C50C-407E-A947-70E740481C1C}">
+                <a14:useLocalDpi xmlns:a14="http://schemas.microsoft.com/office/drawing/2010/main" val="0"/>
+              </a:ext>
+            </a:extLst>
+          </a:blip>
+          <a:srcRect l="3613"/>
+          <a:stretch/>
+        </p:blipFill>
+        <p:spPr>
+          <a:xfrm>
+            <a:off x="0" y="2669685"/>
+            <a:ext cx="4037012" cy="4188315"/>
+          </a:xfrm>
+          <a:prstGeom prst="rect">
+            <a:avLst/>
+          </a:prstGeom>
+        </p:spPr>
+      </p:pic>
+      <p:pic>
+        <p:nvPicPr>
+          <p:cNvPr id="52" name="Picture 34">
+            <a:extLst>
+              <a:ext uri="{FF2B5EF4-FFF2-40B4-BE49-F238E27FC236}">
+                <a16:creationId xmlns:a16="http://schemas.microsoft.com/office/drawing/2014/main" id="{20B62C5A-2250-4380-AB23-DB87446CCED0}"/>
+              </a:ext>
+              <a:ext uri="{C183D7F6-B498-43B3-948B-1728B52AA6E4}">
+                <adec:decorative xmlns:adec="http://schemas.microsoft.com/office/drawing/2017/decorative" val="1"/>
+              </a:ext>
+            </a:extLst>
+          </p:cNvPr>
+          <p:cNvPicPr>
+            <a:picLocks noGrp="1" noRot="1" noChangeAspect="1" noMove="1" noResize="1" noEditPoints="1" noAdjustHandles="1" noChangeArrowheads="1" noChangeShapeType="1" noCrop="1"/>
+          </p:cNvPicPr>
+          <p:nvPr>
+            <p:extLst>
+              <p:ext uri="{386F3935-93C4-4BCD-93E2-E3B085C9AB24}">
+                <p16:designElem xmlns:p16="http://schemas.microsoft.com/office/powerpoint/2015/main" val="1"/>
+              </p:ext>
+            </p:extLst>
+          </p:nvPr>
+        </p:nvPicPr>
+        <p:blipFill rotWithShape="1">
+          <a:blip r:embed="rId4">
+            <a:extLst>
+              <a:ext uri="{28A0092B-C50C-407E-A947-70E740481C1C}">
+                <a14:useLocalDpi xmlns:a14="http://schemas.microsoft.com/office/drawing/2010/main" val="0"/>
+              </a:ext>
+            </a:extLst>
+          </a:blip>
+          <a:srcRect l="35640"/>
+          <a:stretch/>
+        </p:blipFill>
+        <p:spPr>
+          <a:xfrm>
+            <a:off x="0" y="2892347"/>
+            <a:ext cx="1522412" cy="2365453"/>
+          </a:xfrm>
+          <a:prstGeom prst="rect">
+            <a:avLst/>
+          </a:prstGeom>
+        </p:spPr>
+      </p:pic>
+      <p:sp>
+        <p:nvSpPr>
+          <p:cNvPr id="53" name="Oval 36">
+            <a:extLst>
+              <a:ext uri="{FF2B5EF4-FFF2-40B4-BE49-F238E27FC236}">
+                <a16:creationId xmlns:a16="http://schemas.microsoft.com/office/drawing/2014/main" id="{D42CF425-7213-4F89-B0FF-4C2BDDD9C680}"/>
+              </a:ext>
+              <a:ext uri="{C183D7F6-B498-43B3-948B-1728B52AA6E4}">
+                <adec:decorative xmlns:adec="http://schemas.microsoft.com/office/drawing/2017/decorative" val="1"/>
+              </a:ext>
+            </a:extLst>
+          </p:cNvPr>
+          <p:cNvSpPr>
+            <a:spLocks noGrp="1" noRot="1" noChangeAspect="1" noMove="1" noResize="1" noEditPoints="1" noAdjustHandles="1" noChangeArrowheads="1" noChangeShapeType="1" noTextEdit="1"/>
+          </p:cNvSpPr>
+          <p:nvPr>
+            <p:extLst>
+              <p:ext uri="{386F3935-93C4-4BCD-93E2-E3B085C9AB24}">
+                <p16:designElem xmlns:p16="http://schemas.microsoft.com/office/powerpoint/2015/main" val="1"/>
+              </p:ext>
+            </p:extLst>
+          </p:nvPr>
+        </p:nvSpPr>
+        <p:spPr>
+          <a:xfrm>
+            <a:off x="8609012" y="1676400"/>
+            <a:ext cx="2819400" cy="2819400"/>
+          </a:xfrm>
+          <a:prstGeom prst="ellipse">
+            <a:avLst/>
+          </a:prstGeom>
+          <a:gradFill flip="none" rotWithShape="1">
+            <a:gsLst>
+              <a:gs pos="0">
+                <a:schemeClr val="bg2">
+                  <a:lumMod val="60000"/>
+                  <a:lumOff val="40000"/>
+                  <a:alpha val="7000"/>
+                </a:schemeClr>
+              </a:gs>
+              <a:gs pos="69000">
+                <a:schemeClr val="bg2">
+                  <a:lumMod val="60000"/>
+                  <a:lumOff val="40000"/>
+                  <a:alpha val="0"/>
+                </a:schemeClr>
+              </a:gs>
+              <a:gs pos="36000">
+                <a:schemeClr val="bg2">
+                  <a:lumMod val="60000"/>
+                  <a:lumOff val="40000"/>
+                  <a:alpha val="6000"/>
+                </a:schemeClr>
+              </a:gs>
+            </a:gsLst>
+            <a:path path="circle">
+              <a:fillToRect l="50000" t="50000" r="50000" b="50000"/>
+            </a:path>
+            <a:tileRect/>
+          </a:gradFill>
+          <a:ln>
+            <a:noFill/>
+          </a:ln>
+          <a:effectLst/>
+        </p:spPr>
+        <p:style>
+          <a:lnRef idx="1">
+            <a:schemeClr val="accent1"/>
+          </a:lnRef>
+          <a:fillRef idx="3">
+            <a:schemeClr val="accent1"/>
+          </a:fillRef>
+          <a:effectRef idx="2">
+            <a:schemeClr val="accent1"/>
+          </a:effectRef>
+          <a:fontRef idx="minor">
+            <a:schemeClr val="lt1"/>
+          </a:fontRef>
+        </p:style>
+      </p:sp>
+      <p:pic>
+        <p:nvPicPr>
+          <p:cNvPr id="54" name="Picture 38">
+            <a:extLst>
+              <a:ext uri="{FF2B5EF4-FFF2-40B4-BE49-F238E27FC236}">
+                <a16:creationId xmlns:a16="http://schemas.microsoft.com/office/drawing/2014/main" id="{D35DA97D-88F8-4249-B650-4FC9FD50A382}"/>
+              </a:ext>
+              <a:ext uri="{C183D7F6-B498-43B3-948B-1728B52AA6E4}">
+                <adec:decorative xmlns:adec="http://schemas.microsoft.com/office/drawing/2017/decorative" val="1"/>
+              </a:ext>
+            </a:extLst>
+          </p:cNvPr>
+          <p:cNvPicPr>
+            <a:picLocks noGrp="1" noRot="1" noChangeAspect="1" noMove="1" noResize="1" noEditPoints="1" noAdjustHandles="1" noChangeArrowheads="1" noChangeShapeType="1" noCrop="1"/>
+          </p:cNvPicPr>
+          <p:nvPr>
+            <p:extLst>
+              <p:ext uri="{386F3935-93C4-4BCD-93E2-E3B085C9AB24}">
+                <p16:designElem xmlns:p16="http://schemas.microsoft.com/office/powerpoint/2015/main" val="1"/>
+              </p:ext>
+            </p:extLst>
+          </p:nvPr>
+        </p:nvPicPr>
+        <p:blipFill rotWithShape="1">
+          <a:blip r:embed="rId5">
+            <a:extLst>
+              <a:ext uri="{28A0092B-C50C-407E-A947-70E740481C1C}">
+                <a14:useLocalDpi xmlns:a14="http://schemas.microsoft.com/office/drawing/2010/main" val="0"/>
+              </a:ext>
+            </a:extLst>
+          </a:blip>
+          <a:srcRect t="28813"/>
+          <a:stretch/>
+        </p:blipFill>
+        <p:spPr>
+          <a:xfrm>
+            <a:off x="7999412" y="0"/>
+            <a:ext cx="1603387" cy="1141407"/>
+          </a:xfrm>
+          <a:prstGeom prst="rect">
+            <a:avLst/>
+          </a:prstGeom>
+        </p:spPr>
+      </p:pic>
+      <p:pic>
+        <p:nvPicPr>
+          <p:cNvPr id="55" name="Picture 40">
+            <a:extLst>
+              <a:ext uri="{FF2B5EF4-FFF2-40B4-BE49-F238E27FC236}">
+                <a16:creationId xmlns:a16="http://schemas.microsoft.com/office/drawing/2014/main" id="{43F38673-6E30-4BAE-AC67-0B283EBF4291}"/>
+              </a:ext>
+              <a:ext uri="{C183D7F6-B498-43B3-948B-1728B52AA6E4}">
+                <adec:decorative xmlns:adec="http://schemas.microsoft.com/office/drawing/2017/decorative" val="1"/>
+              </a:ext>
+            </a:extLst>
+          </p:cNvPr>
+          <p:cNvPicPr>
+            <a:picLocks noGrp="1" noRot="1" noChangeAspect="1" noMove="1" noResize="1" noEditPoints="1" noAdjustHandles="1" noChangeArrowheads="1" noChangeShapeType="1" noCrop="1"/>
+          </p:cNvPicPr>
+          <p:nvPr>
+            <p:extLst>
+              <p:ext uri="{386F3935-93C4-4BCD-93E2-E3B085C9AB24}">
+                <p16:designElem xmlns:p16="http://schemas.microsoft.com/office/powerpoint/2015/main" val="1"/>
+              </p:ext>
+            </p:extLst>
+          </p:nvPr>
+        </p:nvPicPr>
+        <p:blipFill rotWithShape="1">
+          <a:blip r:embed="rId6">
+            <a:extLst>
+              <a:ext uri="{28A0092B-C50C-407E-A947-70E740481C1C}">
+                <a14:useLocalDpi xmlns:a14="http://schemas.microsoft.com/office/drawing/2010/main" val="0"/>
+              </a:ext>
+            </a:extLst>
+          </a:blip>
+          <a:srcRect b="23320"/>
+          <a:stretch/>
+        </p:blipFill>
+        <p:spPr>
+          <a:xfrm>
+            <a:off x="8605878" y="6096000"/>
+            <a:ext cx="993734" cy="762000"/>
+          </a:xfrm>
+          <a:prstGeom prst="rect">
+            <a:avLst/>
+          </a:prstGeom>
+        </p:spPr>
+      </p:pic>
+      <p:sp>
+        <p:nvSpPr>
+          <p:cNvPr id="56" name="Rectangle 42">
+            <a:extLst>
+              <a:ext uri="{FF2B5EF4-FFF2-40B4-BE49-F238E27FC236}">
+                <a16:creationId xmlns:a16="http://schemas.microsoft.com/office/drawing/2014/main" id="{202A25CB-1ED1-4C87-AB49-8D3BC684D1CE}"/>
+              </a:ext>
+              <a:ext uri="{C183D7F6-B498-43B3-948B-1728B52AA6E4}">
+                <adec:decorative xmlns:adec="http://schemas.microsoft.com/office/drawing/2017/decorative" val="1"/>
+              </a:ext>
+            </a:extLst>
+          </p:cNvPr>
+          <p:cNvSpPr>
+            <a:spLocks noGrp="1" noRot="1" noChangeAspect="1" noMove="1" noResize="1" noEditPoints="1" noAdjustHandles="1" noChangeArrowheads="1" noChangeShapeType="1" noTextEdit="1"/>
+          </p:cNvSpPr>
+          <p:nvPr>
+            <p:extLst>
+              <p:ext uri="{386F3935-93C4-4BCD-93E2-E3B085C9AB24}">
+                <p16:designElem xmlns:p16="http://schemas.microsoft.com/office/powerpoint/2015/main" val="1"/>
+              </p:ext>
+            </p:extLst>
+          </p:nvPr>
+        </p:nvSpPr>
+        <p:spPr>
+          <a:xfrm>
+            <a:off x="10437812" y="0"/>
+            <a:ext cx="685800" cy="1143000"/>
+          </a:xfrm>
+          <a:prstGeom prst="rect">
+            <a:avLst/>
+          </a:prstGeom>
+          <a:solidFill>
+            <a:schemeClr val="accent1"/>
+          </a:solidFill>
+          <a:ln>
+            <a:noFill/>
+          </a:ln>
+        </p:spPr>
+        <p:style>
+          <a:lnRef idx="1">
+            <a:schemeClr val="accent1"/>
+          </a:lnRef>
+          <a:fillRef idx="3">
+            <a:schemeClr val="accent1"/>
+          </a:fillRef>
+          <a:effectRef idx="2">
+            <a:schemeClr val="accent1"/>
+          </a:effectRef>
+          <a:fontRef idx="minor">
+            <a:schemeClr val="lt1"/>
+          </a:fontRef>
+        </p:style>
+      </p:sp>
+      <p:sp>
+        <p:nvSpPr>
+          <p:cNvPr id="57" name="Freeform: Shape 44">
+            <a:extLst>
+              <a:ext uri="{FF2B5EF4-FFF2-40B4-BE49-F238E27FC236}">
+                <a16:creationId xmlns:a16="http://schemas.microsoft.com/office/drawing/2014/main" id="{72C8294B-5A5C-4D2B-B536-215D70DE885B}"/>
+              </a:ext>
+              <a:ext uri="{C183D7F6-B498-43B3-948B-1728B52AA6E4}">
+                <adec:decorative xmlns:adec="http://schemas.microsoft.com/office/drawing/2017/decorative" val="1"/>
+              </a:ext>
+            </a:extLst>
+          </p:cNvPr>
+          <p:cNvSpPr>
+            <a:spLocks noGrp="1" noRot="1" noChangeAspect="1" noMove="1" noResize="1" noEditPoints="1" noAdjustHandles="1" noChangeArrowheads="1" noChangeShapeType="1" noTextEdit="1"/>
+          </p:cNvSpPr>
+          <p:nvPr>
+            <p:extLst>
+              <p:ext uri="{386F3935-93C4-4BCD-93E2-E3B085C9AB24}">
+                <p16:designElem xmlns:p16="http://schemas.microsoft.com/office/powerpoint/2015/main" val="1"/>
+              </p:ext>
+            </p:extLst>
+          </p:nvPr>
+        </p:nvSpPr>
+        <p:spPr bwMode="gray">
+          <a:xfrm rot="16200000">
+            <a:off x="4747655" y="-586345"/>
+            <a:ext cx="6858001" cy="8030691"/>
+          </a:xfrm>
+          <a:custGeom>
+            <a:avLst/>
+            <a:gdLst>
+              <a:gd name="connsiteX0" fmla="*/ 6858001 w 6858001"/>
+              <a:gd name="connsiteY0" fmla="*/ 1177 h 8030691"/>
+              <a:gd name="connsiteX1" fmla="*/ 6858001 w 6858001"/>
+              <a:gd name="connsiteY1" fmla="*/ 1344715 h 8030691"/>
+              <a:gd name="connsiteX2" fmla="*/ 6858000 w 6858001"/>
+              <a:gd name="connsiteY2" fmla="*/ 1344715 h 8030691"/>
+              <a:gd name="connsiteX3" fmla="*/ 6858000 w 6858001"/>
+              <a:gd name="connsiteY3" fmla="*/ 8030691 h 8030691"/>
+              <a:gd name="connsiteX4" fmla="*/ 0 w 6858001"/>
+              <a:gd name="connsiteY4" fmla="*/ 8030690 h 8030691"/>
+              <a:gd name="connsiteX5" fmla="*/ 0 w 6858001"/>
+              <a:gd name="connsiteY5" fmla="*/ 477747 h 8030691"/>
+              <a:gd name="connsiteX6" fmla="*/ 1 w 6858001"/>
+              <a:gd name="connsiteY6" fmla="*/ 477747 h 8030691"/>
+              <a:gd name="connsiteX7" fmla="*/ 1 w 6858001"/>
+              <a:gd name="connsiteY7" fmla="*/ 0 h 8030691"/>
+              <a:gd name="connsiteX8" fmla="*/ 40463 w 6858001"/>
+              <a:gd name="connsiteY8" fmla="*/ 5883 h 8030691"/>
+              <a:gd name="connsiteX9" fmla="*/ 159107 w 6858001"/>
+              <a:gd name="connsiteY9" fmla="*/ 23196 h 8030691"/>
+              <a:gd name="connsiteX10" fmla="*/ 245518 w 6858001"/>
+              <a:gd name="connsiteY10" fmla="*/ 35299 h 8030691"/>
+              <a:gd name="connsiteX11" fmla="*/ 348388 w 6858001"/>
+              <a:gd name="connsiteY11" fmla="*/ 48074 h 8030691"/>
+              <a:gd name="connsiteX12" fmla="*/ 470460 w 6858001"/>
+              <a:gd name="connsiteY12" fmla="*/ 63370 h 8030691"/>
+              <a:gd name="connsiteX13" fmla="*/ 605563 w 6858001"/>
+              <a:gd name="connsiteY13" fmla="*/ 79507 h 8030691"/>
+              <a:gd name="connsiteX14" fmla="*/ 757810 w 6858001"/>
+              <a:gd name="connsiteY14" fmla="*/ 96484 h 8030691"/>
+              <a:gd name="connsiteX15" fmla="*/ 923774 w 6858001"/>
+              <a:gd name="connsiteY15" fmla="*/ 114469 h 8030691"/>
+              <a:gd name="connsiteX16" fmla="*/ 1104139 w 6858001"/>
+              <a:gd name="connsiteY16" fmla="*/ 132455 h 8030691"/>
+              <a:gd name="connsiteX17" fmla="*/ 1296163 w 6858001"/>
+              <a:gd name="connsiteY17" fmla="*/ 150776 h 8030691"/>
+              <a:gd name="connsiteX18" fmla="*/ 1503275 w 6858001"/>
+              <a:gd name="connsiteY18" fmla="*/ 167753 h 8030691"/>
+              <a:gd name="connsiteX19" fmla="*/ 1719988 w 6858001"/>
+              <a:gd name="connsiteY19" fmla="*/ 184058 h 8030691"/>
+              <a:gd name="connsiteX20" fmla="*/ 1949045 w 6858001"/>
+              <a:gd name="connsiteY20" fmla="*/ 198850 h 8030691"/>
+              <a:gd name="connsiteX21" fmla="*/ 2187703 w 6858001"/>
+              <a:gd name="connsiteY21" fmla="*/ 212969 h 8030691"/>
+              <a:gd name="connsiteX22" fmla="*/ 2436649 w 6858001"/>
+              <a:gd name="connsiteY22" fmla="*/ 226249 h 8030691"/>
+              <a:gd name="connsiteX23" fmla="*/ 2564208 w 6858001"/>
+              <a:gd name="connsiteY23" fmla="*/ 230955 h 8030691"/>
+              <a:gd name="connsiteX24" fmla="*/ 2694509 w 6858001"/>
+              <a:gd name="connsiteY24" fmla="*/ 236166 h 8030691"/>
+              <a:gd name="connsiteX25" fmla="*/ 2826869 w 6858001"/>
+              <a:gd name="connsiteY25" fmla="*/ 241040 h 8030691"/>
+              <a:gd name="connsiteX26" fmla="*/ 2959914 w 6858001"/>
+              <a:gd name="connsiteY26" fmla="*/ 244234 h 8030691"/>
+              <a:gd name="connsiteX27" fmla="*/ 3095702 w 6858001"/>
+              <a:gd name="connsiteY27" fmla="*/ 247092 h 8030691"/>
+              <a:gd name="connsiteX28" fmla="*/ 3232862 w 6858001"/>
+              <a:gd name="connsiteY28" fmla="*/ 250117 h 8030691"/>
+              <a:gd name="connsiteX29" fmla="*/ 3372766 w 6858001"/>
+              <a:gd name="connsiteY29" fmla="*/ 252134 h 8030691"/>
+              <a:gd name="connsiteX30" fmla="*/ 3514040 w 6858001"/>
+              <a:gd name="connsiteY30" fmla="*/ 252134 h 8030691"/>
+              <a:gd name="connsiteX31" fmla="*/ 3656686 w 6858001"/>
+              <a:gd name="connsiteY31" fmla="*/ 253143 h 8030691"/>
+              <a:gd name="connsiteX32" fmla="*/ 3800705 w 6858001"/>
+              <a:gd name="connsiteY32" fmla="*/ 252134 h 8030691"/>
+              <a:gd name="connsiteX33" fmla="*/ 3946780 w 6858001"/>
+              <a:gd name="connsiteY33" fmla="*/ 250117 h 8030691"/>
+              <a:gd name="connsiteX34" fmla="*/ 4092856 w 6858001"/>
+              <a:gd name="connsiteY34" fmla="*/ 248268 h 8030691"/>
+              <a:gd name="connsiteX35" fmla="*/ 4240988 w 6858001"/>
+              <a:gd name="connsiteY35" fmla="*/ 244234 h 8030691"/>
+              <a:gd name="connsiteX36" fmla="*/ 4390492 w 6858001"/>
+              <a:gd name="connsiteY36" fmla="*/ 240032 h 8030691"/>
+              <a:gd name="connsiteX37" fmla="*/ 4539997 w 6858001"/>
+              <a:gd name="connsiteY37" fmla="*/ 235157 h 8030691"/>
+              <a:gd name="connsiteX38" fmla="*/ 4690873 w 6858001"/>
+              <a:gd name="connsiteY38" fmla="*/ 228266 h 8030691"/>
+              <a:gd name="connsiteX39" fmla="*/ 4843120 w 6858001"/>
+              <a:gd name="connsiteY39" fmla="*/ 220029 h 8030691"/>
+              <a:gd name="connsiteX40" fmla="*/ 4996054 w 6858001"/>
+              <a:gd name="connsiteY40" fmla="*/ 212129 h 8030691"/>
+              <a:gd name="connsiteX41" fmla="*/ 5148987 w 6858001"/>
+              <a:gd name="connsiteY41" fmla="*/ 202044 h 8030691"/>
+              <a:gd name="connsiteX42" fmla="*/ 5303978 w 6858001"/>
+              <a:gd name="connsiteY42" fmla="*/ 189941 h 8030691"/>
+              <a:gd name="connsiteX43" fmla="*/ 5456911 w 6858001"/>
+              <a:gd name="connsiteY43" fmla="*/ 177839 h 8030691"/>
+              <a:gd name="connsiteX44" fmla="*/ 5612588 w 6858001"/>
+              <a:gd name="connsiteY44" fmla="*/ 163887 h 8030691"/>
+              <a:gd name="connsiteX45" fmla="*/ 5768950 w 6858001"/>
+              <a:gd name="connsiteY45" fmla="*/ 148591 h 8030691"/>
+              <a:gd name="connsiteX46" fmla="*/ 5923255 w 6858001"/>
+              <a:gd name="connsiteY46" fmla="*/ 132455 h 8030691"/>
+              <a:gd name="connsiteX47" fmla="*/ 6079618 w 6858001"/>
+              <a:gd name="connsiteY47" fmla="*/ 113629 h 8030691"/>
+              <a:gd name="connsiteX48" fmla="*/ 6235294 w 6858001"/>
+              <a:gd name="connsiteY48" fmla="*/ 93458 h 8030691"/>
+              <a:gd name="connsiteX49" fmla="*/ 6391657 w 6858001"/>
+              <a:gd name="connsiteY49" fmla="*/ 73455 h 8030691"/>
+              <a:gd name="connsiteX50" fmla="*/ 6547333 w 6858001"/>
+              <a:gd name="connsiteY50" fmla="*/ 50091 h 8030691"/>
+              <a:gd name="connsiteX51" fmla="*/ 6702324 w 6858001"/>
+              <a:gd name="connsiteY51" fmla="*/ 26222 h 8030691"/>
+            </a:gdLst>
+            <a:ahLst/>
+            <a:cxnLst>
+              <a:cxn ang="0">
+                <a:pos x="connsiteX0" y="connsiteY0"/>
+              </a:cxn>
+              <a:cxn ang="0">
+                <a:pos x="connsiteX1" y="connsiteY1"/>
+              </a:cxn>
+              <a:cxn ang="0">
+                <a:pos x="connsiteX2" y="connsiteY2"/>
+              </a:cxn>
+              <a:cxn ang="0">
+                <a:pos x="connsiteX3" y="connsiteY3"/>
+              </a:cxn>
+              <a:cxn ang="0">
+                <a:pos x="connsiteX4" y="connsiteY4"/>
+              </a:cxn>
+              <a:cxn ang="0">
+                <a:pos x="connsiteX5" y="connsiteY5"/>
+              </a:cxn>
+              <a:cxn ang="0">
+                <a:pos x="connsiteX6" y="connsiteY6"/>
+              </a:cxn>
+              <a:cxn ang="0">
+                <a:pos x="connsiteX7" y="connsiteY7"/>
+              </a:cxn>
+              <a:cxn ang="0">
+                <a:pos x="connsiteX8" y="connsiteY8"/>
+              </a:cxn>
+              <a:cxn ang="0">
+                <a:pos x="connsiteX9" y="connsiteY9"/>
+              </a:cxn>
+              <a:cxn ang="0">
+                <a:pos x="connsiteX10" y="connsiteY10"/>
+              </a:cxn>
+              <a:cxn ang="0">
+                <a:pos x="connsiteX11" y="connsiteY11"/>
+              </a:cxn>
+              <a:cxn ang="0">
+                <a:pos x="connsiteX12" y="connsiteY12"/>
+              </a:cxn>
+              <a:cxn ang="0">
+                <a:pos x="connsiteX13" y="connsiteY13"/>
+              </a:cxn>
+              <a:cxn ang="0">
+                <a:pos x="connsiteX14" y="connsiteY14"/>
+              </a:cxn>
+              <a:cxn ang="0">
+                <a:pos x="connsiteX15" y="connsiteY15"/>
+              </a:cxn>
+              <a:cxn ang="0">
+                <a:pos x="connsiteX16" y="connsiteY16"/>
+              </a:cxn>
+              <a:cxn ang="0">
+                <a:pos x="connsiteX17" y="connsiteY17"/>
+              </a:cxn>
+              <a:cxn ang="0">
+                <a:pos x="connsiteX18" y="connsiteY18"/>
+              </a:cxn>
+              <a:cxn ang="0">
+                <a:pos x="connsiteX19" y="connsiteY19"/>
+              </a:cxn>
+              <a:cxn ang="0">
+                <a:pos x="connsiteX20" y="connsiteY20"/>
+              </a:cxn>
+              <a:cxn ang="0">
+                <a:pos x="connsiteX21" y="connsiteY21"/>
+              </a:cxn>
+              <a:cxn ang="0">
+                <a:pos x="connsiteX22" y="connsiteY22"/>
+              </a:cxn>
+              <a:cxn ang="0">
+                <a:pos x="connsiteX23" y="connsiteY23"/>
+              </a:cxn>
+              <a:cxn ang="0">
+                <a:pos x="connsiteX24" y="connsiteY24"/>
+              </a:cxn>
+              <a:cxn ang="0">
+                <a:pos x="connsiteX25" y="connsiteY25"/>
+              </a:cxn>
+              <a:cxn ang="0">
+                <a:pos x="connsiteX26" y="connsiteY26"/>
+              </a:cxn>
+              <a:cxn ang="0">
+                <a:pos x="connsiteX27" y="connsiteY27"/>
+              </a:cxn>
+              <a:cxn ang="0">
+                <a:pos x="connsiteX28" y="connsiteY28"/>
+              </a:cxn>
+              <a:cxn ang="0">
+                <a:pos x="connsiteX29" y="connsiteY29"/>
+              </a:cxn>
+              <a:cxn ang="0">
+                <a:pos x="connsiteX30" y="connsiteY30"/>
+              </a:cxn>
+              <a:cxn ang="0">
+                <a:pos x="connsiteX31" y="connsiteY31"/>
+              </a:cxn>
+              <a:cxn ang="0">
+                <a:pos x="connsiteX32" y="connsiteY32"/>
+              </a:cxn>
+              <a:cxn ang="0">
+                <a:pos x="connsiteX33" y="connsiteY33"/>
+              </a:cxn>
+              <a:cxn ang="0">
+                <a:pos x="connsiteX34" y="connsiteY34"/>
+              </a:cxn>
+              <a:cxn ang="0">
+                <a:pos x="connsiteX35" y="connsiteY35"/>
+              </a:cxn>
+              <a:cxn ang="0">
+                <a:pos x="connsiteX36" y="connsiteY36"/>
+              </a:cxn>
+              <a:cxn ang="0">
+                <a:pos x="connsiteX37" y="connsiteY37"/>
+              </a:cxn>
+              <a:cxn ang="0">
+                <a:pos x="connsiteX38" y="connsiteY38"/>
+              </a:cxn>
+              <a:cxn ang="0">
+                <a:pos x="connsiteX39" y="connsiteY39"/>
+              </a:cxn>
+              <a:cxn ang="0">
+                <a:pos x="connsiteX40" y="connsiteY40"/>
+              </a:cxn>
+              <a:cxn ang="0">
+                <a:pos x="connsiteX41" y="connsiteY41"/>
+              </a:cxn>
+              <a:cxn ang="0">
+                <a:pos x="connsiteX42" y="connsiteY42"/>
+              </a:cxn>
+              <a:cxn ang="0">
+                <a:pos x="connsiteX43" y="connsiteY43"/>
+              </a:cxn>
+              <a:cxn ang="0">
+                <a:pos x="connsiteX44" y="connsiteY44"/>
+              </a:cxn>
+              <a:cxn ang="0">
+                <a:pos x="connsiteX45" y="connsiteY45"/>
+              </a:cxn>
+              <a:cxn ang="0">
+                <a:pos x="connsiteX46" y="connsiteY46"/>
+              </a:cxn>
+              <a:cxn ang="0">
+                <a:pos x="connsiteX47" y="connsiteY47"/>
+              </a:cxn>
+              <a:cxn ang="0">
+                <a:pos x="connsiteX48" y="connsiteY48"/>
+              </a:cxn>
+              <a:cxn ang="0">
+                <a:pos x="connsiteX49" y="connsiteY49"/>
+              </a:cxn>
+              <a:cxn ang="0">
+                <a:pos x="connsiteX50" y="connsiteY50"/>
+              </a:cxn>
+              <a:cxn ang="0">
+                <a:pos x="connsiteX51" y="connsiteY51"/>
+              </a:cxn>
+            </a:cxnLst>
+            <a:rect l="l" t="t" r="r" b="b"/>
+            <a:pathLst>
+              <a:path w="6858001" h="8030691">
+                <a:moveTo>
+                  <a:pt x="6858001" y="1177"/>
+                </a:moveTo>
+                <a:lnTo>
+                  <a:pt x="6858001" y="1344715"/>
+                </a:lnTo>
+                <a:lnTo>
+                  <a:pt x="6858000" y="1344715"/>
+                </a:lnTo>
+                <a:lnTo>
+                  <a:pt x="6858000" y="8030691"/>
+                </a:lnTo>
+                <a:lnTo>
+                  <a:pt x="0" y="8030690"/>
+                </a:lnTo>
+                <a:lnTo>
+                  <a:pt x="0" y="477747"/>
+                </a:lnTo>
+                <a:lnTo>
+                  <a:pt x="1" y="477747"/>
+                </a:lnTo>
+                <a:lnTo>
+                  <a:pt x="1" y="0"/>
+                </a:lnTo>
+                <a:lnTo>
+                  <a:pt x="40463" y="5883"/>
+                </a:lnTo>
+                <a:lnTo>
+                  <a:pt x="159107" y="23196"/>
+                </a:lnTo>
+                <a:lnTo>
+                  <a:pt x="245518" y="35299"/>
+                </a:lnTo>
+                <a:lnTo>
+                  <a:pt x="348388" y="48074"/>
+                </a:lnTo>
+                <a:lnTo>
+                  <a:pt x="470460" y="63370"/>
+                </a:lnTo>
+                <a:lnTo>
+                  <a:pt x="605563" y="79507"/>
+                </a:lnTo>
+                <a:lnTo>
+                  <a:pt x="757810" y="96484"/>
+                </a:lnTo>
+                <a:lnTo>
+                  <a:pt x="923774" y="114469"/>
+                </a:lnTo>
+                <a:lnTo>
+                  <a:pt x="1104139" y="132455"/>
+                </a:lnTo>
+                <a:lnTo>
+                  <a:pt x="1296163" y="150776"/>
+                </a:lnTo>
+                <a:lnTo>
+                  <a:pt x="1503275" y="167753"/>
+                </a:lnTo>
+                <a:lnTo>
+                  <a:pt x="1719988" y="184058"/>
+                </a:lnTo>
+                <a:lnTo>
+                  <a:pt x="1949045" y="198850"/>
+                </a:lnTo>
+                <a:lnTo>
+                  <a:pt x="2187703" y="212969"/>
+                </a:lnTo>
+                <a:lnTo>
+                  <a:pt x="2436649" y="226249"/>
+                </a:lnTo>
+                <a:lnTo>
+                  <a:pt x="2564208" y="230955"/>
+                </a:lnTo>
+                <a:lnTo>
+                  <a:pt x="2694509" y="236166"/>
+                </a:lnTo>
+                <a:lnTo>
+                  <a:pt x="2826869" y="241040"/>
+                </a:lnTo>
+                <a:lnTo>
+                  <a:pt x="2959914" y="244234"/>
+                </a:lnTo>
+                <a:lnTo>
+                  <a:pt x="3095702" y="247092"/>
+                </a:lnTo>
+                <a:lnTo>
+                  <a:pt x="3232862" y="250117"/>
+                </a:lnTo>
+                <a:lnTo>
+                  <a:pt x="3372766" y="252134"/>
+                </a:lnTo>
+                <a:lnTo>
+                  <a:pt x="3514040" y="252134"/>
+                </a:lnTo>
+                <a:lnTo>
+                  <a:pt x="3656686" y="253143"/>
+                </a:lnTo>
+                <a:lnTo>
+                  <a:pt x="3800705" y="252134"/>
+                </a:lnTo>
+                <a:lnTo>
+                  <a:pt x="3946780" y="250117"/>
+                </a:lnTo>
+                <a:lnTo>
+                  <a:pt x="4092856" y="248268"/>
+                </a:lnTo>
+                <a:lnTo>
+                  <a:pt x="4240988" y="244234"/>
+                </a:lnTo>
+                <a:lnTo>
+                  <a:pt x="4390492" y="240032"/>
+                </a:lnTo>
+                <a:lnTo>
+                  <a:pt x="4539997" y="235157"/>
+                </a:lnTo>
+                <a:lnTo>
+                  <a:pt x="4690873" y="228266"/>
+                </a:lnTo>
+                <a:lnTo>
+                  <a:pt x="4843120" y="220029"/>
+                </a:lnTo>
+                <a:lnTo>
+                  <a:pt x="4996054" y="212129"/>
+                </a:lnTo>
+                <a:lnTo>
+                  <a:pt x="5148987" y="202044"/>
+                </a:lnTo>
+                <a:lnTo>
+                  <a:pt x="5303978" y="189941"/>
+                </a:lnTo>
+                <a:lnTo>
+                  <a:pt x="5456911" y="177839"/>
+                </a:lnTo>
+                <a:lnTo>
+                  <a:pt x="5612588" y="163887"/>
+                </a:lnTo>
+                <a:lnTo>
+                  <a:pt x="5768950" y="148591"/>
+                </a:lnTo>
+                <a:lnTo>
+                  <a:pt x="5923255" y="132455"/>
+                </a:lnTo>
+                <a:lnTo>
+                  <a:pt x="6079618" y="113629"/>
+                </a:lnTo>
+                <a:lnTo>
+                  <a:pt x="6235294" y="93458"/>
+                </a:lnTo>
+                <a:lnTo>
+                  <a:pt x="6391657" y="73455"/>
+                </a:lnTo>
+                <a:lnTo>
+                  <a:pt x="6547333" y="50091"/>
+                </a:lnTo>
+                <a:lnTo>
+                  <a:pt x="6702324" y="26222"/>
+                </a:lnTo>
+                <a:close/>
+              </a:path>
+            </a:pathLst>
+          </a:custGeom>
+          <a:solidFill>
+            <a:srgbClr val="FFFFFF"/>
+          </a:solidFill>
+          <a:ln>
+            <a:noFill/>
+          </a:ln>
+        </p:spPr>
+      </p:sp>
+      <p:sp>
+        <p:nvSpPr>
+          <p:cNvPr id="58" name="Freeform 26">
+            <a:extLst>
+              <a:ext uri="{FF2B5EF4-FFF2-40B4-BE49-F238E27FC236}">
+                <a16:creationId xmlns:a16="http://schemas.microsoft.com/office/drawing/2014/main" id="{0A3E1A52-A5C3-4C7C-B4AB-FB229C4E4090}"/>
+              </a:ext>
+              <a:ext uri="{C183D7F6-B498-43B3-948B-1728B52AA6E4}">
+                <adec:decorative xmlns:adec="http://schemas.microsoft.com/office/drawing/2017/decorative" val="1"/>
+              </a:ext>
+            </a:extLst>
+          </p:cNvPr>
+          <p:cNvSpPr>
+            <a:spLocks noGrp="1" noRot="1" noChangeAspect="1" noMove="1" noResize="1" noEditPoints="1" noAdjustHandles="1" noChangeArrowheads="1" noChangeShapeType="1" noTextEdit="1"/>
+          </p:cNvSpPr>
+          <p:nvPr>
+            <p:extLst>
+              <p:ext uri="{386F3935-93C4-4BCD-93E2-E3B085C9AB24}">
+                <p16:designElem xmlns:p16="http://schemas.microsoft.com/office/powerpoint/2015/main" val="1"/>
+              </p:ext>
+            </p:extLst>
+          </p:nvPr>
+        </p:nvSpPr>
+        <p:spPr>
+          <a:xfrm>
+            <a:off x="3948110" y="-1"/>
+            <a:ext cx="559472" cy="3709642"/>
+          </a:xfrm>
+          <a:custGeom>
+            <a:avLst/>
+            <a:gdLst>
+              <a:gd name="connsiteX0" fmla="*/ 0 w 559472"/>
+              <a:gd name="connsiteY0" fmla="*/ 0 h 3709642"/>
+              <a:gd name="connsiteX1" fmla="*/ 473952 w 559472"/>
+              <a:gd name="connsiteY1" fmla="*/ 0 h 3709642"/>
+              <a:gd name="connsiteX2" fmla="*/ 485840 w 559472"/>
+              <a:gd name="connsiteY2" fmla="*/ 161194 h 3709642"/>
+              <a:gd name="connsiteX3" fmla="*/ 523949 w 559472"/>
+              <a:gd name="connsiteY3" fmla="*/ 3672197 h 3709642"/>
+              <a:gd name="connsiteX4" fmla="*/ 454748 w 559472"/>
+              <a:gd name="connsiteY4" fmla="*/ 3709642 h 3709642"/>
+              <a:gd name="connsiteX5" fmla="*/ 448224 w 559472"/>
+              <a:gd name="connsiteY5" fmla="*/ 3510471 h 3709642"/>
+              <a:gd name="connsiteX6" fmla="*/ 443564 w 559472"/>
+              <a:gd name="connsiteY6" fmla="*/ 3408563 h 3709642"/>
+              <a:gd name="connsiteX7" fmla="*/ 438902 w 559472"/>
+              <a:gd name="connsiteY7" fmla="*/ 3304407 h 3709642"/>
+              <a:gd name="connsiteX8" fmla="*/ 433941 w 559472"/>
+              <a:gd name="connsiteY8" fmla="*/ 3198777 h 3709642"/>
+              <a:gd name="connsiteX9" fmla="*/ 427584 w 559472"/>
+              <a:gd name="connsiteY9" fmla="*/ 3092510 h 3709642"/>
+              <a:gd name="connsiteX10" fmla="*/ 420988 w 559472"/>
+              <a:gd name="connsiteY10" fmla="*/ 2984390 h 3709642"/>
+              <a:gd name="connsiteX11" fmla="*/ 414330 w 559472"/>
+              <a:gd name="connsiteY11" fmla="*/ 2874401 h 3709642"/>
+              <a:gd name="connsiteX12" fmla="*/ 406840 w 559472"/>
+              <a:gd name="connsiteY12" fmla="*/ 2762980 h 3709642"/>
+              <a:gd name="connsiteX13" fmla="*/ 397745 w 559472"/>
+              <a:gd name="connsiteY13" fmla="*/ 2650566 h 3709642"/>
+              <a:gd name="connsiteX14" fmla="*/ 389154 w 559472"/>
+              <a:gd name="connsiteY14" fmla="*/ 2536612 h 3709642"/>
+              <a:gd name="connsiteX15" fmla="*/ 379225 w 559472"/>
+              <a:gd name="connsiteY15" fmla="*/ 2421642 h 3709642"/>
+              <a:gd name="connsiteX16" fmla="*/ 368316 w 559472"/>
+              <a:gd name="connsiteY16" fmla="*/ 2305627 h 3709642"/>
+              <a:gd name="connsiteX17" fmla="*/ 357466 w 559472"/>
+              <a:gd name="connsiteY17" fmla="*/ 2189233 h 3709642"/>
+              <a:gd name="connsiteX18" fmla="*/ 344982 w 559472"/>
+              <a:gd name="connsiteY18" fmla="*/ 2071473 h 3709642"/>
+              <a:gd name="connsiteX19" fmla="*/ 332466 w 559472"/>
+              <a:gd name="connsiteY19" fmla="*/ 1952216 h 3709642"/>
+              <a:gd name="connsiteX20" fmla="*/ 319121 w 559472"/>
+              <a:gd name="connsiteY20" fmla="*/ 1833776 h 3709642"/>
+              <a:gd name="connsiteX21" fmla="*/ 304408 w 559472"/>
+              <a:gd name="connsiteY21" fmla="*/ 1713948 h 3709642"/>
+              <a:gd name="connsiteX22" fmla="*/ 288685 w 559472"/>
+              <a:gd name="connsiteY22" fmla="*/ 1592703 h 3709642"/>
+              <a:gd name="connsiteX23" fmla="*/ 273050 w 559472"/>
+              <a:gd name="connsiteY23" fmla="*/ 1471451 h 3709642"/>
+              <a:gd name="connsiteX24" fmla="*/ 255813 w 559472"/>
+              <a:gd name="connsiteY24" fmla="*/ 1350328 h 3709642"/>
+              <a:gd name="connsiteX25" fmla="*/ 237060 w 559472"/>
+              <a:gd name="connsiteY25" fmla="*/ 1227080 h 3709642"/>
+              <a:gd name="connsiteX26" fmla="*/ 218488 w 559472"/>
+              <a:gd name="connsiteY26" fmla="*/ 1106065 h 3709642"/>
+              <a:gd name="connsiteX27" fmla="*/ 198221 w 559472"/>
+              <a:gd name="connsiteY27" fmla="*/ 982940 h 3709642"/>
+              <a:gd name="connsiteX28" fmla="*/ 177152 w 559472"/>
+              <a:gd name="connsiteY28" fmla="*/ 858755 h 3709642"/>
+              <a:gd name="connsiteX29" fmla="*/ 155551 w 559472"/>
+              <a:gd name="connsiteY29" fmla="*/ 736861 h 3709642"/>
+              <a:gd name="connsiteX30" fmla="*/ 131782 w 559472"/>
+              <a:gd name="connsiteY30" fmla="*/ 613645 h 3709642"/>
+              <a:gd name="connsiteX31" fmla="*/ 107123 w 559472"/>
+              <a:gd name="connsiteY31" fmla="*/ 490500 h 3709642"/>
+              <a:gd name="connsiteX32" fmla="*/ 82552 w 559472"/>
+              <a:gd name="connsiteY32" fmla="*/ 367348 h 3709642"/>
+              <a:gd name="connsiteX33" fmla="*/ 55608 w 559472"/>
+              <a:gd name="connsiteY33" fmla="*/ 244762 h 3709642"/>
+              <a:gd name="connsiteX34" fmla="*/ 28130 w 559472"/>
+              <a:gd name="connsiteY34" fmla="*/ 122220 h 3709642"/>
+              <a:gd name="connsiteX35" fmla="*/ 0 w 559472"/>
+              <a:gd name="connsiteY35" fmla="*/ 0 h 3709642"/>
+            </a:gdLst>
+            <a:ahLst/>
+            <a:cxnLst>
+              <a:cxn ang="0">
+                <a:pos x="connsiteX0" y="connsiteY0"/>
+              </a:cxn>
+              <a:cxn ang="0">
+                <a:pos x="connsiteX1" y="connsiteY1"/>
+              </a:cxn>
+              <a:cxn ang="0">
+                <a:pos x="connsiteX2" y="connsiteY2"/>
+              </a:cxn>
+              <a:cxn ang="0">
+                <a:pos x="connsiteX3" y="connsiteY3"/>
+              </a:cxn>
+              <a:cxn ang="0">
+                <a:pos x="connsiteX4" y="connsiteY4"/>
+              </a:cxn>
+              <a:cxn ang="0">
+                <a:pos x="connsiteX5" y="connsiteY5"/>
+              </a:cxn>
+              <a:cxn ang="0">
+                <a:pos x="connsiteX6" y="connsiteY6"/>
+              </a:cxn>
+              <a:cxn ang="0">
+                <a:pos x="connsiteX7" y="connsiteY7"/>
+              </a:cxn>
+              <a:cxn ang="0">
+                <a:pos x="connsiteX8" y="connsiteY8"/>
+              </a:cxn>
+              <a:cxn ang="0">
+                <a:pos x="connsiteX9" y="connsiteY9"/>
+              </a:cxn>
+              <a:cxn ang="0">
+                <a:pos x="connsiteX10" y="connsiteY10"/>
+              </a:cxn>
+              <a:cxn ang="0">
+                <a:pos x="connsiteX11" y="connsiteY11"/>
+              </a:cxn>
+              <a:cxn ang="0">
+                <a:pos x="connsiteX12" y="connsiteY12"/>
+              </a:cxn>
+              <a:cxn ang="0">
+                <a:pos x="connsiteX13" y="connsiteY13"/>
+              </a:cxn>
+              <a:cxn ang="0">
+                <a:pos x="connsiteX14" y="connsiteY14"/>
+              </a:cxn>
+              <a:cxn ang="0">
+                <a:pos x="connsiteX15" y="connsiteY15"/>
+              </a:cxn>
+              <a:cxn ang="0">
+                <a:pos x="connsiteX16" y="connsiteY16"/>
+              </a:cxn>
+              <a:cxn ang="0">
+                <a:pos x="connsiteX17" y="connsiteY17"/>
+              </a:cxn>
+              <a:cxn ang="0">
+                <a:pos x="connsiteX18" y="connsiteY18"/>
+              </a:cxn>
+              <a:cxn ang="0">
+                <a:pos x="connsiteX19" y="connsiteY19"/>
+              </a:cxn>
+              <a:cxn ang="0">
+                <a:pos x="connsiteX20" y="connsiteY20"/>
+              </a:cxn>
+              <a:cxn ang="0">
+                <a:pos x="connsiteX21" y="connsiteY21"/>
+              </a:cxn>
+              <a:cxn ang="0">
+                <a:pos x="connsiteX22" y="connsiteY22"/>
+              </a:cxn>
+              <a:cxn ang="0">
+                <a:pos x="connsiteX23" y="connsiteY23"/>
+              </a:cxn>
+              <a:cxn ang="0">
+                <a:pos x="connsiteX24" y="connsiteY24"/>
+              </a:cxn>
+              <a:cxn ang="0">
+                <a:pos x="connsiteX25" y="connsiteY25"/>
+              </a:cxn>
+              <a:cxn ang="0">
+                <a:pos x="connsiteX26" y="connsiteY26"/>
+              </a:cxn>
+              <a:cxn ang="0">
+                <a:pos x="connsiteX27" y="connsiteY27"/>
+              </a:cxn>
+              <a:cxn ang="0">
+                <a:pos x="connsiteX28" y="connsiteY28"/>
+              </a:cxn>
+              <a:cxn ang="0">
+                <a:pos x="connsiteX29" y="connsiteY29"/>
+              </a:cxn>
+              <a:cxn ang="0">
+                <a:pos x="connsiteX30" y="connsiteY30"/>
+              </a:cxn>
+              <a:cxn ang="0">
+                <a:pos x="connsiteX31" y="connsiteY31"/>
+              </a:cxn>
+              <a:cxn ang="0">
+                <a:pos x="connsiteX32" y="connsiteY32"/>
+              </a:cxn>
+              <a:cxn ang="0">
+                <a:pos x="connsiteX33" y="connsiteY33"/>
+              </a:cxn>
+              <a:cxn ang="0">
+                <a:pos x="connsiteX34" y="connsiteY34"/>
+              </a:cxn>
+              <a:cxn ang="0">
+                <a:pos x="connsiteX35" y="connsiteY35"/>
+              </a:cxn>
+            </a:cxnLst>
+            <a:rect l="l" t="t" r="r" b="b"/>
+            <a:pathLst>
+              <a:path w="559472" h="3709642">
+                <a:moveTo>
+                  <a:pt x="0" y="0"/>
+                </a:moveTo>
+                <a:lnTo>
+                  <a:pt x="473952" y="0"/>
+                </a:lnTo>
+                <a:lnTo>
+                  <a:pt x="485840" y="161194"/>
+                </a:lnTo>
+                <a:cubicBezTo>
+                  <a:pt x="552063" y="1147770"/>
+                  <a:pt x="592441" y="3086737"/>
+                  <a:pt x="523949" y="3672197"/>
+                </a:cubicBezTo>
+                <a:cubicBezTo>
+                  <a:pt x="500842" y="3684557"/>
+                  <a:pt x="477855" y="3697282"/>
+                  <a:pt x="454748" y="3709642"/>
+                </a:cubicBezTo>
+                <a:lnTo>
+                  <a:pt x="448224" y="3510471"/>
+                </a:lnTo>
+                <a:lnTo>
+                  <a:pt x="443564" y="3408563"/>
+                </a:lnTo>
+                <a:lnTo>
+                  <a:pt x="438902" y="3304407"/>
+                </a:lnTo>
+                <a:lnTo>
+                  <a:pt x="433941" y="3198777"/>
+                </a:lnTo>
+                <a:lnTo>
+                  <a:pt x="427584" y="3092510"/>
+                </a:lnTo>
+                <a:lnTo>
+                  <a:pt x="420988" y="2984390"/>
+                </a:lnTo>
+                <a:lnTo>
+                  <a:pt x="414330" y="2874401"/>
+                </a:lnTo>
+                <a:lnTo>
+                  <a:pt x="406840" y="2762980"/>
+                </a:lnTo>
+                <a:lnTo>
+                  <a:pt x="397745" y="2650566"/>
+                </a:lnTo>
+                <a:lnTo>
+                  <a:pt x="389154" y="2536612"/>
+                </a:lnTo>
+                <a:lnTo>
+                  <a:pt x="379225" y="2421642"/>
+                </a:lnTo>
+                <a:lnTo>
+                  <a:pt x="368316" y="2305627"/>
+                </a:lnTo>
+                <a:lnTo>
+                  <a:pt x="357466" y="2189233"/>
+                </a:lnTo>
+                <a:lnTo>
+                  <a:pt x="344982" y="2071473"/>
+                </a:lnTo>
+                <a:lnTo>
+                  <a:pt x="332466" y="1952216"/>
+                </a:lnTo>
+                <a:lnTo>
+                  <a:pt x="319121" y="1833776"/>
+                </a:lnTo>
+                <a:lnTo>
+                  <a:pt x="304408" y="1713948"/>
+                </a:lnTo>
+                <a:lnTo>
+                  <a:pt x="288685" y="1592703"/>
+                </a:lnTo>
+                <a:lnTo>
+                  <a:pt x="273050" y="1471451"/>
+                </a:lnTo>
+                <a:lnTo>
+                  <a:pt x="255813" y="1350328"/>
+                </a:lnTo>
+                <a:lnTo>
+                  <a:pt x="237060" y="1227080"/>
+                </a:lnTo>
+                <a:lnTo>
+                  <a:pt x="218488" y="1106065"/>
+                </a:lnTo>
+                <a:lnTo>
+                  <a:pt x="198221" y="982940"/>
+                </a:lnTo>
+                <a:lnTo>
+                  <a:pt x="177152" y="858755"/>
+                </a:lnTo>
+                <a:lnTo>
+                  <a:pt x="155551" y="736861"/>
+                </a:lnTo>
+                <a:lnTo>
+                  <a:pt x="131782" y="613645"/>
+                </a:lnTo>
+                <a:lnTo>
+                  <a:pt x="107123" y="490500"/>
+                </a:lnTo>
+                <a:lnTo>
+                  <a:pt x="82552" y="367348"/>
+                </a:lnTo>
+                <a:lnTo>
+                  <a:pt x="55608" y="244762"/>
+                </a:lnTo>
+                <a:lnTo>
+                  <a:pt x="28130" y="122220"/>
+                </a:lnTo>
+                <a:lnTo>
+                  <a:pt x="0" y="0"/>
+                </a:lnTo>
+                <a:close/>
+              </a:path>
+            </a:pathLst>
+          </a:custGeom>
+          <a:solidFill>
+            <a:schemeClr val="tx1">
+              <a:alpha val="20000"/>
+            </a:schemeClr>
+          </a:solidFill>
+          <a:ln>
+            <a:noFill/>
+          </a:ln>
+        </p:spPr>
+        <p:txBody>
+          <a:bodyPr rtlCol="0" anchor="ctr"/>
+          <a:lstStyle/>
+          <a:p>
+            <a:pPr algn="ctr"/>
+            <a:endParaRPr lang="en-US"/>
+          </a:p>
+        </p:txBody>
+      </p:sp>
+      <p:sp>
+        <p:nvSpPr>
+          <p:cNvPr id="59" name="Rectangle 48">
+            <a:extLst>
+              <a:ext uri="{FF2B5EF4-FFF2-40B4-BE49-F238E27FC236}">
+                <a16:creationId xmlns:a16="http://schemas.microsoft.com/office/drawing/2014/main" id="{F2519C92-0806-4842-AA3E-15DFABD7FB8B}"/>
+              </a:ext>
+              <a:ext uri="{C183D7F6-B498-43B3-948B-1728B52AA6E4}">
+                <adec:decorative xmlns:adec="http://schemas.microsoft.com/office/drawing/2017/decorative" val="1"/>
+              </a:ext>
+            </a:extLst>
+          </p:cNvPr>
+          <p:cNvSpPr>
+            <a:spLocks noGrp="1" noRot="1" noChangeAspect="1" noMove="1" noResize="1" noEditPoints="1" noAdjustHandles="1" noChangeArrowheads="1" noChangeShapeType="1" noTextEdit="1"/>
+          </p:cNvSpPr>
+          <p:nvPr>
+            <p:extLst>
+              <p:ext uri="{386F3935-93C4-4BCD-93E2-E3B085C9AB24}">
+                <p16:designElem xmlns:p16="http://schemas.microsoft.com/office/powerpoint/2015/main" val="1"/>
+              </p:ext>
+            </p:extLst>
+          </p:nvPr>
+        </p:nvSpPr>
+        <p:spPr>
+          <a:xfrm>
+            <a:off x="10442448" y="0"/>
+            <a:ext cx="685800" cy="1143000"/>
+          </a:xfrm>
+          <a:prstGeom prst="rect">
+            <a:avLst/>
+          </a:prstGeom>
+          <a:solidFill>
+            <a:schemeClr val="accent1"/>
+          </a:solidFill>
+          <a:ln>
+            <a:noFill/>
+          </a:ln>
+        </p:spPr>
+        <p:style>
+          <a:lnRef idx="1">
+            <a:schemeClr val="accent1"/>
+          </a:lnRef>
+          <a:fillRef idx="3">
+            <a:schemeClr val="accent1"/>
+          </a:fillRef>
+          <a:effectRef idx="2">
+            <a:schemeClr val="accent1"/>
+          </a:effectRef>
+          <a:fontRef idx="minor">
+            <a:schemeClr val="lt1"/>
+          </a:fontRef>
+        </p:style>
+      </p:sp>
+      <p:pic>
+        <p:nvPicPr>
+          <p:cNvPr id="5" name="Content Placeholder 63" descr="A picture containing computer&#10;&#10;Description automatically generated">
+            <a:extLst>
+              <a:ext uri="{FF2B5EF4-FFF2-40B4-BE49-F238E27FC236}">
+                <a16:creationId xmlns:a16="http://schemas.microsoft.com/office/drawing/2014/main" id="{75283A82-5AE3-4699-B47C-23730B7137A4}"/>
+              </a:ext>
+            </a:extLst>
+          </p:cNvPr>
+          <p:cNvPicPr>
+            <a:picLocks noGrp="1" noChangeAspect="1"/>
+          </p:cNvPicPr>
+          <p:nvPr>
+            <p:ph sz="half" idx="1"/>
+          </p:nvPr>
+        </p:nvPicPr>
+        <p:blipFill>
+          <a:blip r:embed="rId7"/>
+          <a:stretch>
+            <a:fillRect/>
+          </a:stretch>
+        </p:blipFill>
+        <p:spPr>
+          <a:xfrm>
+            <a:off x="4493292" y="3844867"/>
+            <a:ext cx="7475795" cy="2706057"/>
+          </a:xfrm>
+          <a:prstGeom prst="rect">
+            <a:avLst/>
+          </a:prstGeom>
+          <a:effectLst/>
+        </p:spPr>
+      </p:pic>
+      <p:pic>
+        <p:nvPicPr>
+          <p:cNvPr id="6" name="Content Placeholder 57" descr="A screenshot of a cell phone&#10;&#10;Description automatically generated">
+            <a:extLst>
+              <a:ext uri="{FF2B5EF4-FFF2-40B4-BE49-F238E27FC236}">
+                <a16:creationId xmlns:a16="http://schemas.microsoft.com/office/drawing/2014/main" id="{D82C0D91-F9D2-4053-8300-70239ED50258}"/>
+              </a:ext>
+            </a:extLst>
+          </p:cNvPr>
+          <p:cNvPicPr>
+            <a:picLocks noChangeAspect="1"/>
+          </p:cNvPicPr>
+          <p:nvPr/>
+        </p:nvPicPr>
+        <p:blipFill>
+          <a:blip r:embed="rId8"/>
+          <a:stretch>
+            <a:fillRect/>
+          </a:stretch>
+        </p:blipFill>
+        <p:spPr>
+          <a:xfrm>
+            <a:off x="4507582" y="21919"/>
+            <a:ext cx="7423134" cy="3045414"/>
+          </a:xfrm>
+          <a:prstGeom prst="rect">
+            <a:avLst/>
+          </a:prstGeom>
+          <a:effectLst/>
+        </p:spPr>
+      </p:pic>
+      <p:sp>
+        <p:nvSpPr>
+          <p:cNvPr id="7" name="TextBox 6">
+            <a:extLst>
+              <a:ext uri="{FF2B5EF4-FFF2-40B4-BE49-F238E27FC236}">
+                <a16:creationId xmlns:a16="http://schemas.microsoft.com/office/drawing/2014/main" id="{9394BDD9-69AD-4700-9DD9-234D01908A4D}"/>
+              </a:ext>
+            </a:extLst>
+          </p:cNvPr>
+          <p:cNvSpPr txBox="1"/>
+          <p:nvPr/>
+        </p:nvSpPr>
+        <p:spPr>
+          <a:xfrm>
+            <a:off x="261284" y="521357"/>
+            <a:ext cx="3482519" cy="2031325"/>
+          </a:xfrm>
+          <a:prstGeom prst="rect">
+            <a:avLst/>
+          </a:prstGeom>
+          <a:noFill/>
+        </p:spPr>
+        <p:txBody>
+          <a:bodyPr wrap="square" rtlCol="0">
+            <a:spAutoFit/>
+          </a:bodyPr>
+          <a:lstStyle/>
+          <a:p>
+            <a:pPr marL="285750" indent="-285750">
+              <a:buFont typeface="Arial" panose="020B0604020202020204" pitchFamily="34" charset="0"/>
+              <a:buChar char="•"/>
+            </a:pPr>
+            <a:r>
+              <a:rPr lang="en-US" dirty="0"/>
+              <a:t>All of the top 10 software are game related like PS3, PS4, Xbox. However, Sony Play Station has the  highest amount of sales with more than 200 millions Rubles. </a:t>
+            </a:r>
+          </a:p>
+        </p:txBody>
+      </p:sp>
+      <p:sp>
+        <p:nvSpPr>
+          <p:cNvPr id="8" name="TextBox 7">
+            <a:extLst>
+              <a:ext uri="{FF2B5EF4-FFF2-40B4-BE49-F238E27FC236}">
+                <a16:creationId xmlns:a16="http://schemas.microsoft.com/office/drawing/2014/main" id="{97E126A3-53C8-472A-9E49-02EEAF1194D2}"/>
+              </a:ext>
+            </a:extLst>
+          </p:cNvPr>
+          <p:cNvSpPr txBox="1"/>
+          <p:nvPr/>
+        </p:nvSpPr>
+        <p:spPr>
+          <a:xfrm>
+            <a:off x="446160" y="3981923"/>
+            <a:ext cx="3544827" cy="2031325"/>
+          </a:xfrm>
+          <a:prstGeom prst="rect">
+            <a:avLst/>
+          </a:prstGeom>
+          <a:noFill/>
+        </p:spPr>
+        <p:txBody>
+          <a:bodyPr wrap="square" rtlCol="0">
+            <a:spAutoFit/>
+          </a:bodyPr>
+          <a:lstStyle/>
+          <a:p>
+            <a:pPr marL="285750" indent="-285750">
+              <a:buFont typeface="Arial" panose="020B0604020202020204" pitchFamily="34" charset="0"/>
+              <a:buChar char="•"/>
+            </a:pPr>
+            <a:r>
+              <a:rPr lang="en-US" dirty="0"/>
+              <a:t>77 Percent of all the software are below 1000 Rubles (equivalent to 14 USD).</a:t>
+            </a:r>
+          </a:p>
+          <a:p>
+            <a:pPr marL="285750" indent="-285750">
+              <a:buFont typeface="Arial" panose="020B0604020202020204" pitchFamily="34" charset="0"/>
+              <a:buChar char="•"/>
+            </a:pPr>
+            <a:r>
+              <a:rPr lang="en-US" dirty="0"/>
+              <a:t>The average item price is 890 Rubles(equivalent to 12.5 USD).</a:t>
+            </a:r>
+          </a:p>
+        </p:txBody>
+      </p:sp>
+    </p:spTree>
+    <p:extLst>
+      <p:ext uri="{BB962C8B-B14F-4D97-AF65-F5344CB8AC3E}">
+        <p14:creationId xmlns:p14="http://schemas.microsoft.com/office/powerpoint/2010/main" val="3325633170"/>
+      </p:ext>
+    </p:extLst>
+  </p:cSld>
+  <p:clrMapOvr>
+    <a:masterClrMapping/>
+  </p:clrMapOvr>
+  <p:timing>
+    <p:tnLst>
+      <p:par>
+        <p:cTn id="1" dur="indefinite" restart="never" nodeType="tmRoot">
+          <p:childTnLst>
+            <p:seq concurrent="1" nextAc="seek">
+              <p:cTn id="2" dur="indefinite" nodeType="mainSeq">
+                <p:childTnLst>
+                  <p:par>
+                    <p:cTn id="3" fill="hold">
+                      <p:stCondLst>
+                        <p:cond delay="indefinite"/>
+                      </p:stCondLst>
+                      <p:childTnLst>
+                        <p:par>
+                          <p:cTn id="4" fill="hold">
+                            <p:stCondLst>
+                              <p:cond delay="0"/>
+                            </p:stCondLst>
+                            <p:childTnLst>
+                              <p:par>
+                                <p:cTn id="5" presetID="2" presetClass="entr" presetSubtype="4" fill="hold" nodeType="clickEffect">
+                                  <p:stCondLst>
+                                    <p:cond delay="0"/>
+                                  </p:stCondLst>
+                                  <p:childTnLst>
+                                    <p:set>
+                                      <p:cBhvr>
+                                        <p:cTn id="6" dur="1" fill="hold">
+                                          <p:stCondLst>
+                                            <p:cond delay="0"/>
+                                          </p:stCondLst>
+                                        </p:cTn>
+                                        <p:tgtEl>
+                                          <p:spTgt spid="5"/>
+                                        </p:tgtEl>
+                                        <p:attrNameLst>
+                                          <p:attrName>style.visibility</p:attrName>
+                                        </p:attrNameLst>
+                                      </p:cBhvr>
+                                      <p:to>
+                                        <p:strVal val="visible"/>
+                                      </p:to>
+                                    </p:set>
+                                    <p:anim calcmode="lin" valueType="num">
+                                      <p:cBhvr additive="base">
+                                        <p:cTn id="7" dur="500" fill="hold"/>
+                                        <p:tgtEl>
+                                          <p:spTgt spid="5"/>
+                                        </p:tgtEl>
+                                        <p:attrNameLst>
+                                          <p:attrName>ppt_x</p:attrName>
+                                        </p:attrNameLst>
+                                      </p:cBhvr>
+                                      <p:tavLst>
+                                        <p:tav tm="0">
+                                          <p:val>
+                                            <p:strVal val="#ppt_x"/>
+                                          </p:val>
+                                        </p:tav>
+                                        <p:tav tm="100000">
+                                          <p:val>
+                                            <p:strVal val="#ppt_x"/>
+                                          </p:val>
+                                        </p:tav>
+                                      </p:tavLst>
+                                    </p:anim>
+                                    <p:anim calcmode="lin" valueType="num">
+                                      <p:cBhvr additive="base">
+                                        <p:cTn id="8" dur="500" fill="hold"/>
+                                        <p:tgtEl>
+                                          <p:spTgt spid="5"/>
+                                        </p:tgtEl>
+                                        <p:attrNameLst>
+                                          <p:attrName>ppt_y</p:attrName>
+                                        </p:attrNameLst>
+                                      </p:cBhvr>
+                                      <p:tavLst>
+                                        <p:tav tm="0">
+                                          <p:val>
+                                            <p:strVal val="1+#ppt_h/2"/>
+                                          </p:val>
+                                        </p:tav>
+                                        <p:tav tm="100000">
+                                          <p:val>
+                                            <p:strVal val="#ppt_y"/>
+                                          </p:val>
+                                        </p:tav>
+                                      </p:tavLst>
+                                    </p:anim>
+                                  </p:childTnLst>
+                                </p:cTn>
+                              </p:par>
+                            </p:childTnLst>
+                          </p:cTn>
+                        </p:par>
+                      </p:childTnLst>
+                    </p:cTn>
+                  </p:par>
+                  <p:par>
+                    <p:cTn id="9" fill="hold">
+                      <p:stCondLst>
+                        <p:cond delay="indefinite"/>
+                      </p:stCondLst>
+                      <p:childTnLst>
+                        <p:par>
+                          <p:cTn id="10" fill="hold">
+                            <p:stCondLst>
+                              <p:cond delay="0"/>
+                            </p:stCondLst>
+                            <p:childTnLst>
+                              <p:par>
+                                <p:cTn id="11" presetID="2" presetClass="entr" presetSubtype="4" fill="hold" grpId="0" nodeType="clickEffect">
+                                  <p:stCondLst>
+                                    <p:cond delay="0"/>
+                                  </p:stCondLst>
+                                  <p:childTnLst>
+                                    <p:set>
+                                      <p:cBhvr>
+                                        <p:cTn id="12" dur="1" fill="hold">
+                                          <p:stCondLst>
+                                            <p:cond delay="0"/>
+                                          </p:stCondLst>
+                                        </p:cTn>
+                                        <p:tgtEl>
+                                          <p:spTgt spid="8"/>
+                                        </p:tgtEl>
+                                        <p:attrNameLst>
+                                          <p:attrName>style.visibility</p:attrName>
+                                        </p:attrNameLst>
+                                      </p:cBhvr>
+                                      <p:to>
+                                        <p:strVal val="visible"/>
+                                      </p:to>
+                                    </p:set>
+                                    <p:anim calcmode="lin" valueType="num">
+                                      <p:cBhvr additive="base">
+                                        <p:cTn id="13" dur="500" fill="hold"/>
+                                        <p:tgtEl>
+                                          <p:spTgt spid="8"/>
+                                        </p:tgtEl>
+                                        <p:attrNameLst>
+                                          <p:attrName>ppt_x</p:attrName>
+                                        </p:attrNameLst>
+                                      </p:cBhvr>
+                                      <p:tavLst>
+                                        <p:tav tm="0">
+                                          <p:val>
+                                            <p:strVal val="#ppt_x"/>
+                                          </p:val>
+                                        </p:tav>
+                                        <p:tav tm="100000">
+                                          <p:val>
+                                            <p:strVal val="#ppt_x"/>
+                                          </p:val>
+                                        </p:tav>
+                                      </p:tavLst>
+                                    </p:anim>
+                                    <p:anim calcmode="lin" valueType="num">
+                                      <p:cBhvr additive="base">
+                                        <p:cTn id="14" dur="500" fill="hold"/>
+                                        <p:tgtEl>
+                                          <p:spTgt spid="8"/>
+                                        </p:tgtEl>
+                                        <p:attrNameLst>
+                                          <p:attrName>ppt_y</p:attrName>
+                                        </p:attrNameLst>
+                                      </p:cBhvr>
+                                      <p:tavLst>
+                                        <p:tav tm="0">
+                                          <p:val>
+                                            <p:strVal val="1+#ppt_h/2"/>
+                                          </p:val>
+                                        </p:tav>
+                                        <p:tav tm="100000">
+                                          <p:val>
+                                            <p:strVal val="#ppt_y"/>
+                                          </p:val>
+                                        </p:tav>
+                                      </p:tavLst>
+                                    </p:anim>
+                                  </p:childTnLst>
+                                </p:cTn>
+                              </p:par>
+                            </p:childTnLst>
+                          </p:cTn>
+                        </p:par>
+                      </p:childTnLst>
+                    </p:cTn>
+                  </p:par>
+                </p:childTnLst>
+              </p:cTn>
+              <p:prevCondLst>
+                <p:cond evt="onPrev" delay="0">
+                  <p:tgtEl>
+                    <p:sldTgt/>
+                  </p:tgtEl>
+                </p:cond>
+              </p:prevCondLst>
+              <p:nextCondLst>
+                <p:cond evt="onNext" delay="0">
+                  <p:tgtEl>
+                    <p:sldTgt/>
+                  </p:tgtEl>
+                </p:cond>
+              </p:nextCondLst>
+            </p:seq>
+          </p:childTnLst>
+        </p:cTn>
+      </p:par>
+    </p:tnLst>
+    <p:bldLst>
+      <p:bldP spid="8" grpId="0"/>
+    </p:bldLst>
+  </p:timing>
+</p:sld>
+</file>
+
+<file path=ppt/slides/slide4.xml><?xml version="1.0" encoding="utf-8"?>
+<p:sld xmlns:a="http://schemas.openxmlformats.org/drawingml/2006/main" xmlns:r="http://schemas.openxmlformats.org/officeDocument/2006/relationships" xmlns:p="http://schemas.openxmlformats.org/presentationml/2006/main">
+  <p:cSld>
     <p:bg>
       <p:bgPr>
         <a:blipFill rotWithShape="1">
@@ -8142,7 +10059,7 @@
         </p:nvSpPr>
         <p:spPr>
           <a:xfrm>
-            <a:off x="325872" y="4854344"/>
+            <a:off x="132127" y="5841421"/>
             <a:ext cx="10991485" cy="1111130"/>
           </a:xfrm>
         </p:spPr>
@@ -8172,7 +10089,7 @@
                 </a:solidFill>
                 <a:latin typeface="+mn-lt"/>
               </a:rPr>
-              <a:t>increased</a:t>
+              <a:t>increased from 2013 to 2014</a:t>
             </a:r>
             <a:r>
               <a:rPr lang="en-US" sz="2000" dirty="0">
@@ -8180,7 +10097,7 @@
                   <a:schemeClr val="tx1"/>
                 </a:solidFill>
               </a:rPr>
-              <a:t>, however, there is no complete data for 2015’s sales.</a:t>
+              <a:t>. However, there is no complete data for 2015’s sales. The last month for 2015 sales is October. </a:t>
             </a:r>
             <a:br>
               <a:rPr lang="en-US" sz="1600" dirty="0">
@@ -8199,12 +10116,47 @@
           </a:p>
         </p:txBody>
       </p:sp>
+      <p:sp>
+        <p:nvSpPr>
+          <p:cNvPr id="231" name="TextBox 230">
+            <a:extLst>
+              <a:ext uri="{FF2B5EF4-FFF2-40B4-BE49-F238E27FC236}">
+                <a16:creationId xmlns:a16="http://schemas.microsoft.com/office/drawing/2014/main" id="{9FEB7507-8B63-4073-9275-1552B7AFF4AE}"/>
+              </a:ext>
+            </a:extLst>
+          </p:cNvPr>
+          <p:cNvSpPr txBox="1"/>
+          <p:nvPr/>
+        </p:nvSpPr>
+        <p:spPr>
+          <a:xfrm>
+            <a:off x="132127" y="4860909"/>
+            <a:ext cx="11556542" cy="646331"/>
+          </a:xfrm>
+          <a:prstGeom prst="rect">
+            <a:avLst/>
+          </a:prstGeom>
+          <a:noFill/>
+        </p:spPr>
+        <p:txBody>
+          <a:bodyPr wrap="square" rtlCol="0">
+            <a:spAutoFit/>
+          </a:bodyPr>
+          <a:lstStyle/>
+          <a:p>
+            <a:r>
+              <a:rPr lang="en-US" dirty="0"/>
+              <a:t>The Variety of items or the number of distinct items decreased from 2013 to 2015. 3,722 Items were collected from shelves. However, the total amount of sales did not decrease over time.</a:t>
+            </a:r>
+          </a:p>
+        </p:txBody>
+      </p:sp>
       <p:pic>
         <p:nvPicPr>
-          <p:cNvPr id="18" name="Picture 17" descr="A screenshot of a cell phone&#10;&#10;Description automatically generated">
+          <p:cNvPr id="243" name="Picture 242" descr="A close up of a map&#10;&#10;Description automatically generated">
             <a:extLst>
               <a:ext uri="{FF2B5EF4-FFF2-40B4-BE49-F238E27FC236}">
-                <a16:creationId xmlns:a16="http://schemas.microsoft.com/office/drawing/2014/main" id="{364A116D-E46B-42AF-88C3-92785310E3D5}"/>
+                <a16:creationId xmlns:a16="http://schemas.microsoft.com/office/drawing/2014/main" id="{919A5B8B-A29F-45D7-98A9-681919CB49A5}"/>
               </a:ext>
             </a:extLst>
           </p:cNvPr>
@@ -8221,21 +10173,20 @@
         </p:blipFill>
         <p:spPr>
           <a:xfrm>
-            <a:off x="3129746" y="178490"/>
-            <a:ext cx="1804995" cy="3913832"/>
+            <a:off x="3439235" y="184026"/>
+            <a:ext cx="7792871" cy="3977395"/>
           </a:xfrm>
           <a:prstGeom prst="rect">
             <a:avLst/>
           </a:prstGeom>
-          <a:effectLst/>
         </p:spPr>
       </p:pic>
       <p:pic>
         <p:nvPicPr>
-          <p:cNvPr id="30" name="Content Placeholder 29" descr="A screenshot of a cell phone&#10;&#10;Description automatically generated">
+          <p:cNvPr id="251" name="Picture 250" descr="A screenshot of a cell phone&#10;&#10;Description automatically generated">
             <a:extLst>
               <a:ext uri="{FF2B5EF4-FFF2-40B4-BE49-F238E27FC236}">
-                <a16:creationId xmlns:a16="http://schemas.microsoft.com/office/drawing/2014/main" id="{75C209DF-DB73-43DC-89EE-33550E13C88E}"/>
+                <a16:creationId xmlns:a16="http://schemas.microsoft.com/office/drawing/2014/main" id="{B3788775-C96E-4097-9319-29F88EEA5AC9}"/>
               </a:ext>
             </a:extLst>
           </p:cNvPr>
@@ -8252,81 +10203,14 @@
         </p:blipFill>
         <p:spPr>
           <a:xfrm>
-            <a:off x="309586" y="178490"/>
-            <a:ext cx="2159865" cy="3860513"/>
+            <a:off x="291501" y="118925"/>
+            <a:ext cx="3147430" cy="3977394"/>
           </a:xfrm>
           <a:prstGeom prst="rect">
             <a:avLst/>
           </a:prstGeom>
-          <a:effectLst/>
         </p:spPr>
       </p:pic>
-      <p:pic>
-        <p:nvPicPr>
-          <p:cNvPr id="227" name="Picture 226" descr="A close up of a map&#10;&#10;Description automatically generated">
-            <a:extLst>
-              <a:ext uri="{FF2B5EF4-FFF2-40B4-BE49-F238E27FC236}">
-                <a16:creationId xmlns:a16="http://schemas.microsoft.com/office/drawing/2014/main" id="{424CD729-3167-410A-80D8-33F052AC874E}"/>
-              </a:ext>
-            </a:extLst>
-          </p:cNvPr>
-          <p:cNvPicPr>
-            <a:picLocks noChangeAspect="1"/>
-          </p:cNvPicPr>
-          <p:nvPr/>
-        </p:nvPicPr>
-        <p:blipFill>
-          <a:blip r:embed="rId9"/>
-          <a:stretch>
-            <a:fillRect/>
-          </a:stretch>
-        </p:blipFill>
-        <p:spPr>
-          <a:xfrm>
-            <a:off x="5599805" y="612770"/>
-            <a:ext cx="6402425" cy="3426233"/>
-          </a:xfrm>
-          <a:prstGeom prst="rect">
-            <a:avLst/>
-          </a:prstGeom>
-          <a:effectLst/>
-        </p:spPr>
-      </p:pic>
-      <p:sp>
-        <p:nvSpPr>
-          <p:cNvPr id="231" name="TextBox 230">
-            <a:extLst>
-              <a:ext uri="{FF2B5EF4-FFF2-40B4-BE49-F238E27FC236}">
-                <a16:creationId xmlns:a16="http://schemas.microsoft.com/office/drawing/2014/main" id="{9FEB7507-8B63-4073-9275-1552B7AFF4AE}"/>
-              </a:ext>
-            </a:extLst>
-          </p:cNvPr>
-          <p:cNvSpPr txBox="1"/>
-          <p:nvPr/>
-        </p:nvSpPr>
-        <p:spPr>
-          <a:xfrm>
-            <a:off x="309586" y="5856371"/>
-            <a:ext cx="11556542" cy="646331"/>
-          </a:xfrm>
-          <a:prstGeom prst="rect">
-            <a:avLst/>
-          </a:prstGeom>
-          <a:noFill/>
-        </p:spPr>
-        <p:txBody>
-          <a:bodyPr wrap="square" rtlCol="0">
-            <a:spAutoFit/>
-          </a:bodyPr>
-          <a:lstStyle/>
-          <a:p>
-            <a:r>
-              <a:rPr lang="en-US" dirty="0"/>
-              <a:t>The Variety of items or the number of distinct items decreased from 2013 to 2015. However, the total number of  items sold did not decrease over time.</a:t>
-            </a:r>
-          </a:p>
-        </p:txBody>
-      </p:sp>
     </p:spTree>
     <p:extLst>
       <p:ext uri="{BB962C8B-B14F-4D97-AF65-F5344CB8AC3E}">
@@ -8371,7 +10255,7 @@
                                           </p:stCondLst>
                                         </p:cTn>
                                         <p:tgtEl>
-                                          <p:spTgt spid="18"/>
+                                          <p:spTgt spid="243"/>
                                         </p:tgtEl>
                                         <p:attrNameLst>
                                           <p:attrName>style.visibility</p:attrName>
@@ -8385,7 +10269,7 @@
                                       <p:cBhvr additive="base">
                                         <p:cTn id="7" dur="500" fill="hold"/>
                                         <p:tgtEl>
-                                          <p:spTgt spid="18"/>
+                                          <p:spTgt spid="243"/>
                                         </p:tgtEl>
                                         <p:attrNameLst>
                                           <p:attrName>ppt_x</p:attrName>
@@ -8408,7 +10292,7 @@
                                       <p:cBhvr additive="base">
                                         <p:cTn id="8" dur="500" fill="hold"/>
                                         <p:tgtEl>
-                                          <p:spTgt spid="18"/>
+                                          <p:spTgt spid="243"/>
                                         </p:tgtEl>
                                         <p:attrNameLst>
                                           <p:attrName>ppt_y</p:attrName>
@@ -8449,7 +10333,7 @@
                             </p:stCondLst>
                             <p:childTnLst>
                               <p:par>
-                                <p:cTn id="11" presetID="2" presetClass="entr" presetSubtype="4" fill="hold" nodeType="clickEffect">
+                                <p:cTn id="11" presetID="2" presetClass="entr" presetSubtype="4" fill="hold" grpId="0" nodeType="clickEffect">
                                   <p:stCondLst>
                                     <p:cond delay="0"/>
                                   </p:stCondLst>
@@ -8462,7 +10346,7 @@
                                           </p:stCondLst>
                                         </p:cTn>
                                         <p:tgtEl>
-                                          <p:spTgt spid="227"/>
+                                          <p:spTgt spid="2"/>
                                         </p:tgtEl>
                                         <p:attrNameLst>
                                           <p:attrName>style.visibility</p:attrName>
@@ -8476,7 +10360,7 @@
                                       <p:cBhvr additive="base">
                                         <p:cTn id="13" dur="500" fill="hold"/>
                                         <p:tgtEl>
-                                          <p:spTgt spid="227"/>
+                                          <p:spTgt spid="2"/>
                                         </p:tgtEl>
                                         <p:attrNameLst>
                                           <p:attrName>ppt_x</p:attrName>
@@ -8499,7 +10383,7 @@
                                       <p:cBhvr additive="base">
                                         <p:cTn id="14" dur="500" fill="hold"/>
                                         <p:tgtEl>
-                                          <p:spTgt spid="227"/>
+                                          <p:spTgt spid="2"/>
                                         </p:tgtEl>
                                         <p:attrNameLst>
                                           <p:attrName>ppt_y</p:attrName>
@@ -8548,11 +10432,14 @@
         </p:cTn>
       </p:par>
     </p:tnLst>
+    <p:bldLst>
+      <p:bldP spid="2" grpId="0"/>
+    </p:bldLst>
   </p:timing>
 </p:sld>
 </file>
 
-<file path=ppt/slides/slide3.xml><?xml version="1.0" encoding="utf-8"?>
+<file path=ppt/slides/slide5.xml><?xml version="1.0" encoding="utf-8"?>
 <p:sld xmlns:a="http://schemas.openxmlformats.org/drawingml/2006/main" xmlns:r="http://schemas.openxmlformats.org/officeDocument/2006/relationships" xmlns:p="http://schemas.openxmlformats.org/presentationml/2006/main">
   <p:cSld>
     <p:bg>
@@ -9382,12 +11269,288 @@
           </a:p>
         </p:txBody>
       </p:sp>
+      <p:sp useBgFill="1">
+        <p:nvSpPr>
+          <p:cNvPr id="117" name="Freeform 5">
+            <a:extLst>
+              <a:ext uri="{FF2B5EF4-FFF2-40B4-BE49-F238E27FC236}">
+                <a16:creationId xmlns:a16="http://schemas.microsoft.com/office/drawing/2014/main" id="{1F63DF7C-AFED-49CB-8FAF-B69387E9C35F}"/>
+              </a:ext>
+              <a:ext uri="{C183D7F6-B498-43B3-948B-1728B52AA6E4}">
+                <adec:decorative xmlns:adec="http://schemas.microsoft.com/office/drawing/2017/decorative" val="1"/>
+              </a:ext>
+            </a:extLst>
+          </p:cNvPr>
+          <p:cNvSpPr>
+            <a:spLocks noGrp="1" noRot="1" noChangeAspect="1" noMove="1" noResize="1" noEditPoints="1" noAdjustHandles="1" noChangeArrowheads="1" noChangeShapeType="1" noTextEdit="1"/>
+          </p:cNvSpPr>
+          <p:nvPr>
+            <p:extLst>
+              <p:ext uri="{386F3935-93C4-4BCD-93E2-E3B085C9AB24}">
+                <p16:designElem xmlns:p16="http://schemas.microsoft.com/office/powerpoint/2015/main" val="1"/>
+              </p:ext>
+            </p:extLst>
+          </p:nvPr>
+        </p:nvSpPr>
+        <p:spPr bwMode="gray">
+          <a:xfrm>
+            <a:off x="1" y="4055532"/>
+            <a:ext cx="12191695" cy="2802467"/>
+          </a:xfrm>
+          <a:custGeom>
+            <a:avLst/>
+            <a:gdLst/>
+            <a:ahLst/>
+            <a:cxnLst/>
+            <a:rect l="l" t="t" r="r" b="b"/>
+            <a:pathLst>
+              <a:path w="10000" h="8000">
+                <a:moveTo>
+                  <a:pt x="0" y="0"/>
+                </a:moveTo>
+                <a:lnTo>
+                  <a:pt x="0" y="7970"/>
+                </a:lnTo>
+                <a:lnTo>
+                  <a:pt x="10000" y="8000"/>
+                </a:lnTo>
+                <a:lnTo>
+                  <a:pt x="10000" y="7"/>
+                </a:lnTo>
+                <a:lnTo>
+                  <a:pt x="10000" y="7"/>
+                </a:lnTo>
+                <a:lnTo>
+                  <a:pt x="9773" y="156"/>
+                </a:lnTo>
+                <a:lnTo>
+                  <a:pt x="9547" y="298"/>
+                </a:lnTo>
+                <a:lnTo>
+                  <a:pt x="9320" y="437"/>
+                </a:lnTo>
+                <a:lnTo>
+                  <a:pt x="9092" y="556"/>
+                </a:lnTo>
+                <a:lnTo>
+                  <a:pt x="8865" y="676"/>
+                </a:lnTo>
+                <a:lnTo>
+                  <a:pt x="8637" y="788"/>
+                </a:lnTo>
+                <a:lnTo>
+                  <a:pt x="8412" y="884"/>
+                </a:lnTo>
+                <a:lnTo>
+                  <a:pt x="8184" y="975"/>
+                </a:lnTo>
+                <a:lnTo>
+                  <a:pt x="7957" y="1058"/>
+                </a:lnTo>
+                <a:lnTo>
+                  <a:pt x="7734" y="1130"/>
+                </a:lnTo>
+                <a:lnTo>
+                  <a:pt x="7508" y="1202"/>
+                </a:lnTo>
+                <a:lnTo>
+                  <a:pt x="7285" y="1262"/>
+                </a:lnTo>
+                <a:lnTo>
+                  <a:pt x="7062" y="1309"/>
+                </a:lnTo>
+                <a:lnTo>
+                  <a:pt x="6840" y="1358"/>
+                </a:lnTo>
+                <a:lnTo>
+                  <a:pt x="6620" y="1399"/>
+                </a:lnTo>
+                <a:lnTo>
+                  <a:pt x="6402" y="1428"/>
+                </a:lnTo>
+                <a:lnTo>
+                  <a:pt x="6184" y="1453"/>
+                </a:lnTo>
+                <a:lnTo>
+                  <a:pt x="5968" y="1477"/>
+                </a:lnTo>
+                <a:lnTo>
+                  <a:pt x="5755" y="1488"/>
+                </a:lnTo>
+                <a:lnTo>
+                  <a:pt x="5542" y="1500"/>
+                </a:lnTo>
+                <a:lnTo>
+                  <a:pt x="5332" y="1506"/>
+                </a:lnTo>
+                <a:lnTo>
+                  <a:pt x="5124" y="1500"/>
+                </a:lnTo>
+                <a:lnTo>
+                  <a:pt x="4918" y="1500"/>
+                </a:lnTo>
+                <a:lnTo>
+                  <a:pt x="4714" y="1488"/>
+                </a:lnTo>
+                <a:lnTo>
+                  <a:pt x="4514" y="1470"/>
+                </a:lnTo>
+                <a:lnTo>
+                  <a:pt x="4316" y="1453"/>
+                </a:lnTo>
+                <a:lnTo>
+                  <a:pt x="4122" y="1434"/>
+                </a:lnTo>
+                <a:lnTo>
+                  <a:pt x="3929" y="1405"/>
+                </a:lnTo>
+                <a:lnTo>
+                  <a:pt x="3739" y="1374"/>
+                </a:lnTo>
+                <a:lnTo>
+                  <a:pt x="3553" y="1346"/>
+                </a:lnTo>
+                <a:lnTo>
+                  <a:pt x="3190" y="1267"/>
+                </a:lnTo>
+                <a:lnTo>
+                  <a:pt x="2842" y="1183"/>
+                </a:lnTo>
+                <a:lnTo>
+                  <a:pt x="2508" y="1095"/>
+                </a:lnTo>
+                <a:lnTo>
+                  <a:pt x="2192" y="998"/>
+                </a:lnTo>
+                <a:lnTo>
+                  <a:pt x="1890" y="897"/>
+                </a:lnTo>
+                <a:lnTo>
+                  <a:pt x="1610" y="788"/>
+                </a:lnTo>
+                <a:lnTo>
+                  <a:pt x="1347" y="681"/>
+                </a:lnTo>
+                <a:lnTo>
+                  <a:pt x="1105" y="574"/>
+                </a:lnTo>
+                <a:lnTo>
+                  <a:pt x="883" y="473"/>
+                </a:lnTo>
+                <a:lnTo>
+                  <a:pt x="686" y="377"/>
+                </a:lnTo>
+                <a:lnTo>
+                  <a:pt x="508" y="286"/>
+                </a:lnTo>
+                <a:lnTo>
+                  <a:pt x="358" y="210"/>
+                </a:lnTo>
+                <a:lnTo>
+                  <a:pt x="232" y="138"/>
+                </a:lnTo>
+                <a:lnTo>
+                  <a:pt x="59" y="35"/>
+                </a:lnTo>
+                <a:lnTo>
+                  <a:pt x="0" y="0"/>
+                </a:lnTo>
+                <a:lnTo>
+                  <a:pt x="0" y="0"/>
+                </a:lnTo>
+                <a:close/>
+              </a:path>
+            </a:pathLst>
+          </a:custGeom>
+          <a:ln>
+            <a:noFill/>
+          </a:ln>
+        </p:spPr>
+      </p:sp>
+      <p:sp>
+        <p:nvSpPr>
+          <p:cNvPr id="21" name="TextBox 20">
+            <a:extLst>
+              <a:ext uri="{FF2B5EF4-FFF2-40B4-BE49-F238E27FC236}">
+                <a16:creationId xmlns:a16="http://schemas.microsoft.com/office/drawing/2014/main" id="{049E09F9-7586-467C-B57B-528BF5D0D904}"/>
+              </a:ext>
+            </a:extLst>
+          </p:cNvPr>
+          <p:cNvSpPr txBox="1"/>
+          <p:nvPr/>
+        </p:nvSpPr>
+        <p:spPr>
+          <a:xfrm>
+            <a:off x="810388" y="4579627"/>
+            <a:ext cx="10493716" cy="646331"/>
+          </a:xfrm>
+          <a:prstGeom prst="rect">
+            <a:avLst/>
+          </a:prstGeom>
+          <a:noFill/>
+        </p:spPr>
+        <p:txBody>
+          <a:bodyPr wrap="square" rtlCol="0">
+            <a:spAutoFit/>
+          </a:bodyPr>
+          <a:lstStyle/>
+          <a:p>
+            <a:pPr marL="285750" indent="-285750">
+              <a:buFont typeface="Arial" panose="020B0604020202020204" pitchFamily="34" charset="0"/>
+              <a:buChar char="•"/>
+            </a:pPr>
+            <a:r>
+              <a:rPr lang="en-US" dirty="0"/>
+              <a:t>The last four months has the highest amount of sales. December is significantly high because of Christmas. </a:t>
+            </a:r>
+          </a:p>
+        </p:txBody>
+      </p:sp>
+      <p:sp>
+        <p:nvSpPr>
+          <p:cNvPr id="22" name="TextBox 21">
+            <a:extLst>
+              <a:ext uri="{FF2B5EF4-FFF2-40B4-BE49-F238E27FC236}">
+                <a16:creationId xmlns:a16="http://schemas.microsoft.com/office/drawing/2014/main" id="{A7975D1E-1292-4F18-97AC-D3C38E77508E}"/>
+              </a:ext>
+            </a:extLst>
+          </p:cNvPr>
+          <p:cNvSpPr txBox="1"/>
+          <p:nvPr/>
+        </p:nvSpPr>
+        <p:spPr>
+          <a:xfrm>
+            <a:off x="810388" y="5456765"/>
+            <a:ext cx="10313224" cy="369332"/>
+          </a:xfrm>
+          <a:prstGeom prst="rect">
+            <a:avLst/>
+          </a:prstGeom>
+          <a:noFill/>
+        </p:spPr>
+        <p:txBody>
+          <a:bodyPr wrap="square" rtlCol="0">
+            <a:spAutoFit/>
+          </a:bodyPr>
+          <a:lstStyle/>
+          <a:p>
+            <a:pPr marL="285750" indent="-285750">
+              <a:buFont typeface="Arial" panose="020B0604020202020204" pitchFamily="34" charset="0"/>
+              <a:buChar char="•"/>
+            </a:pPr>
+            <a:r>
+              <a:rPr lang="en-US" dirty="0"/>
+              <a:t>Weekend including Friday has the highest amount of sales compared to weekdays.</a:t>
+            </a:r>
+          </a:p>
+        </p:txBody>
+      </p:sp>
       <p:pic>
         <p:nvPicPr>
-          <p:cNvPr id="18" name="Picture 17" descr="A screenshot of a cell phone&#10;&#10;Description automatically generated">
+          <p:cNvPr id="31" name="Picture 30" descr="A screenshot of a cell phone&#10;&#10;Description automatically generated">
             <a:extLst>
               <a:ext uri="{FF2B5EF4-FFF2-40B4-BE49-F238E27FC236}">
-                <a16:creationId xmlns:a16="http://schemas.microsoft.com/office/drawing/2014/main" id="{17280AFE-586F-423F-ACDA-C940E683E8B6}"/>
+                <a16:creationId xmlns:a16="http://schemas.microsoft.com/office/drawing/2014/main" id="{5B9ED6FD-D3ED-43EB-8C72-E97BA94E2400}"/>
               </a:ext>
             </a:extLst>
           </p:cNvPr>
@@ -9404,219 +11567,20 @@
         </p:blipFill>
         <p:spPr>
           <a:xfrm>
-            <a:off x="338974" y="549207"/>
-            <a:ext cx="5938730" cy="3291844"/>
+            <a:off x="7208232" y="129408"/>
+            <a:ext cx="4543180" cy="3984492"/>
           </a:xfrm>
           <a:prstGeom prst="rect">
             <a:avLst/>
           </a:prstGeom>
-          <a:effectLst/>
         </p:spPr>
       </p:pic>
-      <p:sp useBgFill="1">
-        <p:nvSpPr>
-          <p:cNvPr id="117" name="Freeform 5">
+      <p:pic>
+        <p:nvPicPr>
+          <p:cNvPr id="67" name="Picture 66" descr="A screenshot of a cell phone&#10;&#10;Description automatically generated">
             <a:extLst>
               <a:ext uri="{FF2B5EF4-FFF2-40B4-BE49-F238E27FC236}">
-                <a16:creationId xmlns:a16="http://schemas.microsoft.com/office/drawing/2014/main" id="{1F63DF7C-AFED-49CB-8FAF-B69387E9C35F}"/>
-              </a:ext>
-              <a:ext uri="{C183D7F6-B498-43B3-948B-1728B52AA6E4}">
-                <adec:decorative xmlns:adec="http://schemas.microsoft.com/office/drawing/2017/decorative" val="1"/>
-              </a:ext>
-            </a:extLst>
-          </p:cNvPr>
-          <p:cNvSpPr>
-            <a:spLocks noGrp="1" noRot="1" noChangeAspect="1" noMove="1" noResize="1" noEditPoints="1" noAdjustHandles="1" noChangeArrowheads="1" noChangeShapeType="1" noTextEdit="1"/>
-          </p:cNvSpPr>
-          <p:nvPr>
-            <p:extLst>
-              <p:ext uri="{386F3935-93C4-4BCD-93E2-E3B085C9AB24}">
-                <p16:designElem xmlns:p16="http://schemas.microsoft.com/office/powerpoint/2015/main" val="1"/>
-              </p:ext>
-            </p:extLst>
-          </p:nvPr>
-        </p:nvSpPr>
-        <p:spPr bwMode="gray">
-          <a:xfrm>
-            <a:off x="1" y="4055532"/>
-            <a:ext cx="12191695" cy="2802467"/>
-          </a:xfrm>
-          <a:custGeom>
-            <a:avLst/>
-            <a:gdLst/>
-            <a:ahLst/>
-            <a:cxnLst/>
-            <a:rect l="l" t="t" r="r" b="b"/>
-            <a:pathLst>
-              <a:path w="10000" h="8000">
-                <a:moveTo>
-                  <a:pt x="0" y="0"/>
-                </a:moveTo>
-                <a:lnTo>
-                  <a:pt x="0" y="7970"/>
-                </a:lnTo>
-                <a:lnTo>
-                  <a:pt x="10000" y="8000"/>
-                </a:lnTo>
-                <a:lnTo>
-                  <a:pt x="10000" y="7"/>
-                </a:lnTo>
-                <a:lnTo>
-                  <a:pt x="10000" y="7"/>
-                </a:lnTo>
-                <a:lnTo>
-                  <a:pt x="9773" y="156"/>
-                </a:lnTo>
-                <a:lnTo>
-                  <a:pt x="9547" y="298"/>
-                </a:lnTo>
-                <a:lnTo>
-                  <a:pt x="9320" y="437"/>
-                </a:lnTo>
-                <a:lnTo>
-                  <a:pt x="9092" y="556"/>
-                </a:lnTo>
-                <a:lnTo>
-                  <a:pt x="8865" y="676"/>
-                </a:lnTo>
-                <a:lnTo>
-                  <a:pt x="8637" y="788"/>
-                </a:lnTo>
-                <a:lnTo>
-                  <a:pt x="8412" y="884"/>
-                </a:lnTo>
-                <a:lnTo>
-                  <a:pt x="8184" y="975"/>
-                </a:lnTo>
-                <a:lnTo>
-                  <a:pt x="7957" y="1058"/>
-                </a:lnTo>
-                <a:lnTo>
-                  <a:pt x="7734" y="1130"/>
-                </a:lnTo>
-                <a:lnTo>
-                  <a:pt x="7508" y="1202"/>
-                </a:lnTo>
-                <a:lnTo>
-                  <a:pt x="7285" y="1262"/>
-                </a:lnTo>
-                <a:lnTo>
-                  <a:pt x="7062" y="1309"/>
-                </a:lnTo>
-                <a:lnTo>
-                  <a:pt x="6840" y="1358"/>
-                </a:lnTo>
-                <a:lnTo>
-                  <a:pt x="6620" y="1399"/>
-                </a:lnTo>
-                <a:lnTo>
-                  <a:pt x="6402" y="1428"/>
-                </a:lnTo>
-                <a:lnTo>
-                  <a:pt x="6184" y="1453"/>
-                </a:lnTo>
-                <a:lnTo>
-                  <a:pt x="5968" y="1477"/>
-                </a:lnTo>
-                <a:lnTo>
-                  <a:pt x="5755" y="1488"/>
-                </a:lnTo>
-                <a:lnTo>
-                  <a:pt x="5542" y="1500"/>
-                </a:lnTo>
-                <a:lnTo>
-                  <a:pt x="5332" y="1506"/>
-                </a:lnTo>
-                <a:lnTo>
-                  <a:pt x="5124" y="1500"/>
-                </a:lnTo>
-                <a:lnTo>
-                  <a:pt x="4918" y="1500"/>
-                </a:lnTo>
-                <a:lnTo>
-                  <a:pt x="4714" y="1488"/>
-                </a:lnTo>
-                <a:lnTo>
-                  <a:pt x="4514" y="1470"/>
-                </a:lnTo>
-                <a:lnTo>
-                  <a:pt x="4316" y="1453"/>
-                </a:lnTo>
-                <a:lnTo>
-                  <a:pt x="4122" y="1434"/>
-                </a:lnTo>
-                <a:lnTo>
-                  <a:pt x="3929" y="1405"/>
-                </a:lnTo>
-                <a:lnTo>
-                  <a:pt x="3739" y="1374"/>
-                </a:lnTo>
-                <a:lnTo>
-                  <a:pt x="3553" y="1346"/>
-                </a:lnTo>
-                <a:lnTo>
-                  <a:pt x="3190" y="1267"/>
-                </a:lnTo>
-                <a:lnTo>
-                  <a:pt x="2842" y="1183"/>
-                </a:lnTo>
-                <a:lnTo>
-                  <a:pt x="2508" y="1095"/>
-                </a:lnTo>
-                <a:lnTo>
-                  <a:pt x="2192" y="998"/>
-                </a:lnTo>
-                <a:lnTo>
-                  <a:pt x="1890" y="897"/>
-                </a:lnTo>
-                <a:lnTo>
-                  <a:pt x="1610" y="788"/>
-                </a:lnTo>
-                <a:lnTo>
-                  <a:pt x="1347" y="681"/>
-                </a:lnTo>
-                <a:lnTo>
-                  <a:pt x="1105" y="574"/>
-                </a:lnTo>
-                <a:lnTo>
-                  <a:pt x="883" y="473"/>
-                </a:lnTo>
-                <a:lnTo>
-                  <a:pt x="686" y="377"/>
-                </a:lnTo>
-                <a:lnTo>
-                  <a:pt x="508" y="286"/>
-                </a:lnTo>
-                <a:lnTo>
-                  <a:pt x="358" y="210"/>
-                </a:lnTo>
-                <a:lnTo>
-                  <a:pt x="232" y="138"/>
-                </a:lnTo>
-                <a:lnTo>
-                  <a:pt x="59" y="35"/>
-                </a:lnTo>
-                <a:lnTo>
-                  <a:pt x="0" y="0"/>
-                </a:lnTo>
-                <a:lnTo>
-                  <a:pt x="0" y="0"/>
-                </a:lnTo>
-                <a:close/>
-              </a:path>
-            </a:pathLst>
-          </a:custGeom>
-          <a:ln>
-            <a:noFill/>
-          </a:ln>
-        </p:spPr>
-      </p:sp>
-      <p:pic>
-        <p:nvPicPr>
-          <p:cNvPr id="20" name="Picture 19" descr="A screenshot of a cell phone&#10;&#10;Description automatically generated">
-            <a:extLst>
-              <a:ext uri="{FF2B5EF4-FFF2-40B4-BE49-F238E27FC236}">
-                <a16:creationId xmlns:a16="http://schemas.microsoft.com/office/drawing/2014/main" id="{1CC866BA-BDCA-4DCF-AEB8-E393D78A3866}"/>
+                <a16:creationId xmlns:a16="http://schemas.microsoft.com/office/drawing/2014/main" id="{6331B2FC-D64D-442C-907E-A7184FAFBCE7}"/>
               </a:ext>
             </a:extLst>
           </p:cNvPr>
@@ -9633,93 +11597,14 @@
         </p:blipFill>
         <p:spPr>
           <a:xfrm>
-            <a:off x="6670107" y="628638"/>
-            <a:ext cx="4758305" cy="3291844"/>
+            <a:off x="273353" y="215515"/>
+            <a:ext cx="5994195" cy="3837051"/>
           </a:xfrm>
           <a:prstGeom prst="rect">
             <a:avLst/>
           </a:prstGeom>
-          <a:effectLst/>
         </p:spPr>
       </p:pic>
-      <p:sp>
-        <p:nvSpPr>
-          <p:cNvPr id="21" name="TextBox 20">
-            <a:extLst>
-              <a:ext uri="{FF2B5EF4-FFF2-40B4-BE49-F238E27FC236}">
-                <a16:creationId xmlns:a16="http://schemas.microsoft.com/office/drawing/2014/main" id="{049E09F9-7586-467C-B57B-528BF5D0D904}"/>
-              </a:ext>
-            </a:extLst>
-          </p:cNvPr>
-          <p:cNvSpPr txBox="1"/>
-          <p:nvPr/>
-        </p:nvSpPr>
-        <p:spPr>
-          <a:xfrm>
-            <a:off x="810388" y="4579627"/>
-            <a:ext cx="10493716" cy="646331"/>
-          </a:xfrm>
-          <a:prstGeom prst="rect">
-            <a:avLst/>
-          </a:prstGeom>
-          <a:noFill/>
-        </p:spPr>
-        <p:txBody>
-          <a:bodyPr wrap="square" rtlCol="0">
-            <a:spAutoFit/>
-          </a:bodyPr>
-          <a:lstStyle/>
-          <a:p>
-            <a:pPr marL="285750" indent="-285750">
-              <a:buFont typeface="Arial" panose="020B0604020202020204" pitchFamily="34" charset="0"/>
-              <a:buChar char="•"/>
-            </a:pPr>
-            <a:r>
-              <a:rPr lang="en-US" dirty="0"/>
-              <a:t>The last four months has the highest amount of sales. December is significantly high because of Christmas. </a:t>
-            </a:r>
-          </a:p>
-        </p:txBody>
-      </p:sp>
-      <p:sp>
-        <p:nvSpPr>
-          <p:cNvPr id="22" name="TextBox 21">
-            <a:extLst>
-              <a:ext uri="{FF2B5EF4-FFF2-40B4-BE49-F238E27FC236}">
-                <a16:creationId xmlns:a16="http://schemas.microsoft.com/office/drawing/2014/main" id="{A7975D1E-1292-4F18-97AC-D3C38E77508E}"/>
-              </a:ext>
-            </a:extLst>
-          </p:cNvPr>
-          <p:cNvSpPr txBox="1"/>
-          <p:nvPr/>
-        </p:nvSpPr>
-        <p:spPr>
-          <a:xfrm>
-            <a:off x="810388" y="5456765"/>
-            <a:ext cx="10313224" cy="369332"/>
-          </a:xfrm>
-          <a:prstGeom prst="rect">
-            <a:avLst/>
-          </a:prstGeom>
-          <a:noFill/>
-        </p:spPr>
-        <p:txBody>
-          <a:bodyPr wrap="square" rtlCol="0">
-            <a:spAutoFit/>
-          </a:bodyPr>
-          <a:lstStyle/>
-          <a:p>
-            <a:pPr marL="285750" indent="-285750">
-              <a:buFont typeface="Arial" panose="020B0604020202020204" pitchFamily="34" charset="0"/>
-              <a:buChar char="•"/>
-            </a:pPr>
-            <a:r>
-              <a:rPr lang="en-US" dirty="0"/>
-              <a:t>Weekend including Friday has the highest amount of sales compared to weekdays.</a:t>
-            </a:r>
-          </a:p>
-        </p:txBody>
-      </p:sp>
     </p:spTree>
     <p:extLst>
       <p:ext uri="{BB962C8B-B14F-4D97-AF65-F5344CB8AC3E}">
@@ -9752,6 +11637,1668 @@
                             <p:childTnLst>
                               <p:par>
                                 <p:cTn id="5" presetID="2" presetClass="entr" presetSubtype="4" fill="hold" nodeType="clickEffect">
+                                  <p:stCondLst>
+                                    <p:cond delay="0"/>
+                                  </p:stCondLst>
+                                  <p:childTnLst>
+                                    <p:set>
+                                      <p:cBhvr>
+                                        <p:cTn id="6" dur="1" fill="hold">
+                                          <p:stCondLst>
+                                            <p:cond delay="0"/>
+                                          </p:stCondLst>
+                                        </p:cTn>
+                                        <p:tgtEl>
+                                          <p:spTgt spid="31"/>
+                                        </p:tgtEl>
+                                        <p:attrNameLst>
+                                          <p:attrName>style.visibility</p:attrName>
+                                        </p:attrNameLst>
+                                      </p:cBhvr>
+                                      <p:to>
+                                        <p:strVal val="visible"/>
+                                      </p:to>
+                                    </p:set>
+                                    <p:anim calcmode="lin" valueType="num">
+                                      <p:cBhvr additive="base">
+                                        <p:cTn id="7" dur="500" fill="hold"/>
+                                        <p:tgtEl>
+                                          <p:spTgt spid="31"/>
+                                        </p:tgtEl>
+                                        <p:attrNameLst>
+                                          <p:attrName>ppt_x</p:attrName>
+                                        </p:attrNameLst>
+                                      </p:cBhvr>
+                                      <p:tavLst>
+                                        <p:tav tm="0">
+                                          <p:val>
+                                            <p:strVal val="#ppt_x"/>
+                                          </p:val>
+                                        </p:tav>
+                                        <p:tav tm="100000">
+                                          <p:val>
+                                            <p:strVal val="#ppt_x"/>
+                                          </p:val>
+                                        </p:tav>
+                                      </p:tavLst>
+                                    </p:anim>
+                                    <p:anim calcmode="lin" valueType="num">
+                                      <p:cBhvr additive="base">
+                                        <p:cTn id="8" dur="500" fill="hold"/>
+                                        <p:tgtEl>
+                                          <p:spTgt spid="31"/>
+                                        </p:tgtEl>
+                                        <p:attrNameLst>
+                                          <p:attrName>ppt_y</p:attrName>
+                                        </p:attrNameLst>
+                                      </p:cBhvr>
+                                      <p:tavLst>
+                                        <p:tav tm="0">
+                                          <p:val>
+                                            <p:strVal val="1+#ppt_h/2"/>
+                                          </p:val>
+                                        </p:tav>
+                                        <p:tav tm="100000">
+                                          <p:val>
+                                            <p:strVal val="#ppt_y"/>
+                                          </p:val>
+                                        </p:tav>
+                                      </p:tavLst>
+                                    </p:anim>
+                                  </p:childTnLst>
+                                </p:cTn>
+                              </p:par>
+                            </p:childTnLst>
+                          </p:cTn>
+                        </p:par>
+                      </p:childTnLst>
+                    </p:cTn>
+                  </p:par>
+                  <p:par>
+                    <p:cTn id="9" fill="hold">
+                      <p:stCondLst>
+                        <p:cond delay="indefinite"/>
+                      </p:stCondLst>
+                      <p:childTnLst>
+                        <p:par>
+                          <p:cTn id="10" fill="hold">
+                            <p:stCondLst>
+                              <p:cond delay="0"/>
+                            </p:stCondLst>
+                            <p:childTnLst>
+                              <p:par>
+                                <p:cTn id="11" presetID="2" presetClass="entr" presetSubtype="4" fill="hold" grpId="0" nodeType="clickEffect">
+                                  <p:stCondLst>
+                                    <p:cond delay="0"/>
+                                  </p:stCondLst>
+                                  <p:childTnLst>
+                                    <p:set>
+                                      <p:cBhvr>
+                                        <p:cTn id="12" dur="1" fill="hold">
+                                          <p:stCondLst>
+                                            <p:cond delay="0"/>
+                                          </p:stCondLst>
+                                        </p:cTn>
+                                        <p:tgtEl>
+                                          <p:spTgt spid="22"/>
+                                        </p:tgtEl>
+                                        <p:attrNameLst>
+                                          <p:attrName>style.visibility</p:attrName>
+                                        </p:attrNameLst>
+                                      </p:cBhvr>
+                                      <p:to>
+                                        <p:strVal val="visible"/>
+                                      </p:to>
+                                    </p:set>
+                                    <p:anim calcmode="lin" valueType="num">
+                                      <p:cBhvr additive="base">
+                                        <p:cTn id="13" dur="500" fill="hold"/>
+                                        <p:tgtEl>
+                                          <p:spTgt spid="22"/>
+                                        </p:tgtEl>
+                                        <p:attrNameLst>
+                                          <p:attrName>ppt_x</p:attrName>
+                                        </p:attrNameLst>
+                                      </p:cBhvr>
+                                      <p:tavLst>
+                                        <p:tav tm="0">
+                                          <p:val>
+                                            <p:strVal val="#ppt_x"/>
+                                          </p:val>
+                                        </p:tav>
+                                        <p:tav tm="100000">
+                                          <p:val>
+                                            <p:strVal val="#ppt_x"/>
+                                          </p:val>
+                                        </p:tav>
+                                      </p:tavLst>
+                                    </p:anim>
+                                    <p:anim calcmode="lin" valueType="num">
+                                      <p:cBhvr additive="base">
+                                        <p:cTn id="14" dur="500" fill="hold"/>
+                                        <p:tgtEl>
+                                          <p:spTgt spid="22"/>
+                                        </p:tgtEl>
+                                        <p:attrNameLst>
+                                          <p:attrName>ppt_y</p:attrName>
+                                        </p:attrNameLst>
+                                      </p:cBhvr>
+                                      <p:tavLst>
+                                        <p:tav tm="0">
+                                          <p:val>
+                                            <p:strVal val="1+#ppt_h/2"/>
+                                          </p:val>
+                                        </p:tav>
+                                        <p:tav tm="100000">
+                                          <p:val>
+                                            <p:strVal val="#ppt_y"/>
+                                          </p:val>
+                                        </p:tav>
+                                      </p:tavLst>
+                                    </p:anim>
+                                  </p:childTnLst>
+                                </p:cTn>
+                              </p:par>
+                            </p:childTnLst>
+                          </p:cTn>
+                        </p:par>
+                      </p:childTnLst>
+                    </p:cTn>
+                  </p:par>
+                </p:childTnLst>
+              </p:cTn>
+              <p:prevCondLst>
+                <p:cond evt="onPrev" delay="0">
+                  <p:tgtEl>
+                    <p:sldTgt/>
+                  </p:tgtEl>
+                </p:cond>
+              </p:prevCondLst>
+              <p:nextCondLst>
+                <p:cond evt="onNext" delay="0">
+                  <p:tgtEl>
+                    <p:sldTgt/>
+                  </p:tgtEl>
+                </p:cond>
+              </p:nextCondLst>
+            </p:seq>
+          </p:childTnLst>
+        </p:cTn>
+      </p:par>
+    </p:tnLst>
+    <p:bldLst>
+      <p:bldP spid="22" grpId="0"/>
+    </p:bldLst>
+  </p:timing>
+</p:sld>
+</file>
+
+<file path=ppt/slides/slide6.xml><?xml version="1.0" encoding="utf-8"?>
+<p:sld xmlns:a="http://schemas.openxmlformats.org/drawingml/2006/main" xmlns:r="http://schemas.openxmlformats.org/officeDocument/2006/relationships" xmlns:p="http://schemas.openxmlformats.org/presentationml/2006/main">
+  <p:cSld>
+    <p:bg>
+      <p:bgPr>
+        <a:blipFill rotWithShape="1">
+          <a:blip r:embed="rId2">
+            <a:duotone>
+              <a:schemeClr val="bg2">
+                <a:shade val="69000"/>
+                <a:hueMod val="108000"/>
+                <a:satMod val="164000"/>
+                <a:lumMod val="74000"/>
+              </a:schemeClr>
+              <a:schemeClr val="bg2">
+                <a:tint val="96000"/>
+                <a:hueMod val="88000"/>
+                <a:satMod val="140000"/>
+                <a:lumMod val="132000"/>
+              </a:schemeClr>
+            </a:duotone>
+          </a:blip>
+          <a:stretch/>
+        </a:blipFill>
+        <a:effectLst/>
+      </p:bgPr>
+    </p:bg>
+    <p:spTree>
+      <p:nvGrpSpPr>
+        <p:cNvPr id="1" name=""/>
+        <p:cNvGrpSpPr/>
+        <p:nvPr/>
+      </p:nvGrpSpPr>
+      <p:grpSpPr>
+        <a:xfrm>
+          <a:off x="0" y="0"/>
+          <a:ext cx="0" cy="0"/>
+          <a:chOff x="0" y="0"/>
+          <a:chExt cx="0" cy="0"/>
+        </a:xfrm>
+      </p:grpSpPr>
+      <p:pic>
+        <p:nvPicPr>
+          <p:cNvPr id="57" name="Picture 56">
+            <a:extLst>
+              <a:ext uri="{FF2B5EF4-FFF2-40B4-BE49-F238E27FC236}">
+                <a16:creationId xmlns:a16="http://schemas.microsoft.com/office/drawing/2014/main" id="{412E3267-7ABE-412B-8580-47EC0D1F61FE}"/>
+              </a:ext>
+              <a:ext uri="{C183D7F6-B498-43B3-948B-1728B52AA6E4}">
+                <adec:decorative xmlns:adec="http://schemas.microsoft.com/office/drawing/2017/decorative" val="1"/>
+              </a:ext>
+            </a:extLst>
+          </p:cNvPr>
+          <p:cNvPicPr>
+            <a:picLocks noGrp="1" noRot="1" noChangeAspect="1" noMove="1" noResize="1" noEditPoints="1" noAdjustHandles="1" noChangeArrowheads="1" noChangeShapeType="1" noCrop="1"/>
+          </p:cNvPicPr>
+          <p:nvPr>
+            <p:extLst>
+              <p:ext uri="{386F3935-93C4-4BCD-93E2-E3B085C9AB24}">
+                <p16:designElem xmlns:p16="http://schemas.microsoft.com/office/powerpoint/2015/main" val="1"/>
+              </p:ext>
+            </p:extLst>
+          </p:nvPr>
+        </p:nvPicPr>
+        <p:blipFill rotWithShape="1">
+          <a:blip r:embed="rId3">
+            <a:extLst>
+              <a:ext uri="{28A0092B-C50C-407E-A947-70E740481C1C}">
+                <a14:useLocalDpi xmlns:a14="http://schemas.microsoft.com/office/drawing/2010/main" val="0"/>
+              </a:ext>
+            </a:extLst>
+          </a:blip>
+          <a:srcRect l="3613"/>
+          <a:stretch/>
+        </p:blipFill>
+        <p:spPr>
+          <a:xfrm>
+            <a:off x="0" y="2669685"/>
+            <a:ext cx="4037012" cy="4188315"/>
+          </a:xfrm>
+          <a:prstGeom prst="rect">
+            <a:avLst/>
+          </a:prstGeom>
+        </p:spPr>
+      </p:pic>
+      <p:pic>
+        <p:nvPicPr>
+          <p:cNvPr id="59" name="Picture 58">
+            <a:extLst>
+              <a:ext uri="{FF2B5EF4-FFF2-40B4-BE49-F238E27FC236}">
+                <a16:creationId xmlns:a16="http://schemas.microsoft.com/office/drawing/2014/main" id="{20B62C5A-2250-4380-AB23-DB87446CCED0}"/>
+              </a:ext>
+              <a:ext uri="{C183D7F6-B498-43B3-948B-1728B52AA6E4}">
+                <adec:decorative xmlns:adec="http://schemas.microsoft.com/office/drawing/2017/decorative" val="1"/>
+              </a:ext>
+            </a:extLst>
+          </p:cNvPr>
+          <p:cNvPicPr>
+            <a:picLocks noGrp="1" noRot="1" noChangeAspect="1" noMove="1" noResize="1" noEditPoints="1" noAdjustHandles="1" noChangeArrowheads="1" noChangeShapeType="1" noCrop="1"/>
+          </p:cNvPicPr>
+          <p:nvPr>
+            <p:extLst>
+              <p:ext uri="{386F3935-93C4-4BCD-93E2-E3B085C9AB24}">
+                <p16:designElem xmlns:p16="http://schemas.microsoft.com/office/powerpoint/2015/main" val="1"/>
+              </p:ext>
+            </p:extLst>
+          </p:nvPr>
+        </p:nvPicPr>
+        <p:blipFill rotWithShape="1">
+          <a:blip r:embed="rId4">
+            <a:extLst>
+              <a:ext uri="{28A0092B-C50C-407E-A947-70E740481C1C}">
+                <a14:useLocalDpi xmlns:a14="http://schemas.microsoft.com/office/drawing/2010/main" val="0"/>
+              </a:ext>
+            </a:extLst>
+          </a:blip>
+          <a:srcRect l="35640"/>
+          <a:stretch/>
+        </p:blipFill>
+        <p:spPr>
+          <a:xfrm>
+            <a:off x="0" y="2892347"/>
+            <a:ext cx="1522412" cy="2365453"/>
+          </a:xfrm>
+          <a:prstGeom prst="rect">
+            <a:avLst/>
+          </a:prstGeom>
+        </p:spPr>
+      </p:pic>
+      <p:sp>
+        <p:nvSpPr>
+          <p:cNvPr id="61" name="Oval 60">
+            <a:extLst>
+              <a:ext uri="{FF2B5EF4-FFF2-40B4-BE49-F238E27FC236}">
+                <a16:creationId xmlns:a16="http://schemas.microsoft.com/office/drawing/2014/main" id="{D42CF425-7213-4F89-B0FF-4C2BDDD9C680}"/>
+              </a:ext>
+              <a:ext uri="{C183D7F6-B498-43B3-948B-1728B52AA6E4}">
+                <adec:decorative xmlns:adec="http://schemas.microsoft.com/office/drawing/2017/decorative" val="1"/>
+              </a:ext>
+            </a:extLst>
+          </p:cNvPr>
+          <p:cNvSpPr>
+            <a:spLocks noGrp="1" noRot="1" noChangeAspect="1" noMove="1" noResize="1" noEditPoints="1" noAdjustHandles="1" noChangeArrowheads="1" noChangeShapeType="1" noTextEdit="1"/>
+          </p:cNvSpPr>
+          <p:nvPr>
+            <p:extLst>
+              <p:ext uri="{386F3935-93C4-4BCD-93E2-E3B085C9AB24}">
+                <p16:designElem xmlns:p16="http://schemas.microsoft.com/office/powerpoint/2015/main" val="1"/>
+              </p:ext>
+            </p:extLst>
+          </p:nvPr>
+        </p:nvSpPr>
+        <p:spPr>
+          <a:xfrm>
+            <a:off x="8609012" y="1676400"/>
+            <a:ext cx="2819400" cy="2819400"/>
+          </a:xfrm>
+          <a:prstGeom prst="ellipse">
+            <a:avLst/>
+          </a:prstGeom>
+          <a:gradFill flip="none" rotWithShape="1">
+            <a:gsLst>
+              <a:gs pos="0">
+                <a:schemeClr val="bg2">
+                  <a:lumMod val="60000"/>
+                  <a:lumOff val="40000"/>
+                  <a:alpha val="7000"/>
+                </a:schemeClr>
+              </a:gs>
+              <a:gs pos="69000">
+                <a:schemeClr val="bg2">
+                  <a:lumMod val="60000"/>
+                  <a:lumOff val="40000"/>
+                  <a:alpha val="0"/>
+                </a:schemeClr>
+              </a:gs>
+              <a:gs pos="36000">
+                <a:schemeClr val="bg2">
+                  <a:lumMod val="60000"/>
+                  <a:lumOff val="40000"/>
+                  <a:alpha val="6000"/>
+                </a:schemeClr>
+              </a:gs>
+            </a:gsLst>
+            <a:path path="circle">
+              <a:fillToRect l="50000" t="50000" r="50000" b="50000"/>
+            </a:path>
+            <a:tileRect/>
+          </a:gradFill>
+          <a:ln>
+            <a:noFill/>
+          </a:ln>
+          <a:effectLst/>
+        </p:spPr>
+        <p:style>
+          <a:lnRef idx="1">
+            <a:schemeClr val="accent1"/>
+          </a:lnRef>
+          <a:fillRef idx="3">
+            <a:schemeClr val="accent1"/>
+          </a:fillRef>
+          <a:effectRef idx="2">
+            <a:schemeClr val="accent1"/>
+          </a:effectRef>
+          <a:fontRef idx="minor">
+            <a:schemeClr val="lt1"/>
+          </a:fontRef>
+        </p:style>
+      </p:sp>
+      <p:pic>
+        <p:nvPicPr>
+          <p:cNvPr id="63" name="Picture 62">
+            <a:extLst>
+              <a:ext uri="{FF2B5EF4-FFF2-40B4-BE49-F238E27FC236}">
+                <a16:creationId xmlns:a16="http://schemas.microsoft.com/office/drawing/2014/main" id="{D35DA97D-88F8-4249-B650-4FC9FD50A382}"/>
+              </a:ext>
+              <a:ext uri="{C183D7F6-B498-43B3-948B-1728B52AA6E4}">
+                <adec:decorative xmlns:adec="http://schemas.microsoft.com/office/drawing/2017/decorative" val="1"/>
+              </a:ext>
+            </a:extLst>
+          </p:cNvPr>
+          <p:cNvPicPr>
+            <a:picLocks noGrp="1" noRot="1" noChangeAspect="1" noMove="1" noResize="1" noEditPoints="1" noAdjustHandles="1" noChangeArrowheads="1" noChangeShapeType="1" noCrop="1"/>
+          </p:cNvPicPr>
+          <p:nvPr>
+            <p:extLst>
+              <p:ext uri="{386F3935-93C4-4BCD-93E2-E3B085C9AB24}">
+                <p16:designElem xmlns:p16="http://schemas.microsoft.com/office/powerpoint/2015/main" val="1"/>
+              </p:ext>
+            </p:extLst>
+          </p:nvPr>
+        </p:nvPicPr>
+        <p:blipFill rotWithShape="1">
+          <a:blip r:embed="rId5">
+            <a:extLst>
+              <a:ext uri="{28A0092B-C50C-407E-A947-70E740481C1C}">
+                <a14:useLocalDpi xmlns:a14="http://schemas.microsoft.com/office/drawing/2010/main" val="0"/>
+              </a:ext>
+            </a:extLst>
+          </a:blip>
+          <a:srcRect t="28813"/>
+          <a:stretch/>
+        </p:blipFill>
+        <p:spPr>
+          <a:xfrm>
+            <a:off x="7999412" y="0"/>
+            <a:ext cx="1603387" cy="1141407"/>
+          </a:xfrm>
+          <a:prstGeom prst="rect">
+            <a:avLst/>
+          </a:prstGeom>
+        </p:spPr>
+      </p:pic>
+      <p:pic>
+        <p:nvPicPr>
+          <p:cNvPr id="65" name="Picture 64">
+            <a:extLst>
+              <a:ext uri="{FF2B5EF4-FFF2-40B4-BE49-F238E27FC236}">
+                <a16:creationId xmlns:a16="http://schemas.microsoft.com/office/drawing/2014/main" id="{43F38673-6E30-4BAE-AC67-0B283EBF4291}"/>
+              </a:ext>
+              <a:ext uri="{C183D7F6-B498-43B3-948B-1728B52AA6E4}">
+                <adec:decorative xmlns:adec="http://schemas.microsoft.com/office/drawing/2017/decorative" val="1"/>
+              </a:ext>
+            </a:extLst>
+          </p:cNvPr>
+          <p:cNvPicPr>
+            <a:picLocks noGrp="1" noRot="1" noChangeAspect="1" noMove="1" noResize="1" noEditPoints="1" noAdjustHandles="1" noChangeArrowheads="1" noChangeShapeType="1" noCrop="1"/>
+          </p:cNvPicPr>
+          <p:nvPr>
+            <p:extLst>
+              <p:ext uri="{386F3935-93C4-4BCD-93E2-E3B085C9AB24}">
+                <p16:designElem xmlns:p16="http://schemas.microsoft.com/office/powerpoint/2015/main" val="1"/>
+              </p:ext>
+            </p:extLst>
+          </p:nvPr>
+        </p:nvPicPr>
+        <p:blipFill rotWithShape="1">
+          <a:blip r:embed="rId6">
+            <a:extLst>
+              <a:ext uri="{28A0092B-C50C-407E-A947-70E740481C1C}">
+                <a14:useLocalDpi xmlns:a14="http://schemas.microsoft.com/office/drawing/2010/main" val="0"/>
+              </a:ext>
+            </a:extLst>
+          </a:blip>
+          <a:srcRect b="23320"/>
+          <a:stretch/>
+        </p:blipFill>
+        <p:spPr>
+          <a:xfrm>
+            <a:off x="8605878" y="6096000"/>
+            <a:ext cx="993734" cy="762000"/>
+          </a:xfrm>
+          <a:prstGeom prst="rect">
+            <a:avLst/>
+          </a:prstGeom>
+        </p:spPr>
+      </p:pic>
+      <p:sp>
+        <p:nvSpPr>
+          <p:cNvPr id="67" name="Rectangle 66">
+            <a:extLst>
+              <a:ext uri="{FF2B5EF4-FFF2-40B4-BE49-F238E27FC236}">
+                <a16:creationId xmlns:a16="http://schemas.microsoft.com/office/drawing/2014/main" id="{202A25CB-1ED1-4C87-AB49-8D3BC684D1CE}"/>
+              </a:ext>
+              <a:ext uri="{C183D7F6-B498-43B3-948B-1728B52AA6E4}">
+                <adec:decorative xmlns:adec="http://schemas.microsoft.com/office/drawing/2017/decorative" val="1"/>
+              </a:ext>
+            </a:extLst>
+          </p:cNvPr>
+          <p:cNvSpPr>
+            <a:spLocks noGrp="1" noRot="1" noChangeAspect="1" noMove="1" noResize="1" noEditPoints="1" noAdjustHandles="1" noChangeArrowheads="1" noChangeShapeType="1" noTextEdit="1"/>
+          </p:cNvSpPr>
+          <p:nvPr>
+            <p:extLst>
+              <p:ext uri="{386F3935-93C4-4BCD-93E2-E3B085C9AB24}">
+                <p16:designElem xmlns:p16="http://schemas.microsoft.com/office/powerpoint/2015/main" val="1"/>
+              </p:ext>
+            </p:extLst>
+          </p:nvPr>
+        </p:nvSpPr>
+        <p:spPr>
+          <a:xfrm>
+            <a:off x="10437812" y="0"/>
+            <a:ext cx="685800" cy="1143000"/>
+          </a:xfrm>
+          <a:prstGeom prst="rect">
+            <a:avLst/>
+          </a:prstGeom>
+          <a:solidFill>
+            <a:schemeClr val="accent1"/>
+          </a:solidFill>
+          <a:ln>
+            <a:noFill/>
+          </a:ln>
+        </p:spPr>
+        <p:style>
+          <a:lnRef idx="1">
+            <a:schemeClr val="accent1"/>
+          </a:lnRef>
+          <a:fillRef idx="3">
+            <a:schemeClr val="accent1"/>
+          </a:fillRef>
+          <a:effectRef idx="2">
+            <a:schemeClr val="accent1"/>
+          </a:effectRef>
+          <a:fontRef idx="minor">
+            <a:schemeClr val="lt1"/>
+          </a:fontRef>
+        </p:style>
+      </p:sp>
+      <p:sp>
+        <p:nvSpPr>
+          <p:cNvPr id="69" name="Freeform: Shape 68">
+            <a:extLst>
+              <a:ext uri="{FF2B5EF4-FFF2-40B4-BE49-F238E27FC236}">
+                <a16:creationId xmlns:a16="http://schemas.microsoft.com/office/drawing/2014/main" id="{DBAF956B-591A-4461-BB3C-79AA176B099A}"/>
+              </a:ext>
+              <a:ext uri="{C183D7F6-B498-43B3-948B-1728B52AA6E4}">
+                <adec:decorative xmlns:adec="http://schemas.microsoft.com/office/drawing/2017/decorative" val="1"/>
+              </a:ext>
+            </a:extLst>
+          </p:cNvPr>
+          <p:cNvSpPr>
+            <a:spLocks noGrp="1" noRot="1" noChangeAspect="1" noMove="1" noResize="1" noEditPoints="1" noAdjustHandles="1" noChangeArrowheads="1" noChangeShapeType="1" noTextEdit="1"/>
+          </p:cNvSpPr>
+          <p:nvPr>
+            <p:extLst>
+              <p:ext uri="{386F3935-93C4-4BCD-93E2-E3B085C9AB24}">
+                <p16:designElem xmlns:p16="http://schemas.microsoft.com/office/powerpoint/2015/main" val="1"/>
+              </p:ext>
+            </p:extLst>
+          </p:nvPr>
+        </p:nvSpPr>
+        <p:spPr bwMode="gray">
+          <a:xfrm rot="16200000">
+            <a:off x="5270819" y="-63600"/>
+            <a:ext cx="6858001" cy="6985200"/>
+          </a:xfrm>
+          <a:custGeom>
+            <a:avLst/>
+            <a:gdLst>
+              <a:gd name="connsiteX0" fmla="*/ 6858001 w 6858001"/>
+              <a:gd name="connsiteY0" fmla="*/ 1177 h 6985200"/>
+              <a:gd name="connsiteX1" fmla="*/ 6858001 w 6858001"/>
+              <a:gd name="connsiteY1" fmla="*/ 1344715 h 6985200"/>
+              <a:gd name="connsiteX2" fmla="*/ 6858000 w 6858001"/>
+              <a:gd name="connsiteY2" fmla="*/ 1344715 h 6985200"/>
+              <a:gd name="connsiteX3" fmla="*/ 6858000 w 6858001"/>
+              <a:gd name="connsiteY3" fmla="*/ 6985200 h 6985200"/>
+              <a:gd name="connsiteX4" fmla="*/ 0 w 6858001"/>
+              <a:gd name="connsiteY4" fmla="*/ 6985199 h 6985200"/>
+              <a:gd name="connsiteX5" fmla="*/ 0 w 6858001"/>
+              <a:gd name="connsiteY5" fmla="*/ 887191 h 6985200"/>
+              <a:gd name="connsiteX6" fmla="*/ 1 w 6858001"/>
+              <a:gd name="connsiteY6" fmla="*/ 887191 h 6985200"/>
+              <a:gd name="connsiteX7" fmla="*/ 1 w 6858001"/>
+              <a:gd name="connsiteY7" fmla="*/ 0 h 6985200"/>
+              <a:gd name="connsiteX8" fmla="*/ 40463 w 6858001"/>
+              <a:gd name="connsiteY8" fmla="*/ 5883 h 6985200"/>
+              <a:gd name="connsiteX9" fmla="*/ 159107 w 6858001"/>
+              <a:gd name="connsiteY9" fmla="*/ 23196 h 6985200"/>
+              <a:gd name="connsiteX10" fmla="*/ 245518 w 6858001"/>
+              <a:gd name="connsiteY10" fmla="*/ 35299 h 6985200"/>
+              <a:gd name="connsiteX11" fmla="*/ 348388 w 6858001"/>
+              <a:gd name="connsiteY11" fmla="*/ 48073 h 6985200"/>
+              <a:gd name="connsiteX12" fmla="*/ 470460 w 6858001"/>
+              <a:gd name="connsiteY12" fmla="*/ 63369 h 6985200"/>
+              <a:gd name="connsiteX13" fmla="*/ 605563 w 6858001"/>
+              <a:gd name="connsiteY13" fmla="*/ 79506 h 6985200"/>
+              <a:gd name="connsiteX14" fmla="*/ 757810 w 6858001"/>
+              <a:gd name="connsiteY14" fmla="*/ 96483 h 6985200"/>
+              <a:gd name="connsiteX15" fmla="*/ 923774 w 6858001"/>
+              <a:gd name="connsiteY15" fmla="*/ 114469 h 6985200"/>
+              <a:gd name="connsiteX16" fmla="*/ 1104139 w 6858001"/>
+              <a:gd name="connsiteY16" fmla="*/ 132454 h 6985200"/>
+              <a:gd name="connsiteX17" fmla="*/ 1296163 w 6858001"/>
+              <a:gd name="connsiteY17" fmla="*/ 150776 h 6985200"/>
+              <a:gd name="connsiteX18" fmla="*/ 1503275 w 6858001"/>
+              <a:gd name="connsiteY18" fmla="*/ 167753 h 6985200"/>
+              <a:gd name="connsiteX19" fmla="*/ 1719988 w 6858001"/>
+              <a:gd name="connsiteY19" fmla="*/ 184058 h 6985200"/>
+              <a:gd name="connsiteX20" fmla="*/ 1949045 w 6858001"/>
+              <a:gd name="connsiteY20" fmla="*/ 198849 h 6985200"/>
+              <a:gd name="connsiteX21" fmla="*/ 2187703 w 6858001"/>
+              <a:gd name="connsiteY21" fmla="*/ 212969 h 6985200"/>
+              <a:gd name="connsiteX22" fmla="*/ 2436649 w 6858001"/>
+              <a:gd name="connsiteY22" fmla="*/ 226248 h 6985200"/>
+              <a:gd name="connsiteX23" fmla="*/ 2564208 w 6858001"/>
+              <a:gd name="connsiteY23" fmla="*/ 230955 h 6985200"/>
+              <a:gd name="connsiteX24" fmla="*/ 2694509 w 6858001"/>
+              <a:gd name="connsiteY24" fmla="*/ 236165 h 6985200"/>
+              <a:gd name="connsiteX25" fmla="*/ 2826869 w 6858001"/>
+              <a:gd name="connsiteY25" fmla="*/ 241040 h 6985200"/>
+              <a:gd name="connsiteX26" fmla="*/ 2959914 w 6858001"/>
+              <a:gd name="connsiteY26" fmla="*/ 244234 h 6985200"/>
+              <a:gd name="connsiteX27" fmla="*/ 3095702 w 6858001"/>
+              <a:gd name="connsiteY27" fmla="*/ 247091 h 6985200"/>
+              <a:gd name="connsiteX28" fmla="*/ 3232862 w 6858001"/>
+              <a:gd name="connsiteY28" fmla="*/ 250117 h 6985200"/>
+              <a:gd name="connsiteX29" fmla="*/ 3372766 w 6858001"/>
+              <a:gd name="connsiteY29" fmla="*/ 252134 h 6985200"/>
+              <a:gd name="connsiteX30" fmla="*/ 3514040 w 6858001"/>
+              <a:gd name="connsiteY30" fmla="*/ 252134 h 6985200"/>
+              <a:gd name="connsiteX31" fmla="*/ 3656686 w 6858001"/>
+              <a:gd name="connsiteY31" fmla="*/ 253142 h 6985200"/>
+              <a:gd name="connsiteX32" fmla="*/ 3800705 w 6858001"/>
+              <a:gd name="connsiteY32" fmla="*/ 252134 h 6985200"/>
+              <a:gd name="connsiteX33" fmla="*/ 3946780 w 6858001"/>
+              <a:gd name="connsiteY33" fmla="*/ 250117 h 6985200"/>
+              <a:gd name="connsiteX34" fmla="*/ 4092856 w 6858001"/>
+              <a:gd name="connsiteY34" fmla="*/ 248268 h 6985200"/>
+              <a:gd name="connsiteX35" fmla="*/ 4240988 w 6858001"/>
+              <a:gd name="connsiteY35" fmla="*/ 244234 h 6985200"/>
+              <a:gd name="connsiteX36" fmla="*/ 4390492 w 6858001"/>
+              <a:gd name="connsiteY36" fmla="*/ 240032 h 6985200"/>
+              <a:gd name="connsiteX37" fmla="*/ 4539997 w 6858001"/>
+              <a:gd name="connsiteY37" fmla="*/ 235157 h 6985200"/>
+              <a:gd name="connsiteX38" fmla="*/ 4690873 w 6858001"/>
+              <a:gd name="connsiteY38" fmla="*/ 228266 h 6985200"/>
+              <a:gd name="connsiteX39" fmla="*/ 4843120 w 6858001"/>
+              <a:gd name="connsiteY39" fmla="*/ 220029 h 6985200"/>
+              <a:gd name="connsiteX40" fmla="*/ 4996054 w 6858001"/>
+              <a:gd name="connsiteY40" fmla="*/ 212129 h 6985200"/>
+              <a:gd name="connsiteX41" fmla="*/ 5148987 w 6858001"/>
+              <a:gd name="connsiteY41" fmla="*/ 202044 h 6985200"/>
+              <a:gd name="connsiteX42" fmla="*/ 5303978 w 6858001"/>
+              <a:gd name="connsiteY42" fmla="*/ 189941 h 6985200"/>
+              <a:gd name="connsiteX43" fmla="*/ 5456911 w 6858001"/>
+              <a:gd name="connsiteY43" fmla="*/ 177839 h 6985200"/>
+              <a:gd name="connsiteX44" fmla="*/ 5612588 w 6858001"/>
+              <a:gd name="connsiteY44" fmla="*/ 163887 h 6985200"/>
+              <a:gd name="connsiteX45" fmla="*/ 5768950 w 6858001"/>
+              <a:gd name="connsiteY45" fmla="*/ 148591 h 6985200"/>
+              <a:gd name="connsiteX46" fmla="*/ 5923255 w 6858001"/>
+              <a:gd name="connsiteY46" fmla="*/ 132455 h 6985200"/>
+              <a:gd name="connsiteX47" fmla="*/ 6079618 w 6858001"/>
+              <a:gd name="connsiteY47" fmla="*/ 113629 h 6985200"/>
+              <a:gd name="connsiteX48" fmla="*/ 6235294 w 6858001"/>
+              <a:gd name="connsiteY48" fmla="*/ 93458 h 6985200"/>
+              <a:gd name="connsiteX49" fmla="*/ 6391657 w 6858001"/>
+              <a:gd name="connsiteY49" fmla="*/ 73455 h 6985200"/>
+              <a:gd name="connsiteX50" fmla="*/ 6547333 w 6858001"/>
+              <a:gd name="connsiteY50" fmla="*/ 50091 h 6985200"/>
+              <a:gd name="connsiteX51" fmla="*/ 6702324 w 6858001"/>
+              <a:gd name="connsiteY51" fmla="*/ 26222 h 6985200"/>
+            </a:gdLst>
+            <a:ahLst/>
+            <a:cxnLst>
+              <a:cxn ang="0">
+                <a:pos x="connsiteX0" y="connsiteY0"/>
+              </a:cxn>
+              <a:cxn ang="0">
+                <a:pos x="connsiteX1" y="connsiteY1"/>
+              </a:cxn>
+              <a:cxn ang="0">
+                <a:pos x="connsiteX2" y="connsiteY2"/>
+              </a:cxn>
+              <a:cxn ang="0">
+                <a:pos x="connsiteX3" y="connsiteY3"/>
+              </a:cxn>
+              <a:cxn ang="0">
+                <a:pos x="connsiteX4" y="connsiteY4"/>
+              </a:cxn>
+              <a:cxn ang="0">
+                <a:pos x="connsiteX5" y="connsiteY5"/>
+              </a:cxn>
+              <a:cxn ang="0">
+                <a:pos x="connsiteX6" y="connsiteY6"/>
+              </a:cxn>
+              <a:cxn ang="0">
+                <a:pos x="connsiteX7" y="connsiteY7"/>
+              </a:cxn>
+              <a:cxn ang="0">
+                <a:pos x="connsiteX8" y="connsiteY8"/>
+              </a:cxn>
+              <a:cxn ang="0">
+                <a:pos x="connsiteX9" y="connsiteY9"/>
+              </a:cxn>
+              <a:cxn ang="0">
+                <a:pos x="connsiteX10" y="connsiteY10"/>
+              </a:cxn>
+              <a:cxn ang="0">
+                <a:pos x="connsiteX11" y="connsiteY11"/>
+              </a:cxn>
+              <a:cxn ang="0">
+                <a:pos x="connsiteX12" y="connsiteY12"/>
+              </a:cxn>
+              <a:cxn ang="0">
+                <a:pos x="connsiteX13" y="connsiteY13"/>
+              </a:cxn>
+              <a:cxn ang="0">
+                <a:pos x="connsiteX14" y="connsiteY14"/>
+              </a:cxn>
+              <a:cxn ang="0">
+                <a:pos x="connsiteX15" y="connsiteY15"/>
+              </a:cxn>
+              <a:cxn ang="0">
+                <a:pos x="connsiteX16" y="connsiteY16"/>
+              </a:cxn>
+              <a:cxn ang="0">
+                <a:pos x="connsiteX17" y="connsiteY17"/>
+              </a:cxn>
+              <a:cxn ang="0">
+                <a:pos x="connsiteX18" y="connsiteY18"/>
+              </a:cxn>
+              <a:cxn ang="0">
+                <a:pos x="connsiteX19" y="connsiteY19"/>
+              </a:cxn>
+              <a:cxn ang="0">
+                <a:pos x="connsiteX20" y="connsiteY20"/>
+              </a:cxn>
+              <a:cxn ang="0">
+                <a:pos x="connsiteX21" y="connsiteY21"/>
+              </a:cxn>
+              <a:cxn ang="0">
+                <a:pos x="connsiteX22" y="connsiteY22"/>
+              </a:cxn>
+              <a:cxn ang="0">
+                <a:pos x="connsiteX23" y="connsiteY23"/>
+              </a:cxn>
+              <a:cxn ang="0">
+                <a:pos x="connsiteX24" y="connsiteY24"/>
+              </a:cxn>
+              <a:cxn ang="0">
+                <a:pos x="connsiteX25" y="connsiteY25"/>
+              </a:cxn>
+              <a:cxn ang="0">
+                <a:pos x="connsiteX26" y="connsiteY26"/>
+              </a:cxn>
+              <a:cxn ang="0">
+                <a:pos x="connsiteX27" y="connsiteY27"/>
+              </a:cxn>
+              <a:cxn ang="0">
+                <a:pos x="connsiteX28" y="connsiteY28"/>
+              </a:cxn>
+              <a:cxn ang="0">
+                <a:pos x="connsiteX29" y="connsiteY29"/>
+              </a:cxn>
+              <a:cxn ang="0">
+                <a:pos x="connsiteX30" y="connsiteY30"/>
+              </a:cxn>
+              <a:cxn ang="0">
+                <a:pos x="connsiteX31" y="connsiteY31"/>
+              </a:cxn>
+              <a:cxn ang="0">
+                <a:pos x="connsiteX32" y="connsiteY32"/>
+              </a:cxn>
+              <a:cxn ang="0">
+                <a:pos x="connsiteX33" y="connsiteY33"/>
+              </a:cxn>
+              <a:cxn ang="0">
+                <a:pos x="connsiteX34" y="connsiteY34"/>
+              </a:cxn>
+              <a:cxn ang="0">
+                <a:pos x="connsiteX35" y="connsiteY35"/>
+              </a:cxn>
+              <a:cxn ang="0">
+                <a:pos x="connsiteX36" y="connsiteY36"/>
+              </a:cxn>
+              <a:cxn ang="0">
+                <a:pos x="connsiteX37" y="connsiteY37"/>
+              </a:cxn>
+              <a:cxn ang="0">
+                <a:pos x="connsiteX38" y="connsiteY38"/>
+              </a:cxn>
+              <a:cxn ang="0">
+                <a:pos x="connsiteX39" y="connsiteY39"/>
+              </a:cxn>
+              <a:cxn ang="0">
+                <a:pos x="connsiteX40" y="connsiteY40"/>
+              </a:cxn>
+              <a:cxn ang="0">
+                <a:pos x="connsiteX41" y="connsiteY41"/>
+              </a:cxn>
+              <a:cxn ang="0">
+                <a:pos x="connsiteX42" y="connsiteY42"/>
+              </a:cxn>
+              <a:cxn ang="0">
+                <a:pos x="connsiteX43" y="connsiteY43"/>
+              </a:cxn>
+              <a:cxn ang="0">
+                <a:pos x="connsiteX44" y="connsiteY44"/>
+              </a:cxn>
+              <a:cxn ang="0">
+                <a:pos x="connsiteX45" y="connsiteY45"/>
+              </a:cxn>
+              <a:cxn ang="0">
+                <a:pos x="connsiteX46" y="connsiteY46"/>
+              </a:cxn>
+              <a:cxn ang="0">
+                <a:pos x="connsiteX47" y="connsiteY47"/>
+              </a:cxn>
+              <a:cxn ang="0">
+                <a:pos x="connsiteX48" y="connsiteY48"/>
+              </a:cxn>
+              <a:cxn ang="0">
+                <a:pos x="connsiteX49" y="connsiteY49"/>
+              </a:cxn>
+              <a:cxn ang="0">
+                <a:pos x="connsiteX50" y="connsiteY50"/>
+              </a:cxn>
+              <a:cxn ang="0">
+                <a:pos x="connsiteX51" y="connsiteY51"/>
+              </a:cxn>
+            </a:cxnLst>
+            <a:rect l="l" t="t" r="r" b="b"/>
+            <a:pathLst>
+              <a:path w="6858001" h="6985200">
+                <a:moveTo>
+                  <a:pt x="6858001" y="1177"/>
+                </a:moveTo>
+                <a:lnTo>
+                  <a:pt x="6858001" y="1344715"/>
+                </a:lnTo>
+                <a:lnTo>
+                  <a:pt x="6858000" y="1344715"/>
+                </a:lnTo>
+                <a:lnTo>
+                  <a:pt x="6858000" y="6985200"/>
+                </a:lnTo>
+                <a:lnTo>
+                  <a:pt x="0" y="6985199"/>
+                </a:lnTo>
+                <a:lnTo>
+                  <a:pt x="0" y="887191"/>
+                </a:lnTo>
+                <a:lnTo>
+                  <a:pt x="1" y="887191"/>
+                </a:lnTo>
+                <a:lnTo>
+                  <a:pt x="1" y="0"/>
+                </a:lnTo>
+                <a:lnTo>
+                  <a:pt x="40463" y="5883"/>
+                </a:lnTo>
+                <a:lnTo>
+                  <a:pt x="159107" y="23196"/>
+                </a:lnTo>
+                <a:lnTo>
+                  <a:pt x="245518" y="35299"/>
+                </a:lnTo>
+                <a:lnTo>
+                  <a:pt x="348388" y="48073"/>
+                </a:lnTo>
+                <a:lnTo>
+                  <a:pt x="470460" y="63369"/>
+                </a:lnTo>
+                <a:lnTo>
+                  <a:pt x="605563" y="79506"/>
+                </a:lnTo>
+                <a:lnTo>
+                  <a:pt x="757810" y="96483"/>
+                </a:lnTo>
+                <a:lnTo>
+                  <a:pt x="923774" y="114469"/>
+                </a:lnTo>
+                <a:lnTo>
+                  <a:pt x="1104139" y="132454"/>
+                </a:lnTo>
+                <a:lnTo>
+                  <a:pt x="1296163" y="150776"/>
+                </a:lnTo>
+                <a:lnTo>
+                  <a:pt x="1503275" y="167753"/>
+                </a:lnTo>
+                <a:lnTo>
+                  <a:pt x="1719988" y="184058"/>
+                </a:lnTo>
+                <a:lnTo>
+                  <a:pt x="1949045" y="198849"/>
+                </a:lnTo>
+                <a:lnTo>
+                  <a:pt x="2187703" y="212969"/>
+                </a:lnTo>
+                <a:lnTo>
+                  <a:pt x="2436649" y="226248"/>
+                </a:lnTo>
+                <a:lnTo>
+                  <a:pt x="2564208" y="230955"/>
+                </a:lnTo>
+                <a:lnTo>
+                  <a:pt x="2694509" y="236165"/>
+                </a:lnTo>
+                <a:lnTo>
+                  <a:pt x="2826869" y="241040"/>
+                </a:lnTo>
+                <a:lnTo>
+                  <a:pt x="2959914" y="244234"/>
+                </a:lnTo>
+                <a:lnTo>
+                  <a:pt x="3095702" y="247091"/>
+                </a:lnTo>
+                <a:lnTo>
+                  <a:pt x="3232862" y="250117"/>
+                </a:lnTo>
+                <a:lnTo>
+                  <a:pt x="3372766" y="252134"/>
+                </a:lnTo>
+                <a:lnTo>
+                  <a:pt x="3514040" y="252134"/>
+                </a:lnTo>
+                <a:lnTo>
+                  <a:pt x="3656686" y="253142"/>
+                </a:lnTo>
+                <a:lnTo>
+                  <a:pt x="3800705" y="252134"/>
+                </a:lnTo>
+                <a:lnTo>
+                  <a:pt x="3946780" y="250117"/>
+                </a:lnTo>
+                <a:lnTo>
+                  <a:pt x="4092856" y="248268"/>
+                </a:lnTo>
+                <a:lnTo>
+                  <a:pt x="4240988" y="244234"/>
+                </a:lnTo>
+                <a:lnTo>
+                  <a:pt x="4390492" y="240032"/>
+                </a:lnTo>
+                <a:lnTo>
+                  <a:pt x="4539997" y="235157"/>
+                </a:lnTo>
+                <a:lnTo>
+                  <a:pt x="4690873" y="228266"/>
+                </a:lnTo>
+                <a:lnTo>
+                  <a:pt x="4843120" y="220029"/>
+                </a:lnTo>
+                <a:lnTo>
+                  <a:pt x="4996054" y="212129"/>
+                </a:lnTo>
+                <a:lnTo>
+                  <a:pt x="5148987" y="202044"/>
+                </a:lnTo>
+                <a:lnTo>
+                  <a:pt x="5303978" y="189941"/>
+                </a:lnTo>
+                <a:lnTo>
+                  <a:pt x="5456911" y="177839"/>
+                </a:lnTo>
+                <a:lnTo>
+                  <a:pt x="5612588" y="163887"/>
+                </a:lnTo>
+                <a:lnTo>
+                  <a:pt x="5768950" y="148591"/>
+                </a:lnTo>
+                <a:lnTo>
+                  <a:pt x="5923255" y="132455"/>
+                </a:lnTo>
+                <a:lnTo>
+                  <a:pt x="6079618" y="113629"/>
+                </a:lnTo>
+                <a:lnTo>
+                  <a:pt x="6235294" y="93458"/>
+                </a:lnTo>
+                <a:lnTo>
+                  <a:pt x="6391657" y="73455"/>
+                </a:lnTo>
+                <a:lnTo>
+                  <a:pt x="6547333" y="50091"/>
+                </a:lnTo>
+                <a:lnTo>
+                  <a:pt x="6702324" y="26222"/>
+                </a:lnTo>
+                <a:close/>
+              </a:path>
+            </a:pathLst>
+          </a:custGeom>
+          <a:solidFill>
+            <a:srgbClr val="FFFFFF"/>
+          </a:solidFill>
+          <a:ln>
+            <a:noFill/>
+          </a:ln>
+        </p:spPr>
+      </p:sp>
+      <p:sp>
+        <p:nvSpPr>
+          <p:cNvPr id="71" name="Freeform 23">
+            <a:extLst>
+              <a:ext uri="{FF2B5EF4-FFF2-40B4-BE49-F238E27FC236}">
+                <a16:creationId xmlns:a16="http://schemas.microsoft.com/office/drawing/2014/main" id="{E8895FAA-0D03-43F6-9594-A8733552E281}"/>
+              </a:ext>
+              <a:ext uri="{C183D7F6-B498-43B3-948B-1728B52AA6E4}">
+                <adec:decorative xmlns:adec="http://schemas.microsoft.com/office/drawing/2017/decorative" val="1"/>
+              </a:ext>
+            </a:extLst>
+          </p:cNvPr>
+          <p:cNvSpPr>
+            <a:spLocks noGrp="1" noRot="1" noChangeAspect="1" noMove="1" noResize="1" noEditPoints="1" noAdjustHandles="1" noChangeArrowheads="1" noChangeShapeType="1" noTextEdit="1"/>
+          </p:cNvSpPr>
+          <p:nvPr>
+            <p:extLst>
+              <p:ext uri="{386F3935-93C4-4BCD-93E2-E3B085C9AB24}">
+                <p16:designElem xmlns:p16="http://schemas.microsoft.com/office/powerpoint/2015/main" val="1"/>
+              </p:ext>
+            </p:extLst>
+          </p:nvPr>
+        </p:nvSpPr>
+        <p:spPr>
+          <a:xfrm>
+            <a:off x="4994020" y="-1"/>
+            <a:ext cx="559472" cy="3709642"/>
+          </a:xfrm>
+          <a:custGeom>
+            <a:avLst/>
+            <a:gdLst>
+              <a:gd name="connsiteX0" fmla="*/ 0 w 559472"/>
+              <a:gd name="connsiteY0" fmla="*/ 0 h 3709642"/>
+              <a:gd name="connsiteX1" fmla="*/ 473952 w 559472"/>
+              <a:gd name="connsiteY1" fmla="*/ 0 h 3709642"/>
+              <a:gd name="connsiteX2" fmla="*/ 485840 w 559472"/>
+              <a:gd name="connsiteY2" fmla="*/ 161194 h 3709642"/>
+              <a:gd name="connsiteX3" fmla="*/ 523949 w 559472"/>
+              <a:gd name="connsiteY3" fmla="*/ 3672197 h 3709642"/>
+              <a:gd name="connsiteX4" fmla="*/ 454748 w 559472"/>
+              <a:gd name="connsiteY4" fmla="*/ 3709642 h 3709642"/>
+              <a:gd name="connsiteX5" fmla="*/ 448224 w 559472"/>
+              <a:gd name="connsiteY5" fmla="*/ 3510471 h 3709642"/>
+              <a:gd name="connsiteX6" fmla="*/ 443564 w 559472"/>
+              <a:gd name="connsiteY6" fmla="*/ 3408563 h 3709642"/>
+              <a:gd name="connsiteX7" fmla="*/ 438902 w 559472"/>
+              <a:gd name="connsiteY7" fmla="*/ 3304407 h 3709642"/>
+              <a:gd name="connsiteX8" fmla="*/ 433941 w 559472"/>
+              <a:gd name="connsiteY8" fmla="*/ 3198777 h 3709642"/>
+              <a:gd name="connsiteX9" fmla="*/ 427584 w 559472"/>
+              <a:gd name="connsiteY9" fmla="*/ 3092510 h 3709642"/>
+              <a:gd name="connsiteX10" fmla="*/ 420988 w 559472"/>
+              <a:gd name="connsiteY10" fmla="*/ 2984390 h 3709642"/>
+              <a:gd name="connsiteX11" fmla="*/ 414330 w 559472"/>
+              <a:gd name="connsiteY11" fmla="*/ 2874401 h 3709642"/>
+              <a:gd name="connsiteX12" fmla="*/ 406840 w 559472"/>
+              <a:gd name="connsiteY12" fmla="*/ 2762980 h 3709642"/>
+              <a:gd name="connsiteX13" fmla="*/ 397745 w 559472"/>
+              <a:gd name="connsiteY13" fmla="*/ 2650566 h 3709642"/>
+              <a:gd name="connsiteX14" fmla="*/ 389154 w 559472"/>
+              <a:gd name="connsiteY14" fmla="*/ 2536612 h 3709642"/>
+              <a:gd name="connsiteX15" fmla="*/ 379225 w 559472"/>
+              <a:gd name="connsiteY15" fmla="*/ 2421642 h 3709642"/>
+              <a:gd name="connsiteX16" fmla="*/ 368316 w 559472"/>
+              <a:gd name="connsiteY16" fmla="*/ 2305627 h 3709642"/>
+              <a:gd name="connsiteX17" fmla="*/ 357466 w 559472"/>
+              <a:gd name="connsiteY17" fmla="*/ 2189233 h 3709642"/>
+              <a:gd name="connsiteX18" fmla="*/ 344982 w 559472"/>
+              <a:gd name="connsiteY18" fmla="*/ 2071473 h 3709642"/>
+              <a:gd name="connsiteX19" fmla="*/ 332466 w 559472"/>
+              <a:gd name="connsiteY19" fmla="*/ 1952216 h 3709642"/>
+              <a:gd name="connsiteX20" fmla="*/ 319121 w 559472"/>
+              <a:gd name="connsiteY20" fmla="*/ 1833776 h 3709642"/>
+              <a:gd name="connsiteX21" fmla="*/ 304408 w 559472"/>
+              <a:gd name="connsiteY21" fmla="*/ 1713948 h 3709642"/>
+              <a:gd name="connsiteX22" fmla="*/ 288685 w 559472"/>
+              <a:gd name="connsiteY22" fmla="*/ 1592703 h 3709642"/>
+              <a:gd name="connsiteX23" fmla="*/ 273050 w 559472"/>
+              <a:gd name="connsiteY23" fmla="*/ 1471451 h 3709642"/>
+              <a:gd name="connsiteX24" fmla="*/ 255813 w 559472"/>
+              <a:gd name="connsiteY24" fmla="*/ 1350328 h 3709642"/>
+              <a:gd name="connsiteX25" fmla="*/ 237060 w 559472"/>
+              <a:gd name="connsiteY25" fmla="*/ 1227080 h 3709642"/>
+              <a:gd name="connsiteX26" fmla="*/ 218488 w 559472"/>
+              <a:gd name="connsiteY26" fmla="*/ 1106065 h 3709642"/>
+              <a:gd name="connsiteX27" fmla="*/ 198221 w 559472"/>
+              <a:gd name="connsiteY27" fmla="*/ 982940 h 3709642"/>
+              <a:gd name="connsiteX28" fmla="*/ 177152 w 559472"/>
+              <a:gd name="connsiteY28" fmla="*/ 858755 h 3709642"/>
+              <a:gd name="connsiteX29" fmla="*/ 155551 w 559472"/>
+              <a:gd name="connsiteY29" fmla="*/ 736861 h 3709642"/>
+              <a:gd name="connsiteX30" fmla="*/ 131782 w 559472"/>
+              <a:gd name="connsiteY30" fmla="*/ 613645 h 3709642"/>
+              <a:gd name="connsiteX31" fmla="*/ 107123 w 559472"/>
+              <a:gd name="connsiteY31" fmla="*/ 490500 h 3709642"/>
+              <a:gd name="connsiteX32" fmla="*/ 82552 w 559472"/>
+              <a:gd name="connsiteY32" fmla="*/ 367348 h 3709642"/>
+              <a:gd name="connsiteX33" fmla="*/ 55608 w 559472"/>
+              <a:gd name="connsiteY33" fmla="*/ 244762 h 3709642"/>
+              <a:gd name="connsiteX34" fmla="*/ 28130 w 559472"/>
+              <a:gd name="connsiteY34" fmla="*/ 122220 h 3709642"/>
+              <a:gd name="connsiteX35" fmla="*/ 0 w 559472"/>
+              <a:gd name="connsiteY35" fmla="*/ 0 h 3709642"/>
+            </a:gdLst>
+            <a:ahLst/>
+            <a:cxnLst>
+              <a:cxn ang="0">
+                <a:pos x="connsiteX0" y="connsiteY0"/>
+              </a:cxn>
+              <a:cxn ang="0">
+                <a:pos x="connsiteX1" y="connsiteY1"/>
+              </a:cxn>
+              <a:cxn ang="0">
+                <a:pos x="connsiteX2" y="connsiteY2"/>
+              </a:cxn>
+              <a:cxn ang="0">
+                <a:pos x="connsiteX3" y="connsiteY3"/>
+              </a:cxn>
+              <a:cxn ang="0">
+                <a:pos x="connsiteX4" y="connsiteY4"/>
+              </a:cxn>
+              <a:cxn ang="0">
+                <a:pos x="connsiteX5" y="connsiteY5"/>
+              </a:cxn>
+              <a:cxn ang="0">
+                <a:pos x="connsiteX6" y="connsiteY6"/>
+              </a:cxn>
+              <a:cxn ang="0">
+                <a:pos x="connsiteX7" y="connsiteY7"/>
+              </a:cxn>
+              <a:cxn ang="0">
+                <a:pos x="connsiteX8" y="connsiteY8"/>
+              </a:cxn>
+              <a:cxn ang="0">
+                <a:pos x="connsiteX9" y="connsiteY9"/>
+              </a:cxn>
+              <a:cxn ang="0">
+                <a:pos x="connsiteX10" y="connsiteY10"/>
+              </a:cxn>
+              <a:cxn ang="0">
+                <a:pos x="connsiteX11" y="connsiteY11"/>
+              </a:cxn>
+              <a:cxn ang="0">
+                <a:pos x="connsiteX12" y="connsiteY12"/>
+              </a:cxn>
+              <a:cxn ang="0">
+                <a:pos x="connsiteX13" y="connsiteY13"/>
+              </a:cxn>
+              <a:cxn ang="0">
+                <a:pos x="connsiteX14" y="connsiteY14"/>
+              </a:cxn>
+              <a:cxn ang="0">
+                <a:pos x="connsiteX15" y="connsiteY15"/>
+              </a:cxn>
+              <a:cxn ang="0">
+                <a:pos x="connsiteX16" y="connsiteY16"/>
+              </a:cxn>
+              <a:cxn ang="0">
+                <a:pos x="connsiteX17" y="connsiteY17"/>
+              </a:cxn>
+              <a:cxn ang="0">
+                <a:pos x="connsiteX18" y="connsiteY18"/>
+              </a:cxn>
+              <a:cxn ang="0">
+                <a:pos x="connsiteX19" y="connsiteY19"/>
+              </a:cxn>
+              <a:cxn ang="0">
+                <a:pos x="connsiteX20" y="connsiteY20"/>
+              </a:cxn>
+              <a:cxn ang="0">
+                <a:pos x="connsiteX21" y="connsiteY21"/>
+              </a:cxn>
+              <a:cxn ang="0">
+                <a:pos x="connsiteX22" y="connsiteY22"/>
+              </a:cxn>
+              <a:cxn ang="0">
+                <a:pos x="connsiteX23" y="connsiteY23"/>
+              </a:cxn>
+              <a:cxn ang="0">
+                <a:pos x="connsiteX24" y="connsiteY24"/>
+              </a:cxn>
+              <a:cxn ang="0">
+                <a:pos x="connsiteX25" y="connsiteY25"/>
+              </a:cxn>
+              <a:cxn ang="0">
+                <a:pos x="connsiteX26" y="connsiteY26"/>
+              </a:cxn>
+              <a:cxn ang="0">
+                <a:pos x="connsiteX27" y="connsiteY27"/>
+              </a:cxn>
+              <a:cxn ang="0">
+                <a:pos x="connsiteX28" y="connsiteY28"/>
+              </a:cxn>
+              <a:cxn ang="0">
+                <a:pos x="connsiteX29" y="connsiteY29"/>
+              </a:cxn>
+              <a:cxn ang="0">
+                <a:pos x="connsiteX30" y="connsiteY30"/>
+              </a:cxn>
+              <a:cxn ang="0">
+                <a:pos x="connsiteX31" y="connsiteY31"/>
+              </a:cxn>
+              <a:cxn ang="0">
+                <a:pos x="connsiteX32" y="connsiteY32"/>
+              </a:cxn>
+              <a:cxn ang="0">
+                <a:pos x="connsiteX33" y="connsiteY33"/>
+              </a:cxn>
+              <a:cxn ang="0">
+                <a:pos x="connsiteX34" y="connsiteY34"/>
+              </a:cxn>
+              <a:cxn ang="0">
+                <a:pos x="connsiteX35" y="connsiteY35"/>
+              </a:cxn>
+            </a:cxnLst>
+            <a:rect l="l" t="t" r="r" b="b"/>
+            <a:pathLst>
+              <a:path w="559472" h="3709642">
+                <a:moveTo>
+                  <a:pt x="0" y="0"/>
+                </a:moveTo>
+                <a:lnTo>
+                  <a:pt x="473952" y="0"/>
+                </a:lnTo>
+                <a:lnTo>
+                  <a:pt x="485840" y="161194"/>
+                </a:lnTo>
+                <a:cubicBezTo>
+                  <a:pt x="552063" y="1147770"/>
+                  <a:pt x="592441" y="3086737"/>
+                  <a:pt x="523949" y="3672197"/>
+                </a:cubicBezTo>
+                <a:cubicBezTo>
+                  <a:pt x="500842" y="3684557"/>
+                  <a:pt x="477855" y="3697282"/>
+                  <a:pt x="454748" y="3709642"/>
+                </a:cubicBezTo>
+                <a:lnTo>
+                  <a:pt x="448224" y="3510471"/>
+                </a:lnTo>
+                <a:lnTo>
+                  <a:pt x="443564" y="3408563"/>
+                </a:lnTo>
+                <a:lnTo>
+                  <a:pt x="438902" y="3304407"/>
+                </a:lnTo>
+                <a:lnTo>
+                  <a:pt x="433941" y="3198777"/>
+                </a:lnTo>
+                <a:lnTo>
+                  <a:pt x="427584" y="3092510"/>
+                </a:lnTo>
+                <a:lnTo>
+                  <a:pt x="420988" y="2984390"/>
+                </a:lnTo>
+                <a:lnTo>
+                  <a:pt x="414330" y="2874401"/>
+                </a:lnTo>
+                <a:lnTo>
+                  <a:pt x="406840" y="2762980"/>
+                </a:lnTo>
+                <a:lnTo>
+                  <a:pt x="397745" y="2650566"/>
+                </a:lnTo>
+                <a:lnTo>
+                  <a:pt x="389154" y="2536612"/>
+                </a:lnTo>
+                <a:lnTo>
+                  <a:pt x="379225" y="2421642"/>
+                </a:lnTo>
+                <a:lnTo>
+                  <a:pt x="368316" y="2305627"/>
+                </a:lnTo>
+                <a:lnTo>
+                  <a:pt x="357466" y="2189233"/>
+                </a:lnTo>
+                <a:lnTo>
+                  <a:pt x="344982" y="2071473"/>
+                </a:lnTo>
+                <a:lnTo>
+                  <a:pt x="332466" y="1952216"/>
+                </a:lnTo>
+                <a:lnTo>
+                  <a:pt x="319121" y="1833776"/>
+                </a:lnTo>
+                <a:lnTo>
+                  <a:pt x="304408" y="1713948"/>
+                </a:lnTo>
+                <a:lnTo>
+                  <a:pt x="288685" y="1592703"/>
+                </a:lnTo>
+                <a:lnTo>
+                  <a:pt x="273050" y="1471451"/>
+                </a:lnTo>
+                <a:lnTo>
+                  <a:pt x="255813" y="1350328"/>
+                </a:lnTo>
+                <a:lnTo>
+                  <a:pt x="237060" y="1227080"/>
+                </a:lnTo>
+                <a:lnTo>
+                  <a:pt x="218488" y="1106065"/>
+                </a:lnTo>
+                <a:lnTo>
+                  <a:pt x="198221" y="982940"/>
+                </a:lnTo>
+                <a:lnTo>
+                  <a:pt x="177152" y="858755"/>
+                </a:lnTo>
+                <a:lnTo>
+                  <a:pt x="155551" y="736861"/>
+                </a:lnTo>
+                <a:lnTo>
+                  <a:pt x="131782" y="613645"/>
+                </a:lnTo>
+                <a:lnTo>
+                  <a:pt x="107123" y="490500"/>
+                </a:lnTo>
+                <a:lnTo>
+                  <a:pt x="82552" y="367348"/>
+                </a:lnTo>
+                <a:lnTo>
+                  <a:pt x="55608" y="244762"/>
+                </a:lnTo>
+                <a:lnTo>
+                  <a:pt x="28130" y="122220"/>
+                </a:lnTo>
+                <a:lnTo>
+                  <a:pt x="0" y="0"/>
+                </a:lnTo>
+                <a:close/>
+              </a:path>
+            </a:pathLst>
+          </a:custGeom>
+          <a:solidFill>
+            <a:schemeClr val="tx1">
+              <a:alpha val="20000"/>
+            </a:schemeClr>
+          </a:solidFill>
+          <a:ln>
+            <a:noFill/>
+          </a:ln>
+        </p:spPr>
+        <p:txBody>
+          <a:bodyPr rtlCol="0" anchor="ctr"/>
+          <a:lstStyle/>
+          <a:p>
+            <a:pPr algn="ctr"/>
+            <a:endParaRPr lang="en-US"/>
+          </a:p>
+        </p:txBody>
+      </p:sp>
+      <p:sp>
+        <p:nvSpPr>
+          <p:cNvPr id="73" name="Rectangle 72">
+            <a:extLst>
+              <a:ext uri="{FF2B5EF4-FFF2-40B4-BE49-F238E27FC236}">
+                <a16:creationId xmlns:a16="http://schemas.microsoft.com/office/drawing/2014/main" id="{918FB696-BC5E-43A4-9768-4BB5278BDC9A}"/>
+              </a:ext>
+              <a:ext uri="{C183D7F6-B498-43B3-948B-1728B52AA6E4}">
+                <adec:decorative xmlns:adec="http://schemas.microsoft.com/office/drawing/2017/decorative" val="1"/>
+              </a:ext>
+            </a:extLst>
+          </p:cNvPr>
+          <p:cNvSpPr>
+            <a:spLocks noGrp="1" noRot="1" noChangeAspect="1" noMove="1" noResize="1" noEditPoints="1" noAdjustHandles="1" noChangeArrowheads="1" noChangeShapeType="1" noTextEdit="1"/>
+          </p:cNvSpPr>
+          <p:nvPr>
+            <p:extLst>
+              <p:ext uri="{386F3935-93C4-4BCD-93E2-E3B085C9AB24}">
+                <p16:designElem xmlns:p16="http://schemas.microsoft.com/office/powerpoint/2015/main" val="1"/>
+              </p:ext>
+            </p:extLst>
+          </p:nvPr>
+        </p:nvSpPr>
+        <p:spPr>
+          <a:xfrm>
+            <a:off x="10442448" y="0"/>
+            <a:ext cx="685800" cy="1143000"/>
+          </a:xfrm>
+          <a:prstGeom prst="rect">
+            <a:avLst/>
+          </a:prstGeom>
+          <a:solidFill>
+            <a:schemeClr val="accent1"/>
+          </a:solidFill>
+          <a:ln>
+            <a:noFill/>
+          </a:ln>
+        </p:spPr>
+        <p:style>
+          <a:lnRef idx="1">
+            <a:schemeClr val="accent1"/>
+          </a:lnRef>
+          <a:fillRef idx="3">
+            <a:schemeClr val="accent1"/>
+          </a:fillRef>
+          <a:effectRef idx="2">
+            <a:schemeClr val="accent1"/>
+          </a:effectRef>
+          <a:fontRef idx="minor">
+            <a:schemeClr val="lt1"/>
+          </a:fontRef>
+        </p:style>
+      </p:sp>
+      <p:sp>
+        <p:nvSpPr>
+          <p:cNvPr id="14" name="TextBox 13">
+            <a:extLst>
+              <a:ext uri="{FF2B5EF4-FFF2-40B4-BE49-F238E27FC236}">
+                <a16:creationId xmlns:a16="http://schemas.microsoft.com/office/drawing/2014/main" id="{ECCAB405-9841-45A4-99C9-2E31A8766B6C}"/>
+              </a:ext>
+            </a:extLst>
+          </p:cNvPr>
+          <p:cNvSpPr txBox="1"/>
+          <p:nvPr/>
+        </p:nvSpPr>
+        <p:spPr>
+          <a:xfrm>
+            <a:off x="5923721" y="2968487"/>
+            <a:ext cx="914400" cy="914400"/>
+          </a:xfrm>
+          <a:prstGeom prst="rect">
+            <a:avLst/>
+          </a:prstGeom>
+          <a:noFill/>
+        </p:spPr>
+        <p:txBody>
+          <a:bodyPr wrap="square" rtlCol="0">
+            <a:spAutoFit/>
+          </a:bodyPr>
+          <a:lstStyle/>
+          <a:p>
+            <a:endParaRPr lang="en-US" dirty="0"/>
+          </a:p>
+        </p:txBody>
+      </p:sp>
+      <p:sp>
+        <p:nvSpPr>
+          <p:cNvPr id="16" name="TextBox 15">
+            <a:extLst>
+              <a:ext uri="{FF2B5EF4-FFF2-40B4-BE49-F238E27FC236}">
+                <a16:creationId xmlns:a16="http://schemas.microsoft.com/office/drawing/2014/main" id="{4104F0CE-587F-458D-84AD-DF828483F946}"/>
+              </a:ext>
+            </a:extLst>
+          </p:cNvPr>
+          <p:cNvSpPr txBox="1"/>
+          <p:nvPr/>
+        </p:nvSpPr>
+        <p:spPr>
+          <a:xfrm>
+            <a:off x="358912" y="2232313"/>
+            <a:ext cx="4382453" cy="1477328"/>
+          </a:xfrm>
+          <a:prstGeom prst="rect">
+            <a:avLst/>
+          </a:prstGeom>
+          <a:noFill/>
+        </p:spPr>
+        <p:txBody>
+          <a:bodyPr wrap="square" rtlCol="0">
+            <a:spAutoFit/>
+          </a:bodyPr>
+          <a:lstStyle/>
+          <a:p>
+            <a:pPr marL="285750" indent="-285750">
+              <a:buFont typeface="Arial" panose="020B0604020202020204" pitchFamily="34" charset="0"/>
+              <a:buChar char="•"/>
+            </a:pPr>
+            <a:r>
+              <a:rPr lang="en-US" dirty="0"/>
+              <a:t>The last six months of data  are May – October, and the sales are at the lowest during this period. </a:t>
+            </a:r>
+          </a:p>
+          <a:p>
+            <a:endParaRPr lang="en-US" dirty="0"/>
+          </a:p>
+          <a:p>
+            <a:endParaRPr lang="en-US" dirty="0"/>
+          </a:p>
+        </p:txBody>
+      </p:sp>
+      <p:sp>
+        <p:nvSpPr>
+          <p:cNvPr id="20" name="TextBox 19">
+            <a:extLst>
+              <a:ext uri="{FF2B5EF4-FFF2-40B4-BE49-F238E27FC236}">
+                <a16:creationId xmlns:a16="http://schemas.microsoft.com/office/drawing/2014/main" id="{8B94AFC9-08DA-4FF8-8AA2-F5DD13CC0495}"/>
+              </a:ext>
+            </a:extLst>
+          </p:cNvPr>
+          <p:cNvSpPr txBox="1"/>
+          <p:nvPr/>
+        </p:nvSpPr>
+        <p:spPr>
+          <a:xfrm>
+            <a:off x="356873" y="4499113"/>
+            <a:ext cx="4001271" cy="1754326"/>
+          </a:xfrm>
+          <a:prstGeom prst="rect">
+            <a:avLst/>
+          </a:prstGeom>
+          <a:noFill/>
+        </p:spPr>
+        <p:txBody>
+          <a:bodyPr wrap="square" rtlCol="0">
+            <a:spAutoFit/>
+          </a:bodyPr>
+          <a:lstStyle/>
+          <a:p>
+            <a:pPr marL="285750" indent="-285750">
+              <a:buFont typeface="Arial" panose="020B0604020202020204" pitchFamily="34" charset="0"/>
+              <a:buChar char="•"/>
+            </a:pPr>
+            <a:r>
+              <a:rPr lang="en-US" dirty="0"/>
+              <a:t>After running a time series forecasting model on monthly sales data, the forecasting results from the model was 70% accurate.</a:t>
+            </a:r>
+          </a:p>
+          <a:p>
+            <a:endParaRPr lang="en-US" dirty="0"/>
+          </a:p>
+        </p:txBody>
+      </p:sp>
+      <p:sp>
+        <p:nvSpPr>
+          <p:cNvPr id="32" name="TextBox 31">
+            <a:extLst>
+              <a:ext uri="{FF2B5EF4-FFF2-40B4-BE49-F238E27FC236}">
+                <a16:creationId xmlns:a16="http://schemas.microsoft.com/office/drawing/2014/main" id="{50E2370A-F37F-4987-A5B2-AF7F892EC0BC}"/>
+              </a:ext>
+            </a:extLst>
+          </p:cNvPr>
+          <p:cNvSpPr txBox="1"/>
+          <p:nvPr/>
+        </p:nvSpPr>
+        <p:spPr>
+          <a:xfrm>
+            <a:off x="550832" y="253759"/>
+            <a:ext cx="3807312" cy="1323439"/>
+          </a:xfrm>
+          <a:prstGeom prst="rect">
+            <a:avLst/>
+          </a:prstGeom>
+          <a:noFill/>
+        </p:spPr>
+        <p:txBody>
+          <a:bodyPr wrap="square" rtlCol="0">
+            <a:spAutoFit/>
+          </a:bodyPr>
+          <a:lstStyle/>
+          <a:p>
+            <a:r>
+              <a:rPr lang="en-US" sz="4000" b="1" dirty="0"/>
+              <a:t>Sales Forecasting</a:t>
+            </a:r>
+          </a:p>
+        </p:txBody>
+      </p:sp>
+      <p:pic>
+        <p:nvPicPr>
+          <p:cNvPr id="35" name="Picture 34" descr="A close up of a map&#10;&#10;Description automatically generated">
+            <a:extLst>
+              <a:ext uri="{FF2B5EF4-FFF2-40B4-BE49-F238E27FC236}">
+                <a16:creationId xmlns:a16="http://schemas.microsoft.com/office/drawing/2014/main" id="{88441E87-329E-40B1-B33E-09696D9516CA}"/>
+              </a:ext>
+            </a:extLst>
+          </p:cNvPr>
+          <p:cNvPicPr>
+            <a:picLocks noChangeAspect="1"/>
+          </p:cNvPicPr>
+          <p:nvPr/>
+        </p:nvPicPr>
+        <p:blipFill>
+          <a:blip r:embed="rId7"/>
+          <a:stretch>
+            <a:fillRect/>
+          </a:stretch>
+        </p:blipFill>
+        <p:spPr>
+          <a:xfrm>
+            <a:off x="5452490" y="128680"/>
+            <a:ext cx="6306776" cy="2636130"/>
+          </a:xfrm>
+          <a:prstGeom prst="rect">
+            <a:avLst/>
+          </a:prstGeom>
+        </p:spPr>
+      </p:pic>
+      <p:pic>
+        <p:nvPicPr>
+          <p:cNvPr id="45" name="Content Placeholder 44" descr="A screenshot of a cell phone&#10;&#10;Description automatically generated">
+            <a:extLst>
+              <a:ext uri="{FF2B5EF4-FFF2-40B4-BE49-F238E27FC236}">
+                <a16:creationId xmlns:a16="http://schemas.microsoft.com/office/drawing/2014/main" id="{A2F8E8D2-AB41-4AF3-834D-28127935582C}"/>
+              </a:ext>
+            </a:extLst>
+          </p:cNvPr>
+          <p:cNvPicPr>
+            <a:picLocks noGrp="1" noChangeAspect="1"/>
+          </p:cNvPicPr>
+          <p:nvPr>
+            <p:ph sz="half" idx="1"/>
+          </p:nvPr>
+        </p:nvPicPr>
+        <p:blipFill>
+          <a:blip r:embed="rId8"/>
+          <a:stretch>
+            <a:fillRect/>
+          </a:stretch>
+        </p:blipFill>
+        <p:spPr>
+          <a:xfrm>
+            <a:off x="5240587" y="3327255"/>
+            <a:ext cx="6840169" cy="3250965"/>
+          </a:xfrm>
+        </p:spPr>
+      </p:pic>
+    </p:spTree>
+    <p:extLst>
+      <p:ext uri="{BB962C8B-B14F-4D97-AF65-F5344CB8AC3E}">
+        <p14:creationId xmlns:p14="http://schemas.microsoft.com/office/powerpoint/2010/main" val="4134395294"/>
+      </p:ext>
+    </p:extLst>
+  </p:cSld>
+  <p:clrMapOvr>
+    <a:masterClrMapping/>
+  </p:clrMapOvr>
+  <p:timing>
+    <p:tnLst>
+      <p:par>
+        <p:cTn id="1" dur="indefinite" restart="never" nodeType="tmRoot">
+          <p:childTnLst>
+            <p:seq concurrent="1" nextAc="seek">
+              <p:cTn id="2" dur="indefinite" nodeType="mainSeq">
+                <p:childTnLst>
+                  <p:par>
+                    <p:cTn id="3" fill="hold">
+                      <p:stCondLst>
+                        <p:cond delay="indefinite"/>
+                      </p:stCondLst>
+                      <p:childTnLst>
+                        <p:par>
+                          <p:cTn id="4" fill="hold">
+                            <p:stCondLst>
+                              <p:cond delay="0"/>
+                            </p:stCondLst>
+                            <p:childTnLst>
+                              <p:par>
+                                <p:cTn id="5" presetID="2" presetClass="entr" presetSubtype="4" fill="hold" grpId="0" nodeType="clickEffect">
                                   <p:stCondLst>
                                     <p:cond delay="0"/>
                                   </p:stCondLst>
@@ -9829,6 +13376,97 @@
                       </p:childTnLst>
                     </p:cTn>
                   </p:par>
+                  <p:par>
+                    <p:cTn id="9" fill="hold">
+                      <p:stCondLst>
+                        <p:cond delay="indefinite"/>
+                      </p:stCondLst>
+                      <p:childTnLst>
+                        <p:par>
+                          <p:cTn id="10" fill="hold">
+                            <p:stCondLst>
+                              <p:cond delay="0"/>
+                            </p:stCondLst>
+                            <p:childTnLst>
+                              <p:par>
+                                <p:cTn id="11" presetID="2" presetClass="entr" presetSubtype="4" fill="hold" nodeType="clickEffect">
+                                  <p:stCondLst>
+                                    <p:cond delay="0"/>
+                                  </p:stCondLst>
+                                  <p:childTnLst>
+                                    <p:set>
+                                      <p:cBhvr>
+                                        <p:cTn id="12" dur="1" fill="hold">
+                                          <p:stCondLst>
+                                            <p:cond delay="0"/>
+                                          </p:stCondLst>
+                                        </p:cTn>
+                                        <p:tgtEl>
+                                          <p:spTgt spid="45"/>
+                                        </p:tgtEl>
+                                        <p:attrNameLst>
+                                          <p:attrName>style.visibility</p:attrName>
+                                        </p:attrNameLst>
+                                      </p:cBhvr>
+                                      <p:to>
+                                        <p:strVal val="visible"/>
+                                      </p:to>
+                                    </p:set>
+                                    <p:anim calcmode="lin" valueType="num">
+                                      <p:cBhvr additive="base">
+                                        <p:cTn id="13" dur="500" fill="hold"/>
+                                        <p:tgtEl>
+                                          <p:spTgt spid="45"/>
+                                        </p:tgtEl>
+                                        <p:attrNameLst>
+                                          <p:attrName>ppt_x</p:attrName>
+                                        </p:attrNameLst>
+                                      </p:cBhvr>
+                                      <p:tavLst>
+                                        <p:tav tm="0">
+                                          <p:val>
+                                            <p:strVal val="#ppt_x"/>
+                                          </p:val>
+                                        </p:tav>
+                                        <p:tav tm="100000">
+                                          <p:val>
+                                            <p:strVal val="#ppt_x"/>
+                                          </p:val>
+                                        </p:tav>
+                                      </p:tavLst>
+                                    </p:anim>
+                                    <p:anim calcmode="lin" valueType="num">
+                                      <p:cBhvr additive="base">
+                                        <p:cTn id="14" dur="500" fill="hold"/>
+                                        <p:tgtEl>
+                                          <p:spTgt spid="45"/>
+                                        </p:tgtEl>
+                                        <p:attrNameLst>
+                                          <p:attrName>ppt_y</p:attrName>
+                                        </p:attrNameLst>
+                                      </p:cBhvr>
+                                      <p:tavLst>
+                                        <p:tav tm="0">
+                                          <p:val>
+                                            <p:strVal val="1+#ppt_h/2"/>
+                                          </p:val>
+                                        </p:tav>
+                                        <p:tav tm="100000">
+                                          <p:val>
+                                            <p:strVal val="#ppt_y"/>
+                                          </p:val>
+                                        </p:tav>
+                                      </p:tavLst>
+                                    </p:anim>
+                                  </p:childTnLst>
+                                </p:cTn>
+                              </p:par>
+                            </p:childTnLst>
+                          </p:cTn>
+                        </p:par>
+                      </p:childTnLst>
+                    </p:cTn>
+                  </p:par>
                 </p:childTnLst>
               </p:cTn>
               <p:prevCondLst>
@@ -9850,11 +13488,14 @@
         </p:cTn>
       </p:par>
     </p:tnLst>
+    <p:bldLst>
+      <p:bldP spid="20" grpId="0"/>
+    </p:bldLst>
   </p:timing>
 </p:sld>
 </file>
 
-<file path=ppt/slides/slide4.xml><?xml version="1.0" encoding="utf-8"?>
+<file path=ppt/slides/slide7.xml><?xml version="1.0" encoding="utf-8"?>
 <p:sld xmlns:a="http://schemas.openxmlformats.org/drawingml/2006/main" xmlns:r="http://schemas.openxmlformats.org/officeDocument/2006/relationships" xmlns:p="http://schemas.openxmlformats.org/presentationml/2006/main">
   <p:cSld>
     <p:bg>
@@ -9881,7 +13522,7 @@
       </p:grpSpPr>
       <p:pic>
         <p:nvPicPr>
-          <p:cNvPr id="91" name="Picture 90">
+          <p:cNvPr id="171" name="Picture 170">
             <a:extLst>
               <a:ext uri="{FF2B5EF4-FFF2-40B4-BE49-F238E27FC236}">
                 <a16:creationId xmlns:a16="http://schemas.microsoft.com/office/drawing/2014/main" id="{41B68C77-138E-4BF7-A276-BD0C78A4219F}"/>
@@ -9925,7 +13566,7 @@
       </p:pic>
       <p:pic>
         <p:nvPicPr>
-          <p:cNvPr id="93" name="Picture 92">
+          <p:cNvPr id="173" name="Picture 172">
             <a:extLst>
               <a:ext uri="{FF2B5EF4-FFF2-40B4-BE49-F238E27FC236}">
                 <a16:creationId xmlns:a16="http://schemas.microsoft.com/office/drawing/2014/main" id="{7C268552-D473-46ED-B1B8-422042C4DEF1}"/>
@@ -9969,7 +13610,7 @@
       </p:pic>
       <p:sp>
         <p:nvSpPr>
-          <p:cNvPr id="95" name="Oval 94">
+          <p:cNvPr id="175" name="Oval 174">
             <a:extLst>
               <a:ext uri="{FF2B5EF4-FFF2-40B4-BE49-F238E27FC236}">
                 <a16:creationId xmlns:a16="http://schemas.microsoft.com/office/drawing/2014/main" id="{4AC0CD9D-7610-4620-93B4-798CCD9AB581}"/>
@@ -10049,7 +13690,7 @@
       </p:sp>
       <p:pic>
         <p:nvPicPr>
-          <p:cNvPr id="97" name="Picture 96">
+          <p:cNvPr id="177" name="Picture 176">
             <a:extLst>
               <a:ext uri="{FF2B5EF4-FFF2-40B4-BE49-F238E27FC236}">
                 <a16:creationId xmlns:a16="http://schemas.microsoft.com/office/drawing/2014/main" id="{B9238B3E-24AA-439A-B527-6C5DF6D72145}"/>
@@ -10093,7 +13734,7 @@
       </p:pic>
       <p:pic>
         <p:nvPicPr>
-          <p:cNvPr id="99" name="Picture 98">
+          <p:cNvPr id="179" name="Picture 178">
             <a:extLst>
               <a:ext uri="{FF2B5EF4-FFF2-40B4-BE49-F238E27FC236}">
                 <a16:creationId xmlns:a16="http://schemas.microsoft.com/office/drawing/2014/main" id="{69F01145-BEA3-4CBF-AA21-10077B948CA8}"/>
@@ -10137,7 +13778,7 @@
       </p:pic>
       <p:sp>
         <p:nvSpPr>
-          <p:cNvPr id="101" name="Rectangle 100">
+          <p:cNvPr id="181" name="Rectangle 180">
             <a:extLst>
               <a:ext uri="{FF2B5EF4-FFF2-40B4-BE49-F238E27FC236}">
                 <a16:creationId xmlns:a16="http://schemas.microsoft.com/office/drawing/2014/main" id="{DE4D62F9-188E-4530-84C2-24BDEE4BEB82}"/>
@@ -10190,7 +13831,7 @@
       </p:sp>
       <p:sp useBgFill="1">
         <p:nvSpPr>
-          <p:cNvPr id="103" name="Rectangle 102">
+          <p:cNvPr id="215" name="Rectangle 182">
             <a:extLst>
               <a:ext uri="{FF2B5EF4-FFF2-40B4-BE49-F238E27FC236}">
                 <a16:creationId xmlns:a16="http://schemas.microsoft.com/office/drawing/2014/main" id="{D27CF008-4B18-436D-B2D5-C1346C12438E}"/>
@@ -10250,7 +13891,7 @@
       </p:sp>
       <p:sp>
         <p:nvSpPr>
-          <p:cNvPr id="105" name="Rectangle 104">
+          <p:cNvPr id="185" name="Rectangle 184">
             <a:extLst>
               <a:ext uri="{FF2B5EF4-FFF2-40B4-BE49-F238E27FC236}">
                 <a16:creationId xmlns:a16="http://schemas.microsoft.com/office/drawing/2014/main" id="{CE22DAD8-5F67-4B73-ADA9-06EF381F7AD6}"/>
@@ -10303,7 +13944,7 @@
       </p:sp>
       <p:sp>
         <p:nvSpPr>
-          <p:cNvPr id="107" name="Freeform 16">
+          <p:cNvPr id="216" name="Freeform 16">
             <a:extLst>
               <a:ext uri="{FF2B5EF4-FFF2-40B4-BE49-F238E27FC236}">
                 <a16:creationId xmlns:a16="http://schemas.microsoft.com/office/drawing/2014/main" id="{E4F17063-EDA4-417B-946F-BA357F3B390D}"/>
@@ -10665,42 +14306,9 @@
           </a:p>
         </p:txBody>
       </p:sp>
-      <p:pic>
-        <p:nvPicPr>
-          <p:cNvPr id="42" name="Content Placeholder 41" descr="A screenshot of a social media post&#10;&#10;Description automatically generated">
-            <a:extLst>
-              <a:ext uri="{FF2B5EF4-FFF2-40B4-BE49-F238E27FC236}">
-                <a16:creationId xmlns:a16="http://schemas.microsoft.com/office/drawing/2014/main" id="{7C99DE49-7255-44EA-A738-C84BFBA059C2}"/>
-              </a:ext>
-            </a:extLst>
-          </p:cNvPr>
-          <p:cNvPicPr>
-            <a:picLocks noGrp="1" noChangeAspect="1"/>
-          </p:cNvPicPr>
-          <p:nvPr>
-            <p:ph sz="half" idx="2"/>
-          </p:nvPr>
-        </p:nvPicPr>
-        <p:blipFill>
-          <a:blip r:embed="rId6"/>
-          <a:stretch>
-            <a:fillRect/>
-          </a:stretch>
-        </p:blipFill>
-        <p:spPr>
-          <a:xfrm>
-            <a:off x="635458" y="640081"/>
-            <a:ext cx="9018751" cy="3291844"/>
-          </a:xfrm>
-          <a:prstGeom prst="rect">
-            <a:avLst/>
-          </a:prstGeom>
-          <a:effectLst/>
-        </p:spPr>
-      </p:pic>
-      <p:sp>
-        <p:nvSpPr>
-          <p:cNvPr id="109" name="Freeform: Shape 108">
+      <p:sp>
+        <p:nvSpPr>
+          <p:cNvPr id="217" name="Freeform: Shape 188">
             <a:extLst>
               <a:ext uri="{FF2B5EF4-FFF2-40B4-BE49-F238E27FC236}">
                 <a16:creationId xmlns:a16="http://schemas.microsoft.com/office/drawing/2014/main" id="{D36F3EEA-55D4-4677-80E7-92D00B8F343B}"/>
@@ -11195,1368 +14803,6 @@
       </p:sp>
       <p:sp>
         <p:nvSpPr>
-          <p:cNvPr id="43" name="TextBox 42">
-            <a:extLst>
-              <a:ext uri="{FF2B5EF4-FFF2-40B4-BE49-F238E27FC236}">
-                <a16:creationId xmlns:a16="http://schemas.microsoft.com/office/drawing/2014/main" id="{28EF2FF4-3B21-4958-838D-703682641A20}"/>
-              </a:ext>
-            </a:extLst>
-          </p:cNvPr>
-          <p:cNvSpPr txBox="1"/>
-          <p:nvPr/>
-        </p:nvSpPr>
-        <p:spPr>
-          <a:xfrm>
-            <a:off x="761205" y="5181600"/>
-            <a:ext cx="10781437" cy="646331"/>
-          </a:xfrm>
-          <a:prstGeom prst="rect">
-            <a:avLst/>
-          </a:prstGeom>
-          <a:noFill/>
-        </p:spPr>
-        <p:txBody>
-          <a:bodyPr wrap="square" rtlCol="0">
-            <a:spAutoFit/>
-          </a:bodyPr>
-          <a:lstStyle/>
-          <a:p>
-            <a:pPr marL="285750" indent="-285750">
-              <a:buFont typeface="Arial" panose="020B0604020202020204" pitchFamily="34" charset="0"/>
-              <a:buChar char="•"/>
-            </a:pPr>
-            <a:r>
-              <a:rPr lang="en-US" dirty="0">
-                <a:solidFill>
-                  <a:schemeClr val="bg1"/>
-                </a:solidFill>
-              </a:rPr>
-              <a:t>All of the top 10 sold items are game related like PS3, PS4, Xbox. However, Sony Play Station has the  highest amount of sales with more than 200 millions. </a:t>
-            </a:r>
-          </a:p>
-        </p:txBody>
-      </p:sp>
-    </p:spTree>
-    <p:extLst>
-      <p:ext uri="{BB962C8B-B14F-4D97-AF65-F5344CB8AC3E}">
-        <p14:creationId xmlns:p14="http://schemas.microsoft.com/office/powerpoint/2010/main" val="655870276"/>
-      </p:ext>
-    </p:extLst>
-  </p:cSld>
-  <p:clrMapOvr>
-    <a:overrideClrMapping bg1="lt1" tx1="dk1" bg2="lt2" tx2="dk2" accent1="accent1" accent2="accent2" accent3="accent3" accent4="accent4" accent5="accent5" accent6="accent6" hlink="hlink" folHlink="folHlink"/>
-  </p:clrMapOvr>
-</p:sld>
-</file>
-
-<file path=ppt/slides/slide5.xml><?xml version="1.0" encoding="utf-8"?>
-<p:sld xmlns:a="http://schemas.openxmlformats.org/drawingml/2006/main" xmlns:r="http://schemas.openxmlformats.org/officeDocument/2006/relationships" xmlns:p="http://schemas.openxmlformats.org/presentationml/2006/main">
-  <p:cSld>
-    <p:bg>
-      <p:bgPr>
-        <a:solidFill>
-          <a:schemeClr val="bg1"/>
-        </a:solidFill>
-        <a:effectLst/>
-      </p:bgPr>
-    </p:bg>
-    <p:spTree>
-      <p:nvGrpSpPr>
-        <p:cNvPr id="1" name=""/>
-        <p:cNvGrpSpPr/>
-        <p:nvPr/>
-      </p:nvGrpSpPr>
-      <p:grpSpPr>
-        <a:xfrm>
-          <a:off x="0" y="0"/>
-          <a:ext cx="0" cy="0"/>
-          <a:chOff x="0" y="0"/>
-          <a:chExt cx="0" cy="0"/>
-        </a:xfrm>
-      </p:grpSpPr>
-      <p:pic>
-        <p:nvPicPr>
-          <p:cNvPr id="171" name="Picture 170">
-            <a:extLst>
-              <a:ext uri="{FF2B5EF4-FFF2-40B4-BE49-F238E27FC236}">
-                <a16:creationId xmlns:a16="http://schemas.microsoft.com/office/drawing/2014/main" id="{41B68C77-138E-4BF7-A276-BD0C78A4219F}"/>
-              </a:ext>
-              <a:ext uri="{C183D7F6-B498-43B3-948B-1728B52AA6E4}">
-                <adec:decorative xmlns:adec="http://schemas.microsoft.com/office/drawing/2017/decorative" val="1"/>
-              </a:ext>
-            </a:extLst>
-          </p:cNvPr>
-          <p:cNvPicPr>
-            <a:picLocks noGrp="1" noRot="1" noChangeAspect="1" noMove="1" noResize="1" noEditPoints="1" noAdjustHandles="1" noChangeArrowheads="1" noChangeShapeType="1" noCrop="1"/>
-          </p:cNvPicPr>
-          <p:nvPr>
-            <p:extLst>
-              <p:ext uri="{386F3935-93C4-4BCD-93E2-E3B085C9AB24}">
-                <p16:designElem xmlns:p16="http://schemas.microsoft.com/office/powerpoint/2015/main" val="1"/>
-              </p:ext>
-            </p:extLst>
-          </p:nvPr>
-        </p:nvPicPr>
-        <p:blipFill rotWithShape="1">
-          <a:blip r:embed="rId2">
-            <a:extLst>
-              <a:ext uri="{28A0092B-C50C-407E-A947-70E740481C1C}">
-                <a14:useLocalDpi xmlns:a14="http://schemas.microsoft.com/office/drawing/2010/main" val="0"/>
-              </a:ext>
-            </a:extLst>
-          </a:blip>
-          <a:srcRect l="3613"/>
-          <a:stretch/>
-        </p:blipFill>
-        <p:spPr>
-          <a:xfrm>
-            <a:off x="0" y="2669685"/>
-            <a:ext cx="4037012" cy="4188315"/>
-          </a:xfrm>
-          <a:prstGeom prst="rect">
-            <a:avLst/>
-          </a:prstGeom>
-        </p:spPr>
-      </p:pic>
-      <p:pic>
-        <p:nvPicPr>
-          <p:cNvPr id="173" name="Picture 172">
-            <a:extLst>
-              <a:ext uri="{FF2B5EF4-FFF2-40B4-BE49-F238E27FC236}">
-                <a16:creationId xmlns:a16="http://schemas.microsoft.com/office/drawing/2014/main" id="{7C268552-D473-46ED-B1B8-422042C4DEF1}"/>
-              </a:ext>
-              <a:ext uri="{C183D7F6-B498-43B3-948B-1728B52AA6E4}">
-                <adec:decorative xmlns:adec="http://schemas.microsoft.com/office/drawing/2017/decorative" val="1"/>
-              </a:ext>
-            </a:extLst>
-          </p:cNvPr>
-          <p:cNvPicPr>
-            <a:picLocks noGrp="1" noRot="1" noChangeAspect="1" noMove="1" noResize="1" noEditPoints="1" noAdjustHandles="1" noChangeArrowheads="1" noChangeShapeType="1" noCrop="1"/>
-          </p:cNvPicPr>
-          <p:nvPr>
-            <p:extLst>
-              <p:ext uri="{386F3935-93C4-4BCD-93E2-E3B085C9AB24}">
-                <p16:designElem xmlns:p16="http://schemas.microsoft.com/office/powerpoint/2015/main" val="1"/>
-              </p:ext>
-            </p:extLst>
-          </p:nvPr>
-        </p:nvPicPr>
-        <p:blipFill rotWithShape="1">
-          <a:blip r:embed="rId3">
-            <a:extLst>
-              <a:ext uri="{28A0092B-C50C-407E-A947-70E740481C1C}">
-                <a14:useLocalDpi xmlns:a14="http://schemas.microsoft.com/office/drawing/2010/main" val="0"/>
-              </a:ext>
-            </a:extLst>
-          </a:blip>
-          <a:srcRect l="35640"/>
-          <a:stretch/>
-        </p:blipFill>
-        <p:spPr>
-          <a:xfrm>
-            <a:off x="0" y="2892347"/>
-            <a:ext cx="1522412" cy="2365453"/>
-          </a:xfrm>
-          <a:prstGeom prst="rect">
-            <a:avLst/>
-          </a:prstGeom>
-        </p:spPr>
-      </p:pic>
-      <p:sp>
-        <p:nvSpPr>
-          <p:cNvPr id="175" name="Oval 174">
-            <a:extLst>
-              <a:ext uri="{FF2B5EF4-FFF2-40B4-BE49-F238E27FC236}">
-                <a16:creationId xmlns:a16="http://schemas.microsoft.com/office/drawing/2014/main" id="{4AC0CD9D-7610-4620-93B4-798CCD9AB581}"/>
-              </a:ext>
-              <a:ext uri="{C183D7F6-B498-43B3-948B-1728B52AA6E4}">
-                <adec:decorative xmlns:adec="http://schemas.microsoft.com/office/drawing/2017/decorative" val="1"/>
-              </a:ext>
-            </a:extLst>
-          </p:cNvPr>
-          <p:cNvSpPr>
-            <a:spLocks noGrp="1" noRot="1" noChangeAspect="1" noMove="1" noResize="1" noEditPoints="1" noAdjustHandles="1" noChangeArrowheads="1" noChangeShapeType="1" noTextEdit="1"/>
-          </p:cNvSpPr>
-          <p:nvPr>
-            <p:extLst>
-              <p:ext uri="{386F3935-93C4-4BCD-93E2-E3B085C9AB24}">
-                <p16:designElem xmlns:p16="http://schemas.microsoft.com/office/powerpoint/2015/main" val="1"/>
-              </p:ext>
-            </p:extLst>
-          </p:nvPr>
-        </p:nvSpPr>
-        <p:spPr>
-          <a:xfrm>
-            <a:off x="8609012" y="1676400"/>
-            <a:ext cx="2819400" cy="2819400"/>
-          </a:xfrm>
-          <a:prstGeom prst="ellipse">
-            <a:avLst/>
-          </a:prstGeom>
-          <a:gradFill flip="none" rotWithShape="1">
-            <a:gsLst>
-              <a:gs pos="0">
-                <a:schemeClr val="bg2">
-                  <a:lumMod val="60000"/>
-                  <a:lumOff val="40000"/>
-                  <a:alpha val="7000"/>
-                </a:schemeClr>
-              </a:gs>
-              <a:gs pos="69000">
-                <a:schemeClr val="bg2">
-                  <a:lumMod val="60000"/>
-                  <a:lumOff val="40000"/>
-                  <a:alpha val="0"/>
-                </a:schemeClr>
-              </a:gs>
-              <a:gs pos="36000">
-                <a:schemeClr val="bg2">
-                  <a:lumMod val="60000"/>
-                  <a:lumOff val="40000"/>
-                  <a:alpha val="6000"/>
-                </a:schemeClr>
-              </a:gs>
-            </a:gsLst>
-            <a:path path="circle">
-              <a:fillToRect l="50000" t="50000" r="50000" b="50000"/>
-            </a:path>
-            <a:tileRect/>
-          </a:gradFill>
-          <a:ln>
-            <a:noFill/>
-          </a:ln>
-          <a:effectLst/>
-        </p:spPr>
-        <p:style>
-          <a:lnRef idx="1">
-            <a:schemeClr val="accent1"/>
-          </a:lnRef>
-          <a:fillRef idx="3">
-            <a:schemeClr val="accent1"/>
-          </a:fillRef>
-          <a:effectRef idx="2">
-            <a:schemeClr val="accent1"/>
-          </a:effectRef>
-          <a:fontRef idx="minor">
-            <a:schemeClr val="lt1"/>
-          </a:fontRef>
-        </p:style>
-      </p:sp>
-      <p:pic>
-        <p:nvPicPr>
-          <p:cNvPr id="177" name="Picture 176">
-            <a:extLst>
-              <a:ext uri="{FF2B5EF4-FFF2-40B4-BE49-F238E27FC236}">
-                <a16:creationId xmlns:a16="http://schemas.microsoft.com/office/drawing/2014/main" id="{B9238B3E-24AA-439A-B527-6C5DF6D72145}"/>
-              </a:ext>
-              <a:ext uri="{C183D7F6-B498-43B3-948B-1728B52AA6E4}">
-                <adec:decorative xmlns:adec="http://schemas.microsoft.com/office/drawing/2017/decorative" val="1"/>
-              </a:ext>
-            </a:extLst>
-          </p:cNvPr>
-          <p:cNvPicPr>
-            <a:picLocks noGrp="1" noRot="1" noChangeAspect="1" noMove="1" noResize="1" noEditPoints="1" noAdjustHandles="1" noChangeArrowheads="1" noChangeShapeType="1" noCrop="1"/>
-          </p:cNvPicPr>
-          <p:nvPr>
-            <p:extLst>
-              <p:ext uri="{386F3935-93C4-4BCD-93E2-E3B085C9AB24}">
-                <p16:designElem xmlns:p16="http://schemas.microsoft.com/office/powerpoint/2015/main" val="1"/>
-              </p:ext>
-            </p:extLst>
-          </p:nvPr>
-        </p:nvPicPr>
-        <p:blipFill rotWithShape="1">
-          <a:blip r:embed="rId4">
-            <a:extLst>
-              <a:ext uri="{28A0092B-C50C-407E-A947-70E740481C1C}">
-                <a14:useLocalDpi xmlns:a14="http://schemas.microsoft.com/office/drawing/2010/main" val="0"/>
-              </a:ext>
-            </a:extLst>
-          </a:blip>
-          <a:srcRect t="28813"/>
-          <a:stretch/>
-        </p:blipFill>
-        <p:spPr>
-          <a:xfrm>
-            <a:off x="7999412" y="0"/>
-            <a:ext cx="1603387" cy="1141407"/>
-          </a:xfrm>
-          <a:prstGeom prst="rect">
-            <a:avLst/>
-          </a:prstGeom>
-        </p:spPr>
-      </p:pic>
-      <p:pic>
-        <p:nvPicPr>
-          <p:cNvPr id="179" name="Picture 178">
-            <a:extLst>
-              <a:ext uri="{FF2B5EF4-FFF2-40B4-BE49-F238E27FC236}">
-                <a16:creationId xmlns:a16="http://schemas.microsoft.com/office/drawing/2014/main" id="{69F01145-BEA3-4CBF-AA21-10077B948CA8}"/>
-              </a:ext>
-              <a:ext uri="{C183D7F6-B498-43B3-948B-1728B52AA6E4}">
-                <adec:decorative xmlns:adec="http://schemas.microsoft.com/office/drawing/2017/decorative" val="1"/>
-              </a:ext>
-            </a:extLst>
-          </p:cNvPr>
-          <p:cNvPicPr>
-            <a:picLocks noGrp="1" noRot="1" noChangeAspect="1" noMove="1" noResize="1" noEditPoints="1" noAdjustHandles="1" noChangeArrowheads="1" noChangeShapeType="1" noCrop="1"/>
-          </p:cNvPicPr>
-          <p:nvPr>
-            <p:extLst>
-              <p:ext uri="{386F3935-93C4-4BCD-93E2-E3B085C9AB24}">
-                <p16:designElem xmlns:p16="http://schemas.microsoft.com/office/powerpoint/2015/main" val="1"/>
-              </p:ext>
-            </p:extLst>
-          </p:nvPr>
-        </p:nvPicPr>
-        <p:blipFill rotWithShape="1">
-          <a:blip r:embed="rId5">
-            <a:extLst>
-              <a:ext uri="{28A0092B-C50C-407E-A947-70E740481C1C}">
-                <a14:useLocalDpi xmlns:a14="http://schemas.microsoft.com/office/drawing/2010/main" val="0"/>
-              </a:ext>
-            </a:extLst>
-          </a:blip>
-          <a:srcRect b="23320"/>
-          <a:stretch/>
-        </p:blipFill>
-        <p:spPr>
-          <a:xfrm>
-            <a:off x="8605878" y="6096000"/>
-            <a:ext cx="993734" cy="762000"/>
-          </a:xfrm>
-          <a:prstGeom prst="rect">
-            <a:avLst/>
-          </a:prstGeom>
-        </p:spPr>
-      </p:pic>
-      <p:sp>
-        <p:nvSpPr>
-          <p:cNvPr id="181" name="Rectangle 180">
-            <a:extLst>
-              <a:ext uri="{FF2B5EF4-FFF2-40B4-BE49-F238E27FC236}">
-                <a16:creationId xmlns:a16="http://schemas.microsoft.com/office/drawing/2014/main" id="{DE4D62F9-188E-4530-84C2-24BDEE4BEB82}"/>
-              </a:ext>
-              <a:ext uri="{C183D7F6-B498-43B3-948B-1728B52AA6E4}">
-                <adec:decorative xmlns:adec="http://schemas.microsoft.com/office/drawing/2017/decorative" val="1"/>
-              </a:ext>
-            </a:extLst>
-          </p:cNvPr>
-          <p:cNvSpPr>
-            <a:spLocks noGrp="1" noRot="1" noChangeAspect="1" noMove="1" noResize="1" noEditPoints="1" noAdjustHandles="1" noChangeArrowheads="1" noChangeShapeType="1" noTextEdit="1"/>
-          </p:cNvSpPr>
-          <p:nvPr>
-            <p:extLst>
-              <p:ext uri="{386F3935-93C4-4BCD-93E2-E3B085C9AB24}">
-                <p16:designElem xmlns:p16="http://schemas.microsoft.com/office/powerpoint/2015/main" val="1"/>
-              </p:ext>
-            </p:extLst>
-          </p:nvPr>
-        </p:nvSpPr>
-        <p:spPr>
-          <a:xfrm>
-            <a:off x="10437812" y="0"/>
-            <a:ext cx="685800" cy="1143000"/>
-          </a:xfrm>
-          <a:prstGeom prst="rect">
-            <a:avLst/>
-          </a:prstGeom>
-          <a:solidFill>
-            <a:schemeClr val="accent1"/>
-          </a:solidFill>
-          <a:ln>
-            <a:noFill/>
-          </a:ln>
-        </p:spPr>
-        <p:style>
-          <a:lnRef idx="1">
-            <a:schemeClr val="accent1"/>
-          </a:lnRef>
-          <a:fillRef idx="3">
-            <a:schemeClr val="accent1"/>
-          </a:fillRef>
-          <a:effectRef idx="2">
-            <a:schemeClr val="accent1"/>
-          </a:effectRef>
-          <a:fontRef idx="minor">
-            <a:schemeClr val="lt1"/>
-          </a:fontRef>
-        </p:style>
-      </p:sp>
-      <p:sp useBgFill="1">
-        <p:nvSpPr>
-          <p:cNvPr id="215" name="Rectangle 182">
-            <a:extLst>
-              <a:ext uri="{FF2B5EF4-FFF2-40B4-BE49-F238E27FC236}">
-                <a16:creationId xmlns:a16="http://schemas.microsoft.com/office/drawing/2014/main" id="{D27CF008-4B18-436D-B2D5-C1346C12438E}"/>
-              </a:ext>
-              <a:ext uri="{C183D7F6-B498-43B3-948B-1728B52AA6E4}">
-                <adec:decorative xmlns:adec="http://schemas.microsoft.com/office/drawing/2017/decorative" val="1"/>
-              </a:ext>
-            </a:extLst>
-          </p:cNvPr>
-          <p:cNvSpPr>
-            <a:spLocks noGrp="1" noRot="1" noChangeAspect="1" noMove="1" noResize="1" noEditPoints="1" noAdjustHandles="1" noChangeArrowheads="1" noChangeShapeType="1" noTextEdit="1"/>
-          </p:cNvSpPr>
-          <p:nvPr>
-            <p:extLst>
-              <p:ext uri="{386F3935-93C4-4BCD-93E2-E3B085C9AB24}">
-                <p16:designElem xmlns:p16="http://schemas.microsoft.com/office/powerpoint/2015/main" val="1"/>
-              </p:ext>
-            </p:extLst>
-          </p:nvPr>
-        </p:nvSpPr>
-        <p:spPr>
-          <a:xfrm>
-            <a:off x="0" y="-5"/>
-            <a:ext cx="12191695" cy="4730744"/>
-          </a:xfrm>
-          <a:prstGeom prst="rect">
-            <a:avLst/>
-          </a:prstGeom>
-          <a:ln>
-            <a:noFill/>
-          </a:ln>
-        </p:spPr>
-        <p:style>
-          <a:lnRef idx="2">
-            <a:schemeClr val="accent1">
-              <a:shade val="50000"/>
-            </a:schemeClr>
-          </a:lnRef>
-          <a:fillRef idx="1">
-            <a:schemeClr val="accent1"/>
-          </a:fillRef>
-          <a:effectRef idx="0">
-            <a:schemeClr val="accent1"/>
-          </a:effectRef>
-          <a:fontRef idx="minor">
-            <a:schemeClr val="lt1"/>
-          </a:fontRef>
-        </p:style>
-        <p:txBody>
-          <a:bodyPr rtlCol="0" anchor="ctr"/>
-          <a:lstStyle/>
-          <a:p>
-            <a:pPr algn="ctr"/>
-            <a:endParaRPr lang="en-US"/>
-          </a:p>
-        </p:txBody>
-      </p:sp>
-      <p:sp>
-        <p:nvSpPr>
-          <p:cNvPr id="185" name="Rectangle 184">
-            <a:extLst>
-              <a:ext uri="{FF2B5EF4-FFF2-40B4-BE49-F238E27FC236}">
-                <a16:creationId xmlns:a16="http://schemas.microsoft.com/office/drawing/2014/main" id="{CE22DAD8-5F67-4B73-ADA9-06EF381F7AD6}"/>
-              </a:ext>
-              <a:ext uri="{C183D7F6-B498-43B3-948B-1728B52AA6E4}">
-                <adec:decorative xmlns:adec="http://schemas.microsoft.com/office/drawing/2017/decorative" val="1"/>
-              </a:ext>
-            </a:extLst>
-          </p:cNvPr>
-          <p:cNvSpPr>
-            <a:spLocks noGrp="1" noRot="1" noChangeAspect="1" noMove="1" noResize="1" noEditPoints="1" noAdjustHandles="1" noChangeArrowheads="1" noChangeShapeType="1" noTextEdit="1"/>
-          </p:cNvSpPr>
-          <p:nvPr>
-            <p:extLst>
-              <p:ext uri="{386F3935-93C4-4BCD-93E2-E3B085C9AB24}">
-                <p16:designElem xmlns:p16="http://schemas.microsoft.com/office/powerpoint/2015/main" val="1"/>
-              </p:ext>
-            </p:extLst>
-          </p:nvPr>
-        </p:nvSpPr>
-        <p:spPr>
-          <a:xfrm>
-            <a:off x="10437812" y="0"/>
-            <a:ext cx="685800" cy="1143000"/>
-          </a:xfrm>
-          <a:prstGeom prst="rect">
-            <a:avLst/>
-          </a:prstGeom>
-          <a:solidFill>
-            <a:schemeClr val="accent1"/>
-          </a:solidFill>
-          <a:ln>
-            <a:noFill/>
-          </a:ln>
-        </p:spPr>
-        <p:style>
-          <a:lnRef idx="1">
-            <a:schemeClr val="accent1"/>
-          </a:lnRef>
-          <a:fillRef idx="3">
-            <a:schemeClr val="accent1"/>
-          </a:fillRef>
-          <a:effectRef idx="2">
-            <a:schemeClr val="accent1"/>
-          </a:effectRef>
-          <a:fontRef idx="minor">
-            <a:schemeClr val="lt1"/>
-          </a:fontRef>
-        </p:style>
-      </p:sp>
-      <p:sp>
-        <p:nvSpPr>
-          <p:cNvPr id="216" name="Freeform 16">
-            <a:extLst>
-              <a:ext uri="{FF2B5EF4-FFF2-40B4-BE49-F238E27FC236}">
-                <a16:creationId xmlns:a16="http://schemas.microsoft.com/office/drawing/2014/main" id="{E4F17063-EDA4-417B-946F-BA357F3B390D}"/>
-              </a:ext>
-              <a:ext uri="{C183D7F6-B498-43B3-948B-1728B52AA6E4}">
-                <adec:decorative xmlns:adec="http://schemas.microsoft.com/office/drawing/2017/decorative" val="1"/>
-              </a:ext>
-            </a:extLst>
-          </p:cNvPr>
-          <p:cNvSpPr>
-            <a:spLocks noGrp="1" noRot="1" noChangeAspect="1" noMove="1" noResize="1" noEditPoints="1" noAdjustHandles="1" noChangeArrowheads="1" noChangeShapeType="1" noTextEdit="1"/>
-          </p:cNvSpPr>
-          <p:nvPr>
-            <p:extLst>
-              <p:ext uri="{386F3935-93C4-4BCD-93E2-E3B085C9AB24}">
-                <p16:designElem xmlns:p16="http://schemas.microsoft.com/office/powerpoint/2015/main" val="1"/>
-              </p:ext>
-            </p:extLst>
-          </p:nvPr>
-        </p:nvSpPr>
-        <p:spPr>
-          <a:xfrm>
-            <a:off x="8719939" y="3753695"/>
-            <a:ext cx="3472060" cy="825932"/>
-          </a:xfrm>
-          <a:custGeom>
-            <a:avLst/>
-            <a:gdLst>
-              <a:gd name="connsiteX0" fmla="*/ 3470310 w 3472060"/>
-              <a:gd name="connsiteY0" fmla="*/ 0 h 825932"/>
-              <a:gd name="connsiteX1" fmla="*/ 3472060 w 3472060"/>
-              <a:gd name="connsiteY1" fmla="*/ 12850 h 825932"/>
-              <a:gd name="connsiteX2" fmla="*/ 3472060 w 3472060"/>
-              <a:gd name="connsiteY2" fmla="*/ 480529 h 825932"/>
-              <a:gd name="connsiteX3" fmla="*/ 3363699 w 3472060"/>
-              <a:gd name="connsiteY3" fmla="*/ 498471 h 825932"/>
-              <a:gd name="connsiteX4" fmla="*/ 42060 w 3472060"/>
-              <a:gd name="connsiteY4" fmla="*/ 824486 h 825932"/>
-              <a:gd name="connsiteX5" fmla="*/ 0 w 3472060"/>
-              <a:gd name="connsiteY5" fmla="*/ 758452 h 825932"/>
-              <a:gd name="connsiteX6" fmla="*/ 188014 w 3472060"/>
-              <a:gd name="connsiteY6" fmla="*/ 735602 h 825932"/>
-              <a:gd name="connsiteX7" fmla="*/ 284087 w 3472060"/>
-              <a:gd name="connsiteY7" fmla="*/ 722590 h 825932"/>
-              <a:gd name="connsiteX8" fmla="*/ 382288 w 3472060"/>
-              <a:gd name="connsiteY8" fmla="*/ 709392 h 825932"/>
-              <a:gd name="connsiteX9" fmla="*/ 481858 w 3472060"/>
-              <a:gd name="connsiteY9" fmla="*/ 695774 h 825932"/>
-              <a:gd name="connsiteX10" fmla="*/ 581897 w 3472060"/>
-              <a:gd name="connsiteY10" fmla="*/ 680711 h 825932"/>
-              <a:gd name="connsiteX11" fmla="*/ 683670 w 3472060"/>
-              <a:gd name="connsiteY11" fmla="*/ 665256 h 825932"/>
-              <a:gd name="connsiteX12" fmla="*/ 787206 w 3472060"/>
-              <a:gd name="connsiteY12" fmla="*/ 649587 h 825932"/>
-              <a:gd name="connsiteX13" fmla="*/ 892019 w 3472060"/>
-              <a:gd name="connsiteY13" fmla="*/ 632968 h 825932"/>
-              <a:gd name="connsiteX14" fmla="*/ 997620 w 3472060"/>
-              <a:gd name="connsiteY14" fmla="*/ 614667 h 825932"/>
-              <a:gd name="connsiteX15" fmla="*/ 1104727 w 3472060"/>
-              <a:gd name="connsiteY15" fmla="*/ 596741 h 825932"/>
-              <a:gd name="connsiteX16" fmla="*/ 1212669 w 3472060"/>
-              <a:gd name="connsiteY16" fmla="*/ 577397 h 825932"/>
-              <a:gd name="connsiteX17" fmla="*/ 1321506 w 3472060"/>
-              <a:gd name="connsiteY17" fmla="*/ 556988 h 825932"/>
-              <a:gd name="connsiteX18" fmla="*/ 1430709 w 3472060"/>
-              <a:gd name="connsiteY18" fmla="*/ 536607 h 825932"/>
-              <a:gd name="connsiteX19" fmla="*/ 1541050 w 3472060"/>
-              <a:gd name="connsiteY19" fmla="*/ 514481 h 825932"/>
-              <a:gd name="connsiteX20" fmla="*/ 1652805 w 3472060"/>
-              <a:gd name="connsiteY20" fmla="*/ 492202 h 825932"/>
-              <a:gd name="connsiteX21" fmla="*/ 1763708 w 3472060"/>
-              <a:gd name="connsiteY21" fmla="*/ 469161 h 825932"/>
-              <a:gd name="connsiteX22" fmla="*/ 1875795 w 3472060"/>
-              <a:gd name="connsiteY22" fmla="*/ 444641 h 825932"/>
-              <a:gd name="connsiteX23" fmla="*/ 1989128 w 3472060"/>
-              <a:gd name="connsiteY23" fmla="*/ 418995 h 825932"/>
-              <a:gd name="connsiteX24" fmla="*/ 2102476 w 3472060"/>
-              <a:gd name="connsiteY24" fmla="*/ 393438 h 825932"/>
-              <a:gd name="connsiteX25" fmla="*/ 2215549 w 3472060"/>
-              <a:gd name="connsiteY25" fmla="*/ 366291 h 825932"/>
-              <a:gd name="connsiteX26" fmla="*/ 2330490 w 3472060"/>
-              <a:gd name="connsiteY26" fmla="*/ 337455 h 825932"/>
-              <a:gd name="connsiteX27" fmla="*/ 2443333 w 3472060"/>
-              <a:gd name="connsiteY27" fmla="*/ 308983 h 825932"/>
-              <a:gd name="connsiteX28" fmla="*/ 2558014 w 3472060"/>
-              <a:gd name="connsiteY28" fmla="*/ 278646 h 825932"/>
-              <a:gd name="connsiteX29" fmla="*/ 2673621 w 3472060"/>
-              <a:gd name="connsiteY29" fmla="*/ 247421 h 825932"/>
-              <a:gd name="connsiteX30" fmla="*/ 2787008 w 3472060"/>
-              <a:gd name="connsiteY30" fmla="*/ 215853 h 825932"/>
-              <a:gd name="connsiteX31" fmla="*/ 2901442 w 3472060"/>
-              <a:gd name="connsiteY31" fmla="*/ 182011 h 825932"/>
-              <a:gd name="connsiteX32" fmla="*/ 3015722 w 3472060"/>
-              <a:gd name="connsiteY32" fmla="*/ 147286 h 825932"/>
-              <a:gd name="connsiteX33" fmla="*/ 3130018 w 3472060"/>
-              <a:gd name="connsiteY33" fmla="*/ 112649 h 825932"/>
-              <a:gd name="connsiteX34" fmla="*/ 3243551 w 3472060"/>
-              <a:gd name="connsiteY34" fmla="*/ 75688 h 825932"/>
-              <a:gd name="connsiteX35" fmla="*/ 3356992 w 3472060"/>
-              <a:gd name="connsiteY35" fmla="*/ 38197 h 825932"/>
-              <a:gd name="connsiteX36" fmla="*/ 3470310 w 3472060"/>
-              <a:gd name="connsiteY36" fmla="*/ 0 h 825932"/>
-            </a:gdLst>
-            <a:ahLst/>
-            <a:cxnLst>
-              <a:cxn ang="0">
-                <a:pos x="connsiteX0" y="connsiteY0"/>
-              </a:cxn>
-              <a:cxn ang="0">
-                <a:pos x="connsiteX1" y="connsiteY1"/>
-              </a:cxn>
-              <a:cxn ang="0">
-                <a:pos x="connsiteX2" y="connsiteY2"/>
-              </a:cxn>
-              <a:cxn ang="0">
-                <a:pos x="connsiteX3" y="connsiteY3"/>
-              </a:cxn>
-              <a:cxn ang="0">
-                <a:pos x="connsiteX4" y="connsiteY4"/>
-              </a:cxn>
-              <a:cxn ang="0">
-                <a:pos x="connsiteX5" y="connsiteY5"/>
-              </a:cxn>
-              <a:cxn ang="0">
-                <a:pos x="connsiteX6" y="connsiteY6"/>
-              </a:cxn>
-              <a:cxn ang="0">
-                <a:pos x="connsiteX7" y="connsiteY7"/>
-              </a:cxn>
-              <a:cxn ang="0">
-                <a:pos x="connsiteX8" y="connsiteY8"/>
-              </a:cxn>
-              <a:cxn ang="0">
-                <a:pos x="connsiteX9" y="connsiteY9"/>
-              </a:cxn>
-              <a:cxn ang="0">
-                <a:pos x="connsiteX10" y="connsiteY10"/>
-              </a:cxn>
-              <a:cxn ang="0">
-                <a:pos x="connsiteX11" y="connsiteY11"/>
-              </a:cxn>
-              <a:cxn ang="0">
-                <a:pos x="connsiteX12" y="connsiteY12"/>
-              </a:cxn>
-              <a:cxn ang="0">
-                <a:pos x="connsiteX13" y="connsiteY13"/>
-              </a:cxn>
-              <a:cxn ang="0">
-                <a:pos x="connsiteX14" y="connsiteY14"/>
-              </a:cxn>
-              <a:cxn ang="0">
-                <a:pos x="connsiteX15" y="connsiteY15"/>
-              </a:cxn>
-              <a:cxn ang="0">
-                <a:pos x="connsiteX16" y="connsiteY16"/>
-              </a:cxn>
-              <a:cxn ang="0">
-                <a:pos x="connsiteX17" y="connsiteY17"/>
-              </a:cxn>
-              <a:cxn ang="0">
-                <a:pos x="connsiteX18" y="connsiteY18"/>
-              </a:cxn>
-              <a:cxn ang="0">
-                <a:pos x="connsiteX19" y="connsiteY19"/>
-              </a:cxn>
-              <a:cxn ang="0">
-                <a:pos x="connsiteX20" y="connsiteY20"/>
-              </a:cxn>
-              <a:cxn ang="0">
-                <a:pos x="connsiteX21" y="connsiteY21"/>
-              </a:cxn>
-              <a:cxn ang="0">
-                <a:pos x="connsiteX22" y="connsiteY22"/>
-              </a:cxn>
-              <a:cxn ang="0">
-                <a:pos x="connsiteX23" y="connsiteY23"/>
-              </a:cxn>
-              <a:cxn ang="0">
-                <a:pos x="connsiteX24" y="connsiteY24"/>
-              </a:cxn>
-              <a:cxn ang="0">
-                <a:pos x="connsiteX25" y="connsiteY25"/>
-              </a:cxn>
-              <a:cxn ang="0">
-                <a:pos x="connsiteX26" y="connsiteY26"/>
-              </a:cxn>
-              <a:cxn ang="0">
-                <a:pos x="connsiteX27" y="connsiteY27"/>
-              </a:cxn>
-              <a:cxn ang="0">
-                <a:pos x="connsiteX28" y="connsiteY28"/>
-              </a:cxn>
-              <a:cxn ang="0">
-                <a:pos x="connsiteX29" y="connsiteY29"/>
-              </a:cxn>
-              <a:cxn ang="0">
-                <a:pos x="connsiteX30" y="connsiteY30"/>
-              </a:cxn>
-              <a:cxn ang="0">
-                <a:pos x="connsiteX31" y="connsiteY31"/>
-              </a:cxn>
-              <a:cxn ang="0">
-                <a:pos x="connsiteX32" y="connsiteY32"/>
-              </a:cxn>
-              <a:cxn ang="0">
-                <a:pos x="connsiteX33" y="connsiteY33"/>
-              </a:cxn>
-              <a:cxn ang="0">
-                <a:pos x="connsiteX34" y="connsiteY34"/>
-              </a:cxn>
-              <a:cxn ang="0">
-                <a:pos x="connsiteX35" y="connsiteY35"/>
-              </a:cxn>
-              <a:cxn ang="0">
-                <a:pos x="connsiteX36" y="connsiteY36"/>
-              </a:cxn>
-            </a:cxnLst>
-            <a:rect l="l" t="t" r="r" b="b"/>
-            <a:pathLst>
-              <a:path w="3472060" h="825932">
-                <a:moveTo>
-                  <a:pt x="3470310" y="0"/>
-                </a:moveTo>
-                <a:lnTo>
-                  <a:pt x="3472060" y="12850"/>
-                </a:lnTo>
-                <a:lnTo>
-                  <a:pt x="3472060" y="480529"/>
-                </a:lnTo>
-                <a:lnTo>
-                  <a:pt x="3363699" y="498471"/>
-                </a:lnTo>
-                <a:cubicBezTo>
-                  <a:pt x="2435623" y="645518"/>
-                  <a:pt x="603076" y="844866"/>
-                  <a:pt x="42060" y="824486"/>
-                </a:cubicBezTo>
-                <a:cubicBezTo>
-                  <a:pt x="28151" y="802425"/>
-                  <a:pt x="13909" y="780513"/>
-                  <a:pt x="0" y="758452"/>
-                </a:cubicBezTo>
-                <a:lnTo>
-                  <a:pt x="188014" y="735602"/>
-                </a:lnTo>
-                <a:lnTo>
-                  <a:pt x="284087" y="722590"/>
-                </a:lnTo>
-                <a:lnTo>
-                  <a:pt x="382288" y="709392"/>
-                </a:lnTo>
-                <a:lnTo>
-                  <a:pt x="481858" y="695774"/>
-                </a:lnTo>
-                <a:lnTo>
-                  <a:pt x="581897" y="680711"/>
-                </a:lnTo>
-                <a:lnTo>
-                  <a:pt x="683670" y="665256"/>
-                </a:lnTo>
-                <a:lnTo>
-                  <a:pt x="787206" y="649587"/>
-                </a:lnTo>
-                <a:lnTo>
-                  <a:pt x="892019" y="632968"/>
-                </a:lnTo>
-                <a:lnTo>
-                  <a:pt x="997620" y="614667"/>
-                </a:lnTo>
-                <a:lnTo>
-                  <a:pt x="1104727" y="596741"/>
-                </a:lnTo>
-                <a:lnTo>
-                  <a:pt x="1212669" y="577397"/>
-                </a:lnTo>
-                <a:lnTo>
-                  <a:pt x="1321506" y="556988"/>
-                </a:lnTo>
-                <a:lnTo>
-                  <a:pt x="1430709" y="536607"/>
-                </a:lnTo>
-                <a:lnTo>
-                  <a:pt x="1541050" y="514481"/>
-                </a:lnTo>
-                <a:lnTo>
-                  <a:pt x="1652805" y="492202"/>
-                </a:lnTo>
-                <a:lnTo>
-                  <a:pt x="1763708" y="469161"/>
-                </a:lnTo>
-                <a:lnTo>
-                  <a:pt x="1875795" y="444641"/>
-                </a:lnTo>
-                <a:lnTo>
-                  <a:pt x="1989128" y="418995"/>
-                </a:lnTo>
-                <a:lnTo>
-                  <a:pt x="2102476" y="393438"/>
-                </a:lnTo>
-                <a:lnTo>
-                  <a:pt x="2215549" y="366291"/>
-                </a:lnTo>
-                <a:lnTo>
-                  <a:pt x="2330490" y="337455"/>
-                </a:lnTo>
-                <a:lnTo>
-                  <a:pt x="2443333" y="308983"/>
-                </a:lnTo>
-                <a:lnTo>
-                  <a:pt x="2558014" y="278646"/>
-                </a:lnTo>
-                <a:lnTo>
-                  <a:pt x="2673621" y="247421"/>
-                </a:lnTo>
-                <a:lnTo>
-                  <a:pt x="2787008" y="215853"/>
-                </a:lnTo>
-                <a:lnTo>
-                  <a:pt x="2901442" y="182011"/>
-                </a:lnTo>
-                <a:lnTo>
-                  <a:pt x="3015722" y="147286"/>
-                </a:lnTo>
-                <a:lnTo>
-                  <a:pt x="3130018" y="112649"/>
-                </a:lnTo>
-                <a:lnTo>
-                  <a:pt x="3243551" y="75688"/>
-                </a:lnTo>
-                <a:lnTo>
-                  <a:pt x="3356992" y="38197"/>
-                </a:lnTo>
-                <a:lnTo>
-                  <a:pt x="3470310" y="0"/>
-                </a:lnTo>
-                <a:close/>
-              </a:path>
-            </a:pathLst>
-          </a:custGeom>
-          <a:solidFill>
-            <a:schemeClr val="tx2">
-              <a:alpha val="20000"/>
-            </a:schemeClr>
-          </a:solidFill>
-          <a:ln>
-            <a:noFill/>
-          </a:ln>
-        </p:spPr>
-        <p:txBody>
-          <a:bodyPr rtlCol="0" anchor="ctr"/>
-          <a:lstStyle/>
-          <a:p>
-            <a:pPr algn="ctr"/>
-            <a:endParaRPr lang="en-US">
-              <a:solidFill>
-                <a:schemeClr val="tx1"/>
-              </a:solidFill>
-            </a:endParaRPr>
-          </a:p>
-        </p:txBody>
-      </p:sp>
-      <p:sp>
-        <p:nvSpPr>
-          <p:cNvPr id="217" name="Freeform: Shape 188">
-            <a:extLst>
-              <a:ext uri="{FF2B5EF4-FFF2-40B4-BE49-F238E27FC236}">
-                <a16:creationId xmlns:a16="http://schemas.microsoft.com/office/drawing/2014/main" id="{D36F3EEA-55D4-4677-80E7-92D00B8F343B}"/>
-              </a:ext>
-              <a:ext uri="{C183D7F6-B498-43B3-948B-1728B52AA6E4}">
-                <adec:decorative xmlns:adec="http://schemas.microsoft.com/office/drawing/2017/decorative" val="1"/>
-              </a:ext>
-            </a:extLst>
-          </p:cNvPr>
-          <p:cNvSpPr>
-            <a:spLocks noGrp="1" noRot="1" noChangeAspect="1" noMove="1" noResize="1" noEditPoints="1" noAdjustHandles="1" noChangeArrowheads="1" noChangeShapeType="1" noTextEdit="1"/>
-          </p:cNvSpPr>
-          <p:nvPr>
-            <p:extLst>
-              <p:ext uri="{386F3935-93C4-4BCD-93E2-E3B085C9AB24}">
-                <p16:designElem xmlns:p16="http://schemas.microsoft.com/office/powerpoint/2015/main" val="1"/>
-              </p:ext>
-            </p:extLst>
-          </p:nvPr>
-        </p:nvSpPr>
-        <p:spPr>
-          <a:xfrm>
-            <a:off x="0" y="4055533"/>
-            <a:ext cx="12192000" cy="2802467"/>
-          </a:xfrm>
-          <a:custGeom>
-            <a:avLst/>
-            <a:gdLst>
-              <a:gd name="connsiteX0" fmla="*/ 1 w 12192000"/>
-              <a:gd name="connsiteY0" fmla="*/ 0 h 2802467"/>
-              <a:gd name="connsiteX1" fmla="*/ 71932 w 12192000"/>
-              <a:gd name="connsiteY1" fmla="*/ 12261 h 2802467"/>
-              <a:gd name="connsiteX2" fmla="*/ 282848 w 12192000"/>
-              <a:gd name="connsiteY2" fmla="*/ 48342 h 2802467"/>
-              <a:gd name="connsiteX3" fmla="*/ 436464 w 12192000"/>
-              <a:gd name="connsiteY3" fmla="*/ 73565 h 2802467"/>
-              <a:gd name="connsiteX4" fmla="*/ 619339 w 12192000"/>
-              <a:gd name="connsiteY4" fmla="*/ 100188 h 2802467"/>
-              <a:gd name="connsiteX5" fmla="*/ 836351 w 12192000"/>
-              <a:gd name="connsiteY5" fmla="*/ 132066 h 2802467"/>
-              <a:gd name="connsiteX6" fmla="*/ 1076528 w 12192000"/>
-              <a:gd name="connsiteY6" fmla="*/ 165696 h 2802467"/>
-              <a:gd name="connsiteX7" fmla="*/ 1347183 w 12192000"/>
-              <a:gd name="connsiteY7" fmla="*/ 201077 h 2802467"/>
-              <a:gd name="connsiteX8" fmla="*/ 1642223 w 12192000"/>
-              <a:gd name="connsiteY8" fmla="*/ 238560 h 2802467"/>
-              <a:gd name="connsiteX9" fmla="*/ 1962864 w 12192000"/>
-              <a:gd name="connsiteY9" fmla="*/ 276043 h 2802467"/>
-              <a:gd name="connsiteX10" fmla="*/ 2304232 w 12192000"/>
-              <a:gd name="connsiteY10" fmla="*/ 314226 h 2802467"/>
-              <a:gd name="connsiteX11" fmla="*/ 2672421 w 12192000"/>
-              <a:gd name="connsiteY11" fmla="*/ 349608 h 2802467"/>
-              <a:gd name="connsiteX12" fmla="*/ 3057678 w 12192000"/>
-              <a:gd name="connsiteY12" fmla="*/ 383587 h 2802467"/>
-              <a:gd name="connsiteX13" fmla="*/ 3464881 w 12192000"/>
-              <a:gd name="connsiteY13" fmla="*/ 414415 h 2802467"/>
-              <a:gd name="connsiteX14" fmla="*/ 3889152 w 12192000"/>
-              <a:gd name="connsiteY14" fmla="*/ 443840 h 2802467"/>
-              <a:gd name="connsiteX15" fmla="*/ 4331710 w 12192000"/>
-              <a:gd name="connsiteY15" fmla="*/ 471515 h 2802467"/>
-              <a:gd name="connsiteX16" fmla="*/ 4558476 w 12192000"/>
-              <a:gd name="connsiteY16" fmla="*/ 481323 h 2802467"/>
-              <a:gd name="connsiteX17" fmla="*/ 4790118 w 12192000"/>
-              <a:gd name="connsiteY17" fmla="*/ 492183 h 2802467"/>
-              <a:gd name="connsiteX18" fmla="*/ 5025418 w 12192000"/>
-              <a:gd name="connsiteY18" fmla="*/ 502342 h 2802467"/>
-              <a:gd name="connsiteX19" fmla="*/ 5261937 w 12192000"/>
-              <a:gd name="connsiteY19" fmla="*/ 508998 h 2802467"/>
-              <a:gd name="connsiteX20" fmla="*/ 5503332 w 12192000"/>
-              <a:gd name="connsiteY20" fmla="*/ 514953 h 2802467"/>
-              <a:gd name="connsiteX21" fmla="*/ 5747166 w 12192000"/>
-              <a:gd name="connsiteY21" fmla="*/ 521259 h 2802467"/>
-              <a:gd name="connsiteX22" fmla="*/ 5995877 w 12192000"/>
-              <a:gd name="connsiteY22" fmla="*/ 525462 h 2802467"/>
-              <a:gd name="connsiteX23" fmla="*/ 6247026 w 12192000"/>
-              <a:gd name="connsiteY23" fmla="*/ 525462 h 2802467"/>
-              <a:gd name="connsiteX24" fmla="*/ 6500613 w 12192000"/>
-              <a:gd name="connsiteY24" fmla="*/ 527564 h 2802467"/>
-              <a:gd name="connsiteX25" fmla="*/ 6756639 w 12192000"/>
-              <a:gd name="connsiteY25" fmla="*/ 525462 h 2802467"/>
-              <a:gd name="connsiteX26" fmla="*/ 7016322 w 12192000"/>
-              <a:gd name="connsiteY26" fmla="*/ 521259 h 2802467"/>
-              <a:gd name="connsiteX27" fmla="*/ 7276005 w 12192000"/>
-              <a:gd name="connsiteY27" fmla="*/ 517405 h 2802467"/>
-              <a:gd name="connsiteX28" fmla="*/ 7539345 w 12192000"/>
-              <a:gd name="connsiteY28" fmla="*/ 508998 h 2802467"/>
-              <a:gd name="connsiteX29" fmla="*/ 7805124 w 12192000"/>
-              <a:gd name="connsiteY29" fmla="*/ 500240 h 2802467"/>
-              <a:gd name="connsiteX30" fmla="*/ 8070903 w 12192000"/>
-              <a:gd name="connsiteY30" fmla="*/ 490081 h 2802467"/>
-              <a:gd name="connsiteX31" fmla="*/ 8339121 w 12192000"/>
-              <a:gd name="connsiteY31" fmla="*/ 475719 h 2802467"/>
-              <a:gd name="connsiteX32" fmla="*/ 8609776 w 12192000"/>
-              <a:gd name="connsiteY32" fmla="*/ 458553 h 2802467"/>
-              <a:gd name="connsiteX33" fmla="*/ 8881651 w 12192000"/>
-              <a:gd name="connsiteY33" fmla="*/ 442089 h 2802467"/>
-              <a:gd name="connsiteX34" fmla="*/ 9153526 w 12192000"/>
-              <a:gd name="connsiteY34" fmla="*/ 421070 h 2802467"/>
-              <a:gd name="connsiteX35" fmla="*/ 9429058 w 12192000"/>
-              <a:gd name="connsiteY35" fmla="*/ 395848 h 2802467"/>
-              <a:gd name="connsiteX36" fmla="*/ 9700933 w 12192000"/>
-              <a:gd name="connsiteY36" fmla="*/ 370626 h 2802467"/>
-              <a:gd name="connsiteX37" fmla="*/ 9977684 w 12192000"/>
-              <a:gd name="connsiteY37" fmla="*/ 341550 h 2802467"/>
-              <a:gd name="connsiteX38" fmla="*/ 10255655 w 12192000"/>
-              <a:gd name="connsiteY38" fmla="*/ 309672 h 2802467"/>
-              <a:gd name="connsiteX39" fmla="*/ 10529968 w 12192000"/>
-              <a:gd name="connsiteY39" fmla="*/ 276043 h 2802467"/>
-              <a:gd name="connsiteX40" fmla="*/ 10807939 w 12192000"/>
-              <a:gd name="connsiteY40" fmla="*/ 236808 h 2802467"/>
-              <a:gd name="connsiteX41" fmla="*/ 11084690 w 12192000"/>
-              <a:gd name="connsiteY41" fmla="*/ 194771 h 2802467"/>
-              <a:gd name="connsiteX42" fmla="*/ 11362661 w 12192000"/>
-              <a:gd name="connsiteY42" fmla="*/ 153085 h 2802467"/>
-              <a:gd name="connsiteX43" fmla="*/ 11639412 w 12192000"/>
-              <a:gd name="connsiteY43" fmla="*/ 104392 h 2802467"/>
-              <a:gd name="connsiteX44" fmla="*/ 11914945 w 12192000"/>
-              <a:gd name="connsiteY44" fmla="*/ 54648 h 2802467"/>
-              <a:gd name="connsiteX45" fmla="*/ 12191696 w 12192000"/>
-              <a:gd name="connsiteY45" fmla="*/ 2452 h 2802467"/>
-              <a:gd name="connsiteX46" fmla="*/ 12191696 w 12192000"/>
-              <a:gd name="connsiteY46" fmla="*/ 2236410 h 2802467"/>
-              <a:gd name="connsiteX47" fmla="*/ 12192000 w 12192000"/>
-              <a:gd name="connsiteY47" fmla="*/ 2236410 h 2802467"/>
-              <a:gd name="connsiteX48" fmla="*/ 12192000 w 12192000"/>
-              <a:gd name="connsiteY48" fmla="*/ 2802467 h 2802467"/>
-              <a:gd name="connsiteX49" fmla="*/ 12191696 w 12192000"/>
-              <a:gd name="connsiteY49" fmla="*/ 2802467 h 2802467"/>
-              <a:gd name="connsiteX50" fmla="*/ 0 w 12192000"/>
-              <a:gd name="connsiteY50" fmla="*/ 2802467 h 2802467"/>
-              <a:gd name="connsiteX51" fmla="*/ 0 w 12192000"/>
-              <a:gd name="connsiteY51" fmla="*/ 2236410 h 2802467"/>
-              <a:gd name="connsiteX52" fmla="*/ 1 w 12192000"/>
-              <a:gd name="connsiteY52" fmla="*/ 2236410 h 2802467"/>
-            </a:gdLst>
-            <a:ahLst/>
-            <a:cxnLst>
-              <a:cxn ang="0">
-                <a:pos x="connsiteX0" y="connsiteY0"/>
-              </a:cxn>
-              <a:cxn ang="0">
-                <a:pos x="connsiteX1" y="connsiteY1"/>
-              </a:cxn>
-              <a:cxn ang="0">
-                <a:pos x="connsiteX2" y="connsiteY2"/>
-              </a:cxn>
-              <a:cxn ang="0">
-                <a:pos x="connsiteX3" y="connsiteY3"/>
-              </a:cxn>
-              <a:cxn ang="0">
-                <a:pos x="connsiteX4" y="connsiteY4"/>
-              </a:cxn>
-              <a:cxn ang="0">
-                <a:pos x="connsiteX5" y="connsiteY5"/>
-              </a:cxn>
-              <a:cxn ang="0">
-                <a:pos x="connsiteX6" y="connsiteY6"/>
-              </a:cxn>
-              <a:cxn ang="0">
-                <a:pos x="connsiteX7" y="connsiteY7"/>
-              </a:cxn>
-              <a:cxn ang="0">
-                <a:pos x="connsiteX8" y="connsiteY8"/>
-              </a:cxn>
-              <a:cxn ang="0">
-                <a:pos x="connsiteX9" y="connsiteY9"/>
-              </a:cxn>
-              <a:cxn ang="0">
-                <a:pos x="connsiteX10" y="connsiteY10"/>
-              </a:cxn>
-              <a:cxn ang="0">
-                <a:pos x="connsiteX11" y="connsiteY11"/>
-              </a:cxn>
-              <a:cxn ang="0">
-                <a:pos x="connsiteX12" y="connsiteY12"/>
-              </a:cxn>
-              <a:cxn ang="0">
-                <a:pos x="connsiteX13" y="connsiteY13"/>
-              </a:cxn>
-              <a:cxn ang="0">
-                <a:pos x="connsiteX14" y="connsiteY14"/>
-              </a:cxn>
-              <a:cxn ang="0">
-                <a:pos x="connsiteX15" y="connsiteY15"/>
-              </a:cxn>
-              <a:cxn ang="0">
-                <a:pos x="connsiteX16" y="connsiteY16"/>
-              </a:cxn>
-              <a:cxn ang="0">
-                <a:pos x="connsiteX17" y="connsiteY17"/>
-              </a:cxn>
-              <a:cxn ang="0">
-                <a:pos x="connsiteX18" y="connsiteY18"/>
-              </a:cxn>
-              <a:cxn ang="0">
-                <a:pos x="connsiteX19" y="connsiteY19"/>
-              </a:cxn>
-              <a:cxn ang="0">
-                <a:pos x="connsiteX20" y="connsiteY20"/>
-              </a:cxn>
-              <a:cxn ang="0">
-                <a:pos x="connsiteX21" y="connsiteY21"/>
-              </a:cxn>
-              <a:cxn ang="0">
-                <a:pos x="connsiteX22" y="connsiteY22"/>
-              </a:cxn>
-              <a:cxn ang="0">
-                <a:pos x="connsiteX23" y="connsiteY23"/>
-              </a:cxn>
-              <a:cxn ang="0">
-                <a:pos x="connsiteX24" y="connsiteY24"/>
-              </a:cxn>
-              <a:cxn ang="0">
-                <a:pos x="connsiteX25" y="connsiteY25"/>
-              </a:cxn>
-              <a:cxn ang="0">
-                <a:pos x="connsiteX26" y="connsiteY26"/>
-              </a:cxn>
-              <a:cxn ang="0">
-                <a:pos x="connsiteX27" y="connsiteY27"/>
-              </a:cxn>
-              <a:cxn ang="0">
-                <a:pos x="connsiteX28" y="connsiteY28"/>
-              </a:cxn>
-              <a:cxn ang="0">
-                <a:pos x="connsiteX29" y="connsiteY29"/>
-              </a:cxn>
-              <a:cxn ang="0">
-                <a:pos x="connsiteX30" y="connsiteY30"/>
-              </a:cxn>
-              <a:cxn ang="0">
-                <a:pos x="connsiteX31" y="connsiteY31"/>
-              </a:cxn>
-              <a:cxn ang="0">
-                <a:pos x="connsiteX32" y="connsiteY32"/>
-              </a:cxn>
-              <a:cxn ang="0">
-                <a:pos x="connsiteX33" y="connsiteY33"/>
-              </a:cxn>
-              <a:cxn ang="0">
-                <a:pos x="connsiteX34" y="connsiteY34"/>
-              </a:cxn>
-              <a:cxn ang="0">
-                <a:pos x="connsiteX35" y="connsiteY35"/>
-              </a:cxn>
-              <a:cxn ang="0">
-                <a:pos x="connsiteX36" y="connsiteY36"/>
-              </a:cxn>
-              <a:cxn ang="0">
-                <a:pos x="connsiteX37" y="connsiteY37"/>
-              </a:cxn>
-              <a:cxn ang="0">
-                <a:pos x="connsiteX38" y="connsiteY38"/>
-              </a:cxn>
-              <a:cxn ang="0">
-                <a:pos x="connsiteX39" y="connsiteY39"/>
-              </a:cxn>
-              <a:cxn ang="0">
-                <a:pos x="connsiteX40" y="connsiteY40"/>
-              </a:cxn>
-              <a:cxn ang="0">
-                <a:pos x="connsiteX41" y="connsiteY41"/>
-              </a:cxn>
-              <a:cxn ang="0">
-                <a:pos x="connsiteX42" y="connsiteY42"/>
-              </a:cxn>
-              <a:cxn ang="0">
-                <a:pos x="connsiteX43" y="connsiteY43"/>
-              </a:cxn>
-              <a:cxn ang="0">
-                <a:pos x="connsiteX44" y="connsiteY44"/>
-              </a:cxn>
-              <a:cxn ang="0">
-                <a:pos x="connsiteX45" y="connsiteY45"/>
-              </a:cxn>
-              <a:cxn ang="0">
-                <a:pos x="connsiteX46" y="connsiteY46"/>
-              </a:cxn>
-              <a:cxn ang="0">
-                <a:pos x="connsiteX47" y="connsiteY47"/>
-              </a:cxn>
-              <a:cxn ang="0">
-                <a:pos x="connsiteX48" y="connsiteY48"/>
-              </a:cxn>
-              <a:cxn ang="0">
-                <a:pos x="connsiteX49" y="connsiteY49"/>
-              </a:cxn>
-              <a:cxn ang="0">
-                <a:pos x="connsiteX50" y="connsiteY50"/>
-              </a:cxn>
-              <a:cxn ang="0">
-                <a:pos x="connsiteX51" y="connsiteY51"/>
-              </a:cxn>
-              <a:cxn ang="0">
-                <a:pos x="connsiteX52" y="connsiteY52"/>
-              </a:cxn>
-            </a:cxnLst>
-            <a:rect l="l" t="t" r="r" b="b"/>
-            <a:pathLst>
-              <a:path w="12192000" h="2802467">
-                <a:moveTo>
-                  <a:pt x="1" y="0"/>
-                </a:moveTo>
-                <a:lnTo>
-                  <a:pt x="71932" y="12261"/>
-                </a:lnTo>
-                <a:lnTo>
-                  <a:pt x="282848" y="48342"/>
-                </a:lnTo>
-                <a:lnTo>
-                  <a:pt x="436464" y="73565"/>
-                </a:lnTo>
-                <a:lnTo>
-                  <a:pt x="619339" y="100188"/>
-                </a:lnTo>
-                <a:lnTo>
-                  <a:pt x="836351" y="132066"/>
-                </a:lnTo>
-                <a:lnTo>
-                  <a:pt x="1076528" y="165696"/>
-                </a:lnTo>
-                <a:lnTo>
-                  <a:pt x="1347183" y="201077"/>
-                </a:lnTo>
-                <a:lnTo>
-                  <a:pt x="1642223" y="238560"/>
-                </a:lnTo>
-                <a:lnTo>
-                  <a:pt x="1962864" y="276043"/>
-                </a:lnTo>
-                <a:lnTo>
-                  <a:pt x="2304232" y="314226"/>
-                </a:lnTo>
-                <a:lnTo>
-                  <a:pt x="2672421" y="349608"/>
-                </a:lnTo>
-                <a:lnTo>
-                  <a:pt x="3057678" y="383587"/>
-                </a:lnTo>
-                <a:lnTo>
-                  <a:pt x="3464881" y="414415"/>
-                </a:lnTo>
-                <a:lnTo>
-                  <a:pt x="3889152" y="443840"/>
-                </a:lnTo>
-                <a:lnTo>
-                  <a:pt x="4331710" y="471515"/>
-                </a:lnTo>
-                <a:lnTo>
-                  <a:pt x="4558476" y="481323"/>
-                </a:lnTo>
-                <a:lnTo>
-                  <a:pt x="4790118" y="492183"/>
-                </a:lnTo>
-                <a:lnTo>
-                  <a:pt x="5025418" y="502342"/>
-                </a:lnTo>
-                <a:lnTo>
-                  <a:pt x="5261937" y="508998"/>
-                </a:lnTo>
-                <a:lnTo>
-                  <a:pt x="5503332" y="514953"/>
-                </a:lnTo>
-                <a:lnTo>
-                  <a:pt x="5747166" y="521259"/>
-                </a:lnTo>
-                <a:lnTo>
-                  <a:pt x="5995877" y="525462"/>
-                </a:lnTo>
-                <a:lnTo>
-                  <a:pt x="6247026" y="525462"/>
-                </a:lnTo>
-                <a:lnTo>
-                  <a:pt x="6500613" y="527564"/>
-                </a:lnTo>
-                <a:lnTo>
-                  <a:pt x="6756639" y="525462"/>
-                </a:lnTo>
-                <a:lnTo>
-                  <a:pt x="7016322" y="521259"/>
-                </a:lnTo>
-                <a:lnTo>
-                  <a:pt x="7276005" y="517405"/>
-                </a:lnTo>
-                <a:lnTo>
-                  <a:pt x="7539345" y="508998"/>
-                </a:lnTo>
-                <a:lnTo>
-                  <a:pt x="7805124" y="500240"/>
-                </a:lnTo>
-                <a:lnTo>
-                  <a:pt x="8070903" y="490081"/>
-                </a:lnTo>
-                <a:lnTo>
-                  <a:pt x="8339121" y="475719"/>
-                </a:lnTo>
-                <a:lnTo>
-                  <a:pt x="8609776" y="458553"/>
-                </a:lnTo>
-                <a:lnTo>
-                  <a:pt x="8881651" y="442089"/>
-                </a:lnTo>
-                <a:lnTo>
-                  <a:pt x="9153526" y="421070"/>
-                </a:lnTo>
-                <a:lnTo>
-                  <a:pt x="9429058" y="395848"/>
-                </a:lnTo>
-                <a:lnTo>
-                  <a:pt x="9700933" y="370626"/>
-                </a:lnTo>
-                <a:lnTo>
-                  <a:pt x="9977684" y="341550"/>
-                </a:lnTo>
-                <a:lnTo>
-                  <a:pt x="10255655" y="309672"/>
-                </a:lnTo>
-                <a:lnTo>
-                  <a:pt x="10529968" y="276043"/>
-                </a:lnTo>
-                <a:lnTo>
-                  <a:pt x="10807939" y="236808"/>
-                </a:lnTo>
-                <a:lnTo>
-                  <a:pt x="11084690" y="194771"/>
-                </a:lnTo>
-                <a:lnTo>
-                  <a:pt x="11362661" y="153085"/>
-                </a:lnTo>
-                <a:lnTo>
-                  <a:pt x="11639412" y="104392"/>
-                </a:lnTo>
-                <a:lnTo>
-                  <a:pt x="11914945" y="54648"/>
-                </a:lnTo>
-                <a:lnTo>
-                  <a:pt x="12191696" y="2452"/>
-                </a:lnTo>
-                <a:lnTo>
-                  <a:pt x="12191696" y="2236410"/>
-                </a:lnTo>
-                <a:lnTo>
-                  <a:pt x="12192000" y="2236410"/>
-                </a:lnTo>
-                <a:lnTo>
-                  <a:pt x="12192000" y="2802467"/>
-                </a:lnTo>
-                <a:lnTo>
-                  <a:pt x="12191696" y="2802467"/>
-                </a:lnTo>
-                <a:lnTo>
-                  <a:pt x="0" y="2802467"/>
-                </a:lnTo>
-                <a:lnTo>
-                  <a:pt x="0" y="2236410"/>
-                </a:lnTo>
-                <a:lnTo>
-                  <a:pt x="1" y="2236410"/>
-                </a:lnTo>
-                <a:close/>
-              </a:path>
-            </a:pathLst>
-          </a:custGeom>
-          <a:ln>
-            <a:noFill/>
-          </a:ln>
-        </p:spPr>
-        <p:style>
-          <a:lnRef idx="2">
-            <a:schemeClr val="accent1">
-              <a:shade val="50000"/>
-            </a:schemeClr>
-          </a:lnRef>
-          <a:fillRef idx="1003">
-            <a:schemeClr val="dk2"/>
-          </a:fillRef>
-          <a:effectRef idx="0">
-            <a:schemeClr val="accent1"/>
-          </a:effectRef>
-          <a:fontRef idx="minor">
-            <a:schemeClr val="lt1"/>
-          </a:fontRef>
-        </p:style>
-        <p:txBody>
-          <a:bodyPr rtlCol="0" anchor="ctr"/>
-          <a:lstStyle/>
-          <a:p>
-            <a:pPr algn="ctr"/>
-            <a:endParaRPr lang="en-US"/>
-          </a:p>
-        </p:txBody>
-      </p:sp>
-      <p:sp>
-        <p:nvSpPr>
           <p:cNvPr id="20" name="TextBox 19">
             <a:extLst>
               <a:ext uri="{FF2B5EF4-FFF2-40B4-BE49-F238E27FC236}">
@@ -12593,31 +14839,17 @@
                   <a:schemeClr val="bg1"/>
                 </a:solidFill>
               </a:rPr>
-              <a:t>77 Percent of all the items are below $1000.</a:t>
-            </a:r>
-          </a:p>
-          <a:p>
-            <a:pPr marL="285750" indent="-285750">
-              <a:buFont typeface="Arial" panose="020B0604020202020204" pitchFamily="34" charset="0"/>
-              <a:buChar char="•"/>
-            </a:pPr>
-            <a:r>
-              <a:rPr lang="en-US" dirty="0">
-                <a:solidFill>
-                  <a:schemeClr val="bg1"/>
-                </a:solidFill>
-              </a:rPr>
-              <a:t>The average item price is $890.</a:t>
+              <a:t>The forecasted monthly sales data mostly follow the same pattern as historical data,  so the forecast can be considered satisfactory. </a:t>
             </a:r>
           </a:p>
         </p:txBody>
       </p:sp>
       <p:pic>
         <p:nvPicPr>
-          <p:cNvPr id="24" name="Content Placeholder 23">
+          <p:cNvPr id="11" name="Content Placeholder 10" descr="A screenshot of a cell phone&#10;&#10;Description automatically generated">
             <a:extLst>
               <a:ext uri="{FF2B5EF4-FFF2-40B4-BE49-F238E27FC236}">
-                <a16:creationId xmlns:a16="http://schemas.microsoft.com/office/drawing/2014/main" id="{048C646C-3EA1-43CF-92F7-2CBF12D08414}"/>
+                <a16:creationId xmlns:a16="http://schemas.microsoft.com/office/drawing/2014/main" id="{E81CFDF4-1EA1-4565-AEA1-1267588BADA7}"/>
               </a:ext>
             </a:extLst>
           </p:cNvPr>
@@ -12625,7 +14857,7 @@
             <a:picLocks noGrp="1" noChangeAspect="1"/>
           </p:cNvPicPr>
           <p:nvPr>
-            <p:ph sz="half" idx="2"/>
+            <p:ph sz="half" idx="1"/>
           </p:nvPr>
         </p:nvPicPr>
         <p:blipFill>
@@ -12636,15 +14868,15 @@
         </p:blipFill>
         <p:spPr>
           <a:xfrm>
-            <a:off x="357809" y="171913"/>
-            <a:ext cx="10079698" cy="3883620"/>
+            <a:off x="0" y="196187"/>
+            <a:ext cx="11123612" cy="4264923"/>
           </a:xfrm>
         </p:spPr>
       </p:pic>
     </p:spTree>
     <p:extLst>
       <p:ext uri="{BB962C8B-B14F-4D97-AF65-F5344CB8AC3E}">
-        <p14:creationId xmlns:p14="http://schemas.microsoft.com/office/powerpoint/2010/main" val="3730239301"/>
+        <p14:creationId xmlns:p14="http://schemas.microsoft.com/office/powerpoint/2010/main" val="1461350193"/>
       </p:ext>
     </p:extLst>
   </p:cSld>
@@ -12654,33 +14886,9 @@
 </p:sld>
 </file>
 
-<file path=ppt/slides/slide6.xml><?xml version="1.0" encoding="utf-8"?>
+<file path=ppt/slides/slide8.xml><?xml version="1.0" encoding="utf-8"?>
 <p:sld xmlns:a="http://schemas.openxmlformats.org/drawingml/2006/main" xmlns:r="http://schemas.openxmlformats.org/officeDocument/2006/relationships" xmlns:p="http://schemas.openxmlformats.org/presentationml/2006/main">
   <p:cSld>
-    <p:bg>
-      <p:bgPr>
-        <a:blipFill rotWithShape="1">
-          <a:blip r:embed="rId2">
-            <a:duotone>
-              <a:schemeClr val="bg2">
-                <a:shade val="69000"/>
-                <a:hueMod val="108000"/>
-                <a:satMod val="164000"/>
-                <a:lumMod val="74000"/>
-              </a:schemeClr>
-              <a:schemeClr val="bg2">
-                <a:tint val="96000"/>
-                <a:hueMod val="88000"/>
-                <a:satMod val="140000"/>
-                <a:lumMod val="132000"/>
-              </a:schemeClr>
-            </a:duotone>
-          </a:blip>
-          <a:stretch/>
-        </a:blipFill>
-        <a:effectLst/>
-      </p:bgPr>
-    </p:bg>
     <p:spTree>
       <p:nvGrpSpPr>
         <p:cNvPr id="1" name=""/>
@@ -12695,1373 +14903,151 @@
           <a:chExt cx="0" cy="0"/>
         </a:xfrm>
       </p:grpSpPr>
-      <p:pic>
-        <p:nvPicPr>
-          <p:cNvPr id="57" name="Picture 56">
+      <p:sp>
+        <p:nvSpPr>
+          <p:cNvPr id="8" name="Text Placeholder 7">
             <a:extLst>
               <a:ext uri="{FF2B5EF4-FFF2-40B4-BE49-F238E27FC236}">
-                <a16:creationId xmlns:a16="http://schemas.microsoft.com/office/drawing/2014/main" id="{412E3267-7ABE-412B-8580-47EC0D1F61FE}"/>
-              </a:ext>
-              <a:ext uri="{C183D7F6-B498-43B3-948B-1728B52AA6E4}">
-                <adec:decorative xmlns:adec="http://schemas.microsoft.com/office/drawing/2017/decorative" val="1"/>
-              </a:ext>
-            </a:extLst>
-          </p:cNvPr>
-          <p:cNvPicPr>
-            <a:picLocks noGrp="1" noRot="1" noChangeAspect="1" noMove="1" noResize="1" noEditPoints="1" noAdjustHandles="1" noChangeArrowheads="1" noChangeShapeType="1" noCrop="1"/>
-          </p:cNvPicPr>
-          <p:nvPr>
-            <p:extLst>
-              <p:ext uri="{386F3935-93C4-4BCD-93E2-E3B085C9AB24}">
-                <p16:designElem xmlns:p16="http://schemas.microsoft.com/office/powerpoint/2015/main" val="1"/>
-              </p:ext>
-            </p:extLst>
-          </p:nvPr>
-        </p:nvPicPr>
-        <p:blipFill rotWithShape="1">
-          <a:blip r:embed="rId3">
-            <a:extLst>
-              <a:ext uri="{28A0092B-C50C-407E-A947-70E740481C1C}">
-                <a14:useLocalDpi xmlns:a14="http://schemas.microsoft.com/office/drawing/2010/main" val="0"/>
-              </a:ext>
-            </a:extLst>
-          </a:blip>
-          <a:srcRect l="3613"/>
-          <a:stretch/>
-        </p:blipFill>
-        <p:spPr>
-          <a:xfrm>
-            <a:off x="0" y="2669685"/>
-            <a:ext cx="4037012" cy="4188315"/>
-          </a:xfrm>
-          <a:prstGeom prst="rect">
-            <a:avLst/>
-          </a:prstGeom>
-        </p:spPr>
-      </p:pic>
-      <p:pic>
-        <p:nvPicPr>
-          <p:cNvPr id="59" name="Picture 58">
-            <a:extLst>
-              <a:ext uri="{FF2B5EF4-FFF2-40B4-BE49-F238E27FC236}">
-                <a16:creationId xmlns:a16="http://schemas.microsoft.com/office/drawing/2014/main" id="{20B62C5A-2250-4380-AB23-DB87446CCED0}"/>
-              </a:ext>
-              <a:ext uri="{C183D7F6-B498-43B3-948B-1728B52AA6E4}">
-                <adec:decorative xmlns:adec="http://schemas.microsoft.com/office/drawing/2017/decorative" val="1"/>
-              </a:ext>
-            </a:extLst>
-          </p:cNvPr>
-          <p:cNvPicPr>
-            <a:picLocks noGrp="1" noRot="1" noChangeAspect="1" noMove="1" noResize="1" noEditPoints="1" noAdjustHandles="1" noChangeArrowheads="1" noChangeShapeType="1" noCrop="1"/>
-          </p:cNvPicPr>
-          <p:nvPr>
-            <p:extLst>
-              <p:ext uri="{386F3935-93C4-4BCD-93E2-E3B085C9AB24}">
-                <p16:designElem xmlns:p16="http://schemas.microsoft.com/office/powerpoint/2015/main" val="1"/>
-              </p:ext>
-            </p:extLst>
-          </p:nvPr>
-        </p:nvPicPr>
-        <p:blipFill rotWithShape="1">
-          <a:blip r:embed="rId4">
-            <a:extLst>
-              <a:ext uri="{28A0092B-C50C-407E-A947-70E740481C1C}">
-                <a14:useLocalDpi xmlns:a14="http://schemas.microsoft.com/office/drawing/2010/main" val="0"/>
-              </a:ext>
-            </a:extLst>
-          </a:blip>
-          <a:srcRect l="35640"/>
-          <a:stretch/>
-        </p:blipFill>
-        <p:spPr>
-          <a:xfrm>
-            <a:off x="0" y="2892347"/>
-            <a:ext cx="1522412" cy="2365453"/>
-          </a:xfrm>
-          <a:prstGeom prst="rect">
-            <a:avLst/>
-          </a:prstGeom>
-        </p:spPr>
-      </p:pic>
-      <p:sp>
-        <p:nvSpPr>
-          <p:cNvPr id="61" name="Oval 60">
-            <a:extLst>
-              <a:ext uri="{FF2B5EF4-FFF2-40B4-BE49-F238E27FC236}">
-                <a16:creationId xmlns:a16="http://schemas.microsoft.com/office/drawing/2014/main" id="{D42CF425-7213-4F89-B0FF-4C2BDDD9C680}"/>
-              </a:ext>
-              <a:ext uri="{C183D7F6-B498-43B3-948B-1728B52AA6E4}">
-                <adec:decorative xmlns:adec="http://schemas.microsoft.com/office/drawing/2017/decorative" val="1"/>
+                <a16:creationId xmlns:a16="http://schemas.microsoft.com/office/drawing/2014/main" id="{6CF9E44C-F989-4A28-97A5-33F318904E66}"/>
               </a:ext>
             </a:extLst>
           </p:cNvPr>
           <p:cNvSpPr>
-            <a:spLocks noGrp="1" noRot="1" noChangeAspect="1" noMove="1" noResize="1" noEditPoints="1" noAdjustHandles="1" noChangeArrowheads="1" noChangeShapeType="1" noTextEdit="1"/>
+            <a:spLocks noGrp="1"/>
           </p:cNvSpPr>
           <p:nvPr>
-            <p:extLst>
-              <p:ext uri="{386F3935-93C4-4BCD-93E2-E3B085C9AB24}">
-                <p16:designElem xmlns:p16="http://schemas.microsoft.com/office/powerpoint/2015/main" val="1"/>
-              </p:ext>
-            </p:extLst>
+            <p:ph type="body" idx="1"/>
           </p:nvPr>
         </p:nvSpPr>
         <p:spPr>
           <a:xfrm>
-            <a:off x="8609012" y="1676400"/>
-            <a:ext cx="2819400" cy="2819400"/>
+            <a:off x="1103312" y="1154373"/>
+            <a:ext cx="4396338" cy="576262"/>
           </a:xfrm>
-          <a:prstGeom prst="ellipse">
-            <a:avLst/>
-          </a:prstGeom>
-          <a:gradFill flip="none" rotWithShape="1">
-            <a:gsLst>
-              <a:gs pos="0">
-                <a:schemeClr val="bg2">
-                  <a:lumMod val="60000"/>
-                  <a:lumOff val="40000"/>
-                  <a:alpha val="7000"/>
-                </a:schemeClr>
-              </a:gs>
-              <a:gs pos="69000">
-                <a:schemeClr val="bg2">
-                  <a:lumMod val="60000"/>
-                  <a:lumOff val="40000"/>
-                  <a:alpha val="0"/>
-                </a:schemeClr>
-              </a:gs>
-              <a:gs pos="36000">
-                <a:schemeClr val="bg2">
-                  <a:lumMod val="60000"/>
-                  <a:lumOff val="40000"/>
-                  <a:alpha val="6000"/>
-                </a:schemeClr>
-              </a:gs>
-            </a:gsLst>
-            <a:path path="circle">
-              <a:fillToRect l="50000" t="50000" r="50000" b="50000"/>
-            </a:path>
-            <a:tileRect/>
-          </a:gradFill>
-          <a:ln>
-            <a:noFill/>
-          </a:ln>
-          <a:effectLst/>
         </p:spPr>
-        <p:style>
-          <a:lnRef idx="1">
-            <a:schemeClr val="accent1"/>
-          </a:lnRef>
-          <a:fillRef idx="3">
-            <a:schemeClr val="accent1"/>
-          </a:fillRef>
-          <a:effectRef idx="2">
-            <a:schemeClr val="accent1"/>
-          </a:effectRef>
-          <a:fontRef idx="minor">
-            <a:schemeClr val="lt1"/>
-          </a:fontRef>
-        </p:style>
-      </p:sp>
-      <p:pic>
-        <p:nvPicPr>
-          <p:cNvPr id="63" name="Picture 62">
+        <p:txBody>
+          <a:bodyPr/>
+          <a:lstStyle/>
+          <a:p>
+            <a:r>
+              <a:rPr lang="en-US" dirty="0"/>
+              <a:t>Recommendations</a:t>
+            </a:r>
+          </a:p>
+        </p:txBody>
+      </p:sp>
+      <p:sp>
+        <p:nvSpPr>
+          <p:cNvPr id="9" name="Content Placeholder 8">
             <a:extLst>
               <a:ext uri="{FF2B5EF4-FFF2-40B4-BE49-F238E27FC236}">
-                <a16:creationId xmlns:a16="http://schemas.microsoft.com/office/drawing/2014/main" id="{D35DA97D-88F8-4249-B650-4FC9FD50A382}"/>
-              </a:ext>
-              <a:ext uri="{C183D7F6-B498-43B3-948B-1728B52AA6E4}">
-                <adec:decorative xmlns:adec="http://schemas.microsoft.com/office/drawing/2017/decorative" val="1"/>
-              </a:ext>
-            </a:extLst>
-          </p:cNvPr>
-          <p:cNvPicPr>
-            <a:picLocks noGrp="1" noRot="1" noChangeAspect="1" noMove="1" noResize="1" noEditPoints="1" noAdjustHandles="1" noChangeArrowheads="1" noChangeShapeType="1" noCrop="1"/>
-          </p:cNvPicPr>
-          <p:nvPr>
-            <p:extLst>
-              <p:ext uri="{386F3935-93C4-4BCD-93E2-E3B085C9AB24}">
-                <p16:designElem xmlns:p16="http://schemas.microsoft.com/office/powerpoint/2015/main" val="1"/>
-              </p:ext>
-            </p:extLst>
-          </p:nvPr>
-        </p:nvPicPr>
-        <p:blipFill rotWithShape="1">
-          <a:blip r:embed="rId5">
-            <a:extLst>
-              <a:ext uri="{28A0092B-C50C-407E-A947-70E740481C1C}">
-                <a14:useLocalDpi xmlns:a14="http://schemas.microsoft.com/office/drawing/2010/main" val="0"/>
-              </a:ext>
-            </a:extLst>
-          </a:blip>
-          <a:srcRect t="28813"/>
-          <a:stretch/>
-        </p:blipFill>
-        <p:spPr>
-          <a:xfrm>
-            <a:off x="7999412" y="0"/>
-            <a:ext cx="1603387" cy="1141407"/>
-          </a:xfrm>
-          <a:prstGeom prst="rect">
-            <a:avLst/>
-          </a:prstGeom>
-        </p:spPr>
-      </p:pic>
-      <p:pic>
-        <p:nvPicPr>
-          <p:cNvPr id="65" name="Picture 64">
-            <a:extLst>
-              <a:ext uri="{FF2B5EF4-FFF2-40B4-BE49-F238E27FC236}">
-                <a16:creationId xmlns:a16="http://schemas.microsoft.com/office/drawing/2014/main" id="{43F38673-6E30-4BAE-AC67-0B283EBF4291}"/>
-              </a:ext>
-              <a:ext uri="{C183D7F6-B498-43B3-948B-1728B52AA6E4}">
-                <adec:decorative xmlns:adec="http://schemas.microsoft.com/office/drawing/2017/decorative" val="1"/>
-              </a:ext>
-            </a:extLst>
-          </p:cNvPr>
-          <p:cNvPicPr>
-            <a:picLocks noGrp="1" noRot="1" noChangeAspect="1" noMove="1" noResize="1" noEditPoints="1" noAdjustHandles="1" noChangeArrowheads="1" noChangeShapeType="1" noCrop="1"/>
-          </p:cNvPicPr>
-          <p:nvPr>
-            <p:extLst>
-              <p:ext uri="{386F3935-93C4-4BCD-93E2-E3B085C9AB24}">
-                <p16:designElem xmlns:p16="http://schemas.microsoft.com/office/powerpoint/2015/main" val="1"/>
-              </p:ext>
-            </p:extLst>
-          </p:nvPr>
-        </p:nvPicPr>
-        <p:blipFill rotWithShape="1">
-          <a:blip r:embed="rId6">
-            <a:extLst>
-              <a:ext uri="{28A0092B-C50C-407E-A947-70E740481C1C}">
-                <a14:useLocalDpi xmlns:a14="http://schemas.microsoft.com/office/drawing/2010/main" val="0"/>
-              </a:ext>
-            </a:extLst>
-          </a:blip>
-          <a:srcRect b="23320"/>
-          <a:stretch/>
-        </p:blipFill>
-        <p:spPr>
-          <a:xfrm>
-            <a:off x="8605878" y="6096000"/>
-            <a:ext cx="993734" cy="762000"/>
-          </a:xfrm>
-          <a:prstGeom prst="rect">
-            <a:avLst/>
-          </a:prstGeom>
-        </p:spPr>
-      </p:pic>
-      <p:sp>
-        <p:nvSpPr>
-          <p:cNvPr id="67" name="Rectangle 66">
-            <a:extLst>
-              <a:ext uri="{FF2B5EF4-FFF2-40B4-BE49-F238E27FC236}">
-                <a16:creationId xmlns:a16="http://schemas.microsoft.com/office/drawing/2014/main" id="{202A25CB-1ED1-4C87-AB49-8D3BC684D1CE}"/>
-              </a:ext>
-              <a:ext uri="{C183D7F6-B498-43B3-948B-1728B52AA6E4}">
-                <adec:decorative xmlns:adec="http://schemas.microsoft.com/office/drawing/2017/decorative" val="1"/>
+                <a16:creationId xmlns:a16="http://schemas.microsoft.com/office/drawing/2014/main" id="{95C050B5-F1CA-4E91-8CBD-108CC69E078B}"/>
               </a:ext>
             </a:extLst>
           </p:cNvPr>
           <p:cNvSpPr>
-            <a:spLocks noGrp="1" noRot="1" noChangeAspect="1" noMove="1" noResize="1" noEditPoints="1" noAdjustHandles="1" noChangeArrowheads="1" noChangeShapeType="1" noTextEdit="1"/>
+            <a:spLocks noGrp="1"/>
           </p:cNvSpPr>
           <p:nvPr>
-            <p:extLst>
-              <p:ext uri="{386F3935-93C4-4BCD-93E2-E3B085C9AB24}">
-                <p16:designElem xmlns:p16="http://schemas.microsoft.com/office/powerpoint/2015/main" val="1"/>
-              </p:ext>
-            </p:extLst>
+            <p:ph sz="half" idx="2"/>
           </p:nvPr>
         </p:nvSpPr>
         <p:spPr>
           <a:xfrm>
-            <a:off x="10437812" y="0"/>
-            <a:ext cx="685800" cy="1143000"/>
+            <a:off x="1103311" y="1902369"/>
+            <a:ext cx="4396339" cy="3741738"/>
           </a:xfrm>
-          <a:prstGeom prst="rect">
-            <a:avLst/>
-          </a:prstGeom>
-          <a:solidFill>
-            <a:schemeClr val="accent1"/>
-          </a:solidFill>
-          <a:ln>
-            <a:noFill/>
-          </a:ln>
         </p:spPr>
-        <p:style>
-          <a:lnRef idx="1">
-            <a:schemeClr val="accent1"/>
-          </a:lnRef>
-          <a:fillRef idx="3">
-            <a:schemeClr val="accent1"/>
-          </a:fillRef>
-          <a:effectRef idx="2">
-            <a:schemeClr val="accent1"/>
-          </a:effectRef>
-          <a:fontRef idx="minor">
-            <a:schemeClr val="lt1"/>
-          </a:fontRef>
-        </p:style>
-      </p:sp>
-      <p:sp>
-        <p:nvSpPr>
-          <p:cNvPr id="69" name="Freeform: Shape 68">
+        <p:txBody>
+          <a:bodyPr/>
+          <a:lstStyle/>
+          <a:p>
+            <a:r>
+              <a:rPr lang="en-US" dirty="0"/>
+              <a:t>Replacing the discarded items with new items with higher potential of sales. </a:t>
+            </a:r>
+          </a:p>
+          <a:p>
+            <a:r>
+              <a:rPr lang="en-US" dirty="0"/>
+              <a:t>The forecasted sales for next two months,  i.e.  November and December are very promising. Adding some additional initiatives like holidays sales will increase the total sales even more.</a:t>
+            </a:r>
+          </a:p>
+          <a:p>
+            <a:endParaRPr lang="en-US" dirty="0"/>
+          </a:p>
+        </p:txBody>
+      </p:sp>
+      <p:sp>
+        <p:nvSpPr>
+          <p:cNvPr id="10" name="Text Placeholder 9">
             <a:extLst>
               <a:ext uri="{FF2B5EF4-FFF2-40B4-BE49-F238E27FC236}">
-                <a16:creationId xmlns:a16="http://schemas.microsoft.com/office/drawing/2014/main" id="{DBAF956B-591A-4461-BB3C-79AA176B099A}"/>
-              </a:ext>
-              <a:ext uri="{C183D7F6-B498-43B3-948B-1728B52AA6E4}">
-                <adec:decorative xmlns:adec="http://schemas.microsoft.com/office/drawing/2017/decorative" val="1"/>
+                <a16:creationId xmlns:a16="http://schemas.microsoft.com/office/drawing/2014/main" id="{62A92214-8E99-4FF9-8039-3A6F957A3599}"/>
               </a:ext>
             </a:extLst>
           </p:cNvPr>
           <p:cNvSpPr>
-            <a:spLocks noGrp="1" noRot="1" noChangeAspect="1" noMove="1" noResize="1" noEditPoints="1" noAdjustHandles="1" noChangeArrowheads="1" noChangeShapeType="1" noTextEdit="1"/>
+            <a:spLocks noGrp="1"/>
           </p:cNvSpPr>
           <p:nvPr>
-            <p:extLst>
-              <p:ext uri="{386F3935-93C4-4BCD-93E2-E3B085C9AB24}">
-                <p16:designElem xmlns:p16="http://schemas.microsoft.com/office/powerpoint/2015/main" val="1"/>
-              </p:ext>
-            </p:extLst>
-          </p:nvPr>
-        </p:nvSpPr>
-        <p:spPr bwMode="gray">
-          <a:xfrm rot="16200000">
-            <a:off x="5270819" y="-63600"/>
-            <a:ext cx="6858001" cy="6985200"/>
+            <p:ph type="body" sz="quarter" idx="3"/>
+          </p:nvPr>
+        </p:nvSpPr>
+        <p:spPr>
+          <a:xfrm>
+            <a:off x="5499650" y="1240240"/>
+            <a:ext cx="4396339" cy="576262"/>
           </a:xfrm>
-          <a:custGeom>
-            <a:avLst/>
-            <a:gdLst>
-              <a:gd name="connsiteX0" fmla="*/ 6858001 w 6858001"/>
-              <a:gd name="connsiteY0" fmla="*/ 1177 h 6985200"/>
-              <a:gd name="connsiteX1" fmla="*/ 6858001 w 6858001"/>
-              <a:gd name="connsiteY1" fmla="*/ 1344715 h 6985200"/>
-              <a:gd name="connsiteX2" fmla="*/ 6858000 w 6858001"/>
-              <a:gd name="connsiteY2" fmla="*/ 1344715 h 6985200"/>
-              <a:gd name="connsiteX3" fmla="*/ 6858000 w 6858001"/>
-              <a:gd name="connsiteY3" fmla="*/ 6985200 h 6985200"/>
-              <a:gd name="connsiteX4" fmla="*/ 0 w 6858001"/>
-              <a:gd name="connsiteY4" fmla="*/ 6985199 h 6985200"/>
-              <a:gd name="connsiteX5" fmla="*/ 0 w 6858001"/>
-              <a:gd name="connsiteY5" fmla="*/ 887191 h 6985200"/>
-              <a:gd name="connsiteX6" fmla="*/ 1 w 6858001"/>
-              <a:gd name="connsiteY6" fmla="*/ 887191 h 6985200"/>
-              <a:gd name="connsiteX7" fmla="*/ 1 w 6858001"/>
-              <a:gd name="connsiteY7" fmla="*/ 0 h 6985200"/>
-              <a:gd name="connsiteX8" fmla="*/ 40463 w 6858001"/>
-              <a:gd name="connsiteY8" fmla="*/ 5883 h 6985200"/>
-              <a:gd name="connsiteX9" fmla="*/ 159107 w 6858001"/>
-              <a:gd name="connsiteY9" fmla="*/ 23196 h 6985200"/>
-              <a:gd name="connsiteX10" fmla="*/ 245518 w 6858001"/>
-              <a:gd name="connsiteY10" fmla="*/ 35299 h 6985200"/>
-              <a:gd name="connsiteX11" fmla="*/ 348388 w 6858001"/>
-              <a:gd name="connsiteY11" fmla="*/ 48073 h 6985200"/>
-              <a:gd name="connsiteX12" fmla="*/ 470460 w 6858001"/>
-              <a:gd name="connsiteY12" fmla="*/ 63369 h 6985200"/>
-              <a:gd name="connsiteX13" fmla="*/ 605563 w 6858001"/>
-              <a:gd name="connsiteY13" fmla="*/ 79506 h 6985200"/>
-              <a:gd name="connsiteX14" fmla="*/ 757810 w 6858001"/>
-              <a:gd name="connsiteY14" fmla="*/ 96483 h 6985200"/>
-              <a:gd name="connsiteX15" fmla="*/ 923774 w 6858001"/>
-              <a:gd name="connsiteY15" fmla="*/ 114469 h 6985200"/>
-              <a:gd name="connsiteX16" fmla="*/ 1104139 w 6858001"/>
-              <a:gd name="connsiteY16" fmla="*/ 132454 h 6985200"/>
-              <a:gd name="connsiteX17" fmla="*/ 1296163 w 6858001"/>
-              <a:gd name="connsiteY17" fmla="*/ 150776 h 6985200"/>
-              <a:gd name="connsiteX18" fmla="*/ 1503275 w 6858001"/>
-              <a:gd name="connsiteY18" fmla="*/ 167753 h 6985200"/>
-              <a:gd name="connsiteX19" fmla="*/ 1719988 w 6858001"/>
-              <a:gd name="connsiteY19" fmla="*/ 184058 h 6985200"/>
-              <a:gd name="connsiteX20" fmla="*/ 1949045 w 6858001"/>
-              <a:gd name="connsiteY20" fmla="*/ 198849 h 6985200"/>
-              <a:gd name="connsiteX21" fmla="*/ 2187703 w 6858001"/>
-              <a:gd name="connsiteY21" fmla="*/ 212969 h 6985200"/>
-              <a:gd name="connsiteX22" fmla="*/ 2436649 w 6858001"/>
-              <a:gd name="connsiteY22" fmla="*/ 226248 h 6985200"/>
-              <a:gd name="connsiteX23" fmla="*/ 2564208 w 6858001"/>
-              <a:gd name="connsiteY23" fmla="*/ 230955 h 6985200"/>
-              <a:gd name="connsiteX24" fmla="*/ 2694509 w 6858001"/>
-              <a:gd name="connsiteY24" fmla="*/ 236165 h 6985200"/>
-              <a:gd name="connsiteX25" fmla="*/ 2826869 w 6858001"/>
-              <a:gd name="connsiteY25" fmla="*/ 241040 h 6985200"/>
-              <a:gd name="connsiteX26" fmla="*/ 2959914 w 6858001"/>
-              <a:gd name="connsiteY26" fmla="*/ 244234 h 6985200"/>
-              <a:gd name="connsiteX27" fmla="*/ 3095702 w 6858001"/>
-              <a:gd name="connsiteY27" fmla="*/ 247091 h 6985200"/>
-              <a:gd name="connsiteX28" fmla="*/ 3232862 w 6858001"/>
-              <a:gd name="connsiteY28" fmla="*/ 250117 h 6985200"/>
-              <a:gd name="connsiteX29" fmla="*/ 3372766 w 6858001"/>
-              <a:gd name="connsiteY29" fmla="*/ 252134 h 6985200"/>
-              <a:gd name="connsiteX30" fmla="*/ 3514040 w 6858001"/>
-              <a:gd name="connsiteY30" fmla="*/ 252134 h 6985200"/>
-              <a:gd name="connsiteX31" fmla="*/ 3656686 w 6858001"/>
-              <a:gd name="connsiteY31" fmla="*/ 253142 h 6985200"/>
-              <a:gd name="connsiteX32" fmla="*/ 3800705 w 6858001"/>
-              <a:gd name="connsiteY32" fmla="*/ 252134 h 6985200"/>
-              <a:gd name="connsiteX33" fmla="*/ 3946780 w 6858001"/>
-              <a:gd name="connsiteY33" fmla="*/ 250117 h 6985200"/>
-              <a:gd name="connsiteX34" fmla="*/ 4092856 w 6858001"/>
-              <a:gd name="connsiteY34" fmla="*/ 248268 h 6985200"/>
-              <a:gd name="connsiteX35" fmla="*/ 4240988 w 6858001"/>
-              <a:gd name="connsiteY35" fmla="*/ 244234 h 6985200"/>
-              <a:gd name="connsiteX36" fmla="*/ 4390492 w 6858001"/>
-              <a:gd name="connsiteY36" fmla="*/ 240032 h 6985200"/>
-              <a:gd name="connsiteX37" fmla="*/ 4539997 w 6858001"/>
-              <a:gd name="connsiteY37" fmla="*/ 235157 h 6985200"/>
-              <a:gd name="connsiteX38" fmla="*/ 4690873 w 6858001"/>
-              <a:gd name="connsiteY38" fmla="*/ 228266 h 6985200"/>
-              <a:gd name="connsiteX39" fmla="*/ 4843120 w 6858001"/>
-              <a:gd name="connsiteY39" fmla="*/ 220029 h 6985200"/>
-              <a:gd name="connsiteX40" fmla="*/ 4996054 w 6858001"/>
-              <a:gd name="connsiteY40" fmla="*/ 212129 h 6985200"/>
-              <a:gd name="connsiteX41" fmla="*/ 5148987 w 6858001"/>
-              <a:gd name="connsiteY41" fmla="*/ 202044 h 6985200"/>
-              <a:gd name="connsiteX42" fmla="*/ 5303978 w 6858001"/>
-              <a:gd name="connsiteY42" fmla="*/ 189941 h 6985200"/>
-              <a:gd name="connsiteX43" fmla="*/ 5456911 w 6858001"/>
-              <a:gd name="connsiteY43" fmla="*/ 177839 h 6985200"/>
-              <a:gd name="connsiteX44" fmla="*/ 5612588 w 6858001"/>
-              <a:gd name="connsiteY44" fmla="*/ 163887 h 6985200"/>
-              <a:gd name="connsiteX45" fmla="*/ 5768950 w 6858001"/>
-              <a:gd name="connsiteY45" fmla="*/ 148591 h 6985200"/>
-              <a:gd name="connsiteX46" fmla="*/ 5923255 w 6858001"/>
-              <a:gd name="connsiteY46" fmla="*/ 132455 h 6985200"/>
-              <a:gd name="connsiteX47" fmla="*/ 6079618 w 6858001"/>
-              <a:gd name="connsiteY47" fmla="*/ 113629 h 6985200"/>
-              <a:gd name="connsiteX48" fmla="*/ 6235294 w 6858001"/>
-              <a:gd name="connsiteY48" fmla="*/ 93458 h 6985200"/>
-              <a:gd name="connsiteX49" fmla="*/ 6391657 w 6858001"/>
-              <a:gd name="connsiteY49" fmla="*/ 73455 h 6985200"/>
-              <a:gd name="connsiteX50" fmla="*/ 6547333 w 6858001"/>
-              <a:gd name="connsiteY50" fmla="*/ 50091 h 6985200"/>
-              <a:gd name="connsiteX51" fmla="*/ 6702324 w 6858001"/>
-              <a:gd name="connsiteY51" fmla="*/ 26222 h 6985200"/>
-            </a:gdLst>
-            <a:ahLst/>
-            <a:cxnLst>
-              <a:cxn ang="0">
-                <a:pos x="connsiteX0" y="connsiteY0"/>
-              </a:cxn>
-              <a:cxn ang="0">
-                <a:pos x="connsiteX1" y="connsiteY1"/>
-              </a:cxn>
-              <a:cxn ang="0">
-                <a:pos x="connsiteX2" y="connsiteY2"/>
-              </a:cxn>
-              <a:cxn ang="0">
-                <a:pos x="connsiteX3" y="connsiteY3"/>
-              </a:cxn>
-              <a:cxn ang="0">
-                <a:pos x="connsiteX4" y="connsiteY4"/>
-              </a:cxn>
-              <a:cxn ang="0">
-                <a:pos x="connsiteX5" y="connsiteY5"/>
-              </a:cxn>
-              <a:cxn ang="0">
-                <a:pos x="connsiteX6" y="connsiteY6"/>
-              </a:cxn>
-              <a:cxn ang="0">
-                <a:pos x="connsiteX7" y="connsiteY7"/>
-              </a:cxn>
-              <a:cxn ang="0">
-                <a:pos x="connsiteX8" y="connsiteY8"/>
-              </a:cxn>
-              <a:cxn ang="0">
-                <a:pos x="connsiteX9" y="connsiteY9"/>
-              </a:cxn>
-              <a:cxn ang="0">
-                <a:pos x="connsiteX10" y="connsiteY10"/>
-              </a:cxn>
-              <a:cxn ang="0">
-                <a:pos x="connsiteX11" y="connsiteY11"/>
-              </a:cxn>
-              <a:cxn ang="0">
-                <a:pos x="connsiteX12" y="connsiteY12"/>
-              </a:cxn>
-              <a:cxn ang="0">
-                <a:pos x="connsiteX13" y="connsiteY13"/>
-              </a:cxn>
-              <a:cxn ang="0">
-                <a:pos x="connsiteX14" y="connsiteY14"/>
-              </a:cxn>
-              <a:cxn ang="0">
-                <a:pos x="connsiteX15" y="connsiteY15"/>
-              </a:cxn>
-              <a:cxn ang="0">
-                <a:pos x="connsiteX16" y="connsiteY16"/>
-              </a:cxn>
-              <a:cxn ang="0">
-                <a:pos x="connsiteX17" y="connsiteY17"/>
-              </a:cxn>
-              <a:cxn ang="0">
-                <a:pos x="connsiteX18" y="connsiteY18"/>
-              </a:cxn>
-              <a:cxn ang="0">
-                <a:pos x="connsiteX19" y="connsiteY19"/>
-              </a:cxn>
-              <a:cxn ang="0">
-                <a:pos x="connsiteX20" y="connsiteY20"/>
-              </a:cxn>
-              <a:cxn ang="0">
-                <a:pos x="connsiteX21" y="connsiteY21"/>
-              </a:cxn>
-              <a:cxn ang="0">
-                <a:pos x="connsiteX22" y="connsiteY22"/>
-              </a:cxn>
-              <a:cxn ang="0">
-                <a:pos x="connsiteX23" y="connsiteY23"/>
-              </a:cxn>
-              <a:cxn ang="0">
-                <a:pos x="connsiteX24" y="connsiteY24"/>
-              </a:cxn>
-              <a:cxn ang="0">
-                <a:pos x="connsiteX25" y="connsiteY25"/>
-              </a:cxn>
-              <a:cxn ang="0">
-                <a:pos x="connsiteX26" y="connsiteY26"/>
-              </a:cxn>
-              <a:cxn ang="0">
-                <a:pos x="connsiteX27" y="connsiteY27"/>
-              </a:cxn>
-              <a:cxn ang="0">
-                <a:pos x="connsiteX28" y="connsiteY28"/>
-              </a:cxn>
-              <a:cxn ang="0">
-                <a:pos x="connsiteX29" y="connsiteY29"/>
-              </a:cxn>
-              <a:cxn ang="0">
-                <a:pos x="connsiteX30" y="connsiteY30"/>
-              </a:cxn>
-              <a:cxn ang="0">
-                <a:pos x="connsiteX31" y="connsiteY31"/>
-              </a:cxn>
-              <a:cxn ang="0">
-                <a:pos x="connsiteX32" y="connsiteY32"/>
-              </a:cxn>
-              <a:cxn ang="0">
-                <a:pos x="connsiteX33" y="connsiteY33"/>
-              </a:cxn>
-              <a:cxn ang="0">
-                <a:pos x="connsiteX34" y="connsiteY34"/>
-              </a:cxn>
-              <a:cxn ang="0">
-                <a:pos x="connsiteX35" y="connsiteY35"/>
-              </a:cxn>
-              <a:cxn ang="0">
-                <a:pos x="connsiteX36" y="connsiteY36"/>
-              </a:cxn>
-              <a:cxn ang="0">
-                <a:pos x="connsiteX37" y="connsiteY37"/>
-              </a:cxn>
-              <a:cxn ang="0">
-                <a:pos x="connsiteX38" y="connsiteY38"/>
-              </a:cxn>
-              <a:cxn ang="0">
-                <a:pos x="connsiteX39" y="connsiteY39"/>
-              </a:cxn>
-              <a:cxn ang="0">
-                <a:pos x="connsiteX40" y="connsiteY40"/>
-              </a:cxn>
-              <a:cxn ang="0">
-                <a:pos x="connsiteX41" y="connsiteY41"/>
-              </a:cxn>
-              <a:cxn ang="0">
-                <a:pos x="connsiteX42" y="connsiteY42"/>
-              </a:cxn>
-              <a:cxn ang="0">
-                <a:pos x="connsiteX43" y="connsiteY43"/>
-              </a:cxn>
-              <a:cxn ang="0">
-                <a:pos x="connsiteX44" y="connsiteY44"/>
-              </a:cxn>
-              <a:cxn ang="0">
-                <a:pos x="connsiteX45" y="connsiteY45"/>
-              </a:cxn>
-              <a:cxn ang="0">
-                <a:pos x="connsiteX46" y="connsiteY46"/>
-              </a:cxn>
-              <a:cxn ang="0">
-                <a:pos x="connsiteX47" y="connsiteY47"/>
-              </a:cxn>
-              <a:cxn ang="0">
-                <a:pos x="connsiteX48" y="connsiteY48"/>
-              </a:cxn>
-              <a:cxn ang="0">
-                <a:pos x="connsiteX49" y="connsiteY49"/>
-              </a:cxn>
-              <a:cxn ang="0">
-                <a:pos x="connsiteX50" y="connsiteY50"/>
-              </a:cxn>
-              <a:cxn ang="0">
-                <a:pos x="connsiteX51" y="connsiteY51"/>
-              </a:cxn>
-            </a:cxnLst>
-            <a:rect l="l" t="t" r="r" b="b"/>
-            <a:pathLst>
-              <a:path w="6858001" h="6985200">
-                <a:moveTo>
-                  <a:pt x="6858001" y="1177"/>
-                </a:moveTo>
-                <a:lnTo>
-                  <a:pt x="6858001" y="1344715"/>
-                </a:lnTo>
-                <a:lnTo>
-                  <a:pt x="6858000" y="1344715"/>
-                </a:lnTo>
-                <a:lnTo>
-                  <a:pt x="6858000" y="6985200"/>
-                </a:lnTo>
-                <a:lnTo>
-                  <a:pt x="0" y="6985199"/>
-                </a:lnTo>
-                <a:lnTo>
-                  <a:pt x="0" y="887191"/>
-                </a:lnTo>
-                <a:lnTo>
-                  <a:pt x="1" y="887191"/>
-                </a:lnTo>
-                <a:lnTo>
-                  <a:pt x="1" y="0"/>
-                </a:lnTo>
-                <a:lnTo>
-                  <a:pt x="40463" y="5883"/>
-                </a:lnTo>
-                <a:lnTo>
-                  <a:pt x="159107" y="23196"/>
-                </a:lnTo>
-                <a:lnTo>
-                  <a:pt x="245518" y="35299"/>
-                </a:lnTo>
-                <a:lnTo>
-                  <a:pt x="348388" y="48073"/>
-                </a:lnTo>
-                <a:lnTo>
-                  <a:pt x="470460" y="63369"/>
-                </a:lnTo>
-                <a:lnTo>
-                  <a:pt x="605563" y="79506"/>
-                </a:lnTo>
-                <a:lnTo>
-                  <a:pt x="757810" y="96483"/>
-                </a:lnTo>
-                <a:lnTo>
-                  <a:pt x="923774" y="114469"/>
-                </a:lnTo>
-                <a:lnTo>
-                  <a:pt x="1104139" y="132454"/>
-                </a:lnTo>
-                <a:lnTo>
-                  <a:pt x="1296163" y="150776"/>
-                </a:lnTo>
-                <a:lnTo>
-                  <a:pt x="1503275" y="167753"/>
-                </a:lnTo>
-                <a:lnTo>
-                  <a:pt x="1719988" y="184058"/>
-                </a:lnTo>
-                <a:lnTo>
-                  <a:pt x="1949045" y="198849"/>
-                </a:lnTo>
-                <a:lnTo>
-                  <a:pt x="2187703" y="212969"/>
-                </a:lnTo>
-                <a:lnTo>
-                  <a:pt x="2436649" y="226248"/>
-                </a:lnTo>
-                <a:lnTo>
-                  <a:pt x="2564208" y="230955"/>
-                </a:lnTo>
-                <a:lnTo>
-                  <a:pt x="2694509" y="236165"/>
-                </a:lnTo>
-                <a:lnTo>
-                  <a:pt x="2826869" y="241040"/>
-                </a:lnTo>
-                <a:lnTo>
-                  <a:pt x="2959914" y="244234"/>
-                </a:lnTo>
-                <a:lnTo>
-                  <a:pt x="3095702" y="247091"/>
-                </a:lnTo>
-                <a:lnTo>
-                  <a:pt x="3232862" y="250117"/>
-                </a:lnTo>
-                <a:lnTo>
-                  <a:pt x="3372766" y="252134"/>
-                </a:lnTo>
-                <a:lnTo>
-                  <a:pt x="3514040" y="252134"/>
-                </a:lnTo>
-                <a:lnTo>
-                  <a:pt x="3656686" y="253142"/>
-                </a:lnTo>
-                <a:lnTo>
-                  <a:pt x="3800705" y="252134"/>
-                </a:lnTo>
-                <a:lnTo>
-                  <a:pt x="3946780" y="250117"/>
-                </a:lnTo>
-                <a:lnTo>
-                  <a:pt x="4092856" y="248268"/>
-                </a:lnTo>
-                <a:lnTo>
-                  <a:pt x="4240988" y="244234"/>
-                </a:lnTo>
-                <a:lnTo>
-                  <a:pt x="4390492" y="240032"/>
-                </a:lnTo>
-                <a:lnTo>
-                  <a:pt x="4539997" y="235157"/>
-                </a:lnTo>
-                <a:lnTo>
-                  <a:pt x="4690873" y="228266"/>
-                </a:lnTo>
-                <a:lnTo>
-                  <a:pt x="4843120" y="220029"/>
-                </a:lnTo>
-                <a:lnTo>
-                  <a:pt x="4996054" y="212129"/>
-                </a:lnTo>
-                <a:lnTo>
-                  <a:pt x="5148987" y="202044"/>
-                </a:lnTo>
-                <a:lnTo>
-                  <a:pt x="5303978" y="189941"/>
-                </a:lnTo>
-                <a:lnTo>
-                  <a:pt x="5456911" y="177839"/>
-                </a:lnTo>
-                <a:lnTo>
-                  <a:pt x="5612588" y="163887"/>
-                </a:lnTo>
-                <a:lnTo>
-                  <a:pt x="5768950" y="148591"/>
-                </a:lnTo>
-                <a:lnTo>
-                  <a:pt x="5923255" y="132455"/>
-                </a:lnTo>
-                <a:lnTo>
-                  <a:pt x="6079618" y="113629"/>
-                </a:lnTo>
-                <a:lnTo>
-                  <a:pt x="6235294" y="93458"/>
-                </a:lnTo>
-                <a:lnTo>
-                  <a:pt x="6391657" y="73455"/>
-                </a:lnTo>
-                <a:lnTo>
-                  <a:pt x="6547333" y="50091"/>
-                </a:lnTo>
-                <a:lnTo>
-                  <a:pt x="6702324" y="26222"/>
-                </a:lnTo>
-                <a:close/>
-              </a:path>
-            </a:pathLst>
-          </a:custGeom>
-          <a:solidFill>
-            <a:srgbClr val="FFFFFF"/>
-          </a:solidFill>
-          <a:ln>
-            <a:noFill/>
-          </a:ln>
         </p:spPr>
-      </p:sp>
-      <p:sp>
-        <p:nvSpPr>
-          <p:cNvPr id="71" name="Freeform 23">
+        <p:txBody>
+          <a:bodyPr/>
+          <a:lstStyle/>
+          <a:p>
+            <a:r>
+              <a:rPr lang="en-US" dirty="0"/>
+              <a:t>Next Step</a:t>
+            </a:r>
+          </a:p>
+        </p:txBody>
+      </p:sp>
+      <p:sp>
+        <p:nvSpPr>
+          <p:cNvPr id="11" name="Content Placeholder 10">
             <a:extLst>
               <a:ext uri="{FF2B5EF4-FFF2-40B4-BE49-F238E27FC236}">
-                <a16:creationId xmlns:a16="http://schemas.microsoft.com/office/drawing/2014/main" id="{E8895FAA-0D03-43F6-9594-A8733552E281}"/>
-              </a:ext>
-              <a:ext uri="{C183D7F6-B498-43B3-948B-1728B52AA6E4}">
-                <adec:decorative xmlns:adec="http://schemas.microsoft.com/office/drawing/2017/decorative" val="1"/>
+                <a16:creationId xmlns:a16="http://schemas.microsoft.com/office/drawing/2014/main" id="{51FE356C-F969-4400-AF94-A12B01857EB0}"/>
               </a:ext>
             </a:extLst>
           </p:cNvPr>
           <p:cNvSpPr>
-            <a:spLocks noGrp="1" noRot="1" noChangeAspect="1" noMove="1" noResize="1" noEditPoints="1" noAdjustHandles="1" noChangeArrowheads="1" noChangeShapeType="1" noTextEdit="1"/>
+            <a:spLocks noGrp="1"/>
           </p:cNvSpPr>
           <p:nvPr>
-            <p:extLst>
-              <p:ext uri="{386F3935-93C4-4BCD-93E2-E3B085C9AB24}">
-                <p16:designElem xmlns:p16="http://schemas.microsoft.com/office/powerpoint/2015/main" val="1"/>
-              </p:ext>
-            </p:extLst>
+            <p:ph sz="quarter" idx="4"/>
           </p:nvPr>
         </p:nvSpPr>
         <p:spPr>
           <a:xfrm>
-            <a:off x="4994020" y="-1"/>
-            <a:ext cx="559472" cy="3709642"/>
+            <a:off x="5499650" y="1902369"/>
+            <a:ext cx="4396339" cy="3741738"/>
           </a:xfrm>
-          <a:custGeom>
-            <a:avLst/>
-            <a:gdLst>
-              <a:gd name="connsiteX0" fmla="*/ 0 w 559472"/>
-              <a:gd name="connsiteY0" fmla="*/ 0 h 3709642"/>
-              <a:gd name="connsiteX1" fmla="*/ 473952 w 559472"/>
-              <a:gd name="connsiteY1" fmla="*/ 0 h 3709642"/>
-              <a:gd name="connsiteX2" fmla="*/ 485840 w 559472"/>
-              <a:gd name="connsiteY2" fmla="*/ 161194 h 3709642"/>
-              <a:gd name="connsiteX3" fmla="*/ 523949 w 559472"/>
-              <a:gd name="connsiteY3" fmla="*/ 3672197 h 3709642"/>
-              <a:gd name="connsiteX4" fmla="*/ 454748 w 559472"/>
-              <a:gd name="connsiteY4" fmla="*/ 3709642 h 3709642"/>
-              <a:gd name="connsiteX5" fmla="*/ 448224 w 559472"/>
-              <a:gd name="connsiteY5" fmla="*/ 3510471 h 3709642"/>
-              <a:gd name="connsiteX6" fmla="*/ 443564 w 559472"/>
-              <a:gd name="connsiteY6" fmla="*/ 3408563 h 3709642"/>
-              <a:gd name="connsiteX7" fmla="*/ 438902 w 559472"/>
-              <a:gd name="connsiteY7" fmla="*/ 3304407 h 3709642"/>
-              <a:gd name="connsiteX8" fmla="*/ 433941 w 559472"/>
-              <a:gd name="connsiteY8" fmla="*/ 3198777 h 3709642"/>
-              <a:gd name="connsiteX9" fmla="*/ 427584 w 559472"/>
-              <a:gd name="connsiteY9" fmla="*/ 3092510 h 3709642"/>
-              <a:gd name="connsiteX10" fmla="*/ 420988 w 559472"/>
-              <a:gd name="connsiteY10" fmla="*/ 2984390 h 3709642"/>
-              <a:gd name="connsiteX11" fmla="*/ 414330 w 559472"/>
-              <a:gd name="connsiteY11" fmla="*/ 2874401 h 3709642"/>
-              <a:gd name="connsiteX12" fmla="*/ 406840 w 559472"/>
-              <a:gd name="connsiteY12" fmla="*/ 2762980 h 3709642"/>
-              <a:gd name="connsiteX13" fmla="*/ 397745 w 559472"/>
-              <a:gd name="connsiteY13" fmla="*/ 2650566 h 3709642"/>
-              <a:gd name="connsiteX14" fmla="*/ 389154 w 559472"/>
-              <a:gd name="connsiteY14" fmla="*/ 2536612 h 3709642"/>
-              <a:gd name="connsiteX15" fmla="*/ 379225 w 559472"/>
-              <a:gd name="connsiteY15" fmla="*/ 2421642 h 3709642"/>
-              <a:gd name="connsiteX16" fmla="*/ 368316 w 559472"/>
-              <a:gd name="connsiteY16" fmla="*/ 2305627 h 3709642"/>
-              <a:gd name="connsiteX17" fmla="*/ 357466 w 559472"/>
-              <a:gd name="connsiteY17" fmla="*/ 2189233 h 3709642"/>
-              <a:gd name="connsiteX18" fmla="*/ 344982 w 559472"/>
-              <a:gd name="connsiteY18" fmla="*/ 2071473 h 3709642"/>
-              <a:gd name="connsiteX19" fmla="*/ 332466 w 559472"/>
-              <a:gd name="connsiteY19" fmla="*/ 1952216 h 3709642"/>
-              <a:gd name="connsiteX20" fmla="*/ 319121 w 559472"/>
-              <a:gd name="connsiteY20" fmla="*/ 1833776 h 3709642"/>
-              <a:gd name="connsiteX21" fmla="*/ 304408 w 559472"/>
-              <a:gd name="connsiteY21" fmla="*/ 1713948 h 3709642"/>
-              <a:gd name="connsiteX22" fmla="*/ 288685 w 559472"/>
-              <a:gd name="connsiteY22" fmla="*/ 1592703 h 3709642"/>
-              <a:gd name="connsiteX23" fmla="*/ 273050 w 559472"/>
-              <a:gd name="connsiteY23" fmla="*/ 1471451 h 3709642"/>
-              <a:gd name="connsiteX24" fmla="*/ 255813 w 559472"/>
-              <a:gd name="connsiteY24" fmla="*/ 1350328 h 3709642"/>
-              <a:gd name="connsiteX25" fmla="*/ 237060 w 559472"/>
-              <a:gd name="connsiteY25" fmla="*/ 1227080 h 3709642"/>
-              <a:gd name="connsiteX26" fmla="*/ 218488 w 559472"/>
-              <a:gd name="connsiteY26" fmla="*/ 1106065 h 3709642"/>
-              <a:gd name="connsiteX27" fmla="*/ 198221 w 559472"/>
-              <a:gd name="connsiteY27" fmla="*/ 982940 h 3709642"/>
-              <a:gd name="connsiteX28" fmla="*/ 177152 w 559472"/>
-              <a:gd name="connsiteY28" fmla="*/ 858755 h 3709642"/>
-              <a:gd name="connsiteX29" fmla="*/ 155551 w 559472"/>
-              <a:gd name="connsiteY29" fmla="*/ 736861 h 3709642"/>
-              <a:gd name="connsiteX30" fmla="*/ 131782 w 559472"/>
-              <a:gd name="connsiteY30" fmla="*/ 613645 h 3709642"/>
-              <a:gd name="connsiteX31" fmla="*/ 107123 w 559472"/>
-              <a:gd name="connsiteY31" fmla="*/ 490500 h 3709642"/>
-              <a:gd name="connsiteX32" fmla="*/ 82552 w 559472"/>
-              <a:gd name="connsiteY32" fmla="*/ 367348 h 3709642"/>
-              <a:gd name="connsiteX33" fmla="*/ 55608 w 559472"/>
-              <a:gd name="connsiteY33" fmla="*/ 244762 h 3709642"/>
-              <a:gd name="connsiteX34" fmla="*/ 28130 w 559472"/>
-              <a:gd name="connsiteY34" fmla="*/ 122220 h 3709642"/>
-              <a:gd name="connsiteX35" fmla="*/ 0 w 559472"/>
-              <a:gd name="connsiteY35" fmla="*/ 0 h 3709642"/>
-            </a:gdLst>
-            <a:ahLst/>
-            <a:cxnLst>
-              <a:cxn ang="0">
-                <a:pos x="connsiteX0" y="connsiteY0"/>
-              </a:cxn>
-              <a:cxn ang="0">
-                <a:pos x="connsiteX1" y="connsiteY1"/>
-              </a:cxn>
-              <a:cxn ang="0">
-                <a:pos x="connsiteX2" y="connsiteY2"/>
-              </a:cxn>
-              <a:cxn ang="0">
-                <a:pos x="connsiteX3" y="connsiteY3"/>
-              </a:cxn>
-              <a:cxn ang="0">
-                <a:pos x="connsiteX4" y="connsiteY4"/>
-              </a:cxn>
-              <a:cxn ang="0">
-                <a:pos x="connsiteX5" y="connsiteY5"/>
-              </a:cxn>
-              <a:cxn ang="0">
-                <a:pos x="connsiteX6" y="connsiteY6"/>
-              </a:cxn>
-              <a:cxn ang="0">
-                <a:pos x="connsiteX7" y="connsiteY7"/>
-              </a:cxn>
-              <a:cxn ang="0">
-                <a:pos x="connsiteX8" y="connsiteY8"/>
-              </a:cxn>
-              <a:cxn ang="0">
-                <a:pos x="connsiteX9" y="connsiteY9"/>
-              </a:cxn>
-              <a:cxn ang="0">
-                <a:pos x="connsiteX10" y="connsiteY10"/>
-              </a:cxn>
-              <a:cxn ang="0">
-                <a:pos x="connsiteX11" y="connsiteY11"/>
-              </a:cxn>
-              <a:cxn ang="0">
-                <a:pos x="connsiteX12" y="connsiteY12"/>
-              </a:cxn>
-              <a:cxn ang="0">
-                <a:pos x="connsiteX13" y="connsiteY13"/>
-              </a:cxn>
-              <a:cxn ang="0">
-                <a:pos x="connsiteX14" y="connsiteY14"/>
-              </a:cxn>
-              <a:cxn ang="0">
-                <a:pos x="connsiteX15" y="connsiteY15"/>
-              </a:cxn>
-              <a:cxn ang="0">
-                <a:pos x="connsiteX16" y="connsiteY16"/>
-              </a:cxn>
-              <a:cxn ang="0">
-                <a:pos x="connsiteX17" y="connsiteY17"/>
-              </a:cxn>
-              <a:cxn ang="0">
-                <a:pos x="connsiteX18" y="connsiteY18"/>
-              </a:cxn>
-              <a:cxn ang="0">
-                <a:pos x="connsiteX19" y="connsiteY19"/>
-              </a:cxn>
-              <a:cxn ang="0">
-                <a:pos x="connsiteX20" y="connsiteY20"/>
-              </a:cxn>
-              <a:cxn ang="0">
-                <a:pos x="connsiteX21" y="connsiteY21"/>
-              </a:cxn>
-              <a:cxn ang="0">
-                <a:pos x="connsiteX22" y="connsiteY22"/>
-              </a:cxn>
-              <a:cxn ang="0">
-                <a:pos x="connsiteX23" y="connsiteY23"/>
-              </a:cxn>
-              <a:cxn ang="0">
-                <a:pos x="connsiteX24" y="connsiteY24"/>
-              </a:cxn>
-              <a:cxn ang="0">
-                <a:pos x="connsiteX25" y="connsiteY25"/>
-              </a:cxn>
-              <a:cxn ang="0">
-                <a:pos x="connsiteX26" y="connsiteY26"/>
-              </a:cxn>
-              <a:cxn ang="0">
-                <a:pos x="connsiteX27" y="connsiteY27"/>
-              </a:cxn>
-              <a:cxn ang="0">
-                <a:pos x="connsiteX28" y="connsiteY28"/>
-              </a:cxn>
-              <a:cxn ang="0">
-                <a:pos x="connsiteX29" y="connsiteY29"/>
-              </a:cxn>
-              <a:cxn ang="0">
-                <a:pos x="connsiteX30" y="connsiteY30"/>
-              </a:cxn>
-              <a:cxn ang="0">
-                <a:pos x="connsiteX31" y="connsiteY31"/>
-              </a:cxn>
-              <a:cxn ang="0">
-                <a:pos x="connsiteX32" y="connsiteY32"/>
-              </a:cxn>
-              <a:cxn ang="0">
-                <a:pos x="connsiteX33" y="connsiteY33"/>
-              </a:cxn>
-              <a:cxn ang="0">
-                <a:pos x="connsiteX34" y="connsiteY34"/>
-              </a:cxn>
-              <a:cxn ang="0">
-                <a:pos x="connsiteX35" y="connsiteY35"/>
-              </a:cxn>
-            </a:cxnLst>
-            <a:rect l="l" t="t" r="r" b="b"/>
-            <a:pathLst>
-              <a:path w="559472" h="3709642">
-                <a:moveTo>
-                  <a:pt x="0" y="0"/>
-                </a:moveTo>
-                <a:lnTo>
-                  <a:pt x="473952" y="0"/>
-                </a:lnTo>
-                <a:lnTo>
-                  <a:pt x="485840" y="161194"/>
-                </a:lnTo>
-                <a:cubicBezTo>
-                  <a:pt x="552063" y="1147770"/>
-                  <a:pt x="592441" y="3086737"/>
-                  <a:pt x="523949" y="3672197"/>
-                </a:cubicBezTo>
-                <a:cubicBezTo>
-                  <a:pt x="500842" y="3684557"/>
-                  <a:pt x="477855" y="3697282"/>
-                  <a:pt x="454748" y="3709642"/>
-                </a:cubicBezTo>
-                <a:lnTo>
-                  <a:pt x="448224" y="3510471"/>
-                </a:lnTo>
-                <a:lnTo>
-                  <a:pt x="443564" y="3408563"/>
-                </a:lnTo>
-                <a:lnTo>
-                  <a:pt x="438902" y="3304407"/>
-                </a:lnTo>
-                <a:lnTo>
-                  <a:pt x="433941" y="3198777"/>
-                </a:lnTo>
-                <a:lnTo>
-                  <a:pt x="427584" y="3092510"/>
-                </a:lnTo>
-                <a:lnTo>
-                  <a:pt x="420988" y="2984390"/>
-                </a:lnTo>
-                <a:lnTo>
-                  <a:pt x="414330" y="2874401"/>
-                </a:lnTo>
-                <a:lnTo>
-                  <a:pt x="406840" y="2762980"/>
-                </a:lnTo>
-                <a:lnTo>
-                  <a:pt x="397745" y="2650566"/>
-                </a:lnTo>
-                <a:lnTo>
-                  <a:pt x="389154" y="2536612"/>
-                </a:lnTo>
-                <a:lnTo>
-                  <a:pt x="379225" y="2421642"/>
-                </a:lnTo>
-                <a:lnTo>
-                  <a:pt x="368316" y="2305627"/>
-                </a:lnTo>
-                <a:lnTo>
-                  <a:pt x="357466" y="2189233"/>
-                </a:lnTo>
-                <a:lnTo>
-                  <a:pt x="344982" y="2071473"/>
-                </a:lnTo>
-                <a:lnTo>
-                  <a:pt x="332466" y="1952216"/>
-                </a:lnTo>
-                <a:lnTo>
-                  <a:pt x="319121" y="1833776"/>
-                </a:lnTo>
-                <a:lnTo>
-                  <a:pt x="304408" y="1713948"/>
-                </a:lnTo>
-                <a:lnTo>
-                  <a:pt x="288685" y="1592703"/>
-                </a:lnTo>
-                <a:lnTo>
-                  <a:pt x="273050" y="1471451"/>
-                </a:lnTo>
-                <a:lnTo>
-                  <a:pt x="255813" y="1350328"/>
-                </a:lnTo>
-                <a:lnTo>
-                  <a:pt x="237060" y="1227080"/>
-                </a:lnTo>
-                <a:lnTo>
-                  <a:pt x="218488" y="1106065"/>
-                </a:lnTo>
-                <a:lnTo>
-                  <a:pt x="198221" y="982940"/>
-                </a:lnTo>
-                <a:lnTo>
-                  <a:pt x="177152" y="858755"/>
-                </a:lnTo>
-                <a:lnTo>
-                  <a:pt x="155551" y="736861"/>
-                </a:lnTo>
-                <a:lnTo>
-                  <a:pt x="131782" y="613645"/>
-                </a:lnTo>
-                <a:lnTo>
-                  <a:pt x="107123" y="490500"/>
-                </a:lnTo>
-                <a:lnTo>
-                  <a:pt x="82552" y="367348"/>
-                </a:lnTo>
-                <a:lnTo>
-                  <a:pt x="55608" y="244762"/>
-                </a:lnTo>
-                <a:lnTo>
-                  <a:pt x="28130" y="122220"/>
-                </a:lnTo>
-                <a:lnTo>
-                  <a:pt x="0" y="0"/>
-                </a:lnTo>
-                <a:close/>
-              </a:path>
-            </a:pathLst>
-          </a:custGeom>
-          <a:solidFill>
-            <a:schemeClr val="tx1">
-              <a:alpha val="20000"/>
-            </a:schemeClr>
-          </a:solidFill>
-          <a:ln>
-            <a:noFill/>
-          </a:ln>
         </p:spPr>
         <p:txBody>
-          <a:bodyPr rtlCol="0" anchor="ctr"/>
+          <a:bodyPr/>
           <a:lstStyle/>
           <a:p>
-            <a:pPr algn="ctr"/>
-            <a:endParaRPr lang="en-US"/>
-          </a:p>
-        </p:txBody>
-      </p:sp>
-      <p:pic>
-        <p:nvPicPr>
-          <p:cNvPr id="9" name="Content Placeholder 13" descr="A close up of a map&#10;&#10;Description automatically generated">
-            <a:extLst>
-              <a:ext uri="{FF2B5EF4-FFF2-40B4-BE49-F238E27FC236}">
-                <a16:creationId xmlns:a16="http://schemas.microsoft.com/office/drawing/2014/main" id="{C1F1B249-3FA7-473A-8751-B3222A5C77A3}"/>
-              </a:ext>
-            </a:extLst>
-          </p:cNvPr>
-          <p:cNvPicPr>
-            <a:picLocks noChangeAspect="1"/>
-          </p:cNvPicPr>
-          <p:nvPr/>
-        </p:nvPicPr>
-        <p:blipFill>
-          <a:blip r:embed="rId7"/>
-          <a:stretch>
-            <a:fillRect/>
-          </a:stretch>
-        </p:blipFill>
-        <p:spPr>
-          <a:xfrm>
-            <a:off x="5553492" y="76200"/>
-            <a:ext cx="5990389" cy="2741608"/>
-          </a:xfrm>
-          <a:prstGeom prst="rect">
-            <a:avLst/>
-          </a:prstGeom>
-          <a:effectLst/>
-        </p:spPr>
-      </p:pic>
-      <p:sp>
-        <p:nvSpPr>
-          <p:cNvPr id="73" name="Rectangle 72">
-            <a:extLst>
-              <a:ext uri="{FF2B5EF4-FFF2-40B4-BE49-F238E27FC236}">
-                <a16:creationId xmlns:a16="http://schemas.microsoft.com/office/drawing/2014/main" id="{918FB696-BC5E-43A4-9768-4BB5278BDC9A}"/>
-              </a:ext>
-              <a:ext uri="{C183D7F6-B498-43B3-948B-1728B52AA6E4}">
-                <adec:decorative xmlns:adec="http://schemas.microsoft.com/office/drawing/2017/decorative" val="1"/>
-              </a:ext>
-            </a:extLst>
-          </p:cNvPr>
-          <p:cNvSpPr>
-            <a:spLocks noGrp="1" noRot="1" noChangeAspect="1" noMove="1" noResize="1" noEditPoints="1" noAdjustHandles="1" noChangeArrowheads="1" noChangeShapeType="1" noTextEdit="1"/>
-          </p:cNvSpPr>
-          <p:nvPr>
-            <p:extLst>
-              <p:ext uri="{386F3935-93C4-4BCD-93E2-E3B085C9AB24}">
-                <p16:designElem xmlns:p16="http://schemas.microsoft.com/office/powerpoint/2015/main" val="1"/>
-              </p:ext>
-            </p:extLst>
-          </p:nvPr>
-        </p:nvSpPr>
-        <p:spPr>
-          <a:xfrm>
-            <a:off x="10442448" y="0"/>
-            <a:ext cx="685800" cy="1143000"/>
-          </a:xfrm>
-          <a:prstGeom prst="rect">
-            <a:avLst/>
-          </a:prstGeom>
-          <a:solidFill>
-            <a:schemeClr val="accent1"/>
-          </a:solidFill>
-          <a:ln>
-            <a:noFill/>
-          </a:ln>
-        </p:spPr>
-        <p:style>
-          <a:lnRef idx="1">
-            <a:schemeClr val="accent1"/>
-          </a:lnRef>
-          <a:fillRef idx="3">
-            <a:schemeClr val="accent1"/>
-          </a:fillRef>
-          <a:effectRef idx="2">
-            <a:schemeClr val="accent1"/>
-          </a:effectRef>
-          <a:fontRef idx="minor">
-            <a:schemeClr val="lt1"/>
-          </a:fontRef>
-        </p:style>
-      </p:sp>
-      <p:pic>
-        <p:nvPicPr>
-          <p:cNvPr id="8" name="Content Placeholder 7" descr="A screenshot of a cell phone&#10;&#10;Description automatically generated">
-            <a:extLst>
-              <a:ext uri="{FF2B5EF4-FFF2-40B4-BE49-F238E27FC236}">
-                <a16:creationId xmlns:a16="http://schemas.microsoft.com/office/drawing/2014/main" id="{E6754C0B-D4DA-4361-A4BB-926E51034FB7}"/>
-              </a:ext>
-            </a:extLst>
-          </p:cNvPr>
-          <p:cNvPicPr>
-            <a:picLocks noGrp="1" noChangeAspect="1"/>
-          </p:cNvPicPr>
-          <p:nvPr>
-            <p:ph sz="half" idx="1"/>
-          </p:nvPr>
-        </p:nvPicPr>
-        <p:blipFill>
-          <a:blip r:embed="rId8"/>
-          <a:stretch>
-            <a:fillRect/>
-          </a:stretch>
-        </p:blipFill>
-        <p:spPr>
-          <a:xfrm>
-            <a:off x="4994020" y="2892347"/>
-            <a:ext cx="7767823" cy="3709642"/>
-          </a:xfrm>
-          <a:prstGeom prst="rect">
-            <a:avLst/>
-          </a:prstGeom>
-          <a:effectLst/>
-        </p:spPr>
-      </p:pic>
-      <p:sp>
-        <p:nvSpPr>
-          <p:cNvPr id="14" name="TextBox 13">
-            <a:extLst>
-              <a:ext uri="{FF2B5EF4-FFF2-40B4-BE49-F238E27FC236}">
-                <a16:creationId xmlns:a16="http://schemas.microsoft.com/office/drawing/2014/main" id="{ECCAB405-9841-45A4-99C9-2E31A8766B6C}"/>
-              </a:ext>
-            </a:extLst>
-          </p:cNvPr>
-          <p:cNvSpPr txBox="1"/>
-          <p:nvPr/>
-        </p:nvSpPr>
-        <p:spPr>
-          <a:xfrm>
-            <a:off x="5923721" y="2968487"/>
-            <a:ext cx="914400" cy="914400"/>
-          </a:xfrm>
-          <a:prstGeom prst="rect">
-            <a:avLst/>
-          </a:prstGeom>
-          <a:noFill/>
-        </p:spPr>
-        <p:txBody>
-          <a:bodyPr wrap="square" rtlCol="0">
-            <a:spAutoFit/>
-          </a:bodyPr>
-          <a:lstStyle/>
-          <a:p>
-            <a:endParaRPr lang="en-US" dirty="0"/>
-          </a:p>
-        </p:txBody>
-      </p:sp>
-      <p:sp>
-        <p:nvSpPr>
-          <p:cNvPr id="16" name="TextBox 15">
-            <a:extLst>
-              <a:ext uri="{FF2B5EF4-FFF2-40B4-BE49-F238E27FC236}">
-                <a16:creationId xmlns:a16="http://schemas.microsoft.com/office/drawing/2014/main" id="{4104F0CE-587F-458D-84AD-DF828483F946}"/>
-              </a:ext>
-            </a:extLst>
-          </p:cNvPr>
-          <p:cNvSpPr txBox="1"/>
-          <p:nvPr/>
-        </p:nvSpPr>
-        <p:spPr>
-          <a:xfrm>
-            <a:off x="356873" y="1870721"/>
-            <a:ext cx="4382453" cy="1754326"/>
-          </a:xfrm>
-          <a:prstGeom prst="rect">
-            <a:avLst/>
-          </a:prstGeom>
-          <a:noFill/>
-        </p:spPr>
-        <p:txBody>
-          <a:bodyPr wrap="square" rtlCol="0">
-            <a:spAutoFit/>
-          </a:bodyPr>
-          <a:lstStyle/>
-          <a:p>
-            <a:pPr marL="285750" indent="-285750">
-              <a:buFont typeface="Arial" panose="020B0604020202020204" pitchFamily="34" charset="0"/>
-              <a:buChar char="•"/>
-            </a:pPr>
             <a:r>
               <a:rPr lang="en-US" dirty="0"/>
-              <a:t>The last six months of data set are May – October, and the sales are at the lowest during the year at this period. </a:t>
+              <a:t>Creating a time series model containing  all the potential features in the data. </a:t>
             </a:r>
-          </a:p>
-          <a:p>
-            <a:endParaRPr lang="en-US" dirty="0"/>
-          </a:p>
-          <a:p>
-            <a:endParaRPr lang="en-US" dirty="0"/>
-          </a:p>
-        </p:txBody>
-      </p:sp>
-      <p:sp>
-        <p:nvSpPr>
-          <p:cNvPr id="20" name="TextBox 19">
-            <a:extLst>
-              <a:ext uri="{FF2B5EF4-FFF2-40B4-BE49-F238E27FC236}">
-                <a16:creationId xmlns:a16="http://schemas.microsoft.com/office/drawing/2014/main" id="{8B94AFC9-08DA-4FF8-8AA2-F5DD13CC0495}"/>
-              </a:ext>
-            </a:extLst>
-          </p:cNvPr>
-          <p:cNvSpPr txBox="1"/>
-          <p:nvPr/>
-        </p:nvSpPr>
-        <p:spPr>
-          <a:xfrm>
-            <a:off x="356873" y="4499113"/>
-            <a:ext cx="4001271" cy="1754326"/>
-          </a:xfrm>
-          <a:prstGeom prst="rect">
-            <a:avLst/>
-          </a:prstGeom>
-          <a:noFill/>
-        </p:spPr>
-        <p:txBody>
-          <a:bodyPr wrap="square" rtlCol="0">
-            <a:spAutoFit/>
-          </a:bodyPr>
-          <a:lstStyle/>
-          <a:p>
-            <a:pPr marL="285750" indent="-285750">
-              <a:buFont typeface="Arial" panose="020B0604020202020204" pitchFamily="34" charset="0"/>
-              <a:buChar char="•"/>
-            </a:pPr>
-            <a:r>
-              <a:rPr lang="en-US" dirty="0"/>
-              <a:t>After running a time series forecasting model on the monthly sales data, the forecasting results from the model was 70% accurate.</a:t>
-            </a:r>
-          </a:p>
-          <a:p>
-            <a:endParaRPr lang="en-US" dirty="0"/>
           </a:p>
         </p:txBody>
       </p:sp>
     </p:spTree>
     <p:extLst>
       <p:ext uri="{BB962C8B-B14F-4D97-AF65-F5344CB8AC3E}">
-        <p14:creationId xmlns:p14="http://schemas.microsoft.com/office/powerpoint/2010/main" val="4134395294"/>
+        <p14:creationId xmlns:p14="http://schemas.microsoft.com/office/powerpoint/2010/main" val="903371911"/>
       </p:ext>
     </p:extLst>
   </p:cSld>
@@ -14089,7 +15075,7 @@
                             </p:stCondLst>
                             <p:childTnLst>
                               <p:par>
-                                <p:cTn id="5" presetID="2" presetClass="entr" presetSubtype="4" fill="hold" nodeType="clickEffect">
+                                <p:cTn id="5" presetID="2" presetClass="entr" presetSubtype="4" fill="hold" grpId="0" nodeType="clickEffect">
                                   <p:stCondLst>
                                     <p:cond delay="0"/>
                                   </p:stCondLst>
@@ -14102,7 +15088,11 @@
                                           </p:stCondLst>
                                         </p:cTn>
                                         <p:tgtEl>
-                                          <p:spTgt spid="8"/>
+                                          <p:spTgt spid="10">
+                                            <p:txEl>
+                                              <p:pRg st="0" end="0"/>
+                                            </p:txEl>
+                                          </p:spTgt>
                                         </p:tgtEl>
                                         <p:attrNameLst>
                                           <p:attrName>style.visibility</p:attrName>
@@ -14116,7 +15106,11 @@
                                       <p:cBhvr additive="base">
                                         <p:cTn id="7" dur="500" fill="hold"/>
                                         <p:tgtEl>
-                                          <p:spTgt spid="8"/>
+                                          <p:spTgt spid="10">
+                                            <p:txEl>
+                                              <p:pRg st="0" end="0"/>
+                                            </p:txEl>
+                                          </p:spTgt>
                                         </p:tgtEl>
                                         <p:attrNameLst>
                                           <p:attrName>ppt_x</p:attrName>
@@ -14139,7 +15133,114 @@
                                       <p:cBhvr additive="base">
                                         <p:cTn id="8" dur="500" fill="hold"/>
                                         <p:tgtEl>
-                                          <p:spTgt spid="8"/>
+                                          <p:spTgt spid="10">
+                                            <p:txEl>
+                                              <p:pRg st="0" end="0"/>
+                                            </p:txEl>
+                                          </p:spTgt>
+                                        </p:tgtEl>
+                                        <p:attrNameLst>
+                                          <p:attrName>ppt_y</p:attrName>
+                                        </p:attrNameLst>
+                                      </p:cBhvr>
+                                      <p:tavLst>
+                                        <p:tav tm="0">
+                                          <p:val>
+                                            <p:strVal val="1+#ppt_h/2"/>
+                                          </p:val>
+                                        </p:tav>
+                                        <p:tav tm="100000">
+                                          <p:val>
+                                            <p:strVal val="#ppt_y"/>
+                                          </p:val>
+                                        </p:tav>
+                                      </p:tavLst>
+                                    </p:anim>
+                                  </p:childTnLst>
+                                </p:cTn>
+                              </p:par>
+                            </p:childTnLst>
+                          </p:cTn>
+                        </p:par>
+                      </p:childTnLst>
+                    </p:cTn>
+                  </p:par>
+                  <p:par>
+                    <p:cTn id="9" fill="hold">
+                      <p:stCondLst>
+                        <p:cond delay="indefinite"/>
+                      </p:stCondLst>
+                      <p:childTnLst>
+                        <p:par>
+                          <p:cTn id="10" fill="hold">
+                            <p:stCondLst>
+                              <p:cond delay="0"/>
+                            </p:stCondLst>
+                            <p:childTnLst>
+                              <p:par>
+                                <p:cTn id="11" presetID="2" presetClass="entr" presetSubtype="4" fill="hold" grpId="0" nodeType="clickEffect">
+                                  <p:stCondLst>
+                                    <p:cond delay="0"/>
+                                  </p:stCondLst>
+                                  <p:childTnLst>
+                                    <p:set>
+                                      <p:cBhvr>
+                                        <p:cTn id="12" dur="1" fill="hold">
+                                          <p:stCondLst>
+                                            <p:cond delay="0"/>
+                                          </p:stCondLst>
+                                        </p:cTn>
+                                        <p:tgtEl>
+                                          <p:spTgt spid="11">
+                                            <p:txEl>
+                                              <p:pRg st="0" end="0"/>
+                                            </p:txEl>
+                                          </p:spTgt>
+                                        </p:tgtEl>
+                                        <p:attrNameLst>
+                                          <p:attrName>style.visibility</p:attrName>
+                                        </p:attrNameLst>
+                                      </p:cBhvr>
+                                      <p:to>
+                                        <p:strVal val="visible"/>
+                                      </p:to>
+                                    </p:set>
+                                    <p:anim calcmode="lin" valueType="num">
+                                      <p:cBhvr additive="base">
+                                        <p:cTn id="13" dur="500" fill="hold"/>
+                                        <p:tgtEl>
+                                          <p:spTgt spid="11">
+                                            <p:txEl>
+                                              <p:pRg st="0" end="0"/>
+                                            </p:txEl>
+                                          </p:spTgt>
+                                        </p:tgtEl>
+                                        <p:attrNameLst>
+                                          <p:attrName>ppt_x</p:attrName>
+                                        </p:attrNameLst>
+                                      </p:cBhvr>
+                                      <p:tavLst>
+                                        <p:tav tm="0">
+                                          <p:val>
+                                            <p:strVal val="#ppt_x"/>
+                                          </p:val>
+                                        </p:tav>
+                                        <p:tav tm="100000">
+                                          <p:val>
+                                            <p:strVal val="#ppt_x"/>
+                                          </p:val>
+                                        </p:tav>
+                                      </p:tavLst>
+                                    </p:anim>
+                                    <p:anim calcmode="lin" valueType="num">
+                                      <p:cBhvr additive="base">
+                                        <p:cTn id="14" dur="500" fill="hold"/>
+                                        <p:tgtEl>
+                                          <p:spTgt spid="11">
+                                            <p:txEl>
+                                              <p:pRg st="0" end="0"/>
+                                            </p:txEl>
+                                          </p:spTgt>
                                         </p:tgtEl>
                                         <p:attrNameLst>
                                           <p:attrName>ppt_y</p:attrName>
@@ -14188,1561 +15289,11 @@
         </p:cTn>
       </p:par>
     </p:tnLst>
+    <p:bldLst>
+      <p:bldP spid="10" grpId="0" build="p"/>
+      <p:bldP spid="11" grpId="0" build="p"/>
+    </p:bldLst>
   </p:timing>
-</p:sld>
-</file>
-
-<file path=ppt/slides/slide7.xml><?xml version="1.0" encoding="utf-8"?>
-<p:sld xmlns:a="http://schemas.openxmlformats.org/drawingml/2006/main" xmlns:r="http://schemas.openxmlformats.org/officeDocument/2006/relationships" xmlns:p="http://schemas.openxmlformats.org/presentationml/2006/main">
-  <p:cSld>
-    <p:bg>
-      <p:bgPr>
-        <a:solidFill>
-          <a:schemeClr val="bg1"/>
-        </a:solidFill>
-        <a:effectLst/>
-      </p:bgPr>
-    </p:bg>
-    <p:spTree>
-      <p:nvGrpSpPr>
-        <p:cNvPr id="1" name=""/>
-        <p:cNvGrpSpPr/>
-        <p:nvPr/>
-      </p:nvGrpSpPr>
-      <p:grpSpPr>
-        <a:xfrm>
-          <a:off x="0" y="0"/>
-          <a:ext cx="0" cy="0"/>
-          <a:chOff x="0" y="0"/>
-          <a:chExt cx="0" cy="0"/>
-        </a:xfrm>
-      </p:grpSpPr>
-      <p:pic>
-        <p:nvPicPr>
-          <p:cNvPr id="171" name="Picture 170">
-            <a:extLst>
-              <a:ext uri="{FF2B5EF4-FFF2-40B4-BE49-F238E27FC236}">
-                <a16:creationId xmlns:a16="http://schemas.microsoft.com/office/drawing/2014/main" id="{41B68C77-138E-4BF7-A276-BD0C78A4219F}"/>
-              </a:ext>
-              <a:ext uri="{C183D7F6-B498-43B3-948B-1728B52AA6E4}">
-                <adec:decorative xmlns:adec="http://schemas.microsoft.com/office/drawing/2017/decorative" val="1"/>
-              </a:ext>
-            </a:extLst>
-          </p:cNvPr>
-          <p:cNvPicPr>
-            <a:picLocks noGrp="1" noRot="1" noChangeAspect="1" noMove="1" noResize="1" noEditPoints="1" noAdjustHandles="1" noChangeArrowheads="1" noChangeShapeType="1" noCrop="1"/>
-          </p:cNvPicPr>
-          <p:nvPr>
-            <p:extLst>
-              <p:ext uri="{386F3935-93C4-4BCD-93E2-E3B085C9AB24}">
-                <p16:designElem xmlns:p16="http://schemas.microsoft.com/office/powerpoint/2015/main" val="1"/>
-              </p:ext>
-            </p:extLst>
-          </p:nvPr>
-        </p:nvPicPr>
-        <p:blipFill rotWithShape="1">
-          <a:blip r:embed="rId2">
-            <a:extLst>
-              <a:ext uri="{28A0092B-C50C-407E-A947-70E740481C1C}">
-                <a14:useLocalDpi xmlns:a14="http://schemas.microsoft.com/office/drawing/2010/main" val="0"/>
-              </a:ext>
-            </a:extLst>
-          </a:blip>
-          <a:srcRect l="3613"/>
-          <a:stretch/>
-        </p:blipFill>
-        <p:spPr>
-          <a:xfrm>
-            <a:off x="0" y="2669685"/>
-            <a:ext cx="4037012" cy="4188315"/>
-          </a:xfrm>
-          <a:prstGeom prst="rect">
-            <a:avLst/>
-          </a:prstGeom>
-        </p:spPr>
-      </p:pic>
-      <p:pic>
-        <p:nvPicPr>
-          <p:cNvPr id="173" name="Picture 172">
-            <a:extLst>
-              <a:ext uri="{FF2B5EF4-FFF2-40B4-BE49-F238E27FC236}">
-                <a16:creationId xmlns:a16="http://schemas.microsoft.com/office/drawing/2014/main" id="{7C268552-D473-46ED-B1B8-422042C4DEF1}"/>
-              </a:ext>
-              <a:ext uri="{C183D7F6-B498-43B3-948B-1728B52AA6E4}">
-                <adec:decorative xmlns:adec="http://schemas.microsoft.com/office/drawing/2017/decorative" val="1"/>
-              </a:ext>
-            </a:extLst>
-          </p:cNvPr>
-          <p:cNvPicPr>
-            <a:picLocks noGrp="1" noRot="1" noChangeAspect="1" noMove="1" noResize="1" noEditPoints="1" noAdjustHandles="1" noChangeArrowheads="1" noChangeShapeType="1" noCrop="1"/>
-          </p:cNvPicPr>
-          <p:nvPr>
-            <p:extLst>
-              <p:ext uri="{386F3935-93C4-4BCD-93E2-E3B085C9AB24}">
-                <p16:designElem xmlns:p16="http://schemas.microsoft.com/office/powerpoint/2015/main" val="1"/>
-              </p:ext>
-            </p:extLst>
-          </p:nvPr>
-        </p:nvPicPr>
-        <p:blipFill rotWithShape="1">
-          <a:blip r:embed="rId3">
-            <a:extLst>
-              <a:ext uri="{28A0092B-C50C-407E-A947-70E740481C1C}">
-                <a14:useLocalDpi xmlns:a14="http://schemas.microsoft.com/office/drawing/2010/main" val="0"/>
-              </a:ext>
-            </a:extLst>
-          </a:blip>
-          <a:srcRect l="35640"/>
-          <a:stretch/>
-        </p:blipFill>
-        <p:spPr>
-          <a:xfrm>
-            <a:off x="0" y="2892347"/>
-            <a:ext cx="1522412" cy="2365453"/>
-          </a:xfrm>
-          <a:prstGeom prst="rect">
-            <a:avLst/>
-          </a:prstGeom>
-        </p:spPr>
-      </p:pic>
-      <p:sp>
-        <p:nvSpPr>
-          <p:cNvPr id="175" name="Oval 174">
-            <a:extLst>
-              <a:ext uri="{FF2B5EF4-FFF2-40B4-BE49-F238E27FC236}">
-                <a16:creationId xmlns:a16="http://schemas.microsoft.com/office/drawing/2014/main" id="{4AC0CD9D-7610-4620-93B4-798CCD9AB581}"/>
-              </a:ext>
-              <a:ext uri="{C183D7F6-B498-43B3-948B-1728B52AA6E4}">
-                <adec:decorative xmlns:adec="http://schemas.microsoft.com/office/drawing/2017/decorative" val="1"/>
-              </a:ext>
-            </a:extLst>
-          </p:cNvPr>
-          <p:cNvSpPr>
-            <a:spLocks noGrp="1" noRot="1" noChangeAspect="1" noMove="1" noResize="1" noEditPoints="1" noAdjustHandles="1" noChangeArrowheads="1" noChangeShapeType="1" noTextEdit="1"/>
-          </p:cNvSpPr>
-          <p:nvPr>
-            <p:extLst>
-              <p:ext uri="{386F3935-93C4-4BCD-93E2-E3B085C9AB24}">
-                <p16:designElem xmlns:p16="http://schemas.microsoft.com/office/powerpoint/2015/main" val="1"/>
-              </p:ext>
-            </p:extLst>
-          </p:nvPr>
-        </p:nvSpPr>
-        <p:spPr>
-          <a:xfrm>
-            <a:off x="8609012" y="1676400"/>
-            <a:ext cx="2819400" cy="2819400"/>
-          </a:xfrm>
-          <a:prstGeom prst="ellipse">
-            <a:avLst/>
-          </a:prstGeom>
-          <a:gradFill flip="none" rotWithShape="1">
-            <a:gsLst>
-              <a:gs pos="0">
-                <a:schemeClr val="bg2">
-                  <a:lumMod val="60000"/>
-                  <a:lumOff val="40000"/>
-                  <a:alpha val="7000"/>
-                </a:schemeClr>
-              </a:gs>
-              <a:gs pos="69000">
-                <a:schemeClr val="bg2">
-                  <a:lumMod val="60000"/>
-                  <a:lumOff val="40000"/>
-                  <a:alpha val="0"/>
-                </a:schemeClr>
-              </a:gs>
-              <a:gs pos="36000">
-                <a:schemeClr val="bg2">
-                  <a:lumMod val="60000"/>
-                  <a:lumOff val="40000"/>
-                  <a:alpha val="6000"/>
-                </a:schemeClr>
-              </a:gs>
-            </a:gsLst>
-            <a:path path="circle">
-              <a:fillToRect l="50000" t="50000" r="50000" b="50000"/>
-            </a:path>
-            <a:tileRect/>
-          </a:gradFill>
-          <a:ln>
-            <a:noFill/>
-          </a:ln>
-          <a:effectLst/>
-        </p:spPr>
-        <p:style>
-          <a:lnRef idx="1">
-            <a:schemeClr val="accent1"/>
-          </a:lnRef>
-          <a:fillRef idx="3">
-            <a:schemeClr val="accent1"/>
-          </a:fillRef>
-          <a:effectRef idx="2">
-            <a:schemeClr val="accent1"/>
-          </a:effectRef>
-          <a:fontRef idx="minor">
-            <a:schemeClr val="lt1"/>
-          </a:fontRef>
-        </p:style>
-      </p:sp>
-      <p:pic>
-        <p:nvPicPr>
-          <p:cNvPr id="177" name="Picture 176">
-            <a:extLst>
-              <a:ext uri="{FF2B5EF4-FFF2-40B4-BE49-F238E27FC236}">
-                <a16:creationId xmlns:a16="http://schemas.microsoft.com/office/drawing/2014/main" id="{B9238B3E-24AA-439A-B527-6C5DF6D72145}"/>
-              </a:ext>
-              <a:ext uri="{C183D7F6-B498-43B3-948B-1728B52AA6E4}">
-                <adec:decorative xmlns:adec="http://schemas.microsoft.com/office/drawing/2017/decorative" val="1"/>
-              </a:ext>
-            </a:extLst>
-          </p:cNvPr>
-          <p:cNvPicPr>
-            <a:picLocks noGrp="1" noRot="1" noChangeAspect="1" noMove="1" noResize="1" noEditPoints="1" noAdjustHandles="1" noChangeArrowheads="1" noChangeShapeType="1" noCrop="1"/>
-          </p:cNvPicPr>
-          <p:nvPr>
-            <p:extLst>
-              <p:ext uri="{386F3935-93C4-4BCD-93E2-E3B085C9AB24}">
-                <p16:designElem xmlns:p16="http://schemas.microsoft.com/office/powerpoint/2015/main" val="1"/>
-              </p:ext>
-            </p:extLst>
-          </p:nvPr>
-        </p:nvPicPr>
-        <p:blipFill rotWithShape="1">
-          <a:blip r:embed="rId4">
-            <a:extLst>
-              <a:ext uri="{28A0092B-C50C-407E-A947-70E740481C1C}">
-                <a14:useLocalDpi xmlns:a14="http://schemas.microsoft.com/office/drawing/2010/main" val="0"/>
-              </a:ext>
-            </a:extLst>
-          </a:blip>
-          <a:srcRect t="28813"/>
-          <a:stretch/>
-        </p:blipFill>
-        <p:spPr>
-          <a:xfrm>
-            <a:off x="7999412" y="0"/>
-            <a:ext cx="1603387" cy="1141407"/>
-          </a:xfrm>
-          <a:prstGeom prst="rect">
-            <a:avLst/>
-          </a:prstGeom>
-        </p:spPr>
-      </p:pic>
-      <p:pic>
-        <p:nvPicPr>
-          <p:cNvPr id="179" name="Picture 178">
-            <a:extLst>
-              <a:ext uri="{FF2B5EF4-FFF2-40B4-BE49-F238E27FC236}">
-                <a16:creationId xmlns:a16="http://schemas.microsoft.com/office/drawing/2014/main" id="{69F01145-BEA3-4CBF-AA21-10077B948CA8}"/>
-              </a:ext>
-              <a:ext uri="{C183D7F6-B498-43B3-948B-1728B52AA6E4}">
-                <adec:decorative xmlns:adec="http://schemas.microsoft.com/office/drawing/2017/decorative" val="1"/>
-              </a:ext>
-            </a:extLst>
-          </p:cNvPr>
-          <p:cNvPicPr>
-            <a:picLocks noGrp="1" noRot="1" noChangeAspect="1" noMove="1" noResize="1" noEditPoints="1" noAdjustHandles="1" noChangeArrowheads="1" noChangeShapeType="1" noCrop="1"/>
-          </p:cNvPicPr>
-          <p:nvPr>
-            <p:extLst>
-              <p:ext uri="{386F3935-93C4-4BCD-93E2-E3B085C9AB24}">
-                <p16:designElem xmlns:p16="http://schemas.microsoft.com/office/powerpoint/2015/main" val="1"/>
-              </p:ext>
-            </p:extLst>
-          </p:nvPr>
-        </p:nvPicPr>
-        <p:blipFill rotWithShape="1">
-          <a:blip r:embed="rId5">
-            <a:extLst>
-              <a:ext uri="{28A0092B-C50C-407E-A947-70E740481C1C}">
-                <a14:useLocalDpi xmlns:a14="http://schemas.microsoft.com/office/drawing/2010/main" val="0"/>
-              </a:ext>
-            </a:extLst>
-          </a:blip>
-          <a:srcRect b="23320"/>
-          <a:stretch/>
-        </p:blipFill>
-        <p:spPr>
-          <a:xfrm>
-            <a:off x="8605878" y="6096000"/>
-            <a:ext cx="993734" cy="762000"/>
-          </a:xfrm>
-          <a:prstGeom prst="rect">
-            <a:avLst/>
-          </a:prstGeom>
-        </p:spPr>
-      </p:pic>
-      <p:sp>
-        <p:nvSpPr>
-          <p:cNvPr id="181" name="Rectangle 180">
-            <a:extLst>
-              <a:ext uri="{FF2B5EF4-FFF2-40B4-BE49-F238E27FC236}">
-                <a16:creationId xmlns:a16="http://schemas.microsoft.com/office/drawing/2014/main" id="{DE4D62F9-188E-4530-84C2-24BDEE4BEB82}"/>
-              </a:ext>
-              <a:ext uri="{C183D7F6-B498-43B3-948B-1728B52AA6E4}">
-                <adec:decorative xmlns:adec="http://schemas.microsoft.com/office/drawing/2017/decorative" val="1"/>
-              </a:ext>
-            </a:extLst>
-          </p:cNvPr>
-          <p:cNvSpPr>
-            <a:spLocks noGrp="1" noRot="1" noChangeAspect="1" noMove="1" noResize="1" noEditPoints="1" noAdjustHandles="1" noChangeArrowheads="1" noChangeShapeType="1" noTextEdit="1"/>
-          </p:cNvSpPr>
-          <p:nvPr>
-            <p:extLst>
-              <p:ext uri="{386F3935-93C4-4BCD-93E2-E3B085C9AB24}">
-                <p16:designElem xmlns:p16="http://schemas.microsoft.com/office/powerpoint/2015/main" val="1"/>
-              </p:ext>
-            </p:extLst>
-          </p:nvPr>
-        </p:nvSpPr>
-        <p:spPr>
-          <a:xfrm>
-            <a:off x="10437812" y="0"/>
-            <a:ext cx="685800" cy="1143000"/>
-          </a:xfrm>
-          <a:prstGeom prst="rect">
-            <a:avLst/>
-          </a:prstGeom>
-          <a:solidFill>
-            <a:schemeClr val="accent1"/>
-          </a:solidFill>
-          <a:ln>
-            <a:noFill/>
-          </a:ln>
-        </p:spPr>
-        <p:style>
-          <a:lnRef idx="1">
-            <a:schemeClr val="accent1"/>
-          </a:lnRef>
-          <a:fillRef idx="3">
-            <a:schemeClr val="accent1"/>
-          </a:fillRef>
-          <a:effectRef idx="2">
-            <a:schemeClr val="accent1"/>
-          </a:effectRef>
-          <a:fontRef idx="minor">
-            <a:schemeClr val="lt1"/>
-          </a:fontRef>
-        </p:style>
-      </p:sp>
-      <p:sp useBgFill="1">
-        <p:nvSpPr>
-          <p:cNvPr id="215" name="Rectangle 182">
-            <a:extLst>
-              <a:ext uri="{FF2B5EF4-FFF2-40B4-BE49-F238E27FC236}">
-                <a16:creationId xmlns:a16="http://schemas.microsoft.com/office/drawing/2014/main" id="{D27CF008-4B18-436D-B2D5-C1346C12438E}"/>
-              </a:ext>
-              <a:ext uri="{C183D7F6-B498-43B3-948B-1728B52AA6E4}">
-                <adec:decorative xmlns:adec="http://schemas.microsoft.com/office/drawing/2017/decorative" val="1"/>
-              </a:ext>
-            </a:extLst>
-          </p:cNvPr>
-          <p:cNvSpPr>
-            <a:spLocks noGrp="1" noRot="1" noChangeAspect="1" noMove="1" noResize="1" noEditPoints="1" noAdjustHandles="1" noChangeArrowheads="1" noChangeShapeType="1" noTextEdit="1"/>
-          </p:cNvSpPr>
-          <p:nvPr>
-            <p:extLst>
-              <p:ext uri="{386F3935-93C4-4BCD-93E2-E3B085C9AB24}">
-                <p16:designElem xmlns:p16="http://schemas.microsoft.com/office/powerpoint/2015/main" val="1"/>
-              </p:ext>
-            </p:extLst>
-          </p:nvPr>
-        </p:nvSpPr>
-        <p:spPr>
-          <a:xfrm>
-            <a:off x="0" y="-5"/>
-            <a:ext cx="12191695" cy="4730744"/>
-          </a:xfrm>
-          <a:prstGeom prst="rect">
-            <a:avLst/>
-          </a:prstGeom>
-          <a:ln>
-            <a:noFill/>
-          </a:ln>
-        </p:spPr>
-        <p:style>
-          <a:lnRef idx="2">
-            <a:schemeClr val="accent1">
-              <a:shade val="50000"/>
-            </a:schemeClr>
-          </a:lnRef>
-          <a:fillRef idx="1">
-            <a:schemeClr val="accent1"/>
-          </a:fillRef>
-          <a:effectRef idx="0">
-            <a:schemeClr val="accent1"/>
-          </a:effectRef>
-          <a:fontRef idx="minor">
-            <a:schemeClr val="lt1"/>
-          </a:fontRef>
-        </p:style>
-        <p:txBody>
-          <a:bodyPr rtlCol="0" anchor="ctr"/>
-          <a:lstStyle/>
-          <a:p>
-            <a:pPr algn="ctr"/>
-            <a:endParaRPr lang="en-US"/>
-          </a:p>
-        </p:txBody>
-      </p:sp>
-      <p:sp>
-        <p:nvSpPr>
-          <p:cNvPr id="185" name="Rectangle 184">
-            <a:extLst>
-              <a:ext uri="{FF2B5EF4-FFF2-40B4-BE49-F238E27FC236}">
-                <a16:creationId xmlns:a16="http://schemas.microsoft.com/office/drawing/2014/main" id="{CE22DAD8-5F67-4B73-ADA9-06EF381F7AD6}"/>
-              </a:ext>
-              <a:ext uri="{C183D7F6-B498-43B3-948B-1728B52AA6E4}">
-                <adec:decorative xmlns:adec="http://schemas.microsoft.com/office/drawing/2017/decorative" val="1"/>
-              </a:ext>
-            </a:extLst>
-          </p:cNvPr>
-          <p:cNvSpPr>
-            <a:spLocks noGrp="1" noRot="1" noChangeAspect="1" noMove="1" noResize="1" noEditPoints="1" noAdjustHandles="1" noChangeArrowheads="1" noChangeShapeType="1" noTextEdit="1"/>
-          </p:cNvSpPr>
-          <p:nvPr>
-            <p:extLst>
-              <p:ext uri="{386F3935-93C4-4BCD-93E2-E3B085C9AB24}">
-                <p16:designElem xmlns:p16="http://schemas.microsoft.com/office/powerpoint/2015/main" val="1"/>
-              </p:ext>
-            </p:extLst>
-          </p:nvPr>
-        </p:nvSpPr>
-        <p:spPr>
-          <a:xfrm>
-            <a:off x="10437812" y="0"/>
-            <a:ext cx="685800" cy="1143000"/>
-          </a:xfrm>
-          <a:prstGeom prst="rect">
-            <a:avLst/>
-          </a:prstGeom>
-          <a:solidFill>
-            <a:schemeClr val="accent1"/>
-          </a:solidFill>
-          <a:ln>
-            <a:noFill/>
-          </a:ln>
-        </p:spPr>
-        <p:style>
-          <a:lnRef idx="1">
-            <a:schemeClr val="accent1"/>
-          </a:lnRef>
-          <a:fillRef idx="3">
-            <a:schemeClr val="accent1"/>
-          </a:fillRef>
-          <a:effectRef idx="2">
-            <a:schemeClr val="accent1"/>
-          </a:effectRef>
-          <a:fontRef idx="minor">
-            <a:schemeClr val="lt1"/>
-          </a:fontRef>
-        </p:style>
-      </p:sp>
-      <p:sp>
-        <p:nvSpPr>
-          <p:cNvPr id="216" name="Freeform 16">
-            <a:extLst>
-              <a:ext uri="{FF2B5EF4-FFF2-40B4-BE49-F238E27FC236}">
-                <a16:creationId xmlns:a16="http://schemas.microsoft.com/office/drawing/2014/main" id="{E4F17063-EDA4-417B-946F-BA357F3B390D}"/>
-              </a:ext>
-              <a:ext uri="{C183D7F6-B498-43B3-948B-1728B52AA6E4}">
-                <adec:decorative xmlns:adec="http://schemas.microsoft.com/office/drawing/2017/decorative" val="1"/>
-              </a:ext>
-            </a:extLst>
-          </p:cNvPr>
-          <p:cNvSpPr>
-            <a:spLocks noGrp="1" noRot="1" noChangeAspect="1" noMove="1" noResize="1" noEditPoints="1" noAdjustHandles="1" noChangeArrowheads="1" noChangeShapeType="1" noTextEdit="1"/>
-          </p:cNvSpPr>
-          <p:nvPr>
-            <p:extLst>
-              <p:ext uri="{386F3935-93C4-4BCD-93E2-E3B085C9AB24}">
-                <p16:designElem xmlns:p16="http://schemas.microsoft.com/office/powerpoint/2015/main" val="1"/>
-              </p:ext>
-            </p:extLst>
-          </p:nvPr>
-        </p:nvSpPr>
-        <p:spPr>
-          <a:xfrm>
-            <a:off x="8719939" y="3753695"/>
-            <a:ext cx="3472060" cy="825932"/>
-          </a:xfrm>
-          <a:custGeom>
-            <a:avLst/>
-            <a:gdLst>
-              <a:gd name="connsiteX0" fmla="*/ 3470310 w 3472060"/>
-              <a:gd name="connsiteY0" fmla="*/ 0 h 825932"/>
-              <a:gd name="connsiteX1" fmla="*/ 3472060 w 3472060"/>
-              <a:gd name="connsiteY1" fmla="*/ 12850 h 825932"/>
-              <a:gd name="connsiteX2" fmla="*/ 3472060 w 3472060"/>
-              <a:gd name="connsiteY2" fmla="*/ 480529 h 825932"/>
-              <a:gd name="connsiteX3" fmla="*/ 3363699 w 3472060"/>
-              <a:gd name="connsiteY3" fmla="*/ 498471 h 825932"/>
-              <a:gd name="connsiteX4" fmla="*/ 42060 w 3472060"/>
-              <a:gd name="connsiteY4" fmla="*/ 824486 h 825932"/>
-              <a:gd name="connsiteX5" fmla="*/ 0 w 3472060"/>
-              <a:gd name="connsiteY5" fmla="*/ 758452 h 825932"/>
-              <a:gd name="connsiteX6" fmla="*/ 188014 w 3472060"/>
-              <a:gd name="connsiteY6" fmla="*/ 735602 h 825932"/>
-              <a:gd name="connsiteX7" fmla="*/ 284087 w 3472060"/>
-              <a:gd name="connsiteY7" fmla="*/ 722590 h 825932"/>
-              <a:gd name="connsiteX8" fmla="*/ 382288 w 3472060"/>
-              <a:gd name="connsiteY8" fmla="*/ 709392 h 825932"/>
-              <a:gd name="connsiteX9" fmla="*/ 481858 w 3472060"/>
-              <a:gd name="connsiteY9" fmla="*/ 695774 h 825932"/>
-              <a:gd name="connsiteX10" fmla="*/ 581897 w 3472060"/>
-              <a:gd name="connsiteY10" fmla="*/ 680711 h 825932"/>
-              <a:gd name="connsiteX11" fmla="*/ 683670 w 3472060"/>
-              <a:gd name="connsiteY11" fmla="*/ 665256 h 825932"/>
-              <a:gd name="connsiteX12" fmla="*/ 787206 w 3472060"/>
-              <a:gd name="connsiteY12" fmla="*/ 649587 h 825932"/>
-              <a:gd name="connsiteX13" fmla="*/ 892019 w 3472060"/>
-              <a:gd name="connsiteY13" fmla="*/ 632968 h 825932"/>
-              <a:gd name="connsiteX14" fmla="*/ 997620 w 3472060"/>
-              <a:gd name="connsiteY14" fmla="*/ 614667 h 825932"/>
-              <a:gd name="connsiteX15" fmla="*/ 1104727 w 3472060"/>
-              <a:gd name="connsiteY15" fmla="*/ 596741 h 825932"/>
-              <a:gd name="connsiteX16" fmla="*/ 1212669 w 3472060"/>
-              <a:gd name="connsiteY16" fmla="*/ 577397 h 825932"/>
-              <a:gd name="connsiteX17" fmla="*/ 1321506 w 3472060"/>
-              <a:gd name="connsiteY17" fmla="*/ 556988 h 825932"/>
-              <a:gd name="connsiteX18" fmla="*/ 1430709 w 3472060"/>
-              <a:gd name="connsiteY18" fmla="*/ 536607 h 825932"/>
-              <a:gd name="connsiteX19" fmla="*/ 1541050 w 3472060"/>
-              <a:gd name="connsiteY19" fmla="*/ 514481 h 825932"/>
-              <a:gd name="connsiteX20" fmla="*/ 1652805 w 3472060"/>
-              <a:gd name="connsiteY20" fmla="*/ 492202 h 825932"/>
-              <a:gd name="connsiteX21" fmla="*/ 1763708 w 3472060"/>
-              <a:gd name="connsiteY21" fmla="*/ 469161 h 825932"/>
-              <a:gd name="connsiteX22" fmla="*/ 1875795 w 3472060"/>
-              <a:gd name="connsiteY22" fmla="*/ 444641 h 825932"/>
-              <a:gd name="connsiteX23" fmla="*/ 1989128 w 3472060"/>
-              <a:gd name="connsiteY23" fmla="*/ 418995 h 825932"/>
-              <a:gd name="connsiteX24" fmla="*/ 2102476 w 3472060"/>
-              <a:gd name="connsiteY24" fmla="*/ 393438 h 825932"/>
-              <a:gd name="connsiteX25" fmla="*/ 2215549 w 3472060"/>
-              <a:gd name="connsiteY25" fmla="*/ 366291 h 825932"/>
-              <a:gd name="connsiteX26" fmla="*/ 2330490 w 3472060"/>
-              <a:gd name="connsiteY26" fmla="*/ 337455 h 825932"/>
-              <a:gd name="connsiteX27" fmla="*/ 2443333 w 3472060"/>
-              <a:gd name="connsiteY27" fmla="*/ 308983 h 825932"/>
-              <a:gd name="connsiteX28" fmla="*/ 2558014 w 3472060"/>
-              <a:gd name="connsiteY28" fmla="*/ 278646 h 825932"/>
-              <a:gd name="connsiteX29" fmla="*/ 2673621 w 3472060"/>
-              <a:gd name="connsiteY29" fmla="*/ 247421 h 825932"/>
-              <a:gd name="connsiteX30" fmla="*/ 2787008 w 3472060"/>
-              <a:gd name="connsiteY30" fmla="*/ 215853 h 825932"/>
-              <a:gd name="connsiteX31" fmla="*/ 2901442 w 3472060"/>
-              <a:gd name="connsiteY31" fmla="*/ 182011 h 825932"/>
-              <a:gd name="connsiteX32" fmla="*/ 3015722 w 3472060"/>
-              <a:gd name="connsiteY32" fmla="*/ 147286 h 825932"/>
-              <a:gd name="connsiteX33" fmla="*/ 3130018 w 3472060"/>
-              <a:gd name="connsiteY33" fmla="*/ 112649 h 825932"/>
-              <a:gd name="connsiteX34" fmla="*/ 3243551 w 3472060"/>
-              <a:gd name="connsiteY34" fmla="*/ 75688 h 825932"/>
-              <a:gd name="connsiteX35" fmla="*/ 3356992 w 3472060"/>
-              <a:gd name="connsiteY35" fmla="*/ 38197 h 825932"/>
-              <a:gd name="connsiteX36" fmla="*/ 3470310 w 3472060"/>
-              <a:gd name="connsiteY36" fmla="*/ 0 h 825932"/>
-            </a:gdLst>
-            <a:ahLst/>
-            <a:cxnLst>
-              <a:cxn ang="0">
-                <a:pos x="connsiteX0" y="connsiteY0"/>
-              </a:cxn>
-              <a:cxn ang="0">
-                <a:pos x="connsiteX1" y="connsiteY1"/>
-              </a:cxn>
-              <a:cxn ang="0">
-                <a:pos x="connsiteX2" y="connsiteY2"/>
-              </a:cxn>
-              <a:cxn ang="0">
-                <a:pos x="connsiteX3" y="connsiteY3"/>
-              </a:cxn>
-              <a:cxn ang="0">
-                <a:pos x="connsiteX4" y="connsiteY4"/>
-              </a:cxn>
-              <a:cxn ang="0">
-                <a:pos x="connsiteX5" y="connsiteY5"/>
-              </a:cxn>
-              <a:cxn ang="0">
-                <a:pos x="connsiteX6" y="connsiteY6"/>
-              </a:cxn>
-              <a:cxn ang="0">
-                <a:pos x="connsiteX7" y="connsiteY7"/>
-              </a:cxn>
-              <a:cxn ang="0">
-                <a:pos x="connsiteX8" y="connsiteY8"/>
-              </a:cxn>
-              <a:cxn ang="0">
-                <a:pos x="connsiteX9" y="connsiteY9"/>
-              </a:cxn>
-              <a:cxn ang="0">
-                <a:pos x="connsiteX10" y="connsiteY10"/>
-              </a:cxn>
-              <a:cxn ang="0">
-                <a:pos x="connsiteX11" y="connsiteY11"/>
-              </a:cxn>
-              <a:cxn ang="0">
-                <a:pos x="connsiteX12" y="connsiteY12"/>
-              </a:cxn>
-              <a:cxn ang="0">
-                <a:pos x="connsiteX13" y="connsiteY13"/>
-              </a:cxn>
-              <a:cxn ang="0">
-                <a:pos x="connsiteX14" y="connsiteY14"/>
-              </a:cxn>
-              <a:cxn ang="0">
-                <a:pos x="connsiteX15" y="connsiteY15"/>
-              </a:cxn>
-              <a:cxn ang="0">
-                <a:pos x="connsiteX16" y="connsiteY16"/>
-              </a:cxn>
-              <a:cxn ang="0">
-                <a:pos x="connsiteX17" y="connsiteY17"/>
-              </a:cxn>
-              <a:cxn ang="0">
-                <a:pos x="connsiteX18" y="connsiteY18"/>
-              </a:cxn>
-              <a:cxn ang="0">
-                <a:pos x="connsiteX19" y="connsiteY19"/>
-              </a:cxn>
-              <a:cxn ang="0">
-                <a:pos x="connsiteX20" y="connsiteY20"/>
-              </a:cxn>
-              <a:cxn ang="0">
-                <a:pos x="connsiteX21" y="connsiteY21"/>
-              </a:cxn>
-              <a:cxn ang="0">
-                <a:pos x="connsiteX22" y="connsiteY22"/>
-              </a:cxn>
-              <a:cxn ang="0">
-                <a:pos x="connsiteX23" y="connsiteY23"/>
-              </a:cxn>
-              <a:cxn ang="0">
-                <a:pos x="connsiteX24" y="connsiteY24"/>
-              </a:cxn>
-              <a:cxn ang="0">
-                <a:pos x="connsiteX25" y="connsiteY25"/>
-              </a:cxn>
-              <a:cxn ang="0">
-                <a:pos x="connsiteX26" y="connsiteY26"/>
-              </a:cxn>
-              <a:cxn ang="0">
-                <a:pos x="connsiteX27" y="connsiteY27"/>
-              </a:cxn>
-              <a:cxn ang="0">
-                <a:pos x="connsiteX28" y="connsiteY28"/>
-              </a:cxn>
-              <a:cxn ang="0">
-                <a:pos x="connsiteX29" y="connsiteY29"/>
-              </a:cxn>
-              <a:cxn ang="0">
-                <a:pos x="connsiteX30" y="connsiteY30"/>
-              </a:cxn>
-              <a:cxn ang="0">
-                <a:pos x="connsiteX31" y="connsiteY31"/>
-              </a:cxn>
-              <a:cxn ang="0">
-                <a:pos x="connsiteX32" y="connsiteY32"/>
-              </a:cxn>
-              <a:cxn ang="0">
-                <a:pos x="connsiteX33" y="connsiteY33"/>
-              </a:cxn>
-              <a:cxn ang="0">
-                <a:pos x="connsiteX34" y="connsiteY34"/>
-              </a:cxn>
-              <a:cxn ang="0">
-                <a:pos x="connsiteX35" y="connsiteY35"/>
-              </a:cxn>
-              <a:cxn ang="0">
-                <a:pos x="connsiteX36" y="connsiteY36"/>
-              </a:cxn>
-            </a:cxnLst>
-            <a:rect l="l" t="t" r="r" b="b"/>
-            <a:pathLst>
-              <a:path w="3472060" h="825932">
-                <a:moveTo>
-                  <a:pt x="3470310" y="0"/>
-                </a:moveTo>
-                <a:lnTo>
-                  <a:pt x="3472060" y="12850"/>
-                </a:lnTo>
-                <a:lnTo>
-                  <a:pt x="3472060" y="480529"/>
-                </a:lnTo>
-                <a:lnTo>
-                  <a:pt x="3363699" y="498471"/>
-                </a:lnTo>
-                <a:cubicBezTo>
-                  <a:pt x="2435623" y="645518"/>
-                  <a:pt x="603076" y="844866"/>
-                  <a:pt x="42060" y="824486"/>
-                </a:cubicBezTo>
-                <a:cubicBezTo>
-                  <a:pt x="28151" y="802425"/>
-                  <a:pt x="13909" y="780513"/>
-                  <a:pt x="0" y="758452"/>
-                </a:cubicBezTo>
-                <a:lnTo>
-                  <a:pt x="188014" y="735602"/>
-                </a:lnTo>
-                <a:lnTo>
-                  <a:pt x="284087" y="722590"/>
-                </a:lnTo>
-                <a:lnTo>
-                  <a:pt x="382288" y="709392"/>
-                </a:lnTo>
-                <a:lnTo>
-                  <a:pt x="481858" y="695774"/>
-                </a:lnTo>
-                <a:lnTo>
-                  <a:pt x="581897" y="680711"/>
-                </a:lnTo>
-                <a:lnTo>
-                  <a:pt x="683670" y="665256"/>
-                </a:lnTo>
-                <a:lnTo>
-                  <a:pt x="787206" y="649587"/>
-                </a:lnTo>
-                <a:lnTo>
-                  <a:pt x="892019" y="632968"/>
-                </a:lnTo>
-                <a:lnTo>
-                  <a:pt x="997620" y="614667"/>
-                </a:lnTo>
-                <a:lnTo>
-                  <a:pt x="1104727" y="596741"/>
-                </a:lnTo>
-                <a:lnTo>
-                  <a:pt x="1212669" y="577397"/>
-                </a:lnTo>
-                <a:lnTo>
-                  <a:pt x="1321506" y="556988"/>
-                </a:lnTo>
-                <a:lnTo>
-                  <a:pt x="1430709" y="536607"/>
-                </a:lnTo>
-                <a:lnTo>
-                  <a:pt x="1541050" y="514481"/>
-                </a:lnTo>
-                <a:lnTo>
-                  <a:pt x="1652805" y="492202"/>
-                </a:lnTo>
-                <a:lnTo>
-                  <a:pt x="1763708" y="469161"/>
-                </a:lnTo>
-                <a:lnTo>
-                  <a:pt x="1875795" y="444641"/>
-                </a:lnTo>
-                <a:lnTo>
-                  <a:pt x="1989128" y="418995"/>
-                </a:lnTo>
-                <a:lnTo>
-                  <a:pt x="2102476" y="393438"/>
-                </a:lnTo>
-                <a:lnTo>
-                  <a:pt x="2215549" y="366291"/>
-                </a:lnTo>
-                <a:lnTo>
-                  <a:pt x="2330490" y="337455"/>
-                </a:lnTo>
-                <a:lnTo>
-                  <a:pt x="2443333" y="308983"/>
-                </a:lnTo>
-                <a:lnTo>
-                  <a:pt x="2558014" y="278646"/>
-                </a:lnTo>
-                <a:lnTo>
-                  <a:pt x="2673621" y="247421"/>
-                </a:lnTo>
-                <a:lnTo>
-                  <a:pt x="2787008" y="215853"/>
-                </a:lnTo>
-                <a:lnTo>
-                  <a:pt x="2901442" y="182011"/>
-                </a:lnTo>
-                <a:lnTo>
-                  <a:pt x="3015722" y="147286"/>
-                </a:lnTo>
-                <a:lnTo>
-                  <a:pt x="3130018" y="112649"/>
-                </a:lnTo>
-                <a:lnTo>
-                  <a:pt x="3243551" y="75688"/>
-                </a:lnTo>
-                <a:lnTo>
-                  <a:pt x="3356992" y="38197"/>
-                </a:lnTo>
-                <a:lnTo>
-                  <a:pt x="3470310" y="0"/>
-                </a:lnTo>
-                <a:close/>
-              </a:path>
-            </a:pathLst>
-          </a:custGeom>
-          <a:solidFill>
-            <a:schemeClr val="tx2">
-              <a:alpha val="20000"/>
-            </a:schemeClr>
-          </a:solidFill>
-          <a:ln>
-            <a:noFill/>
-          </a:ln>
-        </p:spPr>
-        <p:txBody>
-          <a:bodyPr rtlCol="0" anchor="ctr"/>
-          <a:lstStyle/>
-          <a:p>
-            <a:pPr algn="ctr"/>
-            <a:endParaRPr lang="en-US">
-              <a:solidFill>
-                <a:schemeClr val="tx1"/>
-              </a:solidFill>
-            </a:endParaRPr>
-          </a:p>
-        </p:txBody>
-      </p:sp>
-      <p:sp>
-        <p:nvSpPr>
-          <p:cNvPr id="217" name="Freeform: Shape 188">
-            <a:extLst>
-              <a:ext uri="{FF2B5EF4-FFF2-40B4-BE49-F238E27FC236}">
-                <a16:creationId xmlns:a16="http://schemas.microsoft.com/office/drawing/2014/main" id="{D36F3EEA-55D4-4677-80E7-92D00B8F343B}"/>
-              </a:ext>
-              <a:ext uri="{C183D7F6-B498-43B3-948B-1728B52AA6E4}">
-                <adec:decorative xmlns:adec="http://schemas.microsoft.com/office/drawing/2017/decorative" val="1"/>
-              </a:ext>
-            </a:extLst>
-          </p:cNvPr>
-          <p:cNvSpPr>
-            <a:spLocks noGrp="1" noRot="1" noChangeAspect="1" noMove="1" noResize="1" noEditPoints="1" noAdjustHandles="1" noChangeArrowheads="1" noChangeShapeType="1" noTextEdit="1"/>
-          </p:cNvSpPr>
-          <p:nvPr>
-            <p:extLst>
-              <p:ext uri="{386F3935-93C4-4BCD-93E2-E3B085C9AB24}">
-                <p16:designElem xmlns:p16="http://schemas.microsoft.com/office/powerpoint/2015/main" val="1"/>
-              </p:ext>
-            </p:extLst>
-          </p:nvPr>
-        </p:nvSpPr>
-        <p:spPr>
-          <a:xfrm>
-            <a:off x="0" y="4055533"/>
-            <a:ext cx="12192000" cy="2802467"/>
-          </a:xfrm>
-          <a:custGeom>
-            <a:avLst/>
-            <a:gdLst>
-              <a:gd name="connsiteX0" fmla="*/ 1 w 12192000"/>
-              <a:gd name="connsiteY0" fmla="*/ 0 h 2802467"/>
-              <a:gd name="connsiteX1" fmla="*/ 71932 w 12192000"/>
-              <a:gd name="connsiteY1" fmla="*/ 12261 h 2802467"/>
-              <a:gd name="connsiteX2" fmla="*/ 282848 w 12192000"/>
-              <a:gd name="connsiteY2" fmla="*/ 48342 h 2802467"/>
-              <a:gd name="connsiteX3" fmla="*/ 436464 w 12192000"/>
-              <a:gd name="connsiteY3" fmla="*/ 73565 h 2802467"/>
-              <a:gd name="connsiteX4" fmla="*/ 619339 w 12192000"/>
-              <a:gd name="connsiteY4" fmla="*/ 100188 h 2802467"/>
-              <a:gd name="connsiteX5" fmla="*/ 836351 w 12192000"/>
-              <a:gd name="connsiteY5" fmla="*/ 132066 h 2802467"/>
-              <a:gd name="connsiteX6" fmla="*/ 1076528 w 12192000"/>
-              <a:gd name="connsiteY6" fmla="*/ 165696 h 2802467"/>
-              <a:gd name="connsiteX7" fmla="*/ 1347183 w 12192000"/>
-              <a:gd name="connsiteY7" fmla="*/ 201077 h 2802467"/>
-              <a:gd name="connsiteX8" fmla="*/ 1642223 w 12192000"/>
-              <a:gd name="connsiteY8" fmla="*/ 238560 h 2802467"/>
-              <a:gd name="connsiteX9" fmla="*/ 1962864 w 12192000"/>
-              <a:gd name="connsiteY9" fmla="*/ 276043 h 2802467"/>
-              <a:gd name="connsiteX10" fmla="*/ 2304232 w 12192000"/>
-              <a:gd name="connsiteY10" fmla="*/ 314226 h 2802467"/>
-              <a:gd name="connsiteX11" fmla="*/ 2672421 w 12192000"/>
-              <a:gd name="connsiteY11" fmla="*/ 349608 h 2802467"/>
-              <a:gd name="connsiteX12" fmla="*/ 3057678 w 12192000"/>
-              <a:gd name="connsiteY12" fmla="*/ 383587 h 2802467"/>
-              <a:gd name="connsiteX13" fmla="*/ 3464881 w 12192000"/>
-              <a:gd name="connsiteY13" fmla="*/ 414415 h 2802467"/>
-              <a:gd name="connsiteX14" fmla="*/ 3889152 w 12192000"/>
-              <a:gd name="connsiteY14" fmla="*/ 443840 h 2802467"/>
-              <a:gd name="connsiteX15" fmla="*/ 4331710 w 12192000"/>
-              <a:gd name="connsiteY15" fmla="*/ 471515 h 2802467"/>
-              <a:gd name="connsiteX16" fmla="*/ 4558476 w 12192000"/>
-              <a:gd name="connsiteY16" fmla="*/ 481323 h 2802467"/>
-              <a:gd name="connsiteX17" fmla="*/ 4790118 w 12192000"/>
-              <a:gd name="connsiteY17" fmla="*/ 492183 h 2802467"/>
-              <a:gd name="connsiteX18" fmla="*/ 5025418 w 12192000"/>
-              <a:gd name="connsiteY18" fmla="*/ 502342 h 2802467"/>
-              <a:gd name="connsiteX19" fmla="*/ 5261937 w 12192000"/>
-              <a:gd name="connsiteY19" fmla="*/ 508998 h 2802467"/>
-              <a:gd name="connsiteX20" fmla="*/ 5503332 w 12192000"/>
-              <a:gd name="connsiteY20" fmla="*/ 514953 h 2802467"/>
-              <a:gd name="connsiteX21" fmla="*/ 5747166 w 12192000"/>
-              <a:gd name="connsiteY21" fmla="*/ 521259 h 2802467"/>
-              <a:gd name="connsiteX22" fmla="*/ 5995877 w 12192000"/>
-              <a:gd name="connsiteY22" fmla="*/ 525462 h 2802467"/>
-              <a:gd name="connsiteX23" fmla="*/ 6247026 w 12192000"/>
-              <a:gd name="connsiteY23" fmla="*/ 525462 h 2802467"/>
-              <a:gd name="connsiteX24" fmla="*/ 6500613 w 12192000"/>
-              <a:gd name="connsiteY24" fmla="*/ 527564 h 2802467"/>
-              <a:gd name="connsiteX25" fmla="*/ 6756639 w 12192000"/>
-              <a:gd name="connsiteY25" fmla="*/ 525462 h 2802467"/>
-              <a:gd name="connsiteX26" fmla="*/ 7016322 w 12192000"/>
-              <a:gd name="connsiteY26" fmla="*/ 521259 h 2802467"/>
-              <a:gd name="connsiteX27" fmla="*/ 7276005 w 12192000"/>
-              <a:gd name="connsiteY27" fmla="*/ 517405 h 2802467"/>
-              <a:gd name="connsiteX28" fmla="*/ 7539345 w 12192000"/>
-              <a:gd name="connsiteY28" fmla="*/ 508998 h 2802467"/>
-              <a:gd name="connsiteX29" fmla="*/ 7805124 w 12192000"/>
-              <a:gd name="connsiteY29" fmla="*/ 500240 h 2802467"/>
-              <a:gd name="connsiteX30" fmla="*/ 8070903 w 12192000"/>
-              <a:gd name="connsiteY30" fmla="*/ 490081 h 2802467"/>
-              <a:gd name="connsiteX31" fmla="*/ 8339121 w 12192000"/>
-              <a:gd name="connsiteY31" fmla="*/ 475719 h 2802467"/>
-              <a:gd name="connsiteX32" fmla="*/ 8609776 w 12192000"/>
-              <a:gd name="connsiteY32" fmla="*/ 458553 h 2802467"/>
-              <a:gd name="connsiteX33" fmla="*/ 8881651 w 12192000"/>
-              <a:gd name="connsiteY33" fmla="*/ 442089 h 2802467"/>
-              <a:gd name="connsiteX34" fmla="*/ 9153526 w 12192000"/>
-              <a:gd name="connsiteY34" fmla="*/ 421070 h 2802467"/>
-              <a:gd name="connsiteX35" fmla="*/ 9429058 w 12192000"/>
-              <a:gd name="connsiteY35" fmla="*/ 395848 h 2802467"/>
-              <a:gd name="connsiteX36" fmla="*/ 9700933 w 12192000"/>
-              <a:gd name="connsiteY36" fmla="*/ 370626 h 2802467"/>
-              <a:gd name="connsiteX37" fmla="*/ 9977684 w 12192000"/>
-              <a:gd name="connsiteY37" fmla="*/ 341550 h 2802467"/>
-              <a:gd name="connsiteX38" fmla="*/ 10255655 w 12192000"/>
-              <a:gd name="connsiteY38" fmla="*/ 309672 h 2802467"/>
-              <a:gd name="connsiteX39" fmla="*/ 10529968 w 12192000"/>
-              <a:gd name="connsiteY39" fmla="*/ 276043 h 2802467"/>
-              <a:gd name="connsiteX40" fmla="*/ 10807939 w 12192000"/>
-              <a:gd name="connsiteY40" fmla="*/ 236808 h 2802467"/>
-              <a:gd name="connsiteX41" fmla="*/ 11084690 w 12192000"/>
-              <a:gd name="connsiteY41" fmla="*/ 194771 h 2802467"/>
-              <a:gd name="connsiteX42" fmla="*/ 11362661 w 12192000"/>
-              <a:gd name="connsiteY42" fmla="*/ 153085 h 2802467"/>
-              <a:gd name="connsiteX43" fmla="*/ 11639412 w 12192000"/>
-              <a:gd name="connsiteY43" fmla="*/ 104392 h 2802467"/>
-              <a:gd name="connsiteX44" fmla="*/ 11914945 w 12192000"/>
-              <a:gd name="connsiteY44" fmla="*/ 54648 h 2802467"/>
-              <a:gd name="connsiteX45" fmla="*/ 12191696 w 12192000"/>
-              <a:gd name="connsiteY45" fmla="*/ 2452 h 2802467"/>
-              <a:gd name="connsiteX46" fmla="*/ 12191696 w 12192000"/>
-              <a:gd name="connsiteY46" fmla="*/ 2236410 h 2802467"/>
-              <a:gd name="connsiteX47" fmla="*/ 12192000 w 12192000"/>
-              <a:gd name="connsiteY47" fmla="*/ 2236410 h 2802467"/>
-              <a:gd name="connsiteX48" fmla="*/ 12192000 w 12192000"/>
-              <a:gd name="connsiteY48" fmla="*/ 2802467 h 2802467"/>
-              <a:gd name="connsiteX49" fmla="*/ 12191696 w 12192000"/>
-              <a:gd name="connsiteY49" fmla="*/ 2802467 h 2802467"/>
-              <a:gd name="connsiteX50" fmla="*/ 0 w 12192000"/>
-              <a:gd name="connsiteY50" fmla="*/ 2802467 h 2802467"/>
-              <a:gd name="connsiteX51" fmla="*/ 0 w 12192000"/>
-              <a:gd name="connsiteY51" fmla="*/ 2236410 h 2802467"/>
-              <a:gd name="connsiteX52" fmla="*/ 1 w 12192000"/>
-              <a:gd name="connsiteY52" fmla="*/ 2236410 h 2802467"/>
-            </a:gdLst>
-            <a:ahLst/>
-            <a:cxnLst>
-              <a:cxn ang="0">
-                <a:pos x="connsiteX0" y="connsiteY0"/>
-              </a:cxn>
-              <a:cxn ang="0">
-                <a:pos x="connsiteX1" y="connsiteY1"/>
-              </a:cxn>
-              <a:cxn ang="0">
-                <a:pos x="connsiteX2" y="connsiteY2"/>
-              </a:cxn>
-              <a:cxn ang="0">
-                <a:pos x="connsiteX3" y="connsiteY3"/>
-              </a:cxn>
-              <a:cxn ang="0">
-                <a:pos x="connsiteX4" y="connsiteY4"/>
-              </a:cxn>
-              <a:cxn ang="0">
-                <a:pos x="connsiteX5" y="connsiteY5"/>
-              </a:cxn>
-              <a:cxn ang="0">
-                <a:pos x="connsiteX6" y="connsiteY6"/>
-              </a:cxn>
-              <a:cxn ang="0">
-                <a:pos x="connsiteX7" y="connsiteY7"/>
-              </a:cxn>
-              <a:cxn ang="0">
-                <a:pos x="connsiteX8" y="connsiteY8"/>
-              </a:cxn>
-              <a:cxn ang="0">
-                <a:pos x="connsiteX9" y="connsiteY9"/>
-              </a:cxn>
-              <a:cxn ang="0">
-                <a:pos x="connsiteX10" y="connsiteY10"/>
-              </a:cxn>
-              <a:cxn ang="0">
-                <a:pos x="connsiteX11" y="connsiteY11"/>
-              </a:cxn>
-              <a:cxn ang="0">
-                <a:pos x="connsiteX12" y="connsiteY12"/>
-              </a:cxn>
-              <a:cxn ang="0">
-                <a:pos x="connsiteX13" y="connsiteY13"/>
-              </a:cxn>
-              <a:cxn ang="0">
-                <a:pos x="connsiteX14" y="connsiteY14"/>
-              </a:cxn>
-              <a:cxn ang="0">
-                <a:pos x="connsiteX15" y="connsiteY15"/>
-              </a:cxn>
-              <a:cxn ang="0">
-                <a:pos x="connsiteX16" y="connsiteY16"/>
-              </a:cxn>
-              <a:cxn ang="0">
-                <a:pos x="connsiteX17" y="connsiteY17"/>
-              </a:cxn>
-              <a:cxn ang="0">
-                <a:pos x="connsiteX18" y="connsiteY18"/>
-              </a:cxn>
-              <a:cxn ang="0">
-                <a:pos x="connsiteX19" y="connsiteY19"/>
-              </a:cxn>
-              <a:cxn ang="0">
-                <a:pos x="connsiteX20" y="connsiteY20"/>
-              </a:cxn>
-              <a:cxn ang="0">
-                <a:pos x="connsiteX21" y="connsiteY21"/>
-              </a:cxn>
-              <a:cxn ang="0">
-                <a:pos x="connsiteX22" y="connsiteY22"/>
-              </a:cxn>
-              <a:cxn ang="0">
-                <a:pos x="connsiteX23" y="connsiteY23"/>
-              </a:cxn>
-              <a:cxn ang="0">
-                <a:pos x="connsiteX24" y="connsiteY24"/>
-              </a:cxn>
-              <a:cxn ang="0">
-                <a:pos x="connsiteX25" y="connsiteY25"/>
-              </a:cxn>
-              <a:cxn ang="0">
-                <a:pos x="connsiteX26" y="connsiteY26"/>
-              </a:cxn>
-              <a:cxn ang="0">
-                <a:pos x="connsiteX27" y="connsiteY27"/>
-              </a:cxn>
-              <a:cxn ang="0">
-                <a:pos x="connsiteX28" y="connsiteY28"/>
-              </a:cxn>
-              <a:cxn ang="0">
-                <a:pos x="connsiteX29" y="connsiteY29"/>
-              </a:cxn>
-              <a:cxn ang="0">
-                <a:pos x="connsiteX30" y="connsiteY30"/>
-              </a:cxn>
-              <a:cxn ang="0">
-                <a:pos x="connsiteX31" y="connsiteY31"/>
-              </a:cxn>
-              <a:cxn ang="0">
-                <a:pos x="connsiteX32" y="connsiteY32"/>
-              </a:cxn>
-              <a:cxn ang="0">
-                <a:pos x="connsiteX33" y="connsiteY33"/>
-              </a:cxn>
-              <a:cxn ang="0">
-                <a:pos x="connsiteX34" y="connsiteY34"/>
-              </a:cxn>
-              <a:cxn ang="0">
-                <a:pos x="connsiteX35" y="connsiteY35"/>
-              </a:cxn>
-              <a:cxn ang="0">
-                <a:pos x="connsiteX36" y="connsiteY36"/>
-              </a:cxn>
-              <a:cxn ang="0">
-                <a:pos x="connsiteX37" y="connsiteY37"/>
-              </a:cxn>
-              <a:cxn ang="0">
-                <a:pos x="connsiteX38" y="connsiteY38"/>
-              </a:cxn>
-              <a:cxn ang="0">
-                <a:pos x="connsiteX39" y="connsiteY39"/>
-              </a:cxn>
-              <a:cxn ang="0">
-                <a:pos x="connsiteX40" y="connsiteY40"/>
-              </a:cxn>
-              <a:cxn ang="0">
-                <a:pos x="connsiteX41" y="connsiteY41"/>
-              </a:cxn>
-              <a:cxn ang="0">
-                <a:pos x="connsiteX42" y="connsiteY42"/>
-              </a:cxn>
-              <a:cxn ang="0">
-                <a:pos x="connsiteX43" y="connsiteY43"/>
-              </a:cxn>
-              <a:cxn ang="0">
-                <a:pos x="connsiteX44" y="connsiteY44"/>
-              </a:cxn>
-              <a:cxn ang="0">
-                <a:pos x="connsiteX45" y="connsiteY45"/>
-              </a:cxn>
-              <a:cxn ang="0">
-                <a:pos x="connsiteX46" y="connsiteY46"/>
-              </a:cxn>
-              <a:cxn ang="0">
-                <a:pos x="connsiteX47" y="connsiteY47"/>
-              </a:cxn>
-              <a:cxn ang="0">
-                <a:pos x="connsiteX48" y="connsiteY48"/>
-              </a:cxn>
-              <a:cxn ang="0">
-                <a:pos x="connsiteX49" y="connsiteY49"/>
-              </a:cxn>
-              <a:cxn ang="0">
-                <a:pos x="connsiteX50" y="connsiteY50"/>
-              </a:cxn>
-              <a:cxn ang="0">
-                <a:pos x="connsiteX51" y="connsiteY51"/>
-              </a:cxn>
-              <a:cxn ang="0">
-                <a:pos x="connsiteX52" y="connsiteY52"/>
-              </a:cxn>
-            </a:cxnLst>
-            <a:rect l="l" t="t" r="r" b="b"/>
-            <a:pathLst>
-              <a:path w="12192000" h="2802467">
-                <a:moveTo>
-                  <a:pt x="1" y="0"/>
-                </a:moveTo>
-                <a:lnTo>
-                  <a:pt x="71932" y="12261"/>
-                </a:lnTo>
-                <a:lnTo>
-                  <a:pt x="282848" y="48342"/>
-                </a:lnTo>
-                <a:lnTo>
-                  <a:pt x="436464" y="73565"/>
-                </a:lnTo>
-                <a:lnTo>
-                  <a:pt x="619339" y="100188"/>
-                </a:lnTo>
-                <a:lnTo>
-                  <a:pt x="836351" y="132066"/>
-                </a:lnTo>
-                <a:lnTo>
-                  <a:pt x="1076528" y="165696"/>
-                </a:lnTo>
-                <a:lnTo>
-                  <a:pt x="1347183" y="201077"/>
-                </a:lnTo>
-                <a:lnTo>
-                  <a:pt x="1642223" y="238560"/>
-                </a:lnTo>
-                <a:lnTo>
-                  <a:pt x="1962864" y="276043"/>
-                </a:lnTo>
-                <a:lnTo>
-                  <a:pt x="2304232" y="314226"/>
-                </a:lnTo>
-                <a:lnTo>
-                  <a:pt x="2672421" y="349608"/>
-                </a:lnTo>
-                <a:lnTo>
-                  <a:pt x="3057678" y="383587"/>
-                </a:lnTo>
-                <a:lnTo>
-                  <a:pt x="3464881" y="414415"/>
-                </a:lnTo>
-                <a:lnTo>
-                  <a:pt x="3889152" y="443840"/>
-                </a:lnTo>
-                <a:lnTo>
-                  <a:pt x="4331710" y="471515"/>
-                </a:lnTo>
-                <a:lnTo>
-                  <a:pt x="4558476" y="481323"/>
-                </a:lnTo>
-                <a:lnTo>
-                  <a:pt x="4790118" y="492183"/>
-                </a:lnTo>
-                <a:lnTo>
-                  <a:pt x="5025418" y="502342"/>
-                </a:lnTo>
-                <a:lnTo>
-                  <a:pt x="5261937" y="508998"/>
-                </a:lnTo>
-                <a:lnTo>
-                  <a:pt x="5503332" y="514953"/>
-                </a:lnTo>
-                <a:lnTo>
-                  <a:pt x="5747166" y="521259"/>
-                </a:lnTo>
-                <a:lnTo>
-                  <a:pt x="5995877" y="525462"/>
-                </a:lnTo>
-                <a:lnTo>
-                  <a:pt x="6247026" y="525462"/>
-                </a:lnTo>
-                <a:lnTo>
-                  <a:pt x="6500613" y="527564"/>
-                </a:lnTo>
-                <a:lnTo>
-                  <a:pt x="6756639" y="525462"/>
-                </a:lnTo>
-                <a:lnTo>
-                  <a:pt x="7016322" y="521259"/>
-                </a:lnTo>
-                <a:lnTo>
-                  <a:pt x="7276005" y="517405"/>
-                </a:lnTo>
-                <a:lnTo>
-                  <a:pt x="7539345" y="508998"/>
-                </a:lnTo>
-                <a:lnTo>
-                  <a:pt x="7805124" y="500240"/>
-                </a:lnTo>
-                <a:lnTo>
-                  <a:pt x="8070903" y="490081"/>
-                </a:lnTo>
-                <a:lnTo>
-                  <a:pt x="8339121" y="475719"/>
-                </a:lnTo>
-                <a:lnTo>
-                  <a:pt x="8609776" y="458553"/>
-                </a:lnTo>
-                <a:lnTo>
-                  <a:pt x="8881651" y="442089"/>
-                </a:lnTo>
-                <a:lnTo>
-                  <a:pt x="9153526" y="421070"/>
-                </a:lnTo>
-                <a:lnTo>
-                  <a:pt x="9429058" y="395848"/>
-                </a:lnTo>
-                <a:lnTo>
-                  <a:pt x="9700933" y="370626"/>
-                </a:lnTo>
-                <a:lnTo>
-                  <a:pt x="9977684" y="341550"/>
-                </a:lnTo>
-                <a:lnTo>
-                  <a:pt x="10255655" y="309672"/>
-                </a:lnTo>
-                <a:lnTo>
-                  <a:pt x="10529968" y="276043"/>
-                </a:lnTo>
-                <a:lnTo>
-                  <a:pt x="10807939" y="236808"/>
-                </a:lnTo>
-                <a:lnTo>
-                  <a:pt x="11084690" y="194771"/>
-                </a:lnTo>
-                <a:lnTo>
-                  <a:pt x="11362661" y="153085"/>
-                </a:lnTo>
-                <a:lnTo>
-                  <a:pt x="11639412" y="104392"/>
-                </a:lnTo>
-                <a:lnTo>
-                  <a:pt x="11914945" y="54648"/>
-                </a:lnTo>
-                <a:lnTo>
-                  <a:pt x="12191696" y="2452"/>
-                </a:lnTo>
-                <a:lnTo>
-                  <a:pt x="12191696" y="2236410"/>
-                </a:lnTo>
-                <a:lnTo>
-                  <a:pt x="12192000" y="2236410"/>
-                </a:lnTo>
-                <a:lnTo>
-                  <a:pt x="12192000" y="2802467"/>
-                </a:lnTo>
-                <a:lnTo>
-                  <a:pt x="12191696" y="2802467"/>
-                </a:lnTo>
-                <a:lnTo>
-                  <a:pt x="0" y="2802467"/>
-                </a:lnTo>
-                <a:lnTo>
-                  <a:pt x="0" y="2236410"/>
-                </a:lnTo>
-                <a:lnTo>
-                  <a:pt x="1" y="2236410"/>
-                </a:lnTo>
-                <a:close/>
-              </a:path>
-            </a:pathLst>
-          </a:custGeom>
-          <a:ln>
-            <a:noFill/>
-          </a:ln>
-        </p:spPr>
-        <p:style>
-          <a:lnRef idx="2">
-            <a:schemeClr val="accent1">
-              <a:shade val="50000"/>
-            </a:schemeClr>
-          </a:lnRef>
-          <a:fillRef idx="1003">
-            <a:schemeClr val="dk2"/>
-          </a:fillRef>
-          <a:effectRef idx="0">
-            <a:schemeClr val="accent1"/>
-          </a:effectRef>
-          <a:fontRef idx="minor">
-            <a:schemeClr val="lt1"/>
-          </a:fontRef>
-        </p:style>
-        <p:txBody>
-          <a:bodyPr rtlCol="0" anchor="ctr"/>
-          <a:lstStyle/>
-          <a:p>
-            <a:pPr algn="ctr"/>
-            <a:endParaRPr lang="en-US"/>
-          </a:p>
-        </p:txBody>
-      </p:sp>
-      <p:sp>
-        <p:nvSpPr>
-          <p:cNvPr id="20" name="TextBox 19">
-            <a:extLst>
-              <a:ext uri="{FF2B5EF4-FFF2-40B4-BE49-F238E27FC236}">
-                <a16:creationId xmlns:a16="http://schemas.microsoft.com/office/drawing/2014/main" id="{03BBD083-A82A-4206-BA78-981C7584A9F7}"/>
-              </a:ext>
-            </a:extLst>
-          </p:cNvPr>
-          <p:cNvSpPr txBox="1"/>
-          <p:nvPr/>
-        </p:nvSpPr>
-        <p:spPr>
-          <a:xfrm>
-            <a:off x="761206" y="4971024"/>
-            <a:ext cx="10051774" cy="646331"/>
-          </a:xfrm>
-          <a:prstGeom prst="rect">
-            <a:avLst/>
-          </a:prstGeom>
-          <a:noFill/>
-        </p:spPr>
-        <p:txBody>
-          <a:bodyPr wrap="square" rtlCol="0">
-            <a:spAutoFit/>
-          </a:bodyPr>
-          <a:lstStyle/>
-          <a:p>
-            <a:pPr marL="285750" indent="-285750">
-              <a:buFont typeface="Arial" panose="020B0604020202020204" pitchFamily="34" charset="0"/>
-              <a:buChar char="•"/>
-            </a:pPr>
-            <a:r>
-              <a:rPr lang="en-US" dirty="0">
-                <a:solidFill>
-                  <a:schemeClr val="bg1"/>
-                </a:solidFill>
-              </a:rPr>
-              <a:t>The forecasted data mostly follows the same pattern as historical data,  so the forecast can be considered satisfactory. </a:t>
-            </a:r>
-          </a:p>
-        </p:txBody>
-      </p:sp>
-      <p:pic>
-        <p:nvPicPr>
-          <p:cNvPr id="16" name="Content Placeholder 4">
-            <a:extLst>
-              <a:ext uri="{FF2B5EF4-FFF2-40B4-BE49-F238E27FC236}">
-                <a16:creationId xmlns:a16="http://schemas.microsoft.com/office/drawing/2014/main" id="{6C8BF8A6-A21F-4679-BFA6-BD8869A3158A}"/>
-              </a:ext>
-            </a:extLst>
-          </p:cNvPr>
-          <p:cNvPicPr>
-            <a:picLocks noGrp="1" noChangeAspect="1"/>
-          </p:cNvPicPr>
-          <p:nvPr>
-            <p:ph sz="half" idx="1"/>
-          </p:nvPr>
-        </p:nvPicPr>
-        <p:blipFill>
-          <a:blip r:embed="rId6"/>
-          <a:stretch>
-            <a:fillRect/>
-          </a:stretch>
-        </p:blipFill>
-        <p:spPr>
-          <a:xfrm>
-            <a:off x="-574878" y="-1"/>
-            <a:ext cx="11698490" cy="4188315"/>
-          </a:xfrm>
-        </p:spPr>
-      </p:pic>
-    </p:spTree>
-    <p:extLst>
-      <p:ext uri="{BB962C8B-B14F-4D97-AF65-F5344CB8AC3E}">
-        <p14:creationId xmlns:p14="http://schemas.microsoft.com/office/powerpoint/2010/main" val="1461350193"/>
-      </p:ext>
-    </p:extLst>
-  </p:cSld>
-  <p:clrMapOvr>
-    <a:overrideClrMapping bg1="lt1" tx1="dk1" bg2="lt2" tx2="dk2" accent1="accent1" accent2="accent2" accent3="accent3" accent4="accent4" accent5="accent5" accent6="accent6" hlink="hlink" folHlink="folHlink"/>
-  </p:clrMapOvr>
-</p:sld>
-</file>
-
-<file path=ppt/slides/slide8.xml><?xml version="1.0" encoding="utf-8"?>
-<p:sld xmlns:a="http://schemas.openxmlformats.org/drawingml/2006/main" xmlns:r="http://schemas.openxmlformats.org/officeDocument/2006/relationships" xmlns:p="http://schemas.openxmlformats.org/presentationml/2006/main">
-  <p:cSld>
-    <p:spTree>
-      <p:nvGrpSpPr>
-        <p:cNvPr id="1" name=""/>
-        <p:cNvGrpSpPr/>
-        <p:nvPr/>
-      </p:nvGrpSpPr>
-      <p:grpSpPr>
-        <a:xfrm>
-          <a:off x="0" y="0"/>
-          <a:ext cx="0" cy="0"/>
-          <a:chOff x="0" y="0"/>
-          <a:chExt cx="0" cy="0"/>
-        </a:xfrm>
-      </p:grpSpPr>
-      <p:sp>
-        <p:nvSpPr>
-          <p:cNvPr id="8" name="Text Placeholder 7">
-            <a:extLst>
-              <a:ext uri="{FF2B5EF4-FFF2-40B4-BE49-F238E27FC236}">
-                <a16:creationId xmlns:a16="http://schemas.microsoft.com/office/drawing/2014/main" id="{6CF9E44C-F989-4A28-97A5-33F318904E66}"/>
-              </a:ext>
-            </a:extLst>
-          </p:cNvPr>
-          <p:cNvSpPr>
-            <a:spLocks noGrp="1"/>
-          </p:cNvSpPr>
-          <p:nvPr>
-            <p:ph type="body" idx="1"/>
-          </p:nvPr>
-        </p:nvSpPr>
-        <p:spPr/>
-        <p:txBody>
-          <a:bodyPr/>
-          <a:lstStyle/>
-          <a:p>
-            <a:r>
-              <a:rPr lang="en-US" dirty="0"/>
-              <a:t>Recommendations</a:t>
-            </a:r>
-          </a:p>
-        </p:txBody>
-      </p:sp>
-      <p:sp>
-        <p:nvSpPr>
-          <p:cNvPr id="9" name="Content Placeholder 8">
-            <a:extLst>
-              <a:ext uri="{FF2B5EF4-FFF2-40B4-BE49-F238E27FC236}">
-                <a16:creationId xmlns:a16="http://schemas.microsoft.com/office/drawing/2014/main" id="{95C050B5-F1CA-4E91-8CBD-108CC69E078B}"/>
-              </a:ext>
-            </a:extLst>
-          </p:cNvPr>
-          <p:cNvSpPr>
-            <a:spLocks noGrp="1"/>
-          </p:cNvSpPr>
-          <p:nvPr>
-            <p:ph sz="half" idx="2"/>
-          </p:nvPr>
-        </p:nvSpPr>
-        <p:spPr/>
-        <p:txBody>
-          <a:bodyPr/>
-          <a:lstStyle/>
-          <a:p>
-            <a:endParaRPr lang="en-US" dirty="0"/>
-          </a:p>
-          <a:p>
-            <a:endParaRPr lang="en-US" dirty="0"/>
-          </a:p>
-          <a:p>
-            <a:r>
-              <a:rPr lang="en-US" dirty="0"/>
-              <a:t>3722 items are  discarded from sales list. Replacing the discarded items with new items would increase the sales. </a:t>
-            </a:r>
-          </a:p>
-          <a:p>
-            <a:r>
-              <a:rPr lang="en-US" dirty="0"/>
-              <a:t>The forecasted sales for next two months,  i.e.  November and December are increasing.</a:t>
-            </a:r>
-          </a:p>
-          <a:p>
-            <a:endParaRPr lang="en-US" dirty="0"/>
-          </a:p>
-          <a:p>
-            <a:endParaRPr lang="en-US" dirty="0"/>
-          </a:p>
-          <a:p>
-            <a:endParaRPr lang="en-US" dirty="0"/>
-          </a:p>
-        </p:txBody>
-      </p:sp>
-      <p:sp>
-        <p:nvSpPr>
-          <p:cNvPr id="10" name="Text Placeholder 9">
-            <a:extLst>
-              <a:ext uri="{FF2B5EF4-FFF2-40B4-BE49-F238E27FC236}">
-                <a16:creationId xmlns:a16="http://schemas.microsoft.com/office/drawing/2014/main" id="{62A92214-8E99-4FF9-8039-3A6F957A3599}"/>
-              </a:ext>
-            </a:extLst>
-          </p:cNvPr>
-          <p:cNvSpPr>
-            <a:spLocks noGrp="1"/>
-          </p:cNvSpPr>
-          <p:nvPr>
-            <p:ph type="body" sz="quarter" idx="3"/>
-          </p:nvPr>
-        </p:nvSpPr>
-        <p:spPr/>
-        <p:txBody>
-          <a:bodyPr/>
-          <a:lstStyle/>
-          <a:p>
-            <a:r>
-              <a:rPr lang="en-US" dirty="0"/>
-              <a:t>Next Step</a:t>
-            </a:r>
-          </a:p>
-        </p:txBody>
-      </p:sp>
-      <p:sp>
-        <p:nvSpPr>
-          <p:cNvPr id="11" name="Content Placeholder 10">
-            <a:extLst>
-              <a:ext uri="{FF2B5EF4-FFF2-40B4-BE49-F238E27FC236}">
-                <a16:creationId xmlns:a16="http://schemas.microsoft.com/office/drawing/2014/main" id="{51FE356C-F969-4400-AF94-A12B01857EB0}"/>
-              </a:ext>
-            </a:extLst>
-          </p:cNvPr>
-          <p:cNvSpPr>
-            <a:spLocks noGrp="1"/>
-          </p:cNvSpPr>
-          <p:nvPr>
-            <p:ph sz="quarter" idx="4"/>
-          </p:nvPr>
-        </p:nvSpPr>
-        <p:spPr/>
-        <p:txBody>
-          <a:bodyPr/>
-          <a:lstStyle/>
-          <a:p>
-            <a:r>
-              <a:rPr lang="en-US" dirty="0"/>
-              <a:t>Creating a time series model containing  all the potential features in the data. </a:t>
-            </a:r>
-          </a:p>
-        </p:txBody>
-      </p:sp>
-    </p:spTree>
-    <p:extLst>
-      <p:ext uri="{BB962C8B-B14F-4D97-AF65-F5344CB8AC3E}">
-        <p14:creationId xmlns:p14="http://schemas.microsoft.com/office/powerpoint/2010/main" val="903371911"/>
-      </p:ext>
-    </p:extLst>
-  </p:cSld>
-  <p:clrMapOvr>
-    <a:masterClrMapping/>
-  </p:clrMapOvr>
 </p:sld>
 </file>
 

--- a/Sales Forecasting.pptx
+++ b/Sales Forecasting.pptx
@@ -111,7 +111,24 @@
       </a:defRPr>
     </a:lvl9pPr>
   </p:defaultTextStyle>
+  <p:extLst>
+    <p:ext uri="{EFAFB233-063F-42B5-8137-9DF3F51BA10A}">
+      <p15:sldGuideLst xmlns:p15="http://schemas.microsoft.com/office/powerpoint/2012/main"/>
+    </p:ext>
+  </p:extLst>
 </p:presentation>
+</file>
+
+<file path=ppt/commentAuthors.xml><?xml version="1.0" encoding="utf-8"?>
+<p:cmAuthorLst xmlns:a="http://schemas.openxmlformats.org/drawingml/2006/main" xmlns:r="http://schemas.openxmlformats.org/officeDocument/2006/relationships" xmlns:p="http://schemas.openxmlformats.org/presentationml/2006/main">
+  <p:cmAuthor id="1" name="Khwaja Jalal Sediqi" initials="KJS" lastIdx="2" clrIdx="0">
+    <p:extLst>
+      <p:ext uri="{19B8F6BF-5375-455C-9EA6-DF929625EA0E}">
+        <p15:presenceInfo xmlns:p15="http://schemas.microsoft.com/office/powerpoint/2012/main" userId="Khwaja Jalal Sediqi" providerId="None"/>
+      </p:ext>
+    </p:extLst>
+  </p:cmAuthor>
+</p:cmAuthorLst>
 </file>
 
 <file path=ppt/slideLayouts/slideLayout1.xml><?xml version="1.0" encoding="utf-8"?>
@@ -300,7 +317,7 @@
           <a:p>
             <a:fld id="{4AAD347D-5ACD-4C99-B74B-A9C85AD731AF}" type="datetimeFigureOut">
               <a:rPr lang="en-US" dirty="0"/>
-              <a:t>9/20/2020</a:t>
+              <a:t>9/23/2020</a:t>
             </a:fld>
             <a:endParaRPr lang="en-US" dirty="0"/>
           </a:p>
@@ -570,7 +587,7 @@
           <a:p>
             <a:fld id="{4509A250-FF31-4206-8172-F9D3106AACB1}" type="datetimeFigureOut">
               <a:rPr lang="en-US" dirty="0"/>
-              <a:t>9/20/2020</a:t>
+              <a:t>9/23/2020</a:t>
             </a:fld>
             <a:endParaRPr lang="en-US" dirty="0"/>
           </a:p>
@@ -759,7 +776,7 @@
           <a:p>
             <a:fld id="{4509A250-FF31-4206-8172-F9D3106AACB1}" type="datetimeFigureOut">
               <a:rPr lang="en-US" dirty="0"/>
-              <a:t>9/20/2020</a:t>
+              <a:t>9/23/2020</a:t>
             </a:fld>
             <a:endParaRPr lang="en-US" dirty="0"/>
           </a:p>
@@ -1027,7 +1044,7 @@
           <a:p>
             <a:fld id="{4509A250-FF31-4206-8172-F9D3106AACB1}" type="datetimeFigureOut">
               <a:rPr lang="en-US" dirty="0"/>
-              <a:t>9/20/2020</a:t>
+              <a:t>9/23/2020</a:t>
             </a:fld>
             <a:endParaRPr lang="en-US" dirty="0"/>
           </a:p>
@@ -1363,7 +1380,7 @@
           <a:p>
             <a:fld id="{4509A250-FF31-4206-8172-F9D3106AACB1}" type="datetimeFigureOut">
               <a:rPr lang="en-US" dirty="0"/>
-              <a:t>9/20/2020</a:t>
+              <a:t>9/23/2020</a:t>
             </a:fld>
             <a:endParaRPr lang="en-US" dirty="0"/>
           </a:p>
@@ -1981,7 +1998,7 @@
           <a:p>
             <a:fld id="{4509A250-FF31-4206-8172-F9D3106AACB1}" type="datetimeFigureOut">
               <a:rPr lang="en-US" dirty="0"/>
-              <a:t>9/20/2020</a:t>
+              <a:t>9/23/2020</a:t>
             </a:fld>
             <a:endParaRPr lang="en-US" dirty="0"/>
           </a:p>
@@ -2836,7 +2853,7 @@
           <a:p>
             <a:fld id="{4509A250-FF31-4206-8172-F9D3106AACB1}" type="datetimeFigureOut">
               <a:rPr lang="en-US" dirty="0"/>
-              <a:t>9/20/2020</a:t>
+              <a:t>9/23/2020</a:t>
             </a:fld>
             <a:endParaRPr lang="en-US" dirty="0"/>
           </a:p>
@@ -3001,7 +3018,7 @@
           <a:p>
             <a:fld id="{4509A250-FF31-4206-8172-F9D3106AACB1}" type="datetimeFigureOut">
               <a:rPr lang="en-US" dirty="0"/>
-              <a:t>9/20/2020</a:t>
+              <a:t>9/23/2020</a:t>
             </a:fld>
             <a:endParaRPr lang="en-US" dirty="0"/>
           </a:p>
@@ -3176,7 +3193,7 @@
           <a:p>
             <a:fld id="{4509A250-FF31-4206-8172-F9D3106AACB1}" type="datetimeFigureOut">
               <a:rPr lang="en-US" dirty="0"/>
-              <a:t>9/20/2020</a:t>
+              <a:t>9/23/2020</a:t>
             </a:fld>
             <a:endParaRPr lang="en-US" dirty="0"/>
           </a:p>
@@ -3341,7 +3358,7 @@
           <a:p>
             <a:fld id="{4509A250-FF31-4206-8172-F9D3106AACB1}" type="datetimeFigureOut">
               <a:rPr lang="en-US" dirty="0"/>
-              <a:t>9/20/2020</a:t>
+              <a:t>9/23/2020</a:t>
             </a:fld>
             <a:endParaRPr lang="en-US" dirty="0"/>
           </a:p>
@@ -3583,7 +3600,7 @@
           <a:p>
             <a:fld id="{9796027F-7875-4030-9381-8BD8C4F21935}" type="datetimeFigureOut">
               <a:rPr lang="en-US" dirty="0"/>
-              <a:t>9/20/2020</a:t>
+              <a:t>9/23/2020</a:t>
             </a:fld>
             <a:endParaRPr lang="en-US" dirty="0"/>
           </a:p>
@@ -3870,7 +3887,7 @@
           <a:p>
             <a:fld id="{9796027F-7875-4030-9381-8BD8C4F21935}" type="datetimeFigureOut">
               <a:rPr lang="en-US" dirty="0"/>
-              <a:t>9/20/2020</a:t>
+              <a:t>9/23/2020</a:t>
             </a:fld>
             <a:endParaRPr lang="en-US" dirty="0"/>
           </a:p>
@@ -4309,7 +4326,7 @@
           <a:p>
             <a:fld id="{9796027F-7875-4030-9381-8BD8C4F21935}" type="datetimeFigureOut">
               <a:rPr lang="en-US" dirty="0"/>
-              <a:t>9/20/2020</a:t>
+              <a:t>9/23/2020</a:t>
             </a:fld>
             <a:endParaRPr lang="en-US" dirty="0"/>
           </a:p>
@@ -4422,7 +4439,7 @@
           <a:p>
             <a:fld id="{4509A250-FF31-4206-8172-F9D3106AACB1}" type="datetimeFigureOut">
               <a:rPr lang="en-US" dirty="0"/>
-              <a:t>9/20/2020</a:t>
+              <a:t>9/23/2020</a:t>
             </a:fld>
             <a:endParaRPr lang="en-US" dirty="0"/>
           </a:p>
@@ -4512,7 +4529,7 @@
           <a:p>
             <a:fld id="{4509A250-FF31-4206-8172-F9D3106AACB1}" type="datetimeFigureOut">
               <a:rPr lang="en-US" dirty="0"/>
-              <a:t>9/20/2020</a:t>
+              <a:t>9/23/2020</a:t>
             </a:fld>
             <a:endParaRPr lang="en-US" dirty="0"/>
           </a:p>
@@ -4786,7 +4803,7 @@
           <a:p>
             <a:fld id="{4509A250-FF31-4206-8172-F9D3106AACB1}" type="datetimeFigureOut">
               <a:rPr lang="en-US" dirty="0"/>
-              <a:t>9/20/2020</a:t>
+              <a:t>9/23/2020</a:t>
             </a:fld>
             <a:endParaRPr lang="en-US" dirty="0"/>
           </a:p>
@@ -5056,7 +5073,7 @@
           <a:p>
             <a:fld id="{4509A250-FF31-4206-8172-F9D3106AACB1}" type="datetimeFigureOut">
               <a:rPr lang="en-US" dirty="0"/>
-              <a:t>9/20/2020</a:t>
+              <a:t>9/23/2020</a:t>
             </a:fld>
             <a:endParaRPr lang="en-US" dirty="0"/>
           </a:p>
@@ -5480,7 +5497,7 @@
           <a:p>
             <a:fld id="{4AAD347D-5ACD-4C99-B74B-A9C85AD731AF}" type="datetimeFigureOut">
               <a:rPr lang="en-US" dirty="0"/>
-              <a:t>9/20/2020</a:t>
+              <a:t>9/23/2020</a:t>
             </a:fld>
             <a:endParaRPr lang="en-US" dirty="0"/>
           </a:p>
@@ -14873,6 +14890,126 @@
           </a:xfrm>
         </p:spPr>
       </p:pic>
+      <p:pic>
+        <p:nvPicPr>
+          <p:cNvPr id="6" name="Picture 5">
+            <a:extLst>
+              <a:ext uri="{FF2B5EF4-FFF2-40B4-BE49-F238E27FC236}">
+                <a16:creationId xmlns:a16="http://schemas.microsoft.com/office/drawing/2014/main" id="{9087BA78-CC50-48F1-9BB2-AF2A94CD1111}"/>
+              </a:ext>
+            </a:extLst>
+          </p:cNvPr>
+          <p:cNvPicPr>
+            <a:picLocks noChangeAspect="1"/>
+          </p:cNvPicPr>
+          <p:nvPr/>
+        </p:nvPicPr>
+        <p:blipFill>
+          <a:blip r:embed="rId7"/>
+          <a:stretch>
+            <a:fillRect/>
+          </a:stretch>
+        </p:blipFill>
+        <p:spPr>
+          <a:xfrm>
+            <a:off x="4476410" y="975427"/>
+            <a:ext cx="1434060" cy="331958"/>
+          </a:xfrm>
+          <a:prstGeom prst="rect">
+            <a:avLst/>
+          </a:prstGeom>
+        </p:spPr>
+      </p:pic>
+      <p:pic>
+        <p:nvPicPr>
+          <p:cNvPr id="10" name="Picture 9">
+            <a:extLst>
+              <a:ext uri="{FF2B5EF4-FFF2-40B4-BE49-F238E27FC236}">
+                <a16:creationId xmlns:a16="http://schemas.microsoft.com/office/drawing/2014/main" id="{C0427234-02BE-4D11-81FE-4BEE06B1E358}"/>
+              </a:ext>
+            </a:extLst>
+          </p:cNvPr>
+          <p:cNvPicPr>
+            <a:picLocks noChangeAspect="1"/>
+          </p:cNvPicPr>
+          <p:nvPr/>
+        </p:nvPicPr>
+        <p:blipFill>
+          <a:blip r:embed="rId8"/>
+          <a:stretch>
+            <a:fillRect/>
+          </a:stretch>
+        </p:blipFill>
+        <p:spPr>
+          <a:xfrm>
+            <a:off x="4750465" y="2080963"/>
+            <a:ext cx="994111" cy="277924"/>
+          </a:xfrm>
+          <a:prstGeom prst="rect">
+            <a:avLst/>
+          </a:prstGeom>
+        </p:spPr>
+      </p:pic>
+      <p:pic>
+        <p:nvPicPr>
+          <p:cNvPr id="13" name="Picture 12">
+            <a:extLst>
+              <a:ext uri="{FF2B5EF4-FFF2-40B4-BE49-F238E27FC236}">
+                <a16:creationId xmlns:a16="http://schemas.microsoft.com/office/drawing/2014/main" id="{B1064E62-9142-4476-A36B-1802662D95DD}"/>
+              </a:ext>
+            </a:extLst>
+          </p:cNvPr>
+          <p:cNvPicPr>
+            <a:picLocks noChangeAspect="1"/>
+          </p:cNvPicPr>
+          <p:nvPr/>
+        </p:nvPicPr>
+        <p:blipFill>
+          <a:blip r:embed="rId9"/>
+          <a:stretch>
+            <a:fillRect/>
+          </a:stretch>
+        </p:blipFill>
+        <p:spPr>
+          <a:xfrm>
+            <a:off x="6940728" y="2048289"/>
+            <a:ext cx="905001" cy="257211"/>
+          </a:xfrm>
+          <a:prstGeom prst="rect">
+            <a:avLst/>
+          </a:prstGeom>
+        </p:spPr>
+      </p:pic>
+      <p:pic>
+        <p:nvPicPr>
+          <p:cNvPr id="22" name="Picture 21">
+            <a:extLst>
+              <a:ext uri="{FF2B5EF4-FFF2-40B4-BE49-F238E27FC236}">
+                <a16:creationId xmlns:a16="http://schemas.microsoft.com/office/drawing/2014/main" id="{38C9BCC3-6AE1-4563-B9ED-3CD82DB738E6}"/>
+              </a:ext>
+            </a:extLst>
+          </p:cNvPr>
+          <p:cNvPicPr>
+            <a:picLocks noChangeAspect="1"/>
+          </p:cNvPicPr>
+          <p:nvPr/>
+        </p:nvPicPr>
+        <p:blipFill>
+          <a:blip r:embed="rId10"/>
+          <a:stretch>
+            <a:fillRect/>
+          </a:stretch>
+        </p:blipFill>
+        <p:spPr>
+          <a:xfrm>
+            <a:off x="6789761" y="883812"/>
+            <a:ext cx="1286054" cy="314369"/>
+          </a:xfrm>
+          <a:prstGeom prst="rect">
+            <a:avLst/>
+          </a:prstGeom>
+        </p:spPr>
+      </p:pic>
     </p:spTree>
     <p:extLst>
       <p:ext uri="{BB962C8B-B14F-4D97-AF65-F5344CB8AC3E}">
@@ -14883,6 +15020,400 @@
   <p:clrMapOvr>
     <a:overrideClrMapping bg1="lt1" tx1="dk1" bg2="lt2" tx2="dk2" accent1="accent1" accent2="accent2" accent3="accent3" accent4="accent4" accent5="accent5" accent6="accent6" hlink="hlink" folHlink="folHlink"/>
   </p:clrMapOvr>
+  <p:timing>
+    <p:tnLst>
+      <p:par>
+        <p:cTn id="1" dur="indefinite" restart="never" nodeType="tmRoot">
+          <p:childTnLst>
+            <p:seq concurrent="1" nextAc="seek">
+              <p:cTn id="2" dur="indefinite" nodeType="mainSeq">
+                <p:childTnLst>
+                  <p:par>
+                    <p:cTn id="3" fill="hold">
+                      <p:stCondLst>
+                        <p:cond delay="indefinite"/>
+                      </p:stCondLst>
+                      <p:childTnLst>
+                        <p:par>
+                          <p:cTn id="4" fill="hold">
+                            <p:stCondLst>
+                              <p:cond delay="0"/>
+                            </p:stCondLst>
+                            <p:childTnLst>
+                              <p:par>
+                                <p:cTn id="5" presetID="2" presetClass="entr" presetSubtype="4" fill="hold" nodeType="clickEffect">
+                                  <p:stCondLst>
+                                    <p:cond delay="0"/>
+                                  </p:stCondLst>
+                                  <p:childTnLst>
+                                    <p:set>
+                                      <p:cBhvr>
+                                        <p:cTn id="6" dur="1" fill="hold">
+                                          <p:stCondLst>
+                                            <p:cond delay="0"/>
+                                          </p:stCondLst>
+                                        </p:cTn>
+                                        <p:tgtEl>
+                                          <p:spTgt spid="10"/>
+                                        </p:tgtEl>
+                                        <p:attrNameLst>
+                                          <p:attrName>style.visibility</p:attrName>
+                                        </p:attrNameLst>
+                                      </p:cBhvr>
+                                      <p:to>
+                                        <p:strVal val="visible"/>
+                                      </p:to>
+                                    </p:set>
+                                    <p:anim calcmode="lin" valueType="num">
+                                      <p:cBhvr additive="base">
+                                        <p:cTn id="7" dur="500" fill="hold"/>
+                                        <p:tgtEl>
+                                          <p:spTgt spid="10"/>
+                                        </p:tgtEl>
+                                        <p:attrNameLst>
+                                          <p:attrName>ppt_x</p:attrName>
+                                        </p:attrNameLst>
+                                      </p:cBhvr>
+                                      <p:tavLst>
+                                        <p:tav tm="0">
+                                          <p:val>
+                                            <p:strVal val="#ppt_x"/>
+                                          </p:val>
+                                        </p:tav>
+                                        <p:tav tm="100000">
+                                          <p:val>
+                                            <p:strVal val="#ppt_x"/>
+                                          </p:val>
+                                        </p:tav>
+                                      </p:tavLst>
+                                    </p:anim>
+                                    <p:anim calcmode="lin" valueType="num">
+                                      <p:cBhvr additive="base">
+                                        <p:cTn id="8" dur="500" fill="hold"/>
+                                        <p:tgtEl>
+                                          <p:spTgt spid="10"/>
+                                        </p:tgtEl>
+                                        <p:attrNameLst>
+                                          <p:attrName>ppt_y</p:attrName>
+                                        </p:attrNameLst>
+                                      </p:cBhvr>
+                                      <p:tavLst>
+                                        <p:tav tm="0">
+                                          <p:val>
+                                            <p:strVal val="1+#ppt_h/2"/>
+                                          </p:val>
+                                        </p:tav>
+                                        <p:tav tm="100000">
+                                          <p:val>
+                                            <p:strVal val="#ppt_y"/>
+                                          </p:val>
+                                        </p:tav>
+                                      </p:tavLst>
+                                    </p:anim>
+                                  </p:childTnLst>
+                                </p:cTn>
+                              </p:par>
+                            </p:childTnLst>
+                          </p:cTn>
+                        </p:par>
+                      </p:childTnLst>
+                    </p:cTn>
+                  </p:par>
+                  <p:par>
+                    <p:cTn id="9" fill="hold">
+                      <p:stCondLst>
+                        <p:cond delay="indefinite"/>
+                      </p:stCondLst>
+                      <p:childTnLst>
+                        <p:par>
+                          <p:cTn id="10" fill="hold">
+                            <p:stCondLst>
+                              <p:cond delay="0"/>
+                            </p:stCondLst>
+                            <p:childTnLst>
+                              <p:par>
+                                <p:cTn id="11" presetID="2" presetClass="entr" presetSubtype="4" fill="hold" nodeType="clickEffect">
+                                  <p:stCondLst>
+                                    <p:cond delay="0"/>
+                                  </p:stCondLst>
+                                  <p:childTnLst>
+                                    <p:set>
+                                      <p:cBhvr>
+                                        <p:cTn id="12" dur="1" fill="hold">
+                                          <p:stCondLst>
+                                            <p:cond delay="0"/>
+                                          </p:stCondLst>
+                                        </p:cTn>
+                                        <p:tgtEl>
+                                          <p:spTgt spid="13"/>
+                                        </p:tgtEl>
+                                        <p:attrNameLst>
+                                          <p:attrName>style.visibility</p:attrName>
+                                        </p:attrNameLst>
+                                      </p:cBhvr>
+                                      <p:to>
+                                        <p:strVal val="visible"/>
+                                      </p:to>
+                                    </p:set>
+                                    <p:anim calcmode="lin" valueType="num">
+                                      <p:cBhvr additive="base">
+                                        <p:cTn id="13" dur="500" fill="hold"/>
+                                        <p:tgtEl>
+                                          <p:spTgt spid="13"/>
+                                        </p:tgtEl>
+                                        <p:attrNameLst>
+                                          <p:attrName>ppt_x</p:attrName>
+                                        </p:attrNameLst>
+                                      </p:cBhvr>
+                                      <p:tavLst>
+                                        <p:tav tm="0">
+                                          <p:val>
+                                            <p:strVal val="#ppt_x"/>
+                                          </p:val>
+                                        </p:tav>
+                                        <p:tav tm="100000">
+                                          <p:val>
+                                            <p:strVal val="#ppt_x"/>
+                                          </p:val>
+                                        </p:tav>
+                                      </p:tavLst>
+                                    </p:anim>
+                                    <p:anim calcmode="lin" valueType="num">
+                                      <p:cBhvr additive="base">
+                                        <p:cTn id="14" dur="500" fill="hold"/>
+                                        <p:tgtEl>
+                                          <p:spTgt spid="13"/>
+                                        </p:tgtEl>
+                                        <p:attrNameLst>
+                                          <p:attrName>ppt_y</p:attrName>
+                                        </p:attrNameLst>
+                                      </p:cBhvr>
+                                      <p:tavLst>
+                                        <p:tav tm="0">
+                                          <p:val>
+                                            <p:strVal val="1+#ppt_h/2"/>
+                                          </p:val>
+                                        </p:tav>
+                                        <p:tav tm="100000">
+                                          <p:val>
+                                            <p:strVal val="#ppt_y"/>
+                                          </p:val>
+                                        </p:tav>
+                                      </p:tavLst>
+                                    </p:anim>
+                                  </p:childTnLst>
+                                </p:cTn>
+                              </p:par>
+                            </p:childTnLst>
+                          </p:cTn>
+                        </p:par>
+                      </p:childTnLst>
+                    </p:cTn>
+                  </p:par>
+                  <p:par>
+                    <p:cTn id="15" fill="hold">
+                      <p:stCondLst>
+                        <p:cond delay="indefinite"/>
+                      </p:stCondLst>
+                      <p:childTnLst>
+                        <p:par>
+                          <p:cTn id="16" fill="hold">
+                            <p:stCondLst>
+                              <p:cond delay="0"/>
+                            </p:stCondLst>
+                            <p:childTnLst>
+                              <p:par>
+                                <p:cTn id="17" presetID="2" presetClass="entr" presetSubtype="4" fill="hold" nodeType="clickEffect">
+                                  <p:stCondLst>
+                                    <p:cond delay="0"/>
+                                  </p:stCondLst>
+                                  <p:childTnLst>
+                                    <p:set>
+                                      <p:cBhvr>
+                                        <p:cTn id="18" dur="1" fill="hold">
+                                          <p:stCondLst>
+                                            <p:cond delay="0"/>
+                                          </p:stCondLst>
+                                        </p:cTn>
+                                        <p:tgtEl>
+                                          <p:spTgt spid="6"/>
+                                        </p:tgtEl>
+                                        <p:attrNameLst>
+                                          <p:attrName>style.visibility</p:attrName>
+                                        </p:attrNameLst>
+                                      </p:cBhvr>
+                                      <p:to>
+                                        <p:strVal val="visible"/>
+                                      </p:to>
+                                    </p:set>
+                                    <p:anim calcmode="lin" valueType="num">
+                                      <p:cBhvr additive="base">
+                                        <p:cTn id="19" dur="500" fill="hold"/>
+                                        <p:tgtEl>
+                                          <p:spTgt spid="6"/>
+                                        </p:tgtEl>
+                                        <p:attrNameLst>
+                                          <p:attrName>ppt_x</p:attrName>
+                                        </p:attrNameLst>
+                                      </p:cBhvr>
+                                      <p:tavLst>
+                                        <p:tav tm="0">
+                                          <p:val>
+                                            <p:strVal val="#ppt_x"/>
+                                          </p:val>
+                                        </p:tav>
+                                        <p:tav tm="100000">
+                                          <p:val>
+                                            <p:strVal val="#ppt_x"/>
+                                          </p:val>
+                                        </p:tav>
+                                      </p:tavLst>
+                                    </p:anim>
+                                    <p:anim calcmode="lin" valueType="num">
+                                      <p:cBhvr additive="base">
+                                        <p:cTn id="20" dur="500" fill="hold"/>
+                                        <p:tgtEl>
+                                          <p:spTgt spid="6"/>
+                                        </p:tgtEl>
+                                        <p:attrNameLst>
+                                          <p:attrName>ppt_y</p:attrName>
+                                        </p:attrNameLst>
+                                      </p:cBhvr>
+                                      <p:tavLst>
+                                        <p:tav tm="0">
+                                          <p:val>
+                                            <p:strVal val="1+#ppt_h/2"/>
+                                          </p:val>
+                                        </p:tav>
+                                        <p:tav tm="100000">
+                                          <p:val>
+                                            <p:strVal val="#ppt_y"/>
+                                          </p:val>
+                                        </p:tav>
+                                      </p:tavLst>
+                                    </p:anim>
+                                  </p:childTnLst>
+                                </p:cTn>
+                              </p:par>
+                            </p:childTnLst>
+                          </p:cTn>
+                        </p:par>
+                      </p:childTnLst>
+                    </p:cTn>
+                  </p:par>
+                  <p:par>
+                    <p:cTn id="21" fill="hold">
+                      <p:stCondLst>
+                        <p:cond delay="indefinite"/>
+                      </p:stCondLst>
+                      <p:childTnLst>
+                        <p:par>
+                          <p:cTn id="22" fill="hold">
+                            <p:stCondLst>
+                              <p:cond delay="0"/>
+                            </p:stCondLst>
+                            <p:childTnLst>
+                              <p:par>
+                                <p:cTn id="23" presetID="2" presetClass="entr" presetSubtype="4" fill="hold" nodeType="clickEffect">
+                                  <p:stCondLst>
+                                    <p:cond delay="0"/>
+                                  </p:stCondLst>
+                                  <p:childTnLst>
+                                    <p:set>
+                                      <p:cBhvr>
+                                        <p:cTn id="24" dur="1" fill="hold">
+                                          <p:stCondLst>
+                                            <p:cond delay="0"/>
+                                          </p:stCondLst>
+                                        </p:cTn>
+                                        <p:tgtEl>
+                                          <p:spTgt spid="22"/>
+                                        </p:tgtEl>
+                                        <p:attrNameLst>
+                                          <p:attrName>style.visibility</p:attrName>
+                                        </p:attrNameLst>
+                                      </p:cBhvr>
+                                      <p:to>
+                                        <p:strVal val="visible"/>
+                                      </p:to>
+                                    </p:set>
+                                    <p:anim calcmode="lin" valueType="num">
+                                      <p:cBhvr additive="base">
+                                        <p:cTn id="25" dur="500" fill="hold"/>
+                                        <p:tgtEl>
+                                          <p:spTgt spid="22"/>
+                                        </p:tgtEl>
+                                        <p:attrNameLst>
+                                          <p:attrName>ppt_x</p:attrName>
+                                        </p:attrNameLst>
+                                      </p:cBhvr>
+                                      <p:tavLst>
+                                        <p:tav tm="0">
+                                          <p:val>
+                                            <p:strVal val="#ppt_x"/>
+                                          </p:val>
+                                        </p:tav>
+                                        <p:tav tm="100000">
+                                          <p:val>
+                                            <p:strVal val="#ppt_x"/>
+                                          </p:val>
+                                        </p:tav>
+                                      </p:tavLst>
+                                    </p:anim>
+                                    <p:anim calcmode="lin" valueType="num">
+                                      <p:cBhvr additive="base">
+                                        <p:cTn id="26" dur="500" fill="hold"/>
+                                        <p:tgtEl>
+                                          <p:spTgt spid="22"/>
+                                        </p:tgtEl>
+                                        <p:attrNameLst>
+                                          <p:attrName>ppt_y</p:attrName>
+                                        </p:attrNameLst>
+                                      </p:cBhvr>
+                                      <p:tavLst>
+                                        <p:tav tm="0">
+                                          <p:val>
+                                            <p:strVal val="1+#ppt_h/2"/>
+                                          </p:val>
+                                        </p:tav>
+                                        <p:tav tm="100000">
+                                          <p:val>
+                                            <p:strVal val="#ppt_y"/>
+                                          </p:val>
+                                        </p:tav>
+                                      </p:tavLst>
+                                    </p:anim>
+                                  </p:childTnLst>
+                                </p:cTn>
+                              </p:par>
+                            </p:childTnLst>
+                          </p:cTn>
+                        </p:par>
+                      </p:childTnLst>
+                    </p:cTn>
+                  </p:par>
+                </p:childTnLst>
+              </p:cTn>
+              <p:prevCondLst>
+                <p:cond evt="onPrev" delay="0">
+                  <p:tgtEl>
+                    <p:sldTgt/>
+                  </p:tgtEl>
+                </p:cond>
+              </p:prevCondLst>
+              <p:nextCondLst>
+                <p:cond evt="onNext" delay="0">
+                  <p:tgtEl>
+                    <p:sldTgt/>
+                  </p:tgtEl>
+                </p:cond>
+              </p:nextCondLst>
+            </p:seq>
+          </p:childTnLst>
+        </p:cTn>
+      </p:par>
+    </p:tnLst>
+  </p:timing>
 </p:sld>
 </file>
 
@@ -15039,7 +15570,7 @@
           <a:p>
             <a:r>
               <a:rPr lang="en-US" dirty="0"/>
-              <a:t>Creating a time series model containing  all the potential features in the data. </a:t>
+              <a:t>Optimizing the time series model to include additional factors that could impact the sales. </a:t>
             </a:r>
           </a:p>
         </p:txBody>

--- a/Sales Forecasting.pptx
+++ b/Sales Forecasting.pptx
@@ -7048,7 +7048,14 @@
           <a:p>
             <a:pPr algn="r"/>
             <a:r>
-              <a:rPr lang="en-US"/>
+              <a:rPr lang="en-US" sz="6000" dirty="0"/>
+              <a:t>1C Company</a:t>
+            </a:r>
+            <a:br>
+              <a:rPr lang="en-US" sz="6000" dirty="0"/>
+            </a:br>
+            <a:r>
+              <a:rPr lang="en-US" sz="6000" dirty="0"/>
               <a:t>Sales Forecasting</a:t>
             </a:r>
           </a:p>
@@ -7072,8 +7079,8 @@
         </p:nvSpPr>
         <p:spPr>
           <a:xfrm>
-            <a:off x="8589682" y="1317171"/>
-            <a:ext cx="2872975" cy="4223658"/>
+            <a:off x="8309946" y="2601684"/>
+            <a:ext cx="2872975" cy="1398815"/>
           </a:xfrm>
         </p:spPr>
         <p:txBody>
@@ -7083,18 +7090,129 @@
           <a:lstStyle/>
           <a:p>
             <a:r>
-              <a:rPr lang="en-US">
+              <a:rPr lang="en-US" b="1" dirty="0">
                 <a:solidFill>
                   <a:schemeClr val="bg2"/>
                 </a:solidFill>
+                <a:latin typeface="Arial" panose="020B0604020202020204" pitchFamily="34" charset="0"/>
+                <a:cs typeface="Arial" panose="020B0604020202020204" pitchFamily="34" charset="0"/>
               </a:rPr>
               <a:t>Khwaja Jalal Sediqi</a:t>
             </a:r>
-          </a:p>
-          <a:p>
-            <a:endParaRPr lang="en-US">
+            <a:endParaRPr lang="en-US" dirty="0">
               <a:solidFill>
                 <a:schemeClr val="bg2"/>
+              </a:solidFill>
+              <a:latin typeface="Arial Black" panose="020B0A04020102020204" pitchFamily="34" charset="0"/>
+            </a:endParaRPr>
+          </a:p>
+        </p:txBody>
+      </p:sp>
+      <p:sp>
+        <p:nvSpPr>
+          <p:cNvPr id="5" name="TextBox 4">
+            <a:extLst>
+              <a:ext uri="{FF2B5EF4-FFF2-40B4-BE49-F238E27FC236}">
+                <a16:creationId xmlns:a16="http://schemas.microsoft.com/office/drawing/2014/main" id="{07ED7006-78FC-45FE-BA49-65059639B98D}"/>
+              </a:ext>
+            </a:extLst>
+          </p:cNvPr>
+          <p:cNvSpPr txBox="1"/>
+          <p:nvPr/>
+        </p:nvSpPr>
+        <p:spPr>
+          <a:xfrm>
+            <a:off x="8309946" y="5750005"/>
+            <a:ext cx="3701785" cy="738664"/>
+          </a:xfrm>
+          <a:prstGeom prst="rect">
+            <a:avLst/>
+          </a:prstGeom>
+          <a:noFill/>
+        </p:spPr>
+        <p:txBody>
+          <a:bodyPr wrap="square" rtlCol="0">
+            <a:spAutoFit/>
+          </a:bodyPr>
+          <a:lstStyle/>
+          <a:p>
+            <a:r>
+              <a:rPr lang="en-US" sz="1400" b="1" dirty="0">
+                <a:solidFill>
+                  <a:schemeClr val="bg2">
+                    <a:lumMod val="50000"/>
+                  </a:schemeClr>
+                </a:solidFill>
+                <a:hlinkClick r:id="rId3">
+                  <a:extLst>
+                    <a:ext uri="{A12FA001-AC4F-418D-AE19-62706E023703}">
+                      <ahyp:hlinkClr xmlns:ahyp="http://schemas.microsoft.com/office/drawing/2018/hyperlinkcolor" val="tx"/>
+                    </a:ext>
+                  </a:extLst>
+                </a:hlinkClick>
+              </a:rPr>
+              <a:t>khwajajalal@gmail.com</a:t>
+            </a:r>
+            <a:endParaRPr lang="en-US" sz="1400" b="1" dirty="0">
+              <a:solidFill>
+                <a:schemeClr val="bg2">
+                  <a:lumMod val="50000"/>
+                </a:schemeClr>
+              </a:solidFill>
+            </a:endParaRPr>
+          </a:p>
+          <a:p>
+            <a:r>
+              <a:rPr lang="en-US" sz="1400" b="1" dirty="0">
+                <a:solidFill>
+                  <a:schemeClr val="bg2">
+                    <a:lumMod val="50000"/>
+                  </a:schemeClr>
+                </a:solidFill>
+                <a:hlinkClick r:id="rId4">
+                  <a:extLst>
+                    <a:ext uri="{A12FA001-AC4F-418D-AE19-62706E023703}">
+                      <ahyp:hlinkClr xmlns:ahyp="http://schemas.microsoft.com/office/drawing/2018/hyperlinkcolor" val="tx"/>
+                    </a:ext>
+                  </a:extLst>
+                </a:hlinkClick>
+              </a:rPr>
+              <a:t>www.linkedin.com/in/</a:t>
+            </a:r>
+            <a:r>
+              <a:rPr lang="en-US" sz="1400" b="1" u="sng" dirty="0">
+                <a:solidFill>
+                  <a:schemeClr val="bg2">
+                    <a:lumMod val="50000"/>
+                  </a:schemeClr>
+                </a:solidFill>
+                <a:hlinkClick r:id="rId4">
+                  <a:extLst>
+                    <a:ext uri="{A12FA001-AC4F-418D-AE19-62706E023703}">
+                      <ahyp:hlinkClr xmlns:ahyp="http://schemas.microsoft.com/office/drawing/2018/hyperlinkcolor" val="tx"/>
+                    </a:ext>
+                  </a:extLst>
+                </a:hlinkClick>
+              </a:rPr>
+              <a:t>khwaja</a:t>
+            </a:r>
+            <a:r>
+              <a:rPr lang="en-US" sz="1400" b="1" u="sng" dirty="0">
+                <a:solidFill>
+                  <a:schemeClr val="bg2">
+                    <a:lumMod val="50000"/>
+                  </a:schemeClr>
+                </a:solidFill>
+              </a:rPr>
+              <a:t>jalal</a:t>
+            </a:r>
+          </a:p>
+          <a:p>
+            <a:endParaRPr lang="en-US" sz="1400" dirty="0">
+              <a:solidFill>
+                <a:schemeClr val="accent4">
+                  <a:lumMod val="50000"/>
+                </a:schemeClr>
               </a:solidFill>
             </a:endParaRPr>
           </a:p>
@@ -7173,7 +7291,7 @@
             </a:pPr>
             <a:r>
               <a:rPr lang="en-US" sz="2000" dirty="0"/>
-              <a:t>This data is extracted from Kaggle website for 1C Company. 1C specializes in development, distribution, publishing and support of mass-market software in Russia. </a:t>
+              <a:t>This data is extracted from Kaggle website for 1C Company. 1C specializes in development, distribution, and publishing different types of  software in Russia. </a:t>
             </a:r>
           </a:p>
           <a:p>
@@ -7193,7 +7311,7 @@
             </a:pPr>
             <a:r>
               <a:rPr lang="en-US" sz="2000" dirty="0"/>
-              <a:t>The data  contains 1C sales for January 2013 to October 2015. </a:t>
+              <a:t>The data  contains 1C sales for January 2013 to October 2015 for 60 shops. </a:t>
             </a:r>
           </a:p>
         </p:txBody>
@@ -8729,7 +8847,7 @@
         <p:spPr>
           <a:xfrm>
             <a:off x="261284" y="521357"/>
-            <a:ext cx="3482519" cy="2031325"/>
+            <a:ext cx="3482519" cy="1754326"/>
           </a:xfrm>
           <a:prstGeom prst="rect">
             <a:avLst/>
@@ -8748,7 +8866,7 @@
             </a:pPr>
             <a:r>
               <a:rPr lang="en-US" dirty="0"/>
-              <a:t>All of the top 10 software are game related like PS3, PS4, Xbox. However, Sony Play Station has the  highest amount of sales with more than 200 millions Rubles. </a:t>
+              <a:t>All of the top 10 items are game related. However, Sony Play Station 4 console has the  highest amount of sales with more than 200 millions Rubles. </a:t>
             </a:r>
           </a:p>
         </p:txBody>
@@ -8768,7 +8886,7 @@
         <p:spPr>
           <a:xfrm>
             <a:off x="446160" y="3981923"/>
-            <a:ext cx="3544827" cy="2031325"/>
+            <a:ext cx="3544827" cy="1754326"/>
           </a:xfrm>
           <a:prstGeom prst="rect">
             <a:avLst/>
@@ -8787,7 +8905,7 @@
             </a:pPr>
             <a:r>
               <a:rPr lang="en-US" dirty="0"/>
-              <a:t>77 Percent of all the software are below 1000 Rubles (equivalent to 14 USD).</a:t>
+              <a:t>77 Percent of all the items are below 1,000 Rubles (equivalent to 14 USD).</a:t>
             </a:r>
           </a:p>
           <a:p>
@@ -10092,7 +10210,7 @@
               </a:lnSpc>
             </a:pPr>
             <a:r>
-              <a:rPr lang="en-US" sz="2000" dirty="0">
+              <a:rPr lang="en-US" sz="2000">
                 <a:solidFill>
                   <a:schemeClr val="tx1"/>
                 </a:solidFill>
@@ -10100,7 +10218,7 @@
               <a:t>The total amount of sales </a:t>
             </a:r>
             <a:r>
-              <a:rPr lang="en-US" sz="2000" dirty="0">
+              <a:rPr lang="en-US" sz="2000">
                 <a:solidFill>
                   <a:schemeClr val="tx1"/>
                 </a:solidFill>
@@ -10109,7 +10227,7 @@
               <a:t>increased from 2013 to 2014</a:t>
             </a:r>
             <a:r>
-              <a:rPr lang="en-US" sz="2000" dirty="0">
+              <a:rPr lang="en-US" sz="2000">
                 <a:solidFill>
                   <a:schemeClr val="tx1"/>
                 </a:solidFill>
@@ -10117,17 +10235,17 @@
               <a:t>. However, there is no complete data for 2015’s sales. The last month for 2015 sales is October. </a:t>
             </a:r>
             <a:br>
-              <a:rPr lang="en-US" sz="1600" dirty="0">
+              <a:rPr lang="en-US" sz="1600">
                 <a:solidFill>
                   <a:schemeClr val="tx1"/>
                 </a:solidFill>
               </a:rPr>
             </a:br>
             <a:br>
-              <a:rPr lang="en-US" sz="1600" dirty="0"/>
+              <a:rPr lang="en-US" sz="1600"/>
             </a:br>
             <a:br>
-              <a:rPr lang="en-US" sz="1600" dirty="0"/>
+              <a:rPr lang="en-US" sz="1600"/>
             </a:br>
             <a:endParaRPr lang="en-US" sz="1600" dirty="0"/>
           </a:p>
@@ -10162,9 +10280,10 @@
           <a:lstStyle/>
           <a:p>
             <a:r>
-              <a:rPr lang="en-US" dirty="0"/>
+              <a:rPr lang="en-US"/>
               <a:t>The Variety of items or the number of distinct items decreased from 2013 to 2015. 3,722 Items were collected from shelves. However, the total amount of sales did not decrease over time.</a:t>
             </a:r>
+            <a:endParaRPr lang="en-US" dirty="0"/>
           </a:p>
         </p:txBody>
       </p:sp>
@@ -11518,7 +11637,7 @@
             </a:pPr>
             <a:r>
               <a:rPr lang="en-US" dirty="0"/>
-              <a:t>The last four months has the highest amount of sales. December is significantly high because of Christmas. </a:t>
+              <a:t>The last four months has the highest amount of sales. December is significantly high because of new year. </a:t>
             </a:r>
           </a:p>
         </p:txBody>
@@ -13255,12 +13374,59 @@
           </a:prstGeom>
         </p:spPr>
       </p:pic>
+      <p:sp>
+        <p:nvSpPr>
+          <p:cNvPr id="4" name="Oval 3">
+            <a:extLst>
+              <a:ext uri="{FF2B5EF4-FFF2-40B4-BE49-F238E27FC236}">
+                <a16:creationId xmlns:a16="http://schemas.microsoft.com/office/drawing/2014/main" id="{5A3137D9-BACB-49C7-8610-1FBEC588A074}"/>
+              </a:ext>
+            </a:extLst>
+          </p:cNvPr>
+          <p:cNvSpPr/>
+          <p:nvPr/>
+        </p:nvSpPr>
+        <p:spPr>
+          <a:xfrm>
+            <a:off x="10631606" y="1577197"/>
+            <a:ext cx="1009562" cy="655115"/>
+          </a:xfrm>
+          <a:prstGeom prst="ellipse">
+            <a:avLst/>
+          </a:prstGeom>
+          <a:noFill/>
+        </p:spPr>
+        <p:style>
+          <a:lnRef idx="2">
+            <a:schemeClr val="accent1">
+              <a:shade val="50000"/>
+            </a:schemeClr>
+          </a:lnRef>
+          <a:fillRef idx="1">
+            <a:schemeClr val="accent1"/>
+          </a:fillRef>
+          <a:effectRef idx="0">
+            <a:schemeClr val="accent1"/>
+          </a:effectRef>
+          <a:fontRef idx="minor">
+            <a:schemeClr val="lt1"/>
+          </a:fontRef>
+        </p:style>
+        <p:txBody>
+          <a:bodyPr rtlCol="0" anchor="ctr"/>
+          <a:lstStyle/>
+          <a:p>
+            <a:pPr algn="ctr"/>
+            <a:endParaRPr lang="en-US" dirty="0"/>
+          </a:p>
+        </p:txBody>
+      </p:sp>
       <p:pic>
         <p:nvPicPr>
-          <p:cNvPr id="45" name="Content Placeholder 44" descr="A screenshot of a cell phone&#10;&#10;Description automatically generated">
+          <p:cNvPr id="8" name="Content Placeholder 7" descr="Chart, line chart&#10;&#10;Description automatically generated">
             <a:extLst>
               <a:ext uri="{FF2B5EF4-FFF2-40B4-BE49-F238E27FC236}">
-                <a16:creationId xmlns:a16="http://schemas.microsoft.com/office/drawing/2014/main" id="{A2F8E8D2-AB41-4AF3-834D-28127935582C}"/>
+                <a16:creationId xmlns:a16="http://schemas.microsoft.com/office/drawing/2014/main" id="{D162881B-F5CC-4806-8C40-DD0D8B00E8FC}"/>
               </a:ext>
             </a:extLst>
           </p:cNvPr>
@@ -13279,8 +13445,8 @@
         </p:blipFill>
         <p:spPr>
           <a:xfrm>
-            <a:off x="5240587" y="3327255"/>
-            <a:ext cx="6840169" cy="3250965"/>
+            <a:off x="4994020" y="3298211"/>
+            <a:ext cx="7411599" cy="3431110"/>
           </a:xfrm>
         </p:spPr>
       </p:pic>
@@ -13328,7 +13494,7 @@
                                           </p:stCondLst>
                                         </p:cTn>
                                         <p:tgtEl>
-                                          <p:spTgt spid="20"/>
+                                          <p:spTgt spid="4"/>
                                         </p:tgtEl>
                                         <p:attrNameLst>
                                           <p:attrName>style.visibility</p:attrName>
@@ -13342,7 +13508,7 @@
                                       <p:cBhvr additive="base">
                                         <p:cTn id="7" dur="500" fill="hold"/>
                                         <p:tgtEl>
-                                          <p:spTgt spid="20"/>
+                                          <p:spTgt spid="4"/>
                                         </p:tgtEl>
                                         <p:attrNameLst>
                                           <p:attrName>ppt_x</p:attrName>
@@ -13365,7 +13531,7 @@
                                       <p:cBhvr additive="base">
                                         <p:cTn id="8" dur="500" fill="hold"/>
                                         <p:tgtEl>
-                                          <p:spTgt spid="20"/>
+                                          <p:spTgt spid="4"/>
                                         </p:tgtEl>
                                         <p:attrNameLst>
                                           <p:attrName>ppt_y</p:attrName>
@@ -13406,7 +13572,7 @@
                             </p:stCondLst>
                             <p:childTnLst>
                               <p:par>
-                                <p:cTn id="11" presetID="2" presetClass="entr" presetSubtype="4" fill="hold" nodeType="clickEffect">
+                                <p:cTn id="11" presetID="2" presetClass="entr" presetSubtype="4" fill="hold" grpId="0" nodeType="clickEffect">
                                   <p:stCondLst>
                                     <p:cond delay="0"/>
                                   </p:stCondLst>
@@ -13419,7 +13585,7 @@
                                           </p:stCondLst>
                                         </p:cTn>
                                         <p:tgtEl>
-                                          <p:spTgt spid="45"/>
+                                          <p:spTgt spid="20"/>
                                         </p:tgtEl>
                                         <p:attrNameLst>
                                           <p:attrName>style.visibility</p:attrName>
@@ -13433,7 +13599,7 @@
                                       <p:cBhvr additive="base">
                                         <p:cTn id="13" dur="500" fill="hold"/>
                                         <p:tgtEl>
-                                          <p:spTgt spid="45"/>
+                                          <p:spTgt spid="20"/>
                                         </p:tgtEl>
                                         <p:attrNameLst>
                                           <p:attrName>ppt_x</p:attrName>
@@ -13456,7 +13622,7 @@
                                       <p:cBhvr additive="base">
                                         <p:cTn id="14" dur="500" fill="hold"/>
                                         <p:tgtEl>
-                                          <p:spTgt spid="45"/>
+                                          <p:spTgt spid="20"/>
                                         </p:tgtEl>
                                         <p:attrNameLst>
                                           <p:attrName>ppt_y</p:attrName>
@@ -13507,6 +13673,7 @@
     </p:tnLst>
     <p:bldLst>
       <p:bldP spid="20" grpId="0"/>
+      <p:bldP spid="4" grpId="0" animBg="1"/>
     </p:bldLst>
   </p:timing>
 </p:sld>
@@ -14833,7 +15000,7 @@
         <p:spPr>
           <a:xfrm>
             <a:off x="761206" y="4971024"/>
-            <a:ext cx="10051774" cy="646331"/>
+            <a:ext cx="10051774" cy="369332"/>
           </a:xfrm>
           <a:prstGeom prst="rect">
             <a:avLst/>
@@ -14856,17 +15023,17 @@
                   <a:schemeClr val="bg1"/>
                 </a:solidFill>
               </a:rPr>
-              <a:t>The forecasted monthly sales data mostly follow the same pattern as historical data,  so the forecast can be considered satisfactory. </a:t>
+              <a:t>The forecasted monthly sales data mostly follow the same pattern as historical data.</a:t>
             </a:r>
           </a:p>
         </p:txBody>
       </p:sp>
       <p:pic>
         <p:nvPicPr>
-          <p:cNvPr id="11" name="Content Placeholder 10" descr="A screenshot of a cell phone&#10;&#10;Description automatically generated">
+          <p:cNvPr id="5" name="Content Placeholder 4" descr="Chart, line chart&#10;&#10;Description automatically generated">
             <a:extLst>
               <a:ext uri="{FF2B5EF4-FFF2-40B4-BE49-F238E27FC236}">
-                <a16:creationId xmlns:a16="http://schemas.microsoft.com/office/drawing/2014/main" id="{E81CFDF4-1EA1-4565-AEA1-1267588BADA7}"/>
+                <a16:creationId xmlns:a16="http://schemas.microsoft.com/office/drawing/2014/main" id="{A8E59CDA-2487-4A00-B4A6-D287B97FE088}"/>
               </a:ext>
             </a:extLst>
           </p:cNvPr>
@@ -14885,17 +15052,17 @@
         </p:blipFill>
         <p:spPr>
           <a:xfrm>
-            <a:off x="0" y="196187"/>
-            <a:ext cx="11123612" cy="4264923"/>
+            <a:off x="1068388" y="0"/>
+            <a:ext cx="8730705" cy="4287441"/>
           </a:xfrm>
         </p:spPr>
       </p:pic>
       <p:pic>
         <p:nvPicPr>
-          <p:cNvPr id="6" name="Picture 5">
+          <p:cNvPr id="19" name="Picture 18">
             <a:extLst>
               <a:ext uri="{FF2B5EF4-FFF2-40B4-BE49-F238E27FC236}">
-                <a16:creationId xmlns:a16="http://schemas.microsoft.com/office/drawing/2014/main" id="{9087BA78-CC50-48F1-9BB2-AF2A94CD1111}"/>
+                <a16:creationId xmlns:a16="http://schemas.microsoft.com/office/drawing/2014/main" id="{8A6A74B4-13D5-4895-A26C-55C5537798A3}"/>
               </a:ext>
             </a:extLst>
           </p:cNvPr>
@@ -14912,8 +15079,8 @@
         </p:blipFill>
         <p:spPr>
           <a:xfrm>
-            <a:off x="4476410" y="975427"/>
-            <a:ext cx="1434060" cy="331958"/>
+            <a:off x="5138141" y="953191"/>
+            <a:ext cx="1183070" cy="376432"/>
           </a:xfrm>
           <a:prstGeom prst="rect">
             <a:avLst/>
@@ -14922,10 +15089,10 @@
       </p:pic>
       <p:pic>
         <p:nvPicPr>
-          <p:cNvPr id="10" name="Picture 9">
+          <p:cNvPr id="23" name="Picture 22">
             <a:extLst>
               <a:ext uri="{FF2B5EF4-FFF2-40B4-BE49-F238E27FC236}">
-                <a16:creationId xmlns:a16="http://schemas.microsoft.com/office/drawing/2014/main" id="{C0427234-02BE-4D11-81FE-4BEE06B1E358}"/>
+                <a16:creationId xmlns:a16="http://schemas.microsoft.com/office/drawing/2014/main" id="{9E0582CA-1E1C-4BC6-8FA6-B3EFA04CB570}"/>
               </a:ext>
             </a:extLst>
           </p:cNvPr>
@@ -14942,68 +15109,8 @@
         </p:blipFill>
         <p:spPr>
           <a:xfrm>
-            <a:off x="4750465" y="2080963"/>
-            <a:ext cx="994111" cy="277924"/>
-          </a:xfrm>
-          <a:prstGeom prst="rect">
-            <a:avLst/>
-          </a:prstGeom>
-        </p:spPr>
-      </p:pic>
-      <p:pic>
-        <p:nvPicPr>
-          <p:cNvPr id="13" name="Picture 12">
-            <a:extLst>
-              <a:ext uri="{FF2B5EF4-FFF2-40B4-BE49-F238E27FC236}">
-                <a16:creationId xmlns:a16="http://schemas.microsoft.com/office/drawing/2014/main" id="{B1064E62-9142-4476-A36B-1802662D95DD}"/>
-              </a:ext>
-            </a:extLst>
-          </p:cNvPr>
-          <p:cNvPicPr>
-            <a:picLocks noChangeAspect="1"/>
-          </p:cNvPicPr>
-          <p:nvPr/>
-        </p:nvPicPr>
-        <p:blipFill>
-          <a:blip r:embed="rId9"/>
-          <a:stretch>
-            <a:fillRect/>
-          </a:stretch>
-        </p:blipFill>
-        <p:spPr>
-          <a:xfrm>
-            <a:off x="6940728" y="2048289"/>
-            <a:ext cx="905001" cy="257211"/>
-          </a:xfrm>
-          <a:prstGeom prst="rect">
-            <a:avLst/>
-          </a:prstGeom>
-        </p:spPr>
-      </p:pic>
-      <p:pic>
-        <p:nvPicPr>
-          <p:cNvPr id="22" name="Picture 21">
-            <a:extLst>
-              <a:ext uri="{FF2B5EF4-FFF2-40B4-BE49-F238E27FC236}">
-                <a16:creationId xmlns:a16="http://schemas.microsoft.com/office/drawing/2014/main" id="{38C9BCC3-6AE1-4563-B9ED-3CD82DB738E6}"/>
-              </a:ext>
-            </a:extLst>
-          </p:cNvPr>
-          <p:cNvPicPr>
-            <a:picLocks noChangeAspect="1"/>
-          </p:cNvPicPr>
-          <p:nvPr/>
-        </p:nvPicPr>
-        <p:blipFill>
-          <a:blip r:embed="rId10"/>
-          <a:stretch>
-            <a:fillRect/>
-          </a:stretch>
-        </p:blipFill>
-        <p:spPr>
-          <a:xfrm>
-            <a:off x="6789761" y="883812"/>
-            <a:ext cx="1286054" cy="314369"/>
+            <a:off x="7192035" y="688296"/>
+            <a:ext cx="1183069" cy="411962"/>
           </a:xfrm>
           <a:prstGeom prst="rect">
             <a:avLst/>
@@ -15020,400 +15127,6 @@
   <p:clrMapOvr>
     <a:overrideClrMapping bg1="lt1" tx1="dk1" bg2="lt2" tx2="dk2" accent1="accent1" accent2="accent2" accent3="accent3" accent4="accent4" accent5="accent5" accent6="accent6" hlink="hlink" folHlink="folHlink"/>
   </p:clrMapOvr>
-  <p:timing>
-    <p:tnLst>
-      <p:par>
-        <p:cTn id="1" dur="indefinite" restart="never" nodeType="tmRoot">
-          <p:childTnLst>
-            <p:seq concurrent="1" nextAc="seek">
-              <p:cTn id="2" dur="indefinite" nodeType="mainSeq">
-                <p:childTnLst>
-                  <p:par>
-                    <p:cTn id="3" fill="hold">
-                      <p:stCondLst>
-                        <p:cond delay="indefinite"/>
-                      </p:stCondLst>
-                      <p:childTnLst>
-                        <p:par>
-                          <p:cTn id="4" fill="hold">
-                            <p:stCondLst>
-                              <p:cond delay="0"/>
-                            </p:stCondLst>
-                            <p:childTnLst>
-                              <p:par>
-                                <p:cTn id="5" presetID="2" presetClass="entr" presetSubtype="4" fill="hold" nodeType="clickEffect">
-                                  <p:stCondLst>
-                                    <p:cond delay="0"/>
-                                  </p:stCondLst>
-                                  <p:childTnLst>
-                                    <p:set>
-                                      <p:cBhvr>
-                                        <p:cTn id="6" dur="1" fill="hold">
-                                          <p:stCondLst>
-                                            <p:cond delay="0"/>
-                                          </p:stCondLst>
-                                        </p:cTn>
-                                        <p:tgtEl>
-                                          <p:spTgt spid="10"/>
-                                        </p:tgtEl>
-                                        <p:attrNameLst>
-                                          <p:attrName>style.visibility</p:attrName>
-                                        </p:attrNameLst>
-                                      </p:cBhvr>
-                                      <p:to>
-                                        <p:strVal val="visible"/>
-                                      </p:to>
-                                    </p:set>
-                                    <p:anim calcmode="lin" valueType="num">
-                                      <p:cBhvr additive="base">
-                                        <p:cTn id="7" dur="500" fill="hold"/>
-                                        <p:tgtEl>
-                                          <p:spTgt spid="10"/>
-                                        </p:tgtEl>
-                                        <p:attrNameLst>
-                                          <p:attrName>ppt_x</p:attrName>
-                                        </p:attrNameLst>
-                                      </p:cBhvr>
-                                      <p:tavLst>
-                                        <p:tav tm="0">
-                                          <p:val>
-                                            <p:strVal val="#ppt_x"/>
-                                          </p:val>
-                                        </p:tav>
-                                        <p:tav tm="100000">
-                                          <p:val>
-                                            <p:strVal val="#ppt_x"/>
-                                          </p:val>
-                                        </p:tav>
-                                      </p:tavLst>
-                                    </p:anim>
-                                    <p:anim calcmode="lin" valueType="num">
-                                      <p:cBhvr additive="base">
-                                        <p:cTn id="8" dur="500" fill="hold"/>
-                                        <p:tgtEl>
-                                          <p:spTgt spid="10"/>
-                                        </p:tgtEl>
-                                        <p:attrNameLst>
-                                          <p:attrName>ppt_y</p:attrName>
-                                        </p:attrNameLst>
-                                      </p:cBhvr>
-                                      <p:tavLst>
-                                        <p:tav tm="0">
-                                          <p:val>
-                                            <p:strVal val="1+#ppt_h/2"/>
-                                          </p:val>
-                                        </p:tav>
-                                        <p:tav tm="100000">
-                                          <p:val>
-                                            <p:strVal val="#ppt_y"/>
-                                          </p:val>
-                                        </p:tav>
-                                      </p:tavLst>
-                                    </p:anim>
-                                  </p:childTnLst>
-                                </p:cTn>
-                              </p:par>
-                            </p:childTnLst>
-                          </p:cTn>
-                        </p:par>
-                      </p:childTnLst>
-                    </p:cTn>
-                  </p:par>
-                  <p:par>
-                    <p:cTn id="9" fill="hold">
-                      <p:stCondLst>
-                        <p:cond delay="indefinite"/>
-                      </p:stCondLst>
-                      <p:childTnLst>
-                        <p:par>
-                          <p:cTn id="10" fill="hold">
-                            <p:stCondLst>
-                              <p:cond delay="0"/>
-                            </p:stCondLst>
-                            <p:childTnLst>
-                              <p:par>
-                                <p:cTn id="11" presetID="2" presetClass="entr" presetSubtype="4" fill="hold" nodeType="clickEffect">
-                                  <p:stCondLst>
-                                    <p:cond delay="0"/>
-                                  </p:stCondLst>
-                                  <p:childTnLst>
-                                    <p:set>
-                                      <p:cBhvr>
-                                        <p:cTn id="12" dur="1" fill="hold">
-                                          <p:stCondLst>
-                                            <p:cond delay="0"/>
-                                          </p:stCondLst>
-                                        </p:cTn>
-                                        <p:tgtEl>
-                                          <p:spTgt spid="13"/>
-                                        </p:tgtEl>
-                                        <p:attrNameLst>
-                                          <p:attrName>style.visibility</p:attrName>
-                                        </p:attrNameLst>
-                                      </p:cBhvr>
-                                      <p:to>
-                                        <p:strVal val="visible"/>
-                                      </p:to>
-                                    </p:set>
-                                    <p:anim calcmode="lin" valueType="num">
-                                      <p:cBhvr additive="base">
-                                        <p:cTn id="13" dur="500" fill="hold"/>
-                                        <p:tgtEl>
-                                          <p:spTgt spid="13"/>
-                                        </p:tgtEl>
-                                        <p:attrNameLst>
-                                          <p:attrName>ppt_x</p:attrName>
-                                        </p:attrNameLst>
-                                      </p:cBhvr>
-                                      <p:tavLst>
-                                        <p:tav tm="0">
-                                          <p:val>
-                                            <p:strVal val="#ppt_x"/>
-                                          </p:val>
-                                        </p:tav>
-                                        <p:tav tm="100000">
-                                          <p:val>
-                                            <p:strVal val="#ppt_x"/>
-                                          </p:val>
-                                        </p:tav>
-                                      </p:tavLst>
-                                    </p:anim>
-                                    <p:anim calcmode="lin" valueType="num">
-                                      <p:cBhvr additive="base">
-                                        <p:cTn id="14" dur="500" fill="hold"/>
-                                        <p:tgtEl>
-                                          <p:spTgt spid="13"/>
-                                        </p:tgtEl>
-                                        <p:attrNameLst>
-                                          <p:attrName>ppt_y</p:attrName>
-                                        </p:attrNameLst>
-                                      </p:cBhvr>
-                                      <p:tavLst>
-                                        <p:tav tm="0">
-                                          <p:val>
-                                            <p:strVal val="1+#ppt_h/2"/>
-                                          </p:val>
-                                        </p:tav>
-                                        <p:tav tm="100000">
-                                          <p:val>
-                                            <p:strVal val="#ppt_y"/>
-                                          </p:val>
-                                        </p:tav>
-                                      </p:tavLst>
-                                    </p:anim>
-                                  </p:childTnLst>
-                                </p:cTn>
-                              </p:par>
-                            </p:childTnLst>
-                          </p:cTn>
-                        </p:par>
-                      </p:childTnLst>
-                    </p:cTn>
-                  </p:par>
-                  <p:par>
-                    <p:cTn id="15" fill="hold">
-                      <p:stCondLst>
-                        <p:cond delay="indefinite"/>
-                      </p:stCondLst>
-                      <p:childTnLst>
-                        <p:par>
-                          <p:cTn id="16" fill="hold">
-                            <p:stCondLst>
-                              <p:cond delay="0"/>
-                            </p:stCondLst>
-                            <p:childTnLst>
-                              <p:par>
-                                <p:cTn id="17" presetID="2" presetClass="entr" presetSubtype="4" fill="hold" nodeType="clickEffect">
-                                  <p:stCondLst>
-                                    <p:cond delay="0"/>
-                                  </p:stCondLst>
-                                  <p:childTnLst>
-                                    <p:set>
-                                      <p:cBhvr>
-                                        <p:cTn id="18" dur="1" fill="hold">
-                                          <p:stCondLst>
-                                            <p:cond delay="0"/>
-                                          </p:stCondLst>
-                                        </p:cTn>
-                                        <p:tgtEl>
-                                          <p:spTgt spid="6"/>
-                                        </p:tgtEl>
-                                        <p:attrNameLst>
-                                          <p:attrName>style.visibility</p:attrName>
-                                        </p:attrNameLst>
-                                      </p:cBhvr>
-                                      <p:to>
-                                        <p:strVal val="visible"/>
-                                      </p:to>
-                                    </p:set>
-                                    <p:anim calcmode="lin" valueType="num">
-                                      <p:cBhvr additive="base">
-                                        <p:cTn id="19" dur="500" fill="hold"/>
-                                        <p:tgtEl>
-                                          <p:spTgt spid="6"/>
-                                        </p:tgtEl>
-                                        <p:attrNameLst>
-                                          <p:attrName>ppt_x</p:attrName>
-                                        </p:attrNameLst>
-                                      </p:cBhvr>
-                                      <p:tavLst>
-                                        <p:tav tm="0">
-                                          <p:val>
-                                            <p:strVal val="#ppt_x"/>
-                                          </p:val>
-                                        </p:tav>
-                                        <p:tav tm="100000">
-                                          <p:val>
-                                            <p:strVal val="#ppt_x"/>
-                                          </p:val>
-                                        </p:tav>
-                                      </p:tavLst>
-                                    </p:anim>
-                                    <p:anim calcmode="lin" valueType="num">
-                                      <p:cBhvr additive="base">
-                                        <p:cTn id="20" dur="500" fill="hold"/>
-                                        <p:tgtEl>
-                                          <p:spTgt spid="6"/>
-                                        </p:tgtEl>
-                                        <p:attrNameLst>
-                                          <p:attrName>ppt_y</p:attrName>
-                                        </p:attrNameLst>
-                                      </p:cBhvr>
-                                      <p:tavLst>
-                                        <p:tav tm="0">
-                                          <p:val>
-                                            <p:strVal val="1+#ppt_h/2"/>
-                                          </p:val>
-                                        </p:tav>
-                                        <p:tav tm="100000">
-                                          <p:val>
-                                            <p:strVal val="#ppt_y"/>
-                                          </p:val>
-                                        </p:tav>
-                                      </p:tavLst>
-                                    </p:anim>
-                                  </p:childTnLst>
-                                </p:cTn>
-                              </p:par>
-                            </p:childTnLst>
-                          </p:cTn>
-                        </p:par>
-                      </p:childTnLst>
-                    </p:cTn>
-                  </p:par>
-                  <p:par>
-                    <p:cTn id="21" fill="hold">
-                      <p:stCondLst>
-                        <p:cond delay="indefinite"/>
-                      </p:stCondLst>
-                      <p:childTnLst>
-                        <p:par>
-                          <p:cTn id="22" fill="hold">
-                            <p:stCondLst>
-                              <p:cond delay="0"/>
-                            </p:stCondLst>
-                            <p:childTnLst>
-                              <p:par>
-                                <p:cTn id="23" presetID="2" presetClass="entr" presetSubtype="4" fill="hold" nodeType="clickEffect">
-                                  <p:stCondLst>
-                                    <p:cond delay="0"/>
-                                  </p:stCondLst>
-                                  <p:childTnLst>
-                                    <p:set>
-                                      <p:cBhvr>
-                                        <p:cTn id="24" dur="1" fill="hold">
-                                          <p:stCondLst>
-                                            <p:cond delay="0"/>
-                                          </p:stCondLst>
-                                        </p:cTn>
-                                        <p:tgtEl>
-                                          <p:spTgt spid="22"/>
-                                        </p:tgtEl>
-                                        <p:attrNameLst>
-                                          <p:attrName>style.visibility</p:attrName>
-                                        </p:attrNameLst>
-                                      </p:cBhvr>
-                                      <p:to>
-                                        <p:strVal val="visible"/>
-                                      </p:to>
-                                    </p:set>
-                                    <p:anim calcmode="lin" valueType="num">
-                                      <p:cBhvr additive="base">
-                                        <p:cTn id="25" dur="500" fill="hold"/>
-                                        <p:tgtEl>
-                                          <p:spTgt spid="22"/>
-                                        </p:tgtEl>
-                                        <p:attrNameLst>
-                                          <p:attrName>ppt_x</p:attrName>
-                                        </p:attrNameLst>
-                                      </p:cBhvr>
-                                      <p:tavLst>
-                                        <p:tav tm="0">
-                                          <p:val>
-                                            <p:strVal val="#ppt_x"/>
-                                          </p:val>
-                                        </p:tav>
-                                        <p:tav tm="100000">
-                                          <p:val>
-                                            <p:strVal val="#ppt_x"/>
-                                          </p:val>
-                                        </p:tav>
-                                      </p:tavLst>
-                                    </p:anim>
-                                    <p:anim calcmode="lin" valueType="num">
-                                      <p:cBhvr additive="base">
-                                        <p:cTn id="26" dur="500" fill="hold"/>
-                                        <p:tgtEl>
-                                          <p:spTgt spid="22"/>
-                                        </p:tgtEl>
-                                        <p:attrNameLst>
-                                          <p:attrName>ppt_y</p:attrName>
-                                        </p:attrNameLst>
-                                      </p:cBhvr>
-                                      <p:tavLst>
-                                        <p:tav tm="0">
-                                          <p:val>
-                                            <p:strVal val="1+#ppt_h/2"/>
-                                          </p:val>
-                                        </p:tav>
-                                        <p:tav tm="100000">
-                                          <p:val>
-                                            <p:strVal val="#ppt_y"/>
-                                          </p:val>
-                                        </p:tav>
-                                      </p:tavLst>
-                                    </p:anim>
-                                  </p:childTnLst>
-                                </p:cTn>
-                              </p:par>
-                            </p:childTnLst>
-                          </p:cTn>
-                        </p:par>
-                      </p:childTnLst>
-                    </p:cTn>
-                  </p:par>
-                </p:childTnLst>
-              </p:cTn>
-              <p:prevCondLst>
-                <p:cond evt="onPrev" delay="0">
-                  <p:tgtEl>
-                    <p:sldTgt/>
-                  </p:tgtEl>
-                </p:cond>
-              </p:prevCondLst>
-              <p:nextCondLst>
-                <p:cond evt="onNext" delay="0">
-                  <p:tgtEl>
-                    <p:sldTgt/>
-                  </p:tgtEl>
-                </p:cond>
-              </p:nextCondLst>
-            </p:seq>
-          </p:childTnLst>
-        </p:cTn>
-      </p:par>
-    </p:tnLst>
-  </p:timing>
 </p:sld>
 </file>
 

--- a/Sales Forecasting.pptx
+++ b/Sales Forecasting.pptx
@@ -13,6 +13,7 @@
     <p:sldId id="263" r:id="rId7"/>
     <p:sldId id="266" r:id="rId8"/>
     <p:sldId id="264" r:id="rId9"/>
+    <p:sldId id="269" r:id="rId10"/>
   </p:sldIdLst>
   <p:sldSz cx="12192000" cy="6858000"/>
   <p:notesSz cx="6858000" cy="9144000"/>
@@ -317,7 +318,7 @@
           <a:p>
             <a:fld id="{4AAD347D-5ACD-4C99-B74B-A9C85AD731AF}" type="datetimeFigureOut">
               <a:rPr lang="en-US" dirty="0"/>
-              <a:t>9/23/2020</a:t>
+              <a:t>9/27/2020</a:t>
             </a:fld>
             <a:endParaRPr lang="en-US" dirty="0"/>
           </a:p>
@@ -587,7 +588,7 @@
           <a:p>
             <a:fld id="{4509A250-FF31-4206-8172-F9D3106AACB1}" type="datetimeFigureOut">
               <a:rPr lang="en-US" dirty="0"/>
-              <a:t>9/23/2020</a:t>
+              <a:t>9/27/2020</a:t>
             </a:fld>
             <a:endParaRPr lang="en-US" dirty="0"/>
           </a:p>
@@ -776,7 +777,7 @@
           <a:p>
             <a:fld id="{4509A250-FF31-4206-8172-F9D3106AACB1}" type="datetimeFigureOut">
               <a:rPr lang="en-US" dirty="0"/>
-              <a:t>9/23/2020</a:t>
+              <a:t>9/27/2020</a:t>
             </a:fld>
             <a:endParaRPr lang="en-US" dirty="0"/>
           </a:p>
@@ -1044,7 +1045,7 @@
           <a:p>
             <a:fld id="{4509A250-FF31-4206-8172-F9D3106AACB1}" type="datetimeFigureOut">
               <a:rPr lang="en-US" dirty="0"/>
-              <a:t>9/23/2020</a:t>
+              <a:t>9/27/2020</a:t>
             </a:fld>
             <a:endParaRPr lang="en-US" dirty="0"/>
           </a:p>
@@ -1380,7 +1381,7 @@
           <a:p>
             <a:fld id="{4509A250-FF31-4206-8172-F9D3106AACB1}" type="datetimeFigureOut">
               <a:rPr lang="en-US" dirty="0"/>
-              <a:t>9/23/2020</a:t>
+              <a:t>9/27/2020</a:t>
             </a:fld>
             <a:endParaRPr lang="en-US" dirty="0"/>
           </a:p>
@@ -1998,7 +1999,7 @@
           <a:p>
             <a:fld id="{4509A250-FF31-4206-8172-F9D3106AACB1}" type="datetimeFigureOut">
               <a:rPr lang="en-US" dirty="0"/>
-              <a:t>9/23/2020</a:t>
+              <a:t>9/27/2020</a:t>
             </a:fld>
             <a:endParaRPr lang="en-US" dirty="0"/>
           </a:p>
@@ -2853,7 +2854,7 @@
           <a:p>
             <a:fld id="{4509A250-FF31-4206-8172-F9D3106AACB1}" type="datetimeFigureOut">
               <a:rPr lang="en-US" dirty="0"/>
-              <a:t>9/23/2020</a:t>
+              <a:t>9/27/2020</a:t>
             </a:fld>
             <a:endParaRPr lang="en-US" dirty="0"/>
           </a:p>
@@ -3018,7 +3019,7 @@
           <a:p>
             <a:fld id="{4509A250-FF31-4206-8172-F9D3106AACB1}" type="datetimeFigureOut">
               <a:rPr lang="en-US" dirty="0"/>
-              <a:t>9/23/2020</a:t>
+              <a:t>9/27/2020</a:t>
             </a:fld>
             <a:endParaRPr lang="en-US" dirty="0"/>
           </a:p>
@@ -3193,7 +3194,7 @@
           <a:p>
             <a:fld id="{4509A250-FF31-4206-8172-F9D3106AACB1}" type="datetimeFigureOut">
               <a:rPr lang="en-US" dirty="0"/>
-              <a:t>9/23/2020</a:t>
+              <a:t>9/27/2020</a:t>
             </a:fld>
             <a:endParaRPr lang="en-US" dirty="0"/>
           </a:p>
@@ -3358,7 +3359,7 @@
           <a:p>
             <a:fld id="{4509A250-FF31-4206-8172-F9D3106AACB1}" type="datetimeFigureOut">
               <a:rPr lang="en-US" dirty="0"/>
-              <a:t>9/23/2020</a:t>
+              <a:t>9/27/2020</a:t>
             </a:fld>
             <a:endParaRPr lang="en-US" dirty="0"/>
           </a:p>
@@ -3600,7 +3601,7 @@
           <a:p>
             <a:fld id="{9796027F-7875-4030-9381-8BD8C4F21935}" type="datetimeFigureOut">
               <a:rPr lang="en-US" dirty="0"/>
-              <a:t>9/23/2020</a:t>
+              <a:t>9/27/2020</a:t>
             </a:fld>
             <a:endParaRPr lang="en-US" dirty="0"/>
           </a:p>
@@ -3887,7 +3888,7 @@
           <a:p>
             <a:fld id="{9796027F-7875-4030-9381-8BD8C4F21935}" type="datetimeFigureOut">
               <a:rPr lang="en-US" dirty="0"/>
-              <a:t>9/23/2020</a:t>
+              <a:t>9/27/2020</a:t>
             </a:fld>
             <a:endParaRPr lang="en-US" dirty="0"/>
           </a:p>
@@ -4326,7 +4327,7 @@
           <a:p>
             <a:fld id="{9796027F-7875-4030-9381-8BD8C4F21935}" type="datetimeFigureOut">
               <a:rPr lang="en-US" dirty="0"/>
-              <a:t>9/23/2020</a:t>
+              <a:t>9/27/2020</a:t>
             </a:fld>
             <a:endParaRPr lang="en-US" dirty="0"/>
           </a:p>
@@ -4439,7 +4440,7 @@
           <a:p>
             <a:fld id="{4509A250-FF31-4206-8172-F9D3106AACB1}" type="datetimeFigureOut">
               <a:rPr lang="en-US" dirty="0"/>
-              <a:t>9/23/2020</a:t>
+              <a:t>9/27/2020</a:t>
             </a:fld>
             <a:endParaRPr lang="en-US" dirty="0"/>
           </a:p>
@@ -4529,7 +4530,7 @@
           <a:p>
             <a:fld id="{4509A250-FF31-4206-8172-F9D3106AACB1}" type="datetimeFigureOut">
               <a:rPr lang="en-US" dirty="0"/>
-              <a:t>9/23/2020</a:t>
+              <a:t>9/27/2020</a:t>
             </a:fld>
             <a:endParaRPr lang="en-US" dirty="0"/>
           </a:p>
@@ -4803,7 +4804,7 @@
           <a:p>
             <a:fld id="{4509A250-FF31-4206-8172-F9D3106AACB1}" type="datetimeFigureOut">
               <a:rPr lang="en-US" dirty="0"/>
-              <a:t>9/23/2020</a:t>
+              <a:t>9/27/2020</a:t>
             </a:fld>
             <a:endParaRPr lang="en-US" dirty="0"/>
           </a:p>
@@ -5073,7 +5074,7 @@
           <a:p>
             <a:fld id="{4509A250-FF31-4206-8172-F9D3106AACB1}" type="datetimeFigureOut">
               <a:rPr lang="en-US" dirty="0"/>
-              <a:t>9/23/2020</a:t>
+              <a:t>9/27/2020</a:t>
             </a:fld>
             <a:endParaRPr lang="en-US" dirty="0"/>
           </a:p>
@@ -5497,7 +5498,7 @@
           <a:p>
             <a:fld id="{4AAD347D-5ACD-4C99-B74B-A9C85AD731AF}" type="datetimeFigureOut">
               <a:rPr lang="en-US" dirty="0"/>
-              <a:t>9/23/2020</a:t>
+              <a:t>9/27/2020</a:t>
             </a:fld>
             <a:endParaRPr lang="en-US" dirty="0"/>
           </a:p>
@@ -7108,116 +7109,6 @@
           </a:p>
         </p:txBody>
       </p:sp>
-      <p:sp>
-        <p:nvSpPr>
-          <p:cNvPr id="5" name="TextBox 4">
-            <a:extLst>
-              <a:ext uri="{FF2B5EF4-FFF2-40B4-BE49-F238E27FC236}">
-                <a16:creationId xmlns:a16="http://schemas.microsoft.com/office/drawing/2014/main" id="{07ED7006-78FC-45FE-BA49-65059639B98D}"/>
-              </a:ext>
-            </a:extLst>
-          </p:cNvPr>
-          <p:cNvSpPr txBox="1"/>
-          <p:nvPr/>
-        </p:nvSpPr>
-        <p:spPr>
-          <a:xfrm>
-            <a:off x="8309946" y="5750005"/>
-            <a:ext cx="3701785" cy="738664"/>
-          </a:xfrm>
-          <a:prstGeom prst="rect">
-            <a:avLst/>
-          </a:prstGeom>
-          <a:noFill/>
-        </p:spPr>
-        <p:txBody>
-          <a:bodyPr wrap="square" rtlCol="0">
-            <a:spAutoFit/>
-          </a:bodyPr>
-          <a:lstStyle/>
-          <a:p>
-            <a:r>
-              <a:rPr lang="en-US" sz="1400" b="1" dirty="0">
-                <a:solidFill>
-                  <a:schemeClr val="bg2">
-                    <a:lumMod val="50000"/>
-                  </a:schemeClr>
-                </a:solidFill>
-                <a:hlinkClick r:id="rId3">
-                  <a:extLst>
-                    <a:ext uri="{A12FA001-AC4F-418D-AE19-62706E023703}">
-                      <ahyp:hlinkClr xmlns:ahyp="http://schemas.microsoft.com/office/drawing/2018/hyperlinkcolor" val="tx"/>
-                    </a:ext>
-                  </a:extLst>
-                </a:hlinkClick>
-              </a:rPr>
-              <a:t>khwajajalal@gmail.com</a:t>
-            </a:r>
-            <a:endParaRPr lang="en-US" sz="1400" b="1" dirty="0">
-              <a:solidFill>
-                <a:schemeClr val="bg2">
-                  <a:lumMod val="50000"/>
-                </a:schemeClr>
-              </a:solidFill>
-            </a:endParaRPr>
-          </a:p>
-          <a:p>
-            <a:r>
-              <a:rPr lang="en-US" sz="1400" b="1" dirty="0">
-                <a:solidFill>
-                  <a:schemeClr val="bg2">
-                    <a:lumMod val="50000"/>
-                  </a:schemeClr>
-                </a:solidFill>
-                <a:hlinkClick r:id="rId4">
-                  <a:extLst>
-                    <a:ext uri="{A12FA001-AC4F-418D-AE19-62706E023703}">
-                      <ahyp:hlinkClr xmlns:ahyp="http://schemas.microsoft.com/office/drawing/2018/hyperlinkcolor" val="tx"/>
-                    </a:ext>
-                  </a:extLst>
-                </a:hlinkClick>
-              </a:rPr>
-              <a:t>www.linkedin.com/in/</a:t>
-            </a:r>
-            <a:r>
-              <a:rPr lang="en-US" sz="1400" b="1" u="sng" dirty="0">
-                <a:solidFill>
-                  <a:schemeClr val="bg2">
-                    <a:lumMod val="50000"/>
-                  </a:schemeClr>
-                </a:solidFill>
-                <a:hlinkClick r:id="rId4">
-                  <a:extLst>
-                    <a:ext uri="{A12FA001-AC4F-418D-AE19-62706E023703}">
-                      <ahyp:hlinkClr xmlns:ahyp="http://schemas.microsoft.com/office/drawing/2018/hyperlinkcolor" val="tx"/>
-                    </a:ext>
-                  </a:extLst>
-                </a:hlinkClick>
-              </a:rPr>
-              <a:t>khwaja</a:t>
-            </a:r>
-            <a:r>
-              <a:rPr lang="en-US" sz="1400" b="1" u="sng" dirty="0">
-                <a:solidFill>
-                  <a:schemeClr val="bg2">
-                    <a:lumMod val="50000"/>
-                  </a:schemeClr>
-                </a:solidFill>
-              </a:rPr>
-              <a:t>jalal</a:t>
-            </a:r>
-          </a:p>
-          <a:p>
-            <a:endParaRPr lang="en-US" sz="1400" dirty="0">
-              <a:solidFill>
-                <a:schemeClr val="accent4">
-                  <a:lumMod val="50000"/>
-                </a:schemeClr>
-              </a:solidFill>
-            </a:endParaRPr>
-          </a:p>
-        </p:txBody>
-      </p:sp>
     </p:spTree>
     <p:extLst>
       <p:ext uri="{BB962C8B-B14F-4D97-AF65-F5344CB8AC3E}">
@@ -7301,7 +7192,7 @@
             </a:pPr>
             <a:r>
               <a:rPr lang="en-US" sz="2000" dirty="0"/>
-              <a:t>1C is widely acknowledged as a game developer.  </a:t>
+              <a:t>1C is widely acknowledged as a game developer and has several internal studios.  </a:t>
             </a:r>
           </a:p>
           <a:p>
@@ -8768,12 +8659,100 @@
           </a:fontRef>
         </p:style>
       </p:sp>
+      <p:sp>
+        <p:nvSpPr>
+          <p:cNvPr id="7" name="TextBox 6">
+            <a:extLst>
+              <a:ext uri="{FF2B5EF4-FFF2-40B4-BE49-F238E27FC236}">
+                <a16:creationId xmlns:a16="http://schemas.microsoft.com/office/drawing/2014/main" id="{9394BDD9-69AD-4700-9DD9-234D01908A4D}"/>
+              </a:ext>
+            </a:extLst>
+          </p:cNvPr>
+          <p:cNvSpPr txBox="1"/>
+          <p:nvPr/>
+        </p:nvSpPr>
+        <p:spPr>
+          <a:xfrm>
+            <a:off x="261284" y="521357"/>
+            <a:ext cx="3482519" cy="1477328"/>
+          </a:xfrm>
+          <a:prstGeom prst="rect">
+            <a:avLst/>
+          </a:prstGeom>
+          <a:noFill/>
+        </p:spPr>
+        <p:txBody>
+          <a:bodyPr wrap="square" rtlCol="0">
+            <a:spAutoFit/>
+          </a:bodyPr>
+          <a:lstStyle/>
+          <a:p>
+            <a:pPr marL="285750" indent="-285750">
+              <a:buFont typeface="Arial" panose="020B0604020202020204" pitchFamily="34" charset="0"/>
+              <a:buChar char="•"/>
+            </a:pPr>
+            <a:r>
+              <a:rPr lang="en-US" dirty="0"/>
+              <a:t>Almost all of the top 10 items are game related. However, Grand Theft Auto V has the  highest number of sales. </a:t>
+            </a:r>
+          </a:p>
+        </p:txBody>
+      </p:sp>
+      <p:sp>
+        <p:nvSpPr>
+          <p:cNvPr id="8" name="TextBox 7">
+            <a:extLst>
+              <a:ext uri="{FF2B5EF4-FFF2-40B4-BE49-F238E27FC236}">
+                <a16:creationId xmlns:a16="http://schemas.microsoft.com/office/drawing/2014/main" id="{97E126A3-53C8-472A-9E49-02EEAF1194D2}"/>
+              </a:ext>
+            </a:extLst>
+          </p:cNvPr>
+          <p:cNvSpPr txBox="1"/>
+          <p:nvPr/>
+        </p:nvSpPr>
+        <p:spPr>
+          <a:xfrm>
+            <a:off x="446160" y="3981923"/>
+            <a:ext cx="3544827" cy="1754326"/>
+          </a:xfrm>
+          <a:prstGeom prst="rect">
+            <a:avLst/>
+          </a:prstGeom>
+          <a:noFill/>
+        </p:spPr>
+        <p:txBody>
+          <a:bodyPr wrap="square" rtlCol="0">
+            <a:spAutoFit/>
+          </a:bodyPr>
+          <a:lstStyle/>
+          <a:p>
+            <a:pPr marL="285750" indent="-285750">
+              <a:buFont typeface="Arial" panose="020B0604020202020204" pitchFamily="34" charset="0"/>
+              <a:buChar char="•"/>
+            </a:pPr>
+            <a:r>
+              <a:rPr lang="en-US" dirty="0"/>
+              <a:t>77 Percent of all the items are below 1,000 Rubles (equivalent to 14 USD).</a:t>
+            </a:r>
+          </a:p>
+          <a:p>
+            <a:pPr marL="285750" indent="-285750">
+              <a:buFont typeface="Arial" panose="020B0604020202020204" pitchFamily="34" charset="0"/>
+              <a:buChar char="•"/>
+            </a:pPr>
+            <a:r>
+              <a:rPr lang="en-US" dirty="0"/>
+              <a:t>The average item price is 399 Rubles(equivalent to 5.6 USD).</a:t>
+            </a:r>
+          </a:p>
+        </p:txBody>
+      </p:sp>
       <p:pic>
         <p:nvPicPr>
-          <p:cNvPr id="5" name="Content Placeholder 63" descr="A picture containing computer&#10;&#10;Description automatically generated">
+          <p:cNvPr id="9" name="Content Placeholder 8" descr="Chart, histogram&#10;&#10;Description automatically generated">
             <a:extLst>
               <a:ext uri="{FF2B5EF4-FFF2-40B4-BE49-F238E27FC236}">
-                <a16:creationId xmlns:a16="http://schemas.microsoft.com/office/drawing/2014/main" id="{75283A82-5AE3-4699-B47C-23730B7137A4}"/>
+                <a16:creationId xmlns:a16="http://schemas.microsoft.com/office/drawing/2014/main" id="{F756B126-CFB8-40F8-9E1E-CF006A1724BA}"/>
               </a:ext>
             </a:extLst>
           </p:cNvPr>
@@ -8792,21 +8771,17 @@
         </p:blipFill>
         <p:spPr>
           <a:xfrm>
-            <a:off x="4493292" y="3844867"/>
-            <a:ext cx="7475795" cy="2706057"/>
+            <a:off x="4483172" y="3402762"/>
+            <a:ext cx="7262668" cy="3381383"/>
           </a:xfrm>
-          <a:prstGeom prst="rect">
-            <a:avLst/>
-          </a:prstGeom>
-          <a:effectLst/>
         </p:spPr>
       </p:pic>
       <p:pic>
         <p:nvPicPr>
-          <p:cNvPr id="6" name="Content Placeholder 57" descr="A screenshot of a cell phone&#10;&#10;Description automatically generated">
+          <p:cNvPr id="13" name="Picture 12" descr="Chart&#10;&#10;Description automatically generated">
             <a:extLst>
               <a:ext uri="{FF2B5EF4-FFF2-40B4-BE49-F238E27FC236}">
-                <a16:creationId xmlns:a16="http://schemas.microsoft.com/office/drawing/2014/main" id="{D82C0D91-F9D2-4053-8300-70239ED50258}"/>
+                <a16:creationId xmlns:a16="http://schemas.microsoft.com/office/drawing/2014/main" id="{6A463FF9-58F6-4E4C-9165-8D8CE801785D}"/>
               </a:ext>
             </a:extLst>
           </p:cNvPr>
@@ -8823,103 +8798,14 @@
         </p:blipFill>
         <p:spPr>
           <a:xfrm>
-            <a:off x="4507582" y="21919"/>
-            <a:ext cx="7423134" cy="3045414"/>
+            <a:off x="4507582" y="73855"/>
+            <a:ext cx="7423134" cy="2947641"/>
           </a:xfrm>
           <a:prstGeom prst="rect">
             <a:avLst/>
           </a:prstGeom>
-          <a:effectLst/>
         </p:spPr>
       </p:pic>
-      <p:sp>
-        <p:nvSpPr>
-          <p:cNvPr id="7" name="TextBox 6">
-            <a:extLst>
-              <a:ext uri="{FF2B5EF4-FFF2-40B4-BE49-F238E27FC236}">
-                <a16:creationId xmlns:a16="http://schemas.microsoft.com/office/drawing/2014/main" id="{9394BDD9-69AD-4700-9DD9-234D01908A4D}"/>
-              </a:ext>
-            </a:extLst>
-          </p:cNvPr>
-          <p:cNvSpPr txBox="1"/>
-          <p:nvPr/>
-        </p:nvSpPr>
-        <p:spPr>
-          <a:xfrm>
-            <a:off x="261284" y="521357"/>
-            <a:ext cx="3482519" cy="1754326"/>
-          </a:xfrm>
-          <a:prstGeom prst="rect">
-            <a:avLst/>
-          </a:prstGeom>
-          <a:noFill/>
-        </p:spPr>
-        <p:txBody>
-          <a:bodyPr wrap="square" rtlCol="0">
-            <a:spAutoFit/>
-          </a:bodyPr>
-          <a:lstStyle/>
-          <a:p>
-            <a:pPr marL="285750" indent="-285750">
-              <a:buFont typeface="Arial" panose="020B0604020202020204" pitchFamily="34" charset="0"/>
-              <a:buChar char="•"/>
-            </a:pPr>
-            <a:r>
-              <a:rPr lang="en-US" dirty="0"/>
-              <a:t>All of the top 10 items are game related. However, Sony Play Station 4 console has the  highest amount of sales with more than 200 millions Rubles. </a:t>
-            </a:r>
-          </a:p>
-        </p:txBody>
-      </p:sp>
-      <p:sp>
-        <p:nvSpPr>
-          <p:cNvPr id="8" name="TextBox 7">
-            <a:extLst>
-              <a:ext uri="{FF2B5EF4-FFF2-40B4-BE49-F238E27FC236}">
-                <a16:creationId xmlns:a16="http://schemas.microsoft.com/office/drawing/2014/main" id="{97E126A3-53C8-472A-9E49-02EEAF1194D2}"/>
-              </a:ext>
-            </a:extLst>
-          </p:cNvPr>
-          <p:cNvSpPr txBox="1"/>
-          <p:nvPr/>
-        </p:nvSpPr>
-        <p:spPr>
-          <a:xfrm>
-            <a:off x="446160" y="3981923"/>
-            <a:ext cx="3544827" cy="1754326"/>
-          </a:xfrm>
-          <a:prstGeom prst="rect">
-            <a:avLst/>
-          </a:prstGeom>
-          <a:noFill/>
-        </p:spPr>
-        <p:txBody>
-          <a:bodyPr wrap="square" rtlCol="0">
-            <a:spAutoFit/>
-          </a:bodyPr>
-          <a:lstStyle/>
-          <a:p>
-            <a:pPr marL="285750" indent="-285750">
-              <a:buFont typeface="Arial" panose="020B0604020202020204" pitchFamily="34" charset="0"/>
-              <a:buChar char="•"/>
-            </a:pPr>
-            <a:r>
-              <a:rPr lang="en-US" dirty="0"/>
-              <a:t>77 Percent of all the items are below 1,000 Rubles (equivalent to 14 USD).</a:t>
-            </a:r>
-          </a:p>
-          <a:p>
-            <a:pPr marL="285750" indent="-285750">
-              <a:buFont typeface="Arial" panose="020B0604020202020204" pitchFamily="34" charset="0"/>
-              <a:buChar char="•"/>
-            </a:pPr>
-            <a:r>
-              <a:rPr lang="en-US" dirty="0"/>
-              <a:t>The average item price is 890 Rubles(equivalent to 12.5 USD).</a:t>
-            </a:r>
-          </a:p>
-        </p:txBody>
-      </p:sp>
     </p:spTree>
     <p:extLst>
       <p:ext uri="{BB962C8B-B14F-4D97-AF65-F5344CB8AC3E}">
@@ -8964,7 +8850,7 @@
                                           </p:stCondLst>
                                         </p:cTn>
                                         <p:tgtEl>
-                                          <p:spTgt spid="5"/>
+                                          <p:spTgt spid="9"/>
                                         </p:tgtEl>
                                         <p:attrNameLst>
                                           <p:attrName>style.visibility</p:attrName>
@@ -8978,7 +8864,7 @@
                                       <p:cBhvr additive="base">
                                         <p:cTn id="7" dur="500" fill="hold"/>
                                         <p:tgtEl>
-                                          <p:spTgt spid="5"/>
+                                          <p:spTgt spid="9"/>
                                         </p:tgtEl>
                                         <p:attrNameLst>
                                           <p:attrName>ppt_x</p:attrName>
@@ -9001,7 +8887,7 @@
                                       <p:cBhvr additive="base">
                                         <p:cTn id="8" dur="500" fill="hold"/>
                                         <p:tgtEl>
-                                          <p:spTgt spid="5"/>
+                                          <p:spTgt spid="9"/>
                                         </p:tgtEl>
                                         <p:attrNameLst>
                                           <p:attrName>ppt_y</p:attrName>
@@ -13572,7 +13458,7 @@
                             </p:stCondLst>
                             <p:childTnLst>
                               <p:par>
-                                <p:cTn id="11" presetID="2" presetClass="entr" presetSubtype="4" fill="hold" grpId="0" nodeType="clickEffect">
+                                <p:cTn id="11" presetID="2" presetClass="entr" presetSubtype="4" fill="hold" nodeType="clickEffect">
                                   <p:stCondLst>
                                     <p:cond delay="0"/>
                                   </p:stCondLst>
@@ -13580,6 +13466,97 @@
                                     <p:set>
                                       <p:cBhvr>
                                         <p:cTn id="12" dur="1" fill="hold">
+                                          <p:stCondLst>
+                                            <p:cond delay="0"/>
+                                          </p:stCondLst>
+                                        </p:cTn>
+                                        <p:tgtEl>
+                                          <p:spTgt spid="8"/>
+                                        </p:tgtEl>
+                                        <p:attrNameLst>
+                                          <p:attrName>style.visibility</p:attrName>
+                                        </p:attrNameLst>
+                                      </p:cBhvr>
+                                      <p:to>
+                                        <p:strVal val="visible"/>
+                                      </p:to>
+                                    </p:set>
+                                    <p:anim calcmode="lin" valueType="num">
+                                      <p:cBhvr additive="base">
+                                        <p:cTn id="13" dur="500" fill="hold"/>
+                                        <p:tgtEl>
+                                          <p:spTgt spid="8"/>
+                                        </p:tgtEl>
+                                        <p:attrNameLst>
+                                          <p:attrName>ppt_x</p:attrName>
+                                        </p:attrNameLst>
+                                      </p:cBhvr>
+                                      <p:tavLst>
+                                        <p:tav tm="0">
+                                          <p:val>
+                                            <p:strVal val="#ppt_x"/>
+                                          </p:val>
+                                        </p:tav>
+                                        <p:tav tm="100000">
+                                          <p:val>
+                                            <p:strVal val="#ppt_x"/>
+                                          </p:val>
+                                        </p:tav>
+                                      </p:tavLst>
+                                    </p:anim>
+                                    <p:anim calcmode="lin" valueType="num">
+                                      <p:cBhvr additive="base">
+                                        <p:cTn id="14" dur="500" fill="hold"/>
+                                        <p:tgtEl>
+                                          <p:spTgt spid="8"/>
+                                        </p:tgtEl>
+                                        <p:attrNameLst>
+                                          <p:attrName>ppt_y</p:attrName>
+                                        </p:attrNameLst>
+                                      </p:cBhvr>
+                                      <p:tavLst>
+                                        <p:tav tm="0">
+                                          <p:val>
+                                            <p:strVal val="1+#ppt_h/2"/>
+                                          </p:val>
+                                        </p:tav>
+                                        <p:tav tm="100000">
+                                          <p:val>
+                                            <p:strVal val="#ppt_y"/>
+                                          </p:val>
+                                        </p:tav>
+                                      </p:tavLst>
+                                    </p:anim>
+                                  </p:childTnLst>
+                                </p:cTn>
+                              </p:par>
+                            </p:childTnLst>
+                          </p:cTn>
+                        </p:par>
+                      </p:childTnLst>
+                    </p:cTn>
+                  </p:par>
+                  <p:par>
+                    <p:cTn id="15" fill="hold">
+                      <p:stCondLst>
+                        <p:cond delay="indefinite"/>
+                      </p:stCondLst>
+                      <p:childTnLst>
+                        <p:par>
+                          <p:cTn id="16" fill="hold">
+                            <p:stCondLst>
+                              <p:cond delay="0"/>
+                            </p:stCondLst>
+                            <p:childTnLst>
+                              <p:par>
+                                <p:cTn id="17" presetID="2" presetClass="entr" presetSubtype="4" fill="hold" grpId="0" nodeType="clickEffect">
+                                  <p:stCondLst>
+                                    <p:cond delay="0"/>
+                                  </p:stCondLst>
+                                  <p:childTnLst>
+                                    <p:set>
+                                      <p:cBhvr>
+                                        <p:cTn id="18" dur="1" fill="hold">
                                           <p:stCondLst>
                                             <p:cond delay="0"/>
                                           </p:stCondLst>
@@ -13597,7 +13574,7 @@
                                     </p:set>
                                     <p:anim calcmode="lin" valueType="num">
                                       <p:cBhvr additive="base">
-                                        <p:cTn id="13" dur="500" fill="hold"/>
+                                        <p:cTn id="19" dur="500" fill="hold"/>
                                         <p:tgtEl>
                                           <p:spTgt spid="20"/>
                                         </p:tgtEl>
@@ -13620,7 +13597,7 @@
                                     </p:anim>
                                     <p:anim calcmode="lin" valueType="num">
                                       <p:cBhvr additive="base">
-                                        <p:cTn id="14" dur="500" fill="hold"/>
+                                        <p:cTn id="20" dur="500" fill="hold"/>
                                         <p:tgtEl>
                                           <p:spTgt spid="20"/>
                                         </p:tgtEl>
@@ -15127,6 +15104,218 @@
   <p:clrMapOvr>
     <a:overrideClrMapping bg1="lt1" tx1="dk1" bg2="lt2" tx2="dk2" accent1="accent1" accent2="accent2" accent3="accent3" accent4="accent4" accent5="accent5" accent6="accent6" hlink="hlink" folHlink="folHlink"/>
   </p:clrMapOvr>
+  <p:timing>
+    <p:tnLst>
+      <p:par>
+        <p:cTn id="1" dur="indefinite" restart="never" nodeType="tmRoot">
+          <p:childTnLst>
+            <p:seq concurrent="1" nextAc="seek">
+              <p:cTn id="2" dur="indefinite" nodeType="mainSeq">
+                <p:childTnLst>
+                  <p:par>
+                    <p:cTn id="3" fill="hold">
+                      <p:stCondLst>
+                        <p:cond delay="indefinite"/>
+                      </p:stCondLst>
+                      <p:childTnLst>
+                        <p:par>
+                          <p:cTn id="4" fill="hold">
+                            <p:stCondLst>
+                              <p:cond delay="0"/>
+                            </p:stCondLst>
+                            <p:childTnLst>
+                              <p:par>
+                                <p:cTn id="5" presetID="2" presetClass="entr" presetSubtype="4" fill="hold" nodeType="clickEffect">
+                                  <p:stCondLst>
+                                    <p:cond delay="0"/>
+                                  </p:stCondLst>
+                                  <p:childTnLst>
+                                    <p:set>
+                                      <p:cBhvr>
+                                        <p:cTn id="6" dur="1" fill="hold">
+                                          <p:stCondLst>
+                                            <p:cond delay="0"/>
+                                          </p:stCondLst>
+                                        </p:cTn>
+                                        <p:tgtEl>
+                                          <p:spTgt spid="19"/>
+                                        </p:tgtEl>
+                                        <p:attrNameLst>
+                                          <p:attrName>style.visibility</p:attrName>
+                                        </p:attrNameLst>
+                                      </p:cBhvr>
+                                      <p:to>
+                                        <p:strVal val="visible"/>
+                                      </p:to>
+                                    </p:set>
+                                    <p:anim calcmode="lin" valueType="num">
+                                      <p:cBhvr additive="base">
+                                        <p:cTn id="7" dur="500" fill="hold"/>
+                                        <p:tgtEl>
+                                          <p:spTgt spid="19"/>
+                                        </p:tgtEl>
+                                        <p:attrNameLst>
+                                          <p:attrName>ppt_x</p:attrName>
+                                        </p:attrNameLst>
+                                      </p:cBhvr>
+                                      <p:tavLst>
+                                        <p:tav tm="0">
+                                          <p:val>
+                                            <p:strVal val="#ppt_x"/>
+                                          </p:val>
+                                        </p:tav>
+                                        <p:tav tm="100000">
+                                          <p:val>
+                                            <p:strVal val="#ppt_x"/>
+                                          </p:val>
+                                        </p:tav>
+                                      </p:tavLst>
+                                    </p:anim>
+                                    <p:anim calcmode="lin" valueType="num">
+                                      <p:cBhvr additive="base">
+                                        <p:cTn id="8" dur="500" fill="hold"/>
+                                        <p:tgtEl>
+                                          <p:spTgt spid="19"/>
+                                        </p:tgtEl>
+                                        <p:attrNameLst>
+                                          <p:attrName>ppt_y</p:attrName>
+                                        </p:attrNameLst>
+                                      </p:cBhvr>
+                                      <p:tavLst>
+                                        <p:tav tm="0">
+                                          <p:val>
+                                            <p:strVal val="1+#ppt_h/2"/>
+                                          </p:val>
+                                        </p:tav>
+                                        <p:tav tm="100000">
+                                          <p:val>
+                                            <p:strVal val="#ppt_y"/>
+                                          </p:val>
+                                        </p:tav>
+                                      </p:tavLst>
+                                    </p:anim>
+                                  </p:childTnLst>
+                                </p:cTn>
+                              </p:par>
+                            </p:childTnLst>
+                          </p:cTn>
+                        </p:par>
+                      </p:childTnLst>
+                    </p:cTn>
+                  </p:par>
+                  <p:par>
+                    <p:cTn id="9" fill="hold">
+                      <p:stCondLst>
+                        <p:cond delay="indefinite"/>
+                      </p:stCondLst>
+                      <p:childTnLst>
+                        <p:par>
+                          <p:cTn id="10" fill="hold">
+                            <p:stCondLst>
+                              <p:cond delay="0"/>
+                            </p:stCondLst>
+                            <p:childTnLst>
+                              <p:par>
+                                <p:cTn id="11" presetID="2" presetClass="entr" presetSubtype="4" fill="hold" nodeType="clickEffect">
+                                  <p:stCondLst>
+                                    <p:cond delay="0"/>
+                                  </p:stCondLst>
+                                  <p:childTnLst>
+                                    <p:set>
+                                      <p:cBhvr>
+                                        <p:cTn id="12" dur="1" fill="hold">
+                                          <p:stCondLst>
+                                            <p:cond delay="0"/>
+                                          </p:stCondLst>
+                                        </p:cTn>
+                                        <p:tgtEl>
+                                          <p:spTgt spid="23"/>
+                                        </p:tgtEl>
+                                        <p:attrNameLst>
+                                          <p:attrName>style.visibility</p:attrName>
+                                        </p:attrNameLst>
+                                      </p:cBhvr>
+                                      <p:to>
+                                        <p:strVal val="visible"/>
+                                      </p:to>
+                                    </p:set>
+                                    <p:anim calcmode="lin" valueType="num">
+                                      <p:cBhvr additive="base">
+                                        <p:cTn id="13" dur="500" fill="hold"/>
+                                        <p:tgtEl>
+                                          <p:spTgt spid="23"/>
+                                        </p:tgtEl>
+                                        <p:attrNameLst>
+                                          <p:attrName>ppt_x</p:attrName>
+                                        </p:attrNameLst>
+                                      </p:cBhvr>
+                                      <p:tavLst>
+                                        <p:tav tm="0">
+                                          <p:val>
+                                            <p:strVal val="#ppt_x"/>
+                                          </p:val>
+                                        </p:tav>
+                                        <p:tav tm="100000">
+                                          <p:val>
+                                            <p:strVal val="#ppt_x"/>
+                                          </p:val>
+                                        </p:tav>
+                                      </p:tavLst>
+                                    </p:anim>
+                                    <p:anim calcmode="lin" valueType="num">
+                                      <p:cBhvr additive="base">
+                                        <p:cTn id="14" dur="500" fill="hold"/>
+                                        <p:tgtEl>
+                                          <p:spTgt spid="23"/>
+                                        </p:tgtEl>
+                                        <p:attrNameLst>
+                                          <p:attrName>ppt_y</p:attrName>
+                                        </p:attrNameLst>
+                                      </p:cBhvr>
+                                      <p:tavLst>
+                                        <p:tav tm="0">
+                                          <p:val>
+                                            <p:strVal val="1+#ppt_h/2"/>
+                                          </p:val>
+                                        </p:tav>
+                                        <p:tav tm="100000">
+                                          <p:val>
+                                            <p:strVal val="#ppt_y"/>
+                                          </p:val>
+                                        </p:tav>
+                                      </p:tavLst>
+                                    </p:anim>
+                                  </p:childTnLst>
+                                </p:cTn>
+                              </p:par>
+                            </p:childTnLst>
+                          </p:cTn>
+                        </p:par>
+                      </p:childTnLst>
+                    </p:cTn>
+                  </p:par>
+                </p:childTnLst>
+              </p:cTn>
+              <p:prevCondLst>
+                <p:cond evt="onPrev" delay="0">
+                  <p:tgtEl>
+                    <p:sldTgt/>
+                  </p:tgtEl>
+                </p:cond>
+              </p:prevCondLst>
+              <p:nextCondLst>
+                <p:cond evt="onNext" delay="0">
+                  <p:tgtEl>
+                    <p:sldTgt/>
+                  </p:tgtEl>
+                </p:cond>
+              </p:nextCondLst>
+            </p:seq>
+          </p:childTnLst>
+        </p:cTn>
+      </p:par>
+    </p:tnLst>
+  </p:timing>
 </p:sld>
 </file>
 
@@ -15214,7 +15403,15 @@
           <a:p>
             <a:r>
               <a:rPr lang="en-US" dirty="0"/>
-              <a:t>The forecasted sales for next two months,  i.e.  November and December are very promising. Adding some additional initiatives like holidays sales will increase the total sales even more.</a:t>
+              <a:t>The forecasted sales for next two months,  i.e.  November </a:t>
+            </a:r>
+            <a:r>
+              <a:rPr lang="en-US"/>
+              <a:t>and December 2015 </a:t>
+            </a:r>
+            <a:r>
+              <a:rPr lang="en-US" dirty="0"/>
+              <a:t>are very promising. Adding some additional initiatives like holidays sales will increase the total sales even more.</a:t>
             </a:r>
           </a:p>
           <a:p>
@@ -15538,6 +15735,215 @@
       <p:bldP spid="11" grpId="0" build="p"/>
     </p:bldLst>
   </p:timing>
+</p:sld>
+</file>
+
+<file path=ppt/slides/slide9.xml><?xml version="1.0" encoding="utf-8"?>
+<p:sld xmlns:a="http://schemas.openxmlformats.org/drawingml/2006/main" xmlns:r="http://schemas.openxmlformats.org/officeDocument/2006/relationships" xmlns:p="http://schemas.openxmlformats.org/presentationml/2006/main">
+  <p:cSld>
+    <p:spTree>
+      <p:nvGrpSpPr>
+        <p:cNvPr id="1" name=""/>
+        <p:cNvGrpSpPr/>
+        <p:nvPr/>
+      </p:nvGrpSpPr>
+      <p:grpSpPr>
+        <a:xfrm>
+          <a:off x="0" y="0"/>
+          <a:ext cx="0" cy="0"/>
+          <a:chOff x="0" y="0"/>
+          <a:chExt cx="0" cy="0"/>
+        </a:xfrm>
+      </p:grpSpPr>
+      <p:sp>
+        <p:nvSpPr>
+          <p:cNvPr id="6" name="TextBox 5">
+            <a:extLst>
+              <a:ext uri="{FF2B5EF4-FFF2-40B4-BE49-F238E27FC236}">
+                <a16:creationId xmlns:a16="http://schemas.microsoft.com/office/drawing/2014/main" id="{F5887415-3027-483D-89D1-B8DAE1D4E505}"/>
+              </a:ext>
+            </a:extLst>
+          </p:cNvPr>
+          <p:cNvSpPr txBox="1"/>
+          <p:nvPr/>
+        </p:nvSpPr>
+        <p:spPr>
+          <a:xfrm>
+            <a:off x="1267702" y="5477050"/>
+            <a:ext cx="4027629" cy="1200329"/>
+          </a:xfrm>
+          <a:prstGeom prst="rect">
+            <a:avLst/>
+          </a:prstGeom>
+          <a:noFill/>
+        </p:spPr>
+        <p:txBody>
+          <a:bodyPr wrap="square" rtlCol="0">
+            <a:spAutoFit/>
+          </a:bodyPr>
+          <a:lstStyle/>
+          <a:p>
+            <a:r>
+              <a:rPr lang="en-US" b="1" dirty="0">
+                <a:hlinkClick r:id="">
+                  <a:extLst>
+                    <a:ext uri="{A12FA001-AC4F-418D-AE19-62706E023703}">
+                      <ahyp:hlinkClr xmlns:ahyp="http://schemas.microsoft.com/office/drawing/2018/hyperlinkcolor" val="tx"/>
+                    </a:ext>
+                  </a:extLst>
+                </a:hlinkClick>
+              </a:rPr>
+              <a:t>(646) 462-0092</a:t>
+            </a:r>
+          </a:p>
+          <a:p>
+            <a:r>
+              <a:rPr lang="en-US" b="1" dirty="0">
+                <a:hlinkClick r:id="">
+                  <a:extLst>
+                    <a:ext uri="{A12FA001-AC4F-418D-AE19-62706E023703}">
+                      <ahyp:hlinkClr xmlns:ahyp="http://schemas.microsoft.com/office/drawing/2018/hyperlinkcolor" val="tx"/>
+                    </a:ext>
+                  </a:extLst>
+                </a:hlinkClick>
+              </a:rPr>
+              <a:t>khwajajalal</a:t>
+            </a:r>
+            <a:r>
+              <a:rPr lang="en-US" b="1" dirty="0">
+                <a:hlinkClick r:id="rId2">
+                  <a:extLst>
+                    <a:ext uri="{A12FA001-AC4F-418D-AE19-62706E023703}">
+                      <ahyp:hlinkClr xmlns:ahyp="http://schemas.microsoft.com/office/drawing/2018/hyperlinkcolor" val="tx"/>
+                    </a:ext>
+                  </a:extLst>
+                </a:hlinkClick>
+              </a:rPr>
+              <a:t>@gmail.com</a:t>
+            </a:r>
+            <a:endParaRPr lang="en-US" b="1" dirty="0"/>
+          </a:p>
+          <a:p>
+            <a:r>
+              <a:rPr lang="en-US" b="1" dirty="0">
+                <a:hlinkClick r:id="rId3">
+                  <a:extLst>
+                    <a:ext uri="{A12FA001-AC4F-418D-AE19-62706E023703}">
+                      <ahyp:hlinkClr xmlns:ahyp="http://schemas.microsoft.com/office/drawing/2018/hyperlinkcolor" val="tx"/>
+                    </a:ext>
+                  </a:extLst>
+                </a:hlinkClick>
+              </a:rPr>
+              <a:t>www.linkedin.com/in/</a:t>
+            </a:r>
+            <a:r>
+              <a:rPr lang="en-US" b="1" u="sng" dirty="0">
+                <a:hlinkClick r:id="rId3">
+                  <a:extLst>
+                    <a:ext uri="{A12FA001-AC4F-418D-AE19-62706E023703}">
+                      <ahyp:hlinkClr xmlns:ahyp="http://schemas.microsoft.com/office/drawing/2018/hyperlinkcolor" val="tx"/>
+                    </a:ext>
+                  </a:extLst>
+                </a:hlinkClick>
+              </a:rPr>
+              <a:t>khwaja</a:t>
+            </a:r>
+            <a:r>
+              <a:rPr lang="en-US" b="1" u="sng" dirty="0"/>
+              <a:t>jalal</a:t>
+            </a:r>
+          </a:p>
+          <a:p>
+            <a:endParaRPr lang="en-US" dirty="0"/>
+          </a:p>
+        </p:txBody>
+      </p:sp>
+      <p:sp>
+        <p:nvSpPr>
+          <p:cNvPr id="7" name="Oval 6">
+            <a:extLst>
+              <a:ext uri="{FF2B5EF4-FFF2-40B4-BE49-F238E27FC236}">
+                <a16:creationId xmlns:a16="http://schemas.microsoft.com/office/drawing/2014/main" id="{8D4C2B6E-ABB7-4B38-915C-2166978FF259}"/>
+              </a:ext>
+            </a:extLst>
+          </p:cNvPr>
+          <p:cNvSpPr/>
+          <p:nvPr/>
+        </p:nvSpPr>
+        <p:spPr>
+          <a:xfrm>
+            <a:off x="2213049" y="1413806"/>
+            <a:ext cx="7356143" cy="4030387"/>
+          </a:xfrm>
+          <a:prstGeom prst="ellipse">
+            <a:avLst/>
+          </a:prstGeom>
+        </p:spPr>
+        <p:style>
+          <a:lnRef idx="2">
+            <a:schemeClr val="accent6"/>
+          </a:lnRef>
+          <a:fillRef idx="1">
+            <a:schemeClr val="lt1"/>
+          </a:fillRef>
+          <a:effectRef idx="0">
+            <a:schemeClr val="accent6"/>
+          </a:effectRef>
+          <a:fontRef idx="minor">
+            <a:schemeClr val="dk1"/>
+          </a:fontRef>
+        </p:style>
+        <p:txBody>
+          <a:bodyPr rtlCol="0" anchor="ctr"/>
+          <a:lstStyle/>
+          <a:p>
+            <a:pPr algn="ctr"/>
+            <a:r>
+              <a:rPr lang="en-US" sz="3600" b="1" dirty="0">
+                <a:solidFill>
+                  <a:schemeClr val="accent4">
+                    <a:lumMod val="75000"/>
+                  </a:schemeClr>
+                </a:solidFill>
+              </a:rPr>
+              <a:t>Thank You</a:t>
+            </a:r>
+          </a:p>
+          <a:p>
+            <a:pPr algn="ctr"/>
+            <a:endParaRPr lang="en-US" sz="3600" b="1" dirty="0">
+              <a:solidFill>
+                <a:schemeClr val="accent4">
+                  <a:lumMod val="75000"/>
+                </a:schemeClr>
+              </a:solidFill>
+            </a:endParaRPr>
+          </a:p>
+          <a:p>
+            <a:pPr algn="ctr"/>
+            <a:r>
+              <a:rPr lang="en-US" sz="3600" b="1" dirty="0">
+                <a:solidFill>
+                  <a:schemeClr val="accent4">
+                    <a:lumMod val="75000"/>
+                  </a:schemeClr>
+                </a:solidFill>
+              </a:rPr>
+              <a:t>Any Question</a:t>
+            </a:r>
+          </a:p>
+        </p:txBody>
+      </p:sp>
+    </p:spTree>
+    <p:extLst>
+      <p:ext uri="{BB962C8B-B14F-4D97-AF65-F5344CB8AC3E}">
+        <p14:creationId xmlns:p14="http://schemas.microsoft.com/office/powerpoint/2010/main" val="1754712178"/>
+      </p:ext>
+    </p:extLst>
+  </p:cSld>
+  <p:clrMapOvr>
+    <a:masterClrMapping/>
+  </p:clrMapOvr>
 </p:sld>
 </file>
 

--- a/Sales Forecasting.pptx
+++ b/Sales Forecasting.pptx
@@ -8749,19 +8749,17 @@
       </p:sp>
       <p:pic>
         <p:nvPicPr>
-          <p:cNvPr id="9" name="Content Placeholder 8" descr="Chart, histogram&#10;&#10;Description automatically generated">
+          <p:cNvPr id="17" name="Picture 16" descr="Chart&#10;&#10;Description automatically generated">
             <a:extLst>
               <a:ext uri="{FF2B5EF4-FFF2-40B4-BE49-F238E27FC236}">
-                <a16:creationId xmlns:a16="http://schemas.microsoft.com/office/drawing/2014/main" id="{F756B126-CFB8-40F8-9E1E-CF006A1724BA}"/>
+                <a16:creationId xmlns:a16="http://schemas.microsoft.com/office/drawing/2014/main" id="{3A4ACB11-BC95-461E-A54F-176BD31830D9}"/>
               </a:ext>
             </a:extLst>
           </p:cNvPr>
           <p:cNvPicPr>
-            <a:picLocks noGrp="1" noChangeAspect="1"/>
+            <a:picLocks noChangeAspect="1"/>
           </p:cNvPicPr>
-          <p:nvPr>
-            <p:ph sz="half" idx="1"/>
-          </p:nvPr>
+          <p:nvPr/>
         </p:nvPicPr>
         <p:blipFill>
           <a:blip r:embed="rId7"/>
@@ -8771,24 +8769,29 @@
         </p:blipFill>
         <p:spPr>
           <a:xfrm>
-            <a:off x="4483172" y="3402762"/>
-            <a:ext cx="7262668" cy="3381383"/>
+            <a:off x="4483172" y="118473"/>
+            <a:ext cx="7399169" cy="2967627"/>
           </a:xfrm>
+          <a:prstGeom prst="rect">
+            <a:avLst/>
+          </a:prstGeom>
         </p:spPr>
       </p:pic>
       <p:pic>
         <p:nvPicPr>
-          <p:cNvPr id="13" name="Picture 12" descr="Chart&#10;&#10;Description automatically generated">
+          <p:cNvPr id="21" name="Content Placeholder 20" descr="Chart, histogram&#10;&#10;Description automatically generated">
             <a:extLst>
               <a:ext uri="{FF2B5EF4-FFF2-40B4-BE49-F238E27FC236}">
-                <a16:creationId xmlns:a16="http://schemas.microsoft.com/office/drawing/2014/main" id="{6A463FF9-58F6-4E4C-9165-8D8CE801785D}"/>
+                <a16:creationId xmlns:a16="http://schemas.microsoft.com/office/drawing/2014/main" id="{DD915E76-7A3B-4213-B21A-6B049853C30B}"/>
               </a:ext>
             </a:extLst>
           </p:cNvPr>
           <p:cNvPicPr>
-            <a:picLocks noChangeAspect="1"/>
+            <a:picLocks noGrp="1" noChangeAspect="1"/>
           </p:cNvPicPr>
-          <p:nvPr/>
+          <p:nvPr>
+            <p:ph sz="half" idx="1"/>
+          </p:nvPr>
         </p:nvPicPr>
         <p:blipFill>
           <a:blip r:embed="rId8"/>
@@ -8798,12 +8801,9 @@
         </p:blipFill>
         <p:spPr>
           <a:xfrm>
-            <a:off x="4507582" y="73855"/>
-            <a:ext cx="7423134" cy="2947641"/>
+            <a:off x="5151320" y="3338357"/>
+            <a:ext cx="6608743" cy="3358307"/>
           </a:xfrm>
-          <a:prstGeom prst="rect">
-            <a:avLst/>
-          </a:prstGeom>
         </p:spPr>
       </p:pic>
     </p:spTree>
@@ -8837,7 +8837,7 @@
                             </p:stCondLst>
                             <p:childTnLst>
                               <p:par>
-                                <p:cTn id="5" presetID="2" presetClass="entr" presetSubtype="4" fill="hold" nodeType="clickEffect">
+                                <p:cTn id="5" presetID="2" presetClass="entr" presetSubtype="4" fill="hold" grpId="0" nodeType="clickEffect">
                                   <p:stCondLst>
                                     <p:cond delay="0"/>
                                   </p:stCondLst>
@@ -8845,97 +8845,6 @@
                                     <p:set>
                                       <p:cBhvr>
                                         <p:cTn id="6" dur="1" fill="hold">
-                                          <p:stCondLst>
-                                            <p:cond delay="0"/>
-                                          </p:stCondLst>
-                                        </p:cTn>
-                                        <p:tgtEl>
-                                          <p:spTgt spid="9"/>
-                                        </p:tgtEl>
-                                        <p:attrNameLst>
-                                          <p:attrName>style.visibility</p:attrName>
-                                        </p:attrNameLst>
-                                      </p:cBhvr>
-                                      <p:to>
-                                        <p:strVal val="visible"/>
-                                      </p:to>
-                                    </p:set>
-                                    <p:anim calcmode="lin" valueType="num">
-                                      <p:cBhvr additive="base">
-                                        <p:cTn id="7" dur="500" fill="hold"/>
-                                        <p:tgtEl>
-                                          <p:spTgt spid="9"/>
-                                        </p:tgtEl>
-                                        <p:attrNameLst>
-                                          <p:attrName>ppt_x</p:attrName>
-                                        </p:attrNameLst>
-                                      </p:cBhvr>
-                                      <p:tavLst>
-                                        <p:tav tm="0">
-                                          <p:val>
-                                            <p:strVal val="#ppt_x"/>
-                                          </p:val>
-                                        </p:tav>
-                                        <p:tav tm="100000">
-                                          <p:val>
-                                            <p:strVal val="#ppt_x"/>
-                                          </p:val>
-                                        </p:tav>
-                                      </p:tavLst>
-                                    </p:anim>
-                                    <p:anim calcmode="lin" valueType="num">
-                                      <p:cBhvr additive="base">
-                                        <p:cTn id="8" dur="500" fill="hold"/>
-                                        <p:tgtEl>
-                                          <p:spTgt spid="9"/>
-                                        </p:tgtEl>
-                                        <p:attrNameLst>
-                                          <p:attrName>ppt_y</p:attrName>
-                                        </p:attrNameLst>
-                                      </p:cBhvr>
-                                      <p:tavLst>
-                                        <p:tav tm="0">
-                                          <p:val>
-                                            <p:strVal val="1+#ppt_h/2"/>
-                                          </p:val>
-                                        </p:tav>
-                                        <p:tav tm="100000">
-                                          <p:val>
-                                            <p:strVal val="#ppt_y"/>
-                                          </p:val>
-                                        </p:tav>
-                                      </p:tavLst>
-                                    </p:anim>
-                                  </p:childTnLst>
-                                </p:cTn>
-                              </p:par>
-                            </p:childTnLst>
-                          </p:cTn>
-                        </p:par>
-                      </p:childTnLst>
-                    </p:cTn>
-                  </p:par>
-                  <p:par>
-                    <p:cTn id="9" fill="hold">
-                      <p:stCondLst>
-                        <p:cond delay="indefinite"/>
-                      </p:stCondLst>
-                      <p:childTnLst>
-                        <p:par>
-                          <p:cTn id="10" fill="hold">
-                            <p:stCondLst>
-                              <p:cond delay="0"/>
-                            </p:stCondLst>
-                            <p:childTnLst>
-                              <p:par>
-                                <p:cTn id="11" presetID="2" presetClass="entr" presetSubtype="4" fill="hold" grpId="0" nodeType="clickEffect">
-                                  <p:stCondLst>
-                                    <p:cond delay="0"/>
-                                  </p:stCondLst>
-                                  <p:childTnLst>
-                                    <p:set>
-                                      <p:cBhvr>
-                                        <p:cTn id="12" dur="1" fill="hold">
                                           <p:stCondLst>
                                             <p:cond delay="0"/>
                                           </p:stCondLst>
@@ -8953,7 +8862,7 @@
                                     </p:set>
                                     <p:anim calcmode="lin" valueType="num">
                                       <p:cBhvr additive="base">
-                                        <p:cTn id="13" dur="500" fill="hold"/>
+                                        <p:cTn id="7" dur="500" fill="hold"/>
                                         <p:tgtEl>
                                           <p:spTgt spid="8"/>
                                         </p:tgtEl>
@@ -8976,7 +8885,7 @@
                                     </p:anim>
                                     <p:anim calcmode="lin" valueType="num">
                                       <p:cBhvr additive="base">
-                                        <p:cTn id="14" dur="500" fill="hold"/>
+                                        <p:cTn id="8" dur="500" fill="hold"/>
                                         <p:tgtEl>
                                           <p:spTgt spid="8"/>
                                         </p:tgtEl>
@@ -11569,10 +11478,10 @@
       </p:sp>
       <p:pic>
         <p:nvPicPr>
-          <p:cNvPr id="31" name="Picture 30" descr="A screenshot of a cell phone&#10;&#10;Description automatically generated">
+          <p:cNvPr id="67" name="Picture 66" descr="A screenshot of a cell phone&#10;&#10;Description automatically generated">
             <a:extLst>
               <a:ext uri="{FF2B5EF4-FFF2-40B4-BE49-F238E27FC236}">
-                <a16:creationId xmlns:a16="http://schemas.microsoft.com/office/drawing/2014/main" id="{5B9ED6FD-D3ED-43EB-8C72-E97BA94E2400}"/>
+                <a16:creationId xmlns:a16="http://schemas.microsoft.com/office/drawing/2014/main" id="{6331B2FC-D64D-442C-907E-A7184FAFBCE7}"/>
               </a:ext>
             </a:extLst>
           </p:cNvPr>
@@ -11589,8 +11498,8 @@
         </p:blipFill>
         <p:spPr>
           <a:xfrm>
-            <a:off x="7208232" y="129408"/>
-            <a:ext cx="4543180" cy="3984492"/>
+            <a:off x="273353" y="215515"/>
+            <a:ext cx="5994195" cy="3837051"/>
           </a:xfrm>
           <a:prstGeom prst="rect">
             <a:avLst/>
@@ -11599,10 +11508,10 @@
       </p:pic>
       <p:pic>
         <p:nvPicPr>
-          <p:cNvPr id="67" name="Picture 66" descr="A screenshot of a cell phone&#10;&#10;Description automatically generated">
+          <p:cNvPr id="3" name="Picture 2" descr="Chart, bar chart&#10;&#10;Description automatically generated">
             <a:extLst>
               <a:ext uri="{FF2B5EF4-FFF2-40B4-BE49-F238E27FC236}">
-                <a16:creationId xmlns:a16="http://schemas.microsoft.com/office/drawing/2014/main" id="{6331B2FC-D64D-442C-907E-A7184FAFBCE7}"/>
+                <a16:creationId xmlns:a16="http://schemas.microsoft.com/office/drawing/2014/main" id="{1903519B-AA05-4937-9A50-FE4A3D248A3F}"/>
               </a:ext>
             </a:extLst>
           </p:cNvPr>
@@ -11619,8 +11528,8 @@
         </p:blipFill>
         <p:spPr>
           <a:xfrm>
-            <a:off x="273353" y="215515"/>
-            <a:ext cx="5994195" cy="3837051"/>
+            <a:off x="7430722" y="89004"/>
+            <a:ext cx="4337780" cy="4020991"/>
           </a:xfrm>
           <a:prstGeom prst="rect">
             <a:avLst/>
@@ -11671,7 +11580,7 @@
                                           </p:stCondLst>
                                         </p:cTn>
                                         <p:tgtEl>
-                                          <p:spTgt spid="31"/>
+                                          <p:spTgt spid="3"/>
                                         </p:tgtEl>
                                         <p:attrNameLst>
                                           <p:attrName>style.visibility</p:attrName>
@@ -11685,7 +11594,7 @@
                                       <p:cBhvr additive="base">
                                         <p:cTn id="7" dur="500" fill="hold"/>
                                         <p:tgtEl>
-                                          <p:spTgt spid="31"/>
+                                          <p:spTgt spid="3"/>
                                         </p:tgtEl>
                                         <p:attrNameLst>
                                           <p:attrName>ppt_x</p:attrName>
@@ -11708,7 +11617,7 @@
                                       <p:cBhvr additive="base">
                                         <p:cTn id="8" dur="500" fill="hold"/>
                                         <p:tgtEl>
-                                          <p:spTgt spid="31"/>
+                                          <p:spTgt spid="3"/>
                                         </p:tgtEl>
                                         <p:attrNameLst>
                                           <p:attrName>ppt_y</p:attrName>
@@ -15397,21 +15306,13 @@
           <a:p>
             <a:r>
               <a:rPr lang="en-US" dirty="0"/>
-              <a:t>Replacing the discarded items with new items with higher potential of sales. </a:t>
+              <a:t>Replacing the discarded items with new items. </a:t>
             </a:r>
           </a:p>
           <a:p>
             <a:r>
               <a:rPr lang="en-US" dirty="0"/>
-              <a:t>The forecasted sales for next two months,  i.e.  November </a:t>
-            </a:r>
-            <a:r>
-              <a:rPr lang="en-US"/>
-              <a:t>and December 2015 </a:t>
-            </a:r>
-            <a:r>
-              <a:rPr lang="en-US" dirty="0"/>
-              <a:t>are very promising. Adding some additional initiatives like holidays sales will increase the total sales even more.</a:t>
+              <a:t>The forecasted sales for next two months,  i.e.  November and December 2015 are very promising. Adding some additional initiatives like holidays sales will increase the total sales even more.</a:t>
             </a:r>
           </a:p>
           <a:p>
